--- a/tehtavat/tiedostot/maol/power_point/Racket-MAOL-5-6-turtle2.pptx
+++ b/tehtavat/tiedostot/maol/power_point/Racket-MAOL-5-6-turtle2.pptx
@@ -6,7 +6,7 @@
     <p:sldMasterId id="2147483703" r:id="rId2"/>
   </p:sldMasterIdLst>
   <p:notesMasterIdLst>
-    <p:notesMasterId r:id="rId14"/>
+    <p:notesMasterId r:id="rId15"/>
   </p:notesMasterIdLst>
   <p:sldIdLst>
     <p:sldId id="374" r:id="rId3"/>
@@ -17,14 +17,15 @@
     <p:sldId id="381" r:id="rId8"/>
     <p:sldId id="382" r:id="rId9"/>
     <p:sldId id="383" r:id="rId10"/>
-    <p:sldId id="377" r:id="rId11"/>
-    <p:sldId id="369" r:id="rId12"/>
-    <p:sldId id="372" r:id="rId13"/>
+    <p:sldId id="385" r:id="rId11"/>
+    <p:sldId id="377" r:id="rId12"/>
+    <p:sldId id="369" r:id="rId13"/>
+    <p:sldId id="372" r:id="rId14"/>
   </p:sldIdLst>
   <p:sldSz cx="9144000" cy="6858000" type="screen4x3"/>
   <p:notesSz cx="6858000" cy="9144000"/>
   <p:custDataLst>
-    <p:tags r:id="rId15"/>
+    <p:tags r:id="rId16"/>
   </p:custDataLst>
   <p:defaultTextStyle>
     <a:defPPr>
@@ -8225,6 +8226,1042 @@
       </p:grpSpPr>
       <p:pic>
         <p:nvPicPr>
+          <p:cNvPr id="5" name="Picture 4"/>
+          <p:cNvPicPr>
+            <a:picLocks noChangeAspect="1"/>
+          </p:cNvPicPr>
+          <p:nvPr/>
+        </p:nvPicPr>
+        <p:blipFill>
+          <a:blip r:embed="rId2"/>
+          <a:stretch>
+            <a:fillRect/>
+          </a:stretch>
+        </p:blipFill>
+        <p:spPr>
+          <a:xfrm>
+            <a:off x="269983" y="2170365"/>
+            <a:ext cx="4357534" cy="2285678"/>
+          </a:xfrm>
+          <a:prstGeom prst="rect">
+            <a:avLst/>
+          </a:prstGeom>
+        </p:spPr>
+      </p:pic>
+      <p:pic>
+        <p:nvPicPr>
+          <p:cNvPr id="3" name="Picture 8" descr="https://avatars0.githubusercontent.com/u/232371?v=3&amp;s=400"/>
+          <p:cNvPicPr>
+            <a:picLocks noChangeAspect="1" noChangeArrowheads="1"/>
+          </p:cNvPicPr>
+          <p:nvPr/>
+        </p:nvPicPr>
+        <p:blipFill>
+          <a:blip r:embed="rId3" cstate="print">
+            <a:extLst>
+              <a:ext uri="{28A0092B-C50C-407E-A947-70E740481C1C}">
+                <a14:useLocalDpi xmlns:a14="http://schemas.microsoft.com/office/drawing/2010/main" val="0"/>
+              </a:ext>
+            </a:extLst>
+          </a:blip>
+          <a:srcRect/>
+          <a:stretch>
+            <a:fillRect/>
+          </a:stretch>
+        </p:blipFill>
+        <p:spPr bwMode="auto">
+          <a:xfrm>
+            <a:off x="304089" y="5275663"/>
+            <a:ext cx="1254667" cy="1254668"/>
+          </a:xfrm>
+          <a:prstGeom prst="rect">
+            <a:avLst/>
+          </a:prstGeom>
+          <a:noFill/>
+          <a:ln>
+            <a:noFill/>
+          </a:ln>
+          <a:extLst>
+            <a:ext uri="{909E8E84-426E-40DD-AFC4-6F175D3DCCD1}">
+              <a14:hiddenFill xmlns:a14="http://schemas.microsoft.com/office/drawing/2010/main">
+                <a:solidFill>
+                  <a:srgbClr val="FFFFFF"/>
+                </a:solidFill>
+              </a14:hiddenFill>
+            </a:ext>
+            <a:ext uri="{91240B29-F687-4F45-9708-019B960494DF}">
+              <a14:hiddenLine xmlns:a14="http://schemas.microsoft.com/office/drawing/2010/main" w="9525">
+                <a:solidFill>
+                  <a:srgbClr val="000000"/>
+                </a:solidFill>
+                <a:miter lim="800000"/>
+                <a:headEnd/>
+                <a:tailEnd/>
+              </a14:hiddenLine>
+            </a:ext>
+          </a:extLst>
+        </p:spPr>
+      </p:pic>
+      <p:sp>
+        <p:nvSpPr>
+          <p:cNvPr id="10" name="Otsikko 1"/>
+          <p:cNvSpPr txBox="1">
+            <a:spLocks/>
+          </p:cNvSpPr>
+          <p:nvPr/>
+        </p:nvSpPr>
+        <p:spPr bwMode="auto">
+          <a:xfrm>
+            <a:off x="353192" y="752966"/>
+            <a:ext cx="5947000" cy="599694"/>
+          </a:xfrm>
+          <a:prstGeom prst="rect">
+            <a:avLst/>
+          </a:prstGeom>
+          <a:noFill/>
+          <a:ln>
+            <a:noFill/>
+          </a:ln>
+          <a:extLst>
+            <a:ext uri="{909E8E84-426E-40DD-AFC4-6F175D3DCCD1}">
+              <a14:hiddenFill xmlns:a14="http://schemas.microsoft.com/office/drawing/2010/main">
+                <a:solidFill>
+                  <a:srgbClr val="FFFFFF"/>
+                </a:solidFill>
+              </a14:hiddenFill>
+            </a:ext>
+            <a:ext uri="{91240B29-F687-4F45-9708-019B960494DF}">
+              <a14:hiddenLine xmlns:a14="http://schemas.microsoft.com/office/drawing/2010/main" w="9525">
+                <a:solidFill>
+                  <a:srgbClr val="000000"/>
+                </a:solidFill>
+                <a:round/>
+                <a:headEnd/>
+                <a:tailEnd/>
+              </a14:hiddenLine>
+            </a:ext>
+          </a:extLst>
+        </p:spPr>
+        <p:txBody>
+          <a:bodyPr vert="horz" wrap="square" lIns="90000" tIns="46800" rIns="90000" bIns="46800" numCol="1" anchor="ctr" anchorCtr="0" compatLnSpc="1">
+            <a:prstTxWarp prst="textNoShape">
+              <a:avLst/>
+            </a:prstTxWarp>
+          </a:bodyPr>
+          <a:lstStyle>
+            <a:lvl1pPr algn="ctr" defTabSz="449263" rtl="0" eaLnBrk="0" fontAlgn="base" hangingPunct="0">
+              <a:spcBef>
+                <a:spcPct val="0"/>
+              </a:spcBef>
+              <a:spcAft>
+                <a:spcPct val="0"/>
+              </a:spcAft>
+              <a:buClr>
+                <a:srgbClr val="000000"/>
+              </a:buClr>
+              <a:buSzPct val="100000"/>
+              <a:buFont typeface="Times New Roman" panose="02020603050405020304" pitchFamily="18" charset="0"/>
+              <a:defRPr sz="4400">
+                <a:solidFill>
+                  <a:srgbClr val="000000"/>
+                </a:solidFill>
+                <a:latin typeface="+mj-lt"/>
+                <a:ea typeface="+mj-ea"/>
+                <a:cs typeface="+mj-cs"/>
+              </a:defRPr>
+            </a:lvl1pPr>
+            <a:lvl2pPr algn="ctr" defTabSz="449263" rtl="0" eaLnBrk="0" fontAlgn="base" hangingPunct="0">
+              <a:spcBef>
+                <a:spcPct val="0"/>
+              </a:spcBef>
+              <a:spcAft>
+                <a:spcPct val="0"/>
+              </a:spcAft>
+              <a:buClr>
+                <a:srgbClr val="000000"/>
+              </a:buClr>
+              <a:buSzPct val="100000"/>
+              <a:buFont typeface="Times New Roman" panose="02020603050405020304" pitchFamily="18" charset="0"/>
+              <a:defRPr sz="4400">
+                <a:solidFill>
+                  <a:srgbClr val="000000"/>
+                </a:solidFill>
+                <a:latin typeface="Arial" charset="0"/>
+                <a:ea typeface="AR PL Mingti2L Big5" charset="0"/>
+                <a:cs typeface="AR PL Mingti2L Big5" charset="0"/>
+              </a:defRPr>
+            </a:lvl2pPr>
+            <a:lvl3pPr algn="ctr" defTabSz="449263" rtl="0" eaLnBrk="0" fontAlgn="base" hangingPunct="0">
+              <a:spcBef>
+                <a:spcPct val="0"/>
+              </a:spcBef>
+              <a:spcAft>
+                <a:spcPct val="0"/>
+              </a:spcAft>
+              <a:buClr>
+                <a:srgbClr val="000000"/>
+              </a:buClr>
+              <a:buSzPct val="100000"/>
+              <a:buFont typeface="Times New Roman" panose="02020603050405020304" pitchFamily="18" charset="0"/>
+              <a:defRPr sz="4400">
+                <a:solidFill>
+                  <a:srgbClr val="000000"/>
+                </a:solidFill>
+                <a:latin typeface="Arial" charset="0"/>
+                <a:ea typeface="AR PL Mingti2L Big5" charset="0"/>
+                <a:cs typeface="AR PL Mingti2L Big5" charset="0"/>
+              </a:defRPr>
+            </a:lvl3pPr>
+            <a:lvl4pPr algn="ctr" defTabSz="449263" rtl="0" eaLnBrk="0" fontAlgn="base" hangingPunct="0">
+              <a:spcBef>
+                <a:spcPct val="0"/>
+              </a:spcBef>
+              <a:spcAft>
+                <a:spcPct val="0"/>
+              </a:spcAft>
+              <a:buClr>
+                <a:srgbClr val="000000"/>
+              </a:buClr>
+              <a:buSzPct val="100000"/>
+              <a:buFont typeface="Times New Roman" panose="02020603050405020304" pitchFamily="18" charset="0"/>
+              <a:defRPr sz="4400">
+                <a:solidFill>
+                  <a:srgbClr val="000000"/>
+                </a:solidFill>
+                <a:latin typeface="Arial" charset="0"/>
+                <a:ea typeface="AR PL Mingti2L Big5" charset="0"/>
+                <a:cs typeface="AR PL Mingti2L Big5" charset="0"/>
+              </a:defRPr>
+            </a:lvl4pPr>
+            <a:lvl5pPr algn="ctr" defTabSz="449263" rtl="0" eaLnBrk="0" fontAlgn="base" hangingPunct="0">
+              <a:spcBef>
+                <a:spcPct val="0"/>
+              </a:spcBef>
+              <a:spcAft>
+                <a:spcPct val="0"/>
+              </a:spcAft>
+              <a:buClr>
+                <a:srgbClr val="000000"/>
+              </a:buClr>
+              <a:buSzPct val="100000"/>
+              <a:buFont typeface="Times New Roman" panose="02020603050405020304" pitchFamily="18" charset="0"/>
+              <a:defRPr sz="4400">
+                <a:solidFill>
+                  <a:srgbClr val="000000"/>
+                </a:solidFill>
+                <a:latin typeface="Arial" charset="0"/>
+                <a:ea typeface="AR PL Mingti2L Big5" charset="0"/>
+                <a:cs typeface="AR PL Mingti2L Big5" charset="0"/>
+              </a:defRPr>
+            </a:lvl5pPr>
+            <a:lvl6pPr marL="2514600" indent="-228600" algn="ctr" defTabSz="449263" rtl="0" fontAlgn="base">
+              <a:spcBef>
+                <a:spcPct val="0"/>
+              </a:spcBef>
+              <a:spcAft>
+                <a:spcPct val="0"/>
+              </a:spcAft>
+              <a:buClr>
+                <a:srgbClr val="000000"/>
+              </a:buClr>
+              <a:buSzPct val="100000"/>
+              <a:buFont typeface="Times New Roman" pitchFamily="16" charset="0"/>
+              <a:defRPr sz="4400">
+                <a:solidFill>
+                  <a:srgbClr val="000000"/>
+                </a:solidFill>
+                <a:latin typeface="Arial" charset="0"/>
+                <a:ea typeface="AR PL Mingti2L Big5" charset="0"/>
+                <a:cs typeface="AR PL Mingti2L Big5" charset="0"/>
+              </a:defRPr>
+            </a:lvl6pPr>
+            <a:lvl7pPr marL="2971800" indent="-228600" algn="ctr" defTabSz="449263" rtl="0" fontAlgn="base">
+              <a:spcBef>
+                <a:spcPct val="0"/>
+              </a:spcBef>
+              <a:spcAft>
+                <a:spcPct val="0"/>
+              </a:spcAft>
+              <a:buClr>
+                <a:srgbClr val="000000"/>
+              </a:buClr>
+              <a:buSzPct val="100000"/>
+              <a:buFont typeface="Times New Roman" pitchFamily="16" charset="0"/>
+              <a:defRPr sz="4400">
+                <a:solidFill>
+                  <a:srgbClr val="000000"/>
+                </a:solidFill>
+                <a:latin typeface="Arial" charset="0"/>
+                <a:ea typeface="AR PL Mingti2L Big5" charset="0"/>
+                <a:cs typeface="AR PL Mingti2L Big5" charset="0"/>
+              </a:defRPr>
+            </a:lvl7pPr>
+            <a:lvl8pPr marL="3429000" indent="-228600" algn="ctr" defTabSz="449263" rtl="0" fontAlgn="base">
+              <a:spcBef>
+                <a:spcPct val="0"/>
+              </a:spcBef>
+              <a:spcAft>
+                <a:spcPct val="0"/>
+              </a:spcAft>
+              <a:buClr>
+                <a:srgbClr val="000000"/>
+              </a:buClr>
+              <a:buSzPct val="100000"/>
+              <a:buFont typeface="Times New Roman" pitchFamily="16" charset="0"/>
+              <a:defRPr sz="4400">
+                <a:solidFill>
+                  <a:srgbClr val="000000"/>
+                </a:solidFill>
+                <a:latin typeface="Arial" charset="0"/>
+                <a:ea typeface="AR PL Mingti2L Big5" charset="0"/>
+                <a:cs typeface="AR PL Mingti2L Big5" charset="0"/>
+              </a:defRPr>
+            </a:lvl8pPr>
+            <a:lvl9pPr marL="3886200" indent="-228600" algn="ctr" defTabSz="449263" rtl="0" fontAlgn="base">
+              <a:spcBef>
+                <a:spcPct val="0"/>
+              </a:spcBef>
+              <a:spcAft>
+                <a:spcPct val="0"/>
+              </a:spcAft>
+              <a:buClr>
+                <a:srgbClr val="000000"/>
+              </a:buClr>
+              <a:buSzPct val="100000"/>
+              <a:buFont typeface="Times New Roman" pitchFamily="16" charset="0"/>
+              <a:defRPr sz="4400">
+                <a:solidFill>
+                  <a:srgbClr val="000000"/>
+                </a:solidFill>
+                <a:latin typeface="Arial" charset="0"/>
+                <a:ea typeface="AR PL Mingti2L Big5" charset="0"/>
+                <a:cs typeface="AR PL Mingti2L Big5" charset="0"/>
+              </a:defRPr>
+            </a:lvl9pPr>
+          </a:lstStyle>
+          <a:p>
+            <a:pPr algn="l"/>
+            <a:r>
+              <a:rPr lang="fi-FI" altLang="fi-FI" sz="4000" b="1" kern="0" dirty="0">
+                <a:solidFill>
+                  <a:schemeClr val="accent6">
+                    <a:lumMod val="75000"/>
+                  </a:schemeClr>
+                </a:solidFill>
+              </a:rPr>
+              <a:t>Turtle kartalla</a:t>
+            </a:r>
+          </a:p>
+        </p:txBody>
+      </p:sp>
+      <p:sp>
+        <p:nvSpPr>
+          <p:cNvPr id="17" name="Alatunnisteen paikkamerkki 16"/>
+          <p:cNvSpPr>
+            <a:spLocks noGrp="1"/>
+          </p:cNvSpPr>
+          <p:nvPr>
+            <p:ph type="ftr" sz="quarter" idx="11"/>
+          </p:nvPr>
+        </p:nvSpPr>
+        <p:spPr/>
+        <p:txBody>
+          <a:bodyPr/>
+          <a:lstStyle/>
+          <a:p>
+            <a:pPr algn="r">
+              <a:defRPr/>
+            </a:pPr>
+            <a:r>
+              <a:rPr lang="fi-FI" dirty="0"/>
+              <a:t>MAOL Ohjelmointia matematiikkaan</a:t>
+            </a:r>
+            <a:endParaRPr lang="ru-RU" dirty="0"/>
+          </a:p>
+        </p:txBody>
+      </p:sp>
+      <p:pic>
+        <p:nvPicPr>
+          <p:cNvPr id="33" name="Picture 2" descr="WeScheme Logo"/>
+          <p:cNvPicPr>
+            <a:picLocks noChangeAspect="1" noChangeArrowheads="1"/>
+          </p:cNvPicPr>
+          <p:nvPr/>
+        </p:nvPicPr>
+        <p:blipFill>
+          <a:blip r:embed="rId4" cstate="print">
+            <a:extLst>
+              <a:ext uri="{28A0092B-C50C-407E-A947-70E740481C1C}">
+                <a14:useLocalDpi xmlns:a14="http://schemas.microsoft.com/office/drawing/2010/main" val="0"/>
+              </a:ext>
+            </a:extLst>
+          </a:blip>
+          <a:srcRect/>
+          <a:stretch>
+            <a:fillRect/>
+          </a:stretch>
+        </p:blipFill>
+        <p:spPr bwMode="auto">
+          <a:xfrm>
+            <a:off x="7430064" y="5255870"/>
+            <a:ext cx="1495802" cy="1383832"/>
+          </a:xfrm>
+          <a:prstGeom prst="rect">
+            <a:avLst/>
+          </a:prstGeom>
+          <a:noFill/>
+          <a:ln>
+            <a:noFill/>
+          </a:ln>
+          <a:effectLst>
+            <a:outerShdw blurRad="50800" dist="38100" dir="5400000" algn="t" rotWithShape="0">
+              <a:prstClr val="black">
+                <a:alpha val="40000"/>
+              </a:prstClr>
+            </a:outerShdw>
+          </a:effectLst>
+          <a:extLst>
+            <a:ext uri="{909E8E84-426E-40DD-AFC4-6F175D3DCCD1}">
+              <a14:hiddenFill xmlns:a14="http://schemas.microsoft.com/office/drawing/2010/main">
+                <a:solidFill>
+                  <a:srgbClr val="FFFFFF"/>
+                </a:solidFill>
+              </a14:hiddenFill>
+            </a:ext>
+            <a:ext uri="{91240B29-F687-4F45-9708-019B960494DF}">
+              <a14:hiddenLine xmlns:a14="http://schemas.microsoft.com/office/drawing/2010/main" w="9525">
+                <a:solidFill>
+                  <a:srgbClr val="000000"/>
+                </a:solidFill>
+                <a:miter lim="800000"/>
+                <a:headEnd/>
+                <a:tailEnd/>
+              </a14:hiddenLine>
+            </a:ext>
+          </a:extLst>
+        </p:spPr>
+      </p:pic>
+      <p:sp>
+        <p:nvSpPr>
+          <p:cNvPr id="2" name="Rectangle 1"/>
+          <p:cNvSpPr/>
+          <p:nvPr/>
+        </p:nvSpPr>
+        <p:spPr>
+          <a:xfrm>
+            <a:off x="4447607" y="3244334"/>
+            <a:ext cx="248786" cy="369332"/>
+          </a:xfrm>
+          <a:prstGeom prst="rect">
+            <a:avLst/>
+          </a:prstGeom>
+        </p:spPr>
+        <p:txBody>
+          <a:bodyPr wrap="none">
+            <a:spAutoFit/>
+          </a:bodyPr>
+          <a:lstStyle/>
+          <a:p>
+            <a:r>
+              <a:rPr lang="fi-FI" dirty="0"/>
+              <a:t>.</a:t>
+            </a:r>
+          </a:p>
+        </p:txBody>
+      </p:sp>
+      <p:sp>
+        <p:nvSpPr>
+          <p:cNvPr id="32" name="Suorakulmio 42"/>
+          <p:cNvSpPr/>
+          <p:nvPr/>
+        </p:nvSpPr>
+        <p:spPr>
+          <a:xfrm>
+            <a:off x="7520381" y="3020817"/>
+            <a:ext cx="1315168" cy="584775"/>
+          </a:xfrm>
+          <a:prstGeom prst="rect">
+            <a:avLst/>
+          </a:prstGeom>
+          <a:solidFill>
+            <a:schemeClr val="accent2">
+              <a:lumMod val="75000"/>
+            </a:schemeClr>
+          </a:solidFill>
+        </p:spPr>
+        <p:txBody>
+          <a:bodyPr wrap="none">
+            <a:spAutoFit/>
+          </a:bodyPr>
+          <a:lstStyle/>
+          <a:p>
+            <a:r>
+              <a:rPr lang="fi-FI" sz="1600" dirty="0">
+                <a:latin typeface="Arial" charset="0"/>
+              </a:rPr>
+              <a:t>Turtle liikkui </a:t>
+            </a:r>
+          </a:p>
+          <a:p>
+            <a:r>
+              <a:rPr lang="fi-FI" sz="1600" dirty="0">
+                <a:latin typeface="Arial" charset="0"/>
+              </a:rPr>
+              <a:t>Poriin</a:t>
+            </a:r>
+            <a:endParaRPr lang="fi-FI" sz="1600" dirty="0"/>
+          </a:p>
+        </p:txBody>
+      </p:sp>
+      <p:sp>
+        <p:nvSpPr>
+          <p:cNvPr id="38" name="Suorakulmio 42"/>
+          <p:cNvSpPr/>
+          <p:nvPr/>
+        </p:nvSpPr>
+        <p:spPr>
+          <a:xfrm>
+            <a:off x="1853903" y="5074648"/>
+            <a:ext cx="2626040" cy="584775"/>
+          </a:xfrm>
+          <a:prstGeom prst="rect">
+            <a:avLst/>
+          </a:prstGeom>
+          <a:solidFill>
+            <a:schemeClr val="accent2">
+              <a:lumMod val="75000"/>
+            </a:schemeClr>
+          </a:solidFill>
+        </p:spPr>
+        <p:txBody>
+          <a:bodyPr wrap="none">
+            <a:spAutoFit/>
+          </a:bodyPr>
+          <a:lstStyle/>
+          <a:p>
+            <a:r>
+              <a:rPr lang="fi-FI" sz="1600" dirty="0"/>
+              <a:t>Origo (0, 0) sijaitsee kuvan</a:t>
+            </a:r>
+          </a:p>
+          <a:p>
+            <a:r>
+              <a:rPr lang="fi-FI" sz="1600" dirty="0"/>
+              <a:t>vasemmassa alalaidassa</a:t>
+            </a:r>
+          </a:p>
+        </p:txBody>
+      </p:sp>
+      <p:sp>
+        <p:nvSpPr>
+          <p:cNvPr id="40" name="Suorakulmio 42"/>
+          <p:cNvSpPr/>
+          <p:nvPr/>
+        </p:nvSpPr>
+        <p:spPr>
+          <a:xfrm>
+            <a:off x="7520381" y="3837743"/>
+            <a:ext cx="1184940" cy="830997"/>
+          </a:xfrm>
+          <a:prstGeom prst="rect">
+            <a:avLst/>
+          </a:prstGeom>
+          <a:solidFill>
+            <a:schemeClr val="accent2">
+              <a:lumMod val="75000"/>
+            </a:schemeClr>
+          </a:solidFill>
+        </p:spPr>
+        <p:txBody>
+          <a:bodyPr wrap="none">
+            <a:spAutoFit/>
+          </a:bodyPr>
+          <a:lstStyle/>
+          <a:p>
+            <a:r>
+              <a:rPr lang="fi-FI" sz="1600" dirty="0">
+                <a:latin typeface="Arial" charset="0"/>
+              </a:rPr>
+              <a:t>Turtle</a:t>
+            </a:r>
+          </a:p>
+          <a:p>
+            <a:r>
+              <a:rPr lang="fi-FI" sz="1600" dirty="0">
+                <a:latin typeface="Arial" charset="0"/>
+              </a:rPr>
+              <a:t>lähti </a:t>
+            </a:r>
+          </a:p>
+          <a:p>
+            <a:r>
+              <a:rPr lang="fi-FI" sz="1600" dirty="0">
+                <a:latin typeface="Arial" charset="0"/>
+              </a:rPr>
+              <a:t>Helsingistä</a:t>
+            </a:r>
+            <a:endParaRPr lang="fi-FI" sz="1600" dirty="0"/>
+          </a:p>
+        </p:txBody>
+      </p:sp>
+      <p:pic>
+        <p:nvPicPr>
+          <p:cNvPr id="4" name="Picture 3"/>
+          <p:cNvPicPr>
+            <a:picLocks noChangeAspect="1"/>
+          </p:cNvPicPr>
+          <p:nvPr/>
+        </p:nvPicPr>
+        <p:blipFill>
+          <a:blip r:embed="rId5">
+            <a:extLst>
+              <a:ext uri="{28A0092B-C50C-407E-A947-70E740481C1C}">
+                <a14:useLocalDpi xmlns:a14="http://schemas.microsoft.com/office/drawing/2010/main" val="0"/>
+              </a:ext>
+            </a:extLst>
+          </a:blip>
+          <a:stretch>
+            <a:fillRect/>
+          </a:stretch>
+        </p:blipFill>
+        <p:spPr>
+          <a:xfrm>
+            <a:off x="4783659" y="1044710"/>
+            <a:ext cx="2558754" cy="4754700"/>
+          </a:xfrm>
+          <a:prstGeom prst="rect">
+            <a:avLst/>
+          </a:prstGeom>
+        </p:spPr>
+      </p:pic>
+      <p:cxnSp>
+        <p:nvCxnSpPr>
+          <p:cNvPr id="37" name="Straight Arrow Connector 36"/>
+          <p:cNvCxnSpPr>
+            <a:stCxn id="38" idx="3"/>
+          </p:cNvCxnSpPr>
+          <p:nvPr/>
+        </p:nvCxnSpPr>
+        <p:spPr>
+          <a:xfrm>
+            <a:off x="4479943" y="5367036"/>
+            <a:ext cx="255095" cy="432374"/>
+          </a:xfrm>
+          <a:prstGeom prst="straightConnector1">
+            <a:avLst/>
+          </a:prstGeom>
+          <a:ln w="28575">
+            <a:solidFill>
+              <a:srgbClr val="FF0000"/>
+            </a:solidFill>
+            <a:tailEnd type="triangle"/>
+          </a:ln>
+        </p:spPr>
+        <p:style>
+          <a:lnRef idx="1">
+            <a:schemeClr val="accent1"/>
+          </a:lnRef>
+          <a:fillRef idx="0">
+            <a:schemeClr val="accent1"/>
+          </a:fillRef>
+          <a:effectRef idx="0">
+            <a:schemeClr val="accent1"/>
+          </a:effectRef>
+          <a:fontRef idx="minor">
+            <a:schemeClr val="tx1"/>
+          </a:fontRef>
+        </p:style>
+      </p:cxnSp>
+      <p:cxnSp>
+        <p:nvCxnSpPr>
+          <p:cNvPr id="13" name="Straight Arrow Connector 12"/>
+          <p:cNvCxnSpPr/>
+          <p:nvPr/>
+        </p:nvCxnSpPr>
+        <p:spPr>
+          <a:xfrm>
+            <a:off x="4775090" y="1051650"/>
+            <a:ext cx="0" cy="4754700"/>
+          </a:xfrm>
+          <a:prstGeom prst="straightConnector1">
+            <a:avLst/>
+          </a:prstGeom>
+          <a:ln w="38100">
+            <a:solidFill>
+              <a:schemeClr val="tx1"/>
+            </a:solidFill>
+            <a:headEnd type="triangle" w="med" len="med"/>
+            <a:tailEnd type="none" w="med" len="med"/>
+          </a:ln>
+        </p:spPr>
+        <p:style>
+          <a:lnRef idx="1">
+            <a:schemeClr val="accent1"/>
+          </a:lnRef>
+          <a:fillRef idx="0">
+            <a:schemeClr val="accent1"/>
+          </a:fillRef>
+          <a:effectRef idx="0">
+            <a:schemeClr val="accent1"/>
+          </a:effectRef>
+          <a:fontRef idx="minor">
+            <a:schemeClr val="tx1"/>
+          </a:fontRef>
+        </p:style>
+      </p:cxnSp>
+      <p:cxnSp>
+        <p:nvCxnSpPr>
+          <p:cNvPr id="27" name="Straight Arrow Connector 26"/>
+          <p:cNvCxnSpPr/>
+          <p:nvPr/>
+        </p:nvCxnSpPr>
+        <p:spPr>
+          <a:xfrm flipH="1">
+            <a:off x="4794196" y="5799410"/>
+            <a:ext cx="2596838" cy="6940"/>
+          </a:xfrm>
+          <a:prstGeom prst="straightConnector1">
+            <a:avLst/>
+          </a:prstGeom>
+          <a:ln w="38100">
+            <a:solidFill>
+              <a:schemeClr val="tx1"/>
+            </a:solidFill>
+            <a:headEnd type="triangle" w="med" len="med"/>
+            <a:tailEnd type="none" w="med" len="med"/>
+          </a:ln>
+        </p:spPr>
+        <p:style>
+          <a:lnRef idx="1">
+            <a:schemeClr val="accent1"/>
+          </a:lnRef>
+          <a:fillRef idx="0">
+            <a:schemeClr val="accent1"/>
+          </a:fillRef>
+          <a:effectRef idx="0">
+            <a:schemeClr val="accent1"/>
+          </a:effectRef>
+          <a:fontRef idx="minor">
+            <a:schemeClr val="tx1"/>
+          </a:fontRef>
+        </p:style>
+      </p:cxnSp>
+      <p:sp>
+        <p:nvSpPr>
+          <p:cNvPr id="18" name="TextBox 17"/>
+          <p:cNvSpPr txBox="1"/>
+          <p:nvPr/>
+        </p:nvSpPr>
+        <p:spPr>
+          <a:xfrm>
+            <a:off x="4421959" y="1019146"/>
+            <a:ext cx="300082" cy="369332"/>
+          </a:xfrm>
+          <a:prstGeom prst="rect">
+            <a:avLst/>
+          </a:prstGeom>
+          <a:noFill/>
+        </p:spPr>
+        <p:txBody>
+          <a:bodyPr wrap="none" rtlCol="0">
+            <a:spAutoFit/>
+          </a:bodyPr>
+          <a:lstStyle/>
+          <a:p>
+            <a:r>
+              <a:rPr lang="fi-FI" dirty="0">
+                <a:solidFill>
+                  <a:schemeClr val="tx1"/>
+                </a:solidFill>
+              </a:rPr>
+              <a:t>y</a:t>
+            </a:r>
+          </a:p>
+        </p:txBody>
+      </p:sp>
+      <p:sp>
+        <p:nvSpPr>
+          <p:cNvPr id="35" name="TextBox 34"/>
+          <p:cNvSpPr txBox="1"/>
+          <p:nvPr/>
+        </p:nvSpPr>
+        <p:spPr>
+          <a:xfrm>
+            <a:off x="7005145" y="5780916"/>
+            <a:ext cx="300082" cy="369332"/>
+          </a:xfrm>
+          <a:prstGeom prst="rect">
+            <a:avLst/>
+          </a:prstGeom>
+          <a:noFill/>
+        </p:spPr>
+        <p:txBody>
+          <a:bodyPr wrap="none" rtlCol="0">
+            <a:spAutoFit/>
+          </a:bodyPr>
+          <a:lstStyle/>
+          <a:p>
+            <a:r>
+              <a:rPr lang="fi-FI" dirty="0">
+                <a:solidFill>
+                  <a:schemeClr val="tx1"/>
+                </a:solidFill>
+              </a:rPr>
+              <a:t>x</a:t>
+            </a:r>
+          </a:p>
+        </p:txBody>
+      </p:sp>
+      <p:cxnSp>
+        <p:nvCxnSpPr>
+          <p:cNvPr id="42" name="Straight Arrow Connector 41"/>
+          <p:cNvCxnSpPr>
+            <a:stCxn id="40" idx="1"/>
+          </p:cNvCxnSpPr>
+          <p:nvPr/>
+        </p:nvCxnSpPr>
+        <p:spPr>
+          <a:xfrm flipH="1">
+            <a:off x="6012160" y="4253242"/>
+            <a:ext cx="1508221" cy="1212801"/>
+          </a:xfrm>
+          <a:prstGeom prst="straightConnector1">
+            <a:avLst/>
+          </a:prstGeom>
+          <a:ln w="28575">
+            <a:solidFill>
+              <a:srgbClr val="FF0000"/>
+            </a:solidFill>
+            <a:tailEnd type="triangle"/>
+          </a:ln>
+        </p:spPr>
+        <p:style>
+          <a:lnRef idx="1">
+            <a:schemeClr val="accent1"/>
+          </a:lnRef>
+          <a:fillRef idx="0">
+            <a:schemeClr val="accent1"/>
+          </a:fillRef>
+          <a:effectRef idx="0">
+            <a:schemeClr val="accent1"/>
+          </a:effectRef>
+          <a:fontRef idx="minor">
+            <a:schemeClr val="tx1"/>
+          </a:fontRef>
+        </p:style>
+      </p:cxnSp>
+      <p:cxnSp>
+        <p:nvCxnSpPr>
+          <p:cNvPr id="36" name="Straight Arrow Connector 35"/>
+          <p:cNvCxnSpPr/>
+          <p:nvPr/>
+        </p:nvCxnSpPr>
+        <p:spPr>
+          <a:xfrm flipH="1">
+            <a:off x="5364088" y="3348391"/>
+            <a:ext cx="2141917" cy="1491980"/>
+          </a:xfrm>
+          <a:prstGeom prst="straightConnector1">
+            <a:avLst/>
+          </a:prstGeom>
+          <a:ln w="28575">
+            <a:solidFill>
+              <a:srgbClr val="FF0000"/>
+            </a:solidFill>
+            <a:tailEnd type="triangle"/>
+          </a:ln>
+        </p:spPr>
+        <p:style>
+          <a:lnRef idx="1">
+            <a:schemeClr val="accent1"/>
+          </a:lnRef>
+          <a:fillRef idx="0">
+            <a:schemeClr val="accent1"/>
+          </a:fillRef>
+          <a:effectRef idx="0">
+            <a:schemeClr val="accent1"/>
+          </a:effectRef>
+          <a:fontRef idx="minor">
+            <a:schemeClr val="tx1"/>
+          </a:fontRef>
+        </p:style>
+      </p:cxnSp>
+      <p:sp>
+        <p:nvSpPr>
+          <p:cNvPr id="41" name="Suorakulmio 42"/>
+          <p:cNvSpPr/>
+          <p:nvPr/>
+        </p:nvSpPr>
+        <p:spPr>
+          <a:xfrm>
+            <a:off x="2838810" y="1620299"/>
+            <a:ext cx="1781257" cy="338554"/>
+          </a:xfrm>
+          <a:prstGeom prst="rect">
+            <a:avLst/>
+          </a:prstGeom>
+          <a:solidFill>
+            <a:schemeClr val="accent2">
+              <a:lumMod val="75000"/>
+            </a:schemeClr>
+          </a:solidFill>
+        </p:spPr>
+        <p:txBody>
+          <a:bodyPr wrap="none">
+            <a:spAutoFit/>
+          </a:bodyPr>
+          <a:lstStyle/>
+          <a:p>
+            <a:r>
+              <a:rPr lang="fi-FI" sz="1600" dirty="0"/>
+              <a:t>x ja y koordinaatit</a:t>
+            </a:r>
+          </a:p>
+        </p:txBody>
+      </p:sp>
+      <p:cxnSp>
+        <p:nvCxnSpPr>
+          <p:cNvPr id="43" name="Straight Arrow Connector 42"/>
+          <p:cNvCxnSpPr/>
+          <p:nvPr/>
+        </p:nvCxnSpPr>
+        <p:spPr>
+          <a:xfrm>
+            <a:off x="3006467" y="1952863"/>
+            <a:ext cx="84313" cy="181475"/>
+          </a:xfrm>
+          <a:prstGeom prst="straightConnector1">
+            <a:avLst/>
+          </a:prstGeom>
+          <a:ln w="28575">
+            <a:solidFill>
+              <a:srgbClr val="FF0000"/>
+            </a:solidFill>
+            <a:tailEnd type="triangle"/>
+          </a:ln>
+        </p:spPr>
+        <p:style>
+          <a:lnRef idx="1">
+            <a:schemeClr val="accent1"/>
+          </a:lnRef>
+          <a:fillRef idx="0">
+            <a:schemeClr val="accent1"/>
+          </a:fillRef>
+          <a:effectRef idx="0">
+            <a:schemeClr val="accent1"/>
+          </a:effectRef>
+          <a:fontRef idx="minor">
+            <a:schemeClr val="tx1"/>
+          </a:fontRef>
+        </p:style>
+      </p:cxnSp>
+      <p:cxnSp>
+        <p:nvCxnSpPr>
+          <p:cNvPr id="44" name="Straight Arrow Connector 43"/>
+          <p:cNvCxnSpPr/>
+          <p:nvPr/>
+        </p:nvCxnSpPr>
+        <p:spPr>
+          <a:xfrm>
+            <a:off x="3373634" y="1951527"/>
+            <a:ext cx="84313" cy="181475"/>
+          </a:xfrm>
+          <a:prstGeom prst="straightConnector1">
+            <a:avLst/>
+          </a:prstGeom>
+          <a:ln w="28575">
+            <a:solidFill>
+              <a:srgbClr val="FF0000"/>
+            </a:solidFill>
+            <a:tailEnd type="triangle"/>
+          </a:ln>
+        </p:spPr>
+        <p:style>
+          <a:lnRef idx="1">
+            <a:schemeClr val="accent1"/>
+          </a:lnRef>
+          <a:fillRef idx="0">
+            <a:schemeClr val="accent1"/>
+          </a:fillRef>
+          <a:effectRef idx="0">
+            <a:schemeClr val="accent1"/>
+          </a:effectRef>
+          <a:fontRef idx="minor">
+            <a:schemeClr val="tx1"/>
+          </a:fontRef>
+        </p:style>
+      </p:cxnSp>
+      <p:sp>
+        <p:nvSpPr>
+          <p:cNvPr id="45" name="Suorakulmio 42"/>
+          <p:cNvSpPr/>
+          <p:nvPr/>
+        </p:nvSpPr>
+        <p:spPr>
+          <a:xfrm rot="20279594">
+            <a:off x="165543" y="3440393"/>
+            <a:ext cx="1755609" cy="584775"/>
+          </a:xfrm>
+          <a:prstGeom prst="rect">
+            <a:avLst/>
+          </a:prstGeom>
+          <a:solidFill>
+            <a:schemeClr val="accent2">
+              <a:lumMod val="75000"/>
+            </a:schemeClr>
+          </a:solidFill>
+        </p:spPr>
+        <p:txBody>
+          <a:bodyPr wrap="none">
+            <a:spAutoFit/>
+          </a:bodyPr>
+          <a:lstStyle/>
+          <a:p>
+            <a:r>
+              <a:rPr lang="fi-FI" sz="1600" dirty="0"/>
+              <a:t>Koodi joka piirtää</a:t>
+            </a:r>
+          </a:p>
+          <a:p>
+            <a:r>
+              <a:rPr lang="fi-FI" sz="1600" dirty="0"/>
+              <a:t>reitin</a:t>
+            </a:r>
+          </a:p>
+        </p:txBody>
+      </p:sp>
+    </p:spTree>
+    <p:extLst>
+      <p:ext uri="{BB962C8B-B14F-4D97-AF65-F5344CB8AC3E}">
+        <p14:creationId xmlns:p14="http://schemas.microsoft.com/office/powerpoint/2010/main" val="178556185"/>
+      </p:ext>
+    </p:extLst>
+  </p:cSld>
+  <p:clrMapOvr>
+    <a:masterClrMapping/>
+  </p:clrMapOvr>
+</p:sld>
+</file>
+
+<file path=ppt/slides/slide11.xml><?xml version="1.0" encoding="utf-8"?>
+<p:sld xmlns:a="http://schemas.openxmlformats.org/drawingml/2006/main" xmlns:r="http://schemas.openxmlformats.org/officeDocument/2006/relationships" xmlns:p="http://schemas.openxmlformats.org/presentationml/2006/main">
+  <p:cSld>
+    <p:spTree>
+      <p:nvGrpSpPr>
+        <p:cNvPr id="1" name=""/>
+        <p:cNvGrpSpPr/>
+        <p:nvPr/>
+      </p:nvGrpSpPr>
+      <p:grpSpPr>
+        <a:xfrm>
+          <a:off x="0" y="0"/>
+          <a:ext cx="0" cy="0"/>
+          <a:chOff x="0" y="0"/>
+          <a:chExt cx="0" cy="0"/>
+        </a:xfrm>
+      </p:grpSpPr>
+      <p:pic>
+        <p:nvPicPr>
           <p:cNvPr id="3" name="Picture 8" descr="https://avatars0.githubusercontent.com/u/232371?v=3&amp;s=400"/>
           <p:cNvPicPr>
             <a:picLocks noChangeAspect="1" noChangeArrowheads="1"/>
@@ -8972,7 +10009,7 @@
 </p:sld>
 </file>
 
-<file path=ppt/slides/slide11.xml><?xml version="1.0" encoding="utf-8"?>
+<file path=ppt/slides/slide12.xml><?xml version="1.0" encoding="utf-8"?>
 <p:sld xmlns:a="http://schemas.openxmlformats.org/drawingml/2006/main" xmlns:r="http://schemas.openxmlformats.org/officeDocument/2006/relationships" xmlns:p="http://schemas.openxmlformats.org/presentationml/2006/main">
   <p:cSld>
     <p:spTree>
@@ -14865,7 +15902,7 @@
         </p:nvSpPr>
         <p:spPr bwMode="auto">
           <a:xfrm>
-            <a:off x="353192" y="752966"/>
+            <a:off x="395536" y="976258"/>
             <a:ext cx="5947000" cy="599694"/>
           </a:xfrm>
           <a:prstGeom prst="rect">
@@ -15102,7 +16139,20 @@
                   </a:schemeClr>
                 </a:solidFill>
               </a:rPr>
-              <a:t>Turtle kartalla</a:t>
+              <a:t>Turtle </a:t>
+            </a:r>
+          </a:p>
+          <a:p>
+            <a:pPr algn="l"/>
+            <a:r>
+              <a:rPr lang="fi-FI" altLang="fi-FI" sz="4000" b="1" kern="0" dirty="0">
+                <a:solidFill>
+                  <a:schemeClr val="accent6">
+                    <a:lumMod val="75000"/>
+                  </a:schemeClr>
+                </a:solidFill>
+              </a:rPr>
+              <a:t>kartalla</a:t>
             </a:r>
           </a:p>
         </p:txBody>
@@ -15194,169 +16244,6 @@
           </a:extLst>
         </p:spPr>
       </p:pic>
-      <p:sp>
-        <p:nvSpPr>
-          <p:cNvPr id="2" name="Rectangle 1"/>
-          <p:cNvSpPr/>
-          <p:nvPr/>
-        </p:nvSpPr>
-        <p:spPr>
-          <a:xfrm>
-            <a:off x="4447607" y="3244334"/>
-            <a:ext cx="248786" cy="369332"/>
-          </a:xfrm>
-          <a:prstGeom prst="rect">
-            <a:avLst/>
-          </a:prstGeom>
-        </p:spPr>
-        <p:txBody>
-          <a:bodyPr wrap="none">
-            <a:spAutoFit/>
-          </a:bodyPr>
-          <a:lstStyle/>
-          <a:p>
-            <a:r>
-              <a:rPr lang="fi-FI" dirty="0"/>
-              <a:t>.</a:t>
-            </a:r>
-          </a:p>
-        </p:txBody>
-      </p:sp>
-      <p:sp>
-        <p:nvSpPr>
-          <p:cNvPr id="32" name="Suorakulmio 42"/>
-          <p:cNvSpPr/>
-          <p:nvPr/>
-        </p:nvSpPr>
-        <p:spPr>
-          <a:xfrm>
-            <a:off x="7520381" y="3020817"/>
-            <a:ext cx="1315168" cy="584775"/>
-          </a:xfrm>
-          <a:prstGeom prst="rect">
-            <a:avLst/>
-          </a:prstGeom>
-          <a:solidFill>
-            <a:schemeClr val="accent2">
-              <a:lumMod val="75000"/>
-            </a:schemeClr>
-          </a:solidFill>
-        </p:spPr>
-        <p:txBody>
-          <a:bodyPr wrap="none">
-            <a:spAutoFit/>
-          </a:bodyPr>
-          <a:lstStyle/>
-          <a:p>
-            <a:r>
-              <a:rPr lang="fi-FI" sz="1600" dirty="0">
-                <a:latin typeface="Arial" charset="0"/>
-              </a:rPr>
-              <a:t>Turtle liikkui </a:t>
-            </a:r>
-          </a:p>
-          <a:p>
-            <a:r>
-              <a:rPr lang="fi-FI" sz="1600" dirty="0">
-                <a:latin typeface="Arial" charset="0"/>
-              </a:rPr>
-              <a:t>Poriin</a:t>
-            </a:r>
-            <a:endParaRPr lang="fi-FI" sz="1600" dirty="0"/>
-          </a:p>
-        </p:txBody>
-      </p:sp>
-      <p:sp>
-        <p:nvSpPr>
-          <p:cNvPr id="38" name="Suorakulmio 42"/>
-          <p:cNvSpPr/>
-          <p:nvPr/>
-        </p:nvSpPr>
-        <p:spPr>
-          <a:xfrm>
-            <a:off x="1853903" y="5074648"/>
-            <a:ext cx="2626040" cy="584775"/>
-          </a:xfrm>
-          <a:prstGeom prst="rect">
-            <a:avLst/>
-          </a:prstGeom>
-          <a:solidFill>
-            <a:schemeClr val="accent2">
-              <a:lumMod val="75000"/>
-            </a:schemeClr>
-          </a:solidFill>
-        </p:spPr>
-        <p:txBody>
-          <a:bodyPr wrap="none">
-            <a:spAutoFit/>
-          </a:bodyPr>
-          <a:lstStyle/>
-          <a:p>
-            <a:r>
-              <a:rPr lang="fi-FI" sz="1600" dirty="0"/>
-              <a:t>Origo (0, 0) sijaitsee kuvan</a:t>
-            </a:r>
-          </a:p>
-          <a:p>
-            <a:r>
-              <a:rPr lang="fi-FI" sz="1600" dirty="0"/>
-              <a:t>vasemmassa alalaidassa</a:t>
-            </a:r>
-          </a:p>
-        </p:txBody>
-      </p:sp>
-      <p:sp>
-        <p:nvSpPr>
-          <p:cNvPr id="40" name="Suorakulmio 42"/>
-          <p:cNvSpPr/>
-          <p:nvPr/>
-        </p:nvSpPr>
-        <p:spPr>
-          <a:xfrm>
-            <a:off x="7520381" y="3837743"/>
-            <a:ext cx="1184940" cy="830997"/>
-          </a:xfrm>
-          <a:prstGeom prst="rect">
-            <a:avLst/>
-          </a:prstGeom>
-          <a:solidFill>
-            <a:schemeClr val="accent2">
-              <a:lumMod val="75000"/>
-            </a:schemeClr>
-          </a:solidFill>
-        </p:spPr>
-        <p:txBody>
-          <a:bodyPr wrap="none">
-            <a:spAutoFit/>
-          </a:bodyPr>
-          <a:lstStyle/>
-          <a:p>
-            <a:r>
-              <a:rPr lang="fi-FI" sz="1600" dirty="0">
-                <a:latin typeface="Arial" charset="0"/>
-              </a:rPr>
-              <a:t>Turtle</a:t>
-            </a:r>
-          </a:p>
-          <a:p>
-            <a:r>
-              <a:rPr lang="fi-FI" sz="1600" dirty="0">
-                <a:latin typeface="Arial" charset="0"/>
-              </a:rPr>
-              <a:t>lähti </a:t>
-            </a:r>
-          </a:p>
-          <a:p>
-            <a:r>
-              <a:rPr lang="fi-FI" sz="1600" dirty="0">
-                <a:latin typeface="Arial" charset="0"/>
-              </a:rPr>
-              <a:t>Helsingistä</a:t>
-            </a:r>
-            <a:endParaRPr lang="fi-FI" sz="1600" dirty="0"/>
-          </a:p>
-        </p:txBody>
-      </p:sp>
       <p:pic>
         <p:nvPicPr>
           <p:cNvPr id="4" name="Picture 3"/>
@@ -15379,7 +16266,7 @@
         </p:blipFill>
         <p:spPr>
           <a:xfrm>
-            <a:off x="4783659" y="1044710"/>
+            <a:off x="3378789" y="1148297"/>
             <a:ext cx="2558754" cy="4754700"/>
           </a:xfrm>
           <a:prstGeom prst="rect">
@@ -15389,25 +16276,127 @@
       </p:pic>
       <p:cxnSp>
         <p:nvCxnSpPr>
-          <p:cNvPr id="37" name="Straight Arrow Connector 36"/>
-          <p:cNvCxnSpPr>
-            <a:stCxn id="38" idx="3"/>
-          </p:cNvCxnSpPr>
+          <p:cNvPr id="13" name="Straight Arrow Connector 12"/>
+          <p:cNvCxnSpPr/>
           <p:nvPr/>
         </p:nvCxnSpPr>
         <p:spPr>
-          <a:xfrm>
-            <a:off x="4479943" y="5367036"/>
-            <a:ext cx="255095" cy="432374"/>
+          <a:xfrm flipH="1">
+            <a:off x="3370220" y="692696"/>
+            <a:ext cx="19106" cy="5217241"/>
           </a:xfrm>
           <a:prstGeom prst="straightConnector1">
             <a:avLst/>
           </a:prstGeom>
-          <a:ln w="28575">
+          <a:ln w="38100">
             <a:solidFill>
-              <a:srgbClr val="FF0000"/>
+              <a:schemeClr val="tx1"/>
             </a:solidFill>
-            <a:tailEnd type="triangle"/>
+            <a:headEnd type="triangle" w="med" len="med"/>
+            <a:tailEnd type="none" w="med" len="med"/>
+          </a:ln>
+        </p:spPr>
+        <p:style>
+          <a:lnRef idx="1">
+            <a:schemeClr val="accent1"/>
+          </a:lnRef>
+          <a:fillRef idx="0">
+            <a:schemeClr val="accent1"/>
+          </a:fillRef>
+          <a:effectRef idx="0">
+            <a:schemeClr val="accent1"/>
+          </a:effectRef>
+          <a:fontRef idx="minor">
+            <a:schemeClr val="tx1"/>
+          </a:fontRef>
+        </p:style>
+      </p:cxnSp>
+      <p:sp>
+        <p:nvSpPr>
+          <p:cNvPr id="18" name="TextBox 17"/>
+          <p:cNvSpPr txBox="1"/>
+          <p:nvPr/>
+        </p:nvSpPr>
+        <p:spPr>
+          <a:xfrm>
+            <a:off x="3016106" y="748014"/>
+            <a:ext cx="300082" cy="369332"/>
+          </a:xfrm>
+          <a:prstGeom prst="rect">
+            <a:avLst/>
+          </a:prstGeom>
+          <a:noFill/>
+        </p:spPr>
+        <p:txBody>
+          <a:bodyPr wrap="none" rtlCol="0">
+            <a:spAutoFit/>
+          </a:bodyPr>
+          <a:lstStyle/>
+          <a:p>
+            <a:r>
+              <a:rPr lang="fi-FI" dirty="0">
+                <a:solidFill>
+                  <a:schemeClr val="tx1"/>
+                </a:solidFill>
+              </a:rPr>
+              <a:t>y</a:t>
+            </a:r>
+          </a:p>
+        </p:txBody>
+      </p:sp>
+      <p:sp>
+        <p:nvSpPr>
+          <p:cNvPr id="35" name="TextBox 34"/>
+          <p:cNvSpPr txBox="1"/>
+          <p:nvPr/>
+        </p:nvSpPr>
+        <p:spPr>
+          <a:xfrm>
+            <a:off x="5600275" y="5884503"/>
+            <a:ext cx="300082" cy="369332"/>
+          </a:xfrm>
+          <a:prstGeom prst="rect">
+            <a:avLst/>
+          </a:prstGeom>
+          <a:noFill/>
+        </p:spPr>
+        <p:txBody>
+          <a:bodyPr wrap="none" rtlCol="0">
+            <a:spAutoFit/>
+          </a:bodyPr>
+          <a:lstStyle/>
+          <a:p>
+            <a:r>
+              <a:rPr lang="fi-FI" dirty="0">
+                <a:solidFill>
+                  <a:schemeClr val="tx1"/>
+                </a:solidFill>
+              </a:rPr>
+              <a:t>x</a:t>
+            </a:r>
+          </a:p>
+        </p:txBody>
+      </p:sp>
+      <p:cxnSp>
+        <p:nvCxnSpPr>
+          <p:cNvPr id="23" name="Straight Arrow Connector 22"/>
+          <p:cNvCxnSpPr/>
+          <p:nvPr/>
+        </p:nvCxnSpPr>
+        <p:spPr>
+          <a:xfrm flipH="1">
+            <a:off x="3389326" y="5902997"/>
+            <a:ext cx="2836075" cy="6940"/>
+          </a:xfrm>
+          <a:prstGeom prst="straightConnector1">
+            <a:avLst/>
+          </a:prstGeom>
+          <a:ln w="38100">
+            <a:solidFill>
+              <a:schemeClr val="tx1"/>
+            </a:solidFill>
+            <a:headEnd type="triangle" w="med" len="med"/>
+            <a:tailEnd type="none" w="med" len="med"/>
           </a:ln>
         </p:spPr>
         <p:style>
@@ -15427,24 +16416,23 @@
       </p:cxnSp>
       <p:cxnSp>
         <p:nvCxnSpPr>
-          <p:cNvPr id="13" name="Straight Arrow Connector 12"/>
+          <p:cNvPr id="24" name="Straight Arrow Connector 23"/>
           <p:cNvCxnSpPr/>
           <p:nvPr/>
         </p:nvCxnSpPr>
         <p:spPr>
-          <a:xfrm>
-            <a:off x="4775090" y="1051650"/>
-            <a:ext cx="0" cy="4754700"/>
+          <a:xfrm flipH="1">
+            <a:off x="4594397" y="4327804"/>
+            <a:ext cx="1508221" cy="1212801"/>
           </a:xfrm>
           <a:prstGeom prst="straightConnector1">
             <a:avLst/>
           </a:prstGeom>
-          <a:ln w="38100">
+          <a:ln w="28575">
             <a:solidFill>
-              <a:schemeClr val="tx1"/>
+              <a:srgbClr val="FF0000"/>
             </a:solidFill>
-            <a:headEnd type="triangle" w="med" len="med"/>
-            <a:tailEnd type="none" w="med" len="med"/>
+            <a:tailEnd type="triangle"/>
           </a:ln>
         </p:spPr>
         <p:style>
@@ -15462,26 +16450,97 @@
           </a:fontRef>
         </p:style>
       </p:cxnSp>
+      <p:sp>
+        <p:nvSpPr>
+          <p:cNvPr id="5" name="TextBox 4"/>
+          <p:cNvSpPr txBox="1"/>
+          <p:nvPr/>
+        </p:nvSpPr>
+        <p:spPr>
+          <a:xfrm>
+            <a:off x="6079027" y="4028617"/>
+            <a:ext cx="1107996" cy="369332"/>
+          </a:xfrm>
+          <a:prstGeom prst="rect">
+            <a:avLst/>
+          </a:prstGeom>
+          <a:noFill/>
+          <a:ln>
+            <a:noFill/>
+          </a:ln>
+        </p:spPr>
+        <p:txBody>
+          <a:bodyPr wrap="none" rtlCol="0">
+            <a:spAutoFit/>
+          </a:bodyPr>
+          <a:lstStyle/>
+          <a:p>
+            <a:r>
+              <a:rPr lang="fi-FI" dirty="0">
+                <a:solidFill>
+                  <a:schemeClr val="tx1"/>
+                </a:solidFill>
+              </a:rPr>
+              <a:t>(166, 39)</a:t>
+            </a:r>
+          </a:p>
+        </p:txBody>
+      </p:sp>
+      <p:sp>
+        <p:nvSpPr>
+          <p:cNvPr id="26" name="TextBox 25"/>
+          <p:cNvSpPr txBox="1"/>
+          <p:nvPr/>
+        </p:nvSpPr>
+        <p:spPr>
+          <a:xfrm>
+            <a:off x="6152214" y="2724857"/>
+            <a:ext cx="1107996" cy="369332"/>
+          </a:xfrm>
+          <a:prstGeom prst="rect">
+            <a:avLst/>
+          </a:prstGeom>
+          <a:noFill/>
+          <a:ln>
+            <a:noFill/>
+          </a:ln>
+        </p:spPr>
+        <p:txBody>
+          <a:bodyPr wrap="none" rtlCol="0">
+            <a:spAutoFit/>
+          </a:bodyPr>
+          <a:lstStyle/>
+          <a:p>
+            <a:r>
+              <a:rPr lang="fi-FI" dirty="0">
+                <a:solidFill>
+                  <a:schemeClr val="tx1"/>
+                </a:solidFill>
+              </a:rPr>
+              <a:t>(76, 120)</a:t>
+            </a:r>
+          </a:p>
+        </p:txBody>
+      </p:sp>
       <p:cxnSp>
         <p:nvCxnSpPr>
-          <p:cNvPr id="27" name="Straight Arrow Connector 26"/>
+          <p:cNvPr id="29" name="Straight Arrow Connector 28"/>
           <p:cNvCxnSpPr/>
           <p:nvPr/>
         </p:nvCxnSpPr>
         <p:spPr>
           <a:xfrm flipH="1">
-            <a:off x="4794196" y="5799410"/>
-            <a:ext cx="2596838" cy="6940"/>
+            <a:off x="3933636" y="3024857"/>
+            <a:ext cx="2291765" cy="1943712"/>
           </a:xfrm>
           <a:prstGeom prst="straightConnector1">
             <a:avLst/>
           </a:prstGeom>
-          <a:ln w="38100">
+          <a:ln w="28575">
             <a:solidFill>
-              <a:schemeClr val="tx1"/>
+              <a:srgbClr val="FF0000"/>
             </a:solidFill>
-            <a:headEnd type="triangle" w="med" len="med"/>
-            <a:tailEnd type="none" w="med" len="med"/>
+            <a:tailEnd type="triangle"/>
           </a:ln>
         </p:spPr>
         <p:style>
@@ -15501,92 +16560,18 @@
       </p:cxnSp>
       <p:sp>
         <p:nvSpPr>
-          <p:cNvPr id="18" name="TextBox 17"/>
-          <p:cNvSpPr txBox="1"/>
+          <p:cNvPr id="7" name="Right Brace 6"/>
+          <p:cNvSpPr/>
           <p:nvPr/>
         </p:nvSpPr>
         <p:spPr>
-          <a:xfrm>
-            <a:off x="4421959" y="1019146"/>
-            <a:ext cx="300082" cy="369332"/>
-          </a:xfrm>
-          <a:prstGeom prst="rect">
+          <a:xfrm rot="16200000">
+            <a:off x="4514798" y="-237262"/>
+            <a:ext cx="249549" cy="2521568"/>
+          </a:xfrm>
+          <a:prstGeom prst="rightBrace">
             <a:avLst/>
           </a:prstGeom>
-          <a:noFill/>
-        </p:spPr>
-        <p:txBody>
-          <a:bodyPr wrap="none" rtlCol="0">
-            <a:spAutoFit/>
-          </a:bodyPr>
-          <a:lstStyle/>
-          <a:p>
-            <a:r>
-              <a:rPr lang="fi-FI" dirty="0">
-                <a:solidFill>
-                  <a:schemeClr val="tx1"/>
-                </a:solidFill>
-              </a:rPr>
-              <a:t>y</a:t>
-            </a:r>
-          </a:p>
-        </p:txBody>
-      </p:sp>
-      <p:sp>
-        <p:nvSpPr>
-          <p:cNvPr id="35" name="TextBox 34"/>
-          <p:cNvSpPr txBox="1"/>
-          <p:nvPr/>
-        </p:nvSpPr>
-        <p:spPr>
-          <a:xfrm>
-            <a:off x="7005145" y="5780916"/>
-            <a:ext cx="300082" cy="369332"/>
-          </a:xfrm>
-          <a:prstGeom prst="rect">
-            <a:avLst/>
-          </a:prstGeom>
-          <a:noFill/>
-        </p:spPr>
-        <p:txBody>
-          <a:bodyPr wrap="none" rtlCol="0">
-            <a:spAutoFit/>
-          </a:bodyPr>
-          <a:lstStyle/>
-          <a:p>
-            <a:r>
-              <a:rPr lang="fi-FI" dirty="0">
-                <a:solidFill>
-                  <a:schemeClr val="tx1"/>
-                </a:solidFill>
-              </a:rPr>
-              <a:t>x</a:t>
-            </a:r>
-          </a:p>
-        </p:txBody>
-      </p:sp>
-      <p:cxnSp>
-        <p:nvCxnSpPr>
-          <p:cNvPr id="42" name="Straight Arrow Connector 41"/>
-          <p:cNvCxnSpPr>
-            <a:stCxn id="40" idx="1"/>
-          </p:cNvCxnSpPr>
-          <p:nvPr/>
-        </p:nvCxnSpPr>
-        <p:spPr>
-          <a:xfrm flipH="1">
-            <a:off x="6012160" y="4253242"/>
-            <a:ext cx="1508221" cy="1212801"/>
-          </a:xfrm>
-          <a:prstGeom prst="straightConnector1">
-            <a:avLst/>
-          </a:prstGeom>
-          <a:ln w="28575">
-            <a:solidFill>
-              <a:srgbClr val="FF0000"/>
-            </a:solidFill>
-            <a:tailEnd type="triangle"/>
-          </a:ln>
         </p:spPr>
         <p:style>
           <a:lnRef idx="1">
@@ -15602,27 +16587,62 @@
             <a:schemeClr val="tx1"/>
           </a:fontRef>
         </p:style>
-      </p:cxnSp>
-      <p:cxnSp>
-        <p:nvCxnSpPr>
-          <p:cNvPr id="36" name="Straight Arrow Connector 35"/>
-          <p:cNvCxnSpPr/>
+        <p:txBody>
+          <a:bodyPr rtlCol="0" anchor="ctr"/>
+          <a:lstStyle/>
+          <a:p>
+            <a:pPr algn="ctr"/>
+            <a:endParaRPr lang="fi-FI"/>
+          </a:p>
+        </p:txBody>
+      </p:sp>
+      <p:sp>
+        <p:nvSpPr>
+          <p:cNvPr id="8" name="TextBox 7"/>
+          <p:cNvSpPr txBox="1"/>
           <p:nvPr/>
-        </p:nvCxnSpPr>
+        </p:nvSpPr>
         <p:spPr>
-          <a:xfrm flipH="1">
-            <a:off x="5364088" y="3348391"/>
-            <a:ext cx="2141917" cy="1491980"/>
-          </a:xfrm>
-          <a:prstGeom prst="straightConnector1">
+          <a:xfrm>
+            <a:off x="4354878" y="572228"/>
+            <a:ext cx="569387" cy="369332"/>
+          </a:xfrm>
+          <a:prstGeom prst="rect">
             <a:avLst/>
           </a:prstGeom>
-          <a:ln w="28575">
-            <a:solidFill>
-              <a:srgbClr val="FF0000"/>
-            </a:solidFill>
-            <a:tailEnd type="triangle"/>
-          </a:ln>
+          <a:noFill/>
+        </p:spPr>
+        <p:txBody>
+          <a:bodyPr wrap="none" rtlCol="0">
+            <a:spAutoFit/>
+          </a:bodyPr>
+          <a:lstStyle/>
+          <a:p>
+            <a:r>
+              <a:rPr lang="fi-FI" dirty="0">
+                <a:solidFill>
+                  <a:schemeClr val="tx1"/>
+                </a:solidFill>
+              </a:rPr>
+              <a:t>348</a:t>
+            </a:r>
+          </a:p>
+        </p:txBody>
+      </p:sp>
+      <p:sp>
+        <p:nvSpPr>
+          <p:cNvPr id="34" name="Right Brace 33"/>
+          <p:cNvSpPr/>
+          <p:nvPr/>
+        </p:nvSpPr>
+        <p:spPr>
+          <a:xfrm rot="10800000">
+            <a:off x="2886201" y="1340767"/>
+            <a:ext cx="429987" cy="4543735"/>
+          </a:xfrm>
+          <a:prstGeom prst="rightBrace">
+            <a:avLst/>
+          </a:prstGeom>
         </p:spPr>
         <p:style>
           <a:lnRef idx="1">
@@ -15638,171 +16658,44 @@
             <a:schemeClr val="tx1"/>
           </a:fontRef>
         </p:style>
-      </p:cxnSp>
-      <p:pic>
-        <p:nvPicPr>
-          <p:cNvPr id="28" name="Picture 27"/>
-          <p:cNvPicPr>
-            <a:picLocks noChangeAspect="1"/>
-          </p:cNvPicPr>
+        <p:txBody>
+          <a:bodyPr rtlCol="0" anchor="ctr"/>
+          <a:lstStyle/>
+          <a:p>
+            <a:pPr algn="ctr"/>
+            <a:endParaRPr lang="fi-FI"/>
+          </a:p>
+        </p:txBody>
+      </p:sp>
+      <p:sp>
+        <p:nvSpPr>
+          <p:cNvPr id="39" name="TextBox 38"/>
+          <p:cNvSpPr txBox="1"/>
           <p:nvPr/>
-        </p:nvPicPr>
-        <p:blipFill>
-          <a:blip r:embed="rId5"/>
-          <a:stretch>
-            <a:fillRect/>
-          </a:stretch>
-        </p:blipFill>
+        </p:nvSpPr>
         <p:spPr>
           <a:xfrm>
-            <a:off x="160434" y="2092850"/>
-            <a:ext cx="4535959" cy="2375249"/>
+            <a:off x="2262781" y="3427968"/>
+            <a:ext cx="569387" cy="369332"/>
           </a:xfrm>
           <a:prstGeom prst="rect">
             <a:avLst/>
           </a:prstGeom>
-        </p:spPr>
-      </p:pic>
-      <p:sp>
-        <p:nvSpPr>
-          <p:cNvPr id="41" name="Suorakulmio 42"/>
-          <p:cNvSpPr/>
-          <p:nvPr/>
-        </p:nvSpPr>
-        <p:spPr>
-          <a:xfrm>
-            <a:off x="2838810" y="1620299"/>
-            <a:ext cx="1781257" cy="338554"/>
-          </a:xfrm>
-          <a:prstGeom prst="rect">
-            <a:avLst/>
-          </a:prstGeom>
-          <a:solidFill>
-            <a:schemeClr val="accent2">
-              <a:lumMod val="75000"/>
-            </a:schemeClr>
-          </a:solidFill>
-        </p:spPr>
-        <p:txBody>
-          <a:bodyPr wrap="none">
+          <a:noFill/>
+        </p:spPr>
+        <p:txBody>
+          <a:bodyPr wrap="none" rtlCol="0">
             <a:spAutoFit/>
           </a:bodyPr>
           <a:lstStyle/>
           <a:p>
             <a:r>
-              <a:rPr lang="fi-FI" sz="1600" dirty="0"/>
-              <a:t>x ja y koordinaatit</a:t>
-            </a:r>
-          </a:p>
-        </p:txBody>
-      </p:sp>
-      <p:cxnSp>
-        <p:nvCxnSpPr>
-          <p:cNvPr id="43" name="Straight Arrow Connector 42"/>
-          <p:cNvCxnSpPr/>
-          <p:nvPr/>
-        </p:nvCxnSpPr>
-        <p:spPr>
-          <a:xfrm>
-            <a:off x="3006467" y="1952863"/>
-            <a:ext cx="84313" cy="181475"/>
-          </a:xfrm>
-          <a:prstGeom prst="straightConnector1">
-            <a:avLst/>
-          </a:prstGeom>
-          <a:ln w="28575">
-            <a:solidFill>
-              <a:srgbClr val="FF0000"/>
-            </a:solidFill>
-            <a:tailEnd type="triangle"/>
-          </a:ln>
-        </p:spPr>
-        <p:style>
-          <a:lnRef idx="1">
-            <a:schemeClr val="accent1"/>
-          </a:lnRef>
-          <a:fillRef idx="0">
-            <a:schemeClr val="accent1"/>
-          </a:fillRef>
-          <a:effectRef idx="0">
-            <a:schemeClr val="accent1"/>
-          </a:effectRef>
-          <a:fontRef idx="minor">
-            <a:schemeClr val="tx1"/>
-          </a:fontRef>
-        </p:style>
-      </p:cxnSp>
-      <p:cxnSp>
-        <p:nvCxnSpPr>
-          <p:cNvPr id="44" name="Straight Arrow Connector 43"/>
-          <p:cNvCxnSpPr/>
-          <p:nvPr/>
-        </p:nvCxnSpPr>
-        <p:spPr>
-          <a:xfrm>
-            <a:off x="3373634" y="1951527"/>
-            <a:ext cx="84313" cy="181475"/>
-          </a:xfrm>
-          <a:prstGeom prst="straightConnector1">
-            <a:avLst/>
-          </a:prstGeom>
-          <a:ln w="28575">
-            <a:solidFill>
-              <a:srgbClr val="FF0000"/>
-            </a:solidFill>
-            <a:tailEnd type="triangle"/>
-          </a:ln>
-        </p:spPr>
-        <p:style>
-          <a:lnRef idx="1">
-            <a:schemeClr val="accent1"/>
-          </a:lnRef>
-          <a:fillRef idx="0">
-            <a:schemeClr val="accent1"/>
-          </a:fillRef>
-          <a:effectRef idx="0">
-            <a:schemeClr val="accent1"/>
-          </a:effectRef>
-          <a:fontRef idx="minor">
-            <a:schemeClr val="tx1"/>
-          </a:fontRef>
-        </p:style>
-      </p:cxnSp>
-      <p:sp>
-        <p:nvSpPr>
-          <p:cNvPr id="45" name="Suorakulmio 42"/>
-          <p:cNvSpPr/>
-          <p:nvPr/>
-        </p:nvSpPr>
-        <p:spPr>
-          <a:xfrm rot="20279594">
-            <a:off x="165543" y="3440393"/>
-            <a:ext cx="1755609" cy="584775"/>
-          </a:xfrm>
-          <a:prstGeom prst="rect">
-            <a:avLst/>
-          </a:prstGeom>
-          <a:solidFill>
-            <a:schemeClr val="accent2">
-              <a:lumMod val="75000"/>
-            </a:schemeClr>
-          </a:solidFill>
-        </p:spPr>
-        <p:txBody>
-          <a:bodyPr wrap="none">
-            <a:spAutoFit/>
-          </a:bodyPr>
-          <a:lstStyle/>
-          <a:p>
-            <a:r>
-              <a:rPr lang="fi-FI" sz="1600" dirty="0"/>
-              <a:t>Koodi joka piirtää</a:t>
-            </a:r>
-          </a:p>
-          <a:p>
-            <a:r>
-              <a:rPr lang="fi-FI" sz="1600" dirty="0"/>
-              <a:t>reitin</a:t>
+              <a:rPr lang="fi-FI" dirty="0">
+                <a:solidFill>
+                  <a:schemeClr val="tx1"/>
+                </a:solidFill>
+              </a:rPr>
+              <a:t>638</a:t>
             </a:r>
           </a:p>
         </p:txBody>
@@ -15810,7 +16703,7 @@
     </p:spTree>
     <p:extLst>
       <p:ext uri="{BB962C8B-B14F-4D97-AF65-F5344CB8AC3E}">
-        <p14:creationId xmlns:p14="http://schemas.microsoft.com/office/powerpoint/2010/main" val="178556185"/>
+        <p14:creationId xmlns:p14="http://schemas.microsoft.com/office/powerpoint/2010/main" val="3922543657"/>
       </p:ext>
     </p:extLst>
   </p:cSld>
@@ -15823,7 +16716,7 @@
 <file path=ppt/tags/tag1.xml><?xml version="1.0" encoding="utf-8"?>
 <p:tagLst xmlns:a="http://schemas.openxmlformats.org/drawingml/2006/main" xmlns:r="http://schemas.openxmlformats.org/officeDocument/2006/relationships" xmlns:p="http://schemas.openxmlformats.org/presentationml/2006/main">
   <p:tag name="MMPROD_NEXTUNIQUEID" val="10009"/>
-  <p:tag name="MMPROD_UIDATA" val="&lt;database version=&quot;10.0&quot;&gt;&lt;object type=&quot;1&quot; unique_id=&quot;10001&quot;&gt;&lt;object type=&quot;2&quot; unique_id=&quot;10002&quot;&gt;&lt;object type=&quot;3&quot; unique_id=&quot;10036&quot;&gt;&lt;property id=&quot;20148&quot; value=&quot;5&quot;/&gt;&lt;property id=&quot;20300&quot; value=&quot;Slide 10&quot;/&gt;&lt;property id=&quot;20307&quot; value=&quot;369&quot;/&gt;&lt;/object&gt;&lt;object type=&quot;3&quot; unique_id=&quot;10148&quot;&gt;&lt;property id=&quot;20148&quot; value=&quot;5&quot;/&gt;&lt;property id=&quot;20300&quot; value=&quot;Slide 11&quot;/&gt;&lt;property id=&quot;20307&quot; value=&quot;372&quot;/&gt;&lt;/object&gt;&lt;object type=&quot;3&quot; unique_id=&quot;10215&quot;&gt;&lt;property id=&quot;20148&quot; value=&quot;5&quot;/&gt;&lt;property id=&quot;20300&quot; value=&quot;Slide 1&quot;/&gt;&lt;property id=&quot;20307&quot; value=&quot;374&quot;/&gt;&lt;/object&gt;&lt;object type=&quot;3&quot; unique_id=&quot;10508&quot;&gt;&lt;property id=&quot;20148&quot; value=&quot;5&quot;/&gt;&lt;property id=&quot;20300&quot; value=&quot;Slide 9&quot;/&gt;&lt;property id=&quot;20307&quot; value=&quot;377&quot;/&gt;&lt;/object&gt;&lt;object type=&quot;3&quot; unique_id=&quot;10671&quot;&gt;&lt;property id=&quot;20148&quot; value=&quot;5&quot;/&gt;&lt;property id=&quot;20300&quot; value=&quot;Slide 3&quot;/&gt;&lt;property id=&quot;20307&quot; value=&quot;378&quot;/&gt;&lt;/object&gt;&lt;object type=&quot;3&quot; unique_id=&quot;10672&quot;&gt;&lt;property id=&quot;20148&quot; value=&quot;5&quot;/&gt;&lt;property id=&quot;20300&quot; value=&quot;Slide 4&quot;/&gt;&lt;property id=&quot;20307&quot; value=&quot;379&quot;/&gt;&lt;/object&gt;&lt;object type=&quot;3&quot; unique_id=&quot;10746&quot;&gt;&lt;property id=&quot;20148&quot; value=&quot;5&quot;/&gt;&lt;property id=&quot;20300&quot; value=&quot;Slide 5&quot;/&gt;&lt;property id=&quot;20307&quot; value=&quot;380&quot;/&gt;&lt;/object&gt;&lt;object type=&quot;3&quot; unique_id=&quot;10792&quot;&gt;&lt;property id=&quot;20148&quot; value=&quot;5&quot;/&gt;&lt;property id=&quot;20300&quot; value=&quot;Slide 6&quot;/&gt;&lt;property id=&quot;20307&quot; value=&quot;381&quot;/&gt;&lt;/object&gt;&lt;object type=&quot;3&quot; unique_id=&quot;10883&quot;&gt;&lt;property id=&quot;20148&quot; value=&quot;5&quot;/&gt;&lt;property id=&quot;20300&quot; value=&quot;Slide 7&quot;/&gt;&lt;property id=&quot;20307&quot; value=&quot;382&quot;/&gt;&lt;/object&gt;&lt;object type=&quot;3&quot; unique_id=&quot;11042&quot;&gt;&lt;property id=&quot;20148&quot; value=&quot;5&quot;/&gt;&lt;property id=&quot;20300&quot; value=&quot;Slide 8&quot;/&gt;&lt;property id=&quot;20307&quot; value=&quot;383&quot;/&gt;&lt;/object&gt;&lt;object type=&quot;3&quot; unique_id=&quot;11235&quot;&gt;&lt;property id=&quot;20148&quot; value=&quot;5&quot;/&gt;&lt;property id=&quot;20300&quot; value=&quot;Slide 2&quot;/&gt;&lt;property id=&quot;20307&quot; value=&quot;384&quot;/&gt;&lt;/object&gt;&lt;/object&gt;&lt;object type=&quot;8&quot; unique_id=&quot;10014&quot;&gt;&lt;/object&gt;&lt;/object&gt;&lt;/database&gt;"/>
+  <p:tag name="MMPROD_UIDATA" val="&lt;database version=&quot;10.0&quot;&gt;&lt;object type=&quot;1&quot; unique_id=&quot;10001&quot;&gt;&lt;object type=&quot;2&quot; unique_id=&quot;10002&quot;&gt;&lt;object type=&quot;3&quot; unique_id=&quot;10036&quot;&gt;&lt;property id=&quot;20148&quot; value=&quot;5&quot;/&gt;&lt;property id=&quot;20300&quot; value=&quot;Slide 11&quot;/&gt;&lt;property id=&quot;20307&quot; value=&quot;369&quot;/&gt;&lt;/object&gt;&lt;object type=&quot;3&quot; unique_id=&quot;10148&quot;&gt;&lt;property id=&quot;20148&quot; value=&quot;5&quot;/&gt;&lt;property id=&quot;20300&quot; value=&quot;Slide 12&quot;/&gt;&lt;property id=&quot;20307&quot; value=&quot;372&quot;/&gt;&lt;/object&gt;&lt;object type=&quot;3&quot; unique_id=&quot;10215&quot;&gt;&lt;property id=&quot;20148&quot; value=&quot;5&quot;/&gt;&lt;property id=&quot;20300&quot; value=&quot;Slide 1&quot;/&gt;&lt;property id=&quot;20307&quot; value=&quot;374&quot;/&gt;&lt;/object&gt;&lt;object type=&quot;3&quot; unique_id=&quot;10508&quot;&gt;&lt;property id=&quot;20148&quot; value=&quot;5&quot;/&gt;&lt;property id=&quot;20300&quot; value=&quot;Slide 10&quot;/&gt;&lt;property id=&quot;20307&quot; value=&quot;377&quot;/&gt;&lt;/object&gt;&lt;object type=&quot;3&quot; unique_id=&quot;10671&quot;&gt;&lt;property id=&quot;20148&quot; value=&quot;5&quot;/&gt;&lt;property id=&quot;20300&quot; value=&quot;Slide 3&quot;/&gt;&lt;property id=&quot;20307&quot; value=&quot;378&quot;/&gt;&lt;/object&gt;&lt;object type=&quot;3&quot; unique_id=&quot;10672&quot;&gt;&lt;property id=&quot;20148&quot; value=&quot;5&quot;/&gt;&lt;property id=&quot;20300&quot; value=&quot;Slide 4&quot;/&gt;&lt;property id=&quot;20307&quot; value=&quot;379&quot;/&gt;&lt;/object&gt;&lt;object type=&quot;3&quot; unique_id=&quot;10746&quot;&gt;&lt;property id=&quot;20148&quot; value=&quot;5&quot;/&gt;&lt;property id=&quot;20300&quot; value=&quot;Slide 5&quot;/&gt;&lt;property id=&quot;20307&quot; value=&quot;380&quot;/&gt;&lt;/object&gt;&lt;object type=&quot;3&quot; unique_id=&quot;10792&quot;&gt;&lt;property id=&quot;20148&quot; value=&quot;5&quot;/&gt;&lt;property id=&quot;20300&quot; value=&quot;Slide 6&quot;/&gt;&lt;property id=&quot;20307&quot; value=&quot;381&quot;/&gt;&lt;/object&gt;&lt;object type=&quot;3&quot; unique_id=&quot;10883&quot;&gt;&lt;property id=&quot;20148&quot; value=&quot;5&quot;/&gt;&lt;property id=&quot;20300&quot; value=&quot;Slide 7&quot;/&gt;&lt;property id=&quot;20307&quot; value=&quot;382&quot;/&gt;&lt;/object&gt;&lt;object type=&quot;3&quot; unique_id=&quot;11042&quot;&gt;&lt;property id=&quot;20148&quot; value=&quot;5&quot;/&gt;&lt;property id=&quot;20300&quot; value=&quot;Slide 8&quot;/&gt;&lt;property id=&quot;20307&quot; value=&quot;383&quot;/&gt;&lt;/object&gt;&lt;object type=&quot;3&quot; unique_id=&quot;11235&quot;&gt;&lt;property id=&quot;20148&quot; value=&quot;5&quot;/&gt;&lt;property id=&quot;20300&quot; value=&quot;Slide 2&quot;/&gt;&lt;property id=&quot;20307&quot; value=&quot;384&quot;/&gt;&lt;/object&gt;&lt;object type=&quot;3&quot; unique_id=&quot;11276&quot;&gt;&lt;property id=&quot;20148&quot; value=&quot;5&quot;/&gt;&lt;property id=&quot;20300&quot; value=&quot;Slide 9&quot;/&gt;&lt;property id=&quot;20307&quot; value=&quot;385&quot;/&gt;&lt;/object&gt;&lt;/object&gt;&lt;object type=&quot;8&quot; unique_id=&quot;10014&quot;&gt;&lt;/object&gt;&lt;/object&gt;&lt;/database&gt;"/>
   <p:tag name="SECTOMILLISECCONVERTED" val="1"/>
 </p:tagLst>
 </file>

--- a/tehtavat/tiedostot/maol/power_point/Racket-MAOL-5-6-turtle2.pptx
+++ b/tehtavat/tiedostot/maol/power_point/Racket-MAOL-5-6-turtle2.pptx
@@ -8226,7 +8226,7 @@
       </p:grpSpPr>
       <p:pic>
         <p:nvPicPr>
-          <p:cNvPr id="5" name="Picture 4"/>
+          <p:cNvPr id="6" name="Picture 5"/>
           <p:cNvPicPr>
             <a:picLocks noChangeAspect="1"/>
           </p:cNvPicPr>
@@ -8240,8 +8240,32 @@
         </p:blipFill>
         <p:spPr>
           <a:xfrm>
-            <a:off x="269983" y="2170365"/>
-            <a:ext cx="4357534" cy="2285678"/>
+            <a:off x="340854" y="2186038"/>
+            <a:ext cx="4380080" cy="2596223"/>
+          </a:xfrm>
+          <a:prstGeom prst="rect">
+            <a:avLst/>
+          </a:prstGeom>
+        </p:spPr>
+      </p:pic>
+      <p:pic>
+        <p:nvPicPr>
+          <p:cNvPr id="23" name="Picture 22"/>
+          <p:cNvPicPr>
+            <a:picLocks noChangeAspect="1"/>
+          </p:cNvPicPr>
+          <p:nvPr/>
+        </p:nvPicPr>
+        <p:blipFill>
+          <a:blip r:embed="rId3"/>
+          <a:stretch>
+            <a:fillRect/>
+          </a:stretch>
+        </p:blipFill>
+        <p:spPr>
+          <a:xfrm>
+            <a:off x="4799221" y="1007425"/>
+            <a:ext cx="2579437" cy="4788320"/>
           </a:xfrm>
           <a:prstGeom prst="rect">
             <a:avLst/>
@@ -8251,338 +8275,6 @@
       <p:pic>
         <p:nvPicPr>
           <p:cNvPr id="3" name="Picture 8" descr="https://avatars0.githubusercontent.com/u/232371?v=3&amp;s=400"/>
-          <p:cNvPicPr>
-            <a:picLocks noChangeAspect="1" noChangeArrowheads="1"/>
-          </p:cNvPicPr>
-          <p:nvPr/>
-        </p:nvPicPr>
-        <p:blipFill>
-          <a:blip r:embed="rId3" cstate="print">
-            <a:extLst>
-              <a:ext uri="{28A0092B-C50C-407E-A947-70E740481C1C}">
-                <a14:useLocalDpi xmlns:a14="http://schemas.microsoft.com/office/drawing/2010/main" val="0"/>
-              </a:ext>
-            </a:extLst>
-          </a:blip>
-          <a:srcRect/>
-          <a:stretch>
-            <a:fillRect/>
-          </a:stretch>
-        </p:blipFill>
-        <p:spPr bwMode="auto">
-          <a:xfrm>
-            <a:off x="304089" y="5275663"/>
-            <a:ext cx="1254667" cy="1254668"/>
-          </a:xfrm>
-          <a:prstGeom prst="rect">
-            <a:avLst/>
-          </a:prstGeom>
-          <a:noFill/>
-          <a:ln>
-            <a:noFill/>
-          </a:ln>
-          <a:extLst>
-            <a:ext uri="{909E8E84-426E-40DD-AFC4-6F175D3DCCD1}">
-              <a14:hiddenFill xmlns:a14="http://schemas.microsoft.com/office/drawing/2010/main">
-                <a:solidFill>
-                  <a:srgbClr val="FFFFFF"/>
-                </a:solidFill>
-              </a14:hiddenFill>
-            </a:ext>
-            <a:ext uri="{91240B29-F687-4F45-9708-019B960494DF}">
-              <a14:hiddenLine xmlns:a14="http://schemas.microsoft.com/office/drawing/2010/main" w="9525">
-                <a:solidFill>
-                  <a:srgbClr val="000000"/>
-                </a:solidFill>
-                <a:miter lim="800000"/>
-                <a:headEnd/>
-                <a:tailEnd/>
-              </a14:hiddenLine>
-            </a:ext>
-          </a:extLst>
-        </p:spPr>
-      </p:pic>
-      <p:sp>
-        <p:nvSpPr>
-          <p:cNvPr id="10" name="Otsikko 1"/>
-          <p:cNvSpPr txBox="1">
-            <a:spLocks/>
-          </p:cNvSpPr>
-          <p:nvPr/>
-        </p:nvSpPr>
-        <p:spPr bwMode="auto">
-          <a:xfrm>
-            <a:off x="353192" y="752966"/>
-            <a:ext cx="5947000" cy="599694"/>
-          </a:xfrm>
-          <a:prstGeom prst="rect">
-            <a:avLst/>
-          </a:prstGeom>
-          <a:noFill/>
-          <a:ln>
-            <a:noFill/>
-          </a:ln>
-          <a:extLst>
-            <a:ext uri="{909E8E84-426E-40DD-AFC4-6F175D3DCCD1}">
-              <a14:hiddenFill xmlns:a14="http://schemas.microsoft.com/office/drawing/2010/main">
-                <a:solidFill>
-                  <a:srgbClr val="FFFFFF"/>
-                </a:solidFill>
-              </a14:hiddenFill>
-            </a:ext>
-            <a:ext uri="{91240B29-F687-4F45-9708-019B960494DF}">
-              <a14:hiddenLine xmlns:a14="http://schemas.microsoft.com/office/drawing/2010/main" w="9525">
-                <a:solidFill>
-                  <a:srgbClr val="000000"/>
-                </a:solidFill>
-                <a:round/>
-                <a:headEnd/>
-                <a:tailEnd/>
-              </a14:hiddenLine>
-            </a:ext>
-          </a:extLst>
-        </p:spPr>
-        <p:txBody>
-          <a:bodyPr vert="horz" wrap="square" lIns="90000" tIns="46800" rIns="90000" bIns="46800" numCol="1" anchor="ctr" anchorCtr="0" compatLnSpc="1">
-            <a:prstTxWarp prst="textNoShape">
-              <a:avLst/>
-            </a:prstTxWarp>
-          </a:bodyPr>
-          <a:lstStyle>
-            <a:lvl1pPr algn="ctr" defTabSz="449263" rtl="0" eaLnBrk="0" fontAlgn="base" hangingPunct="0">
-              <a:spcBef>
-                <a:spcPct val="0"/>
-              </a:spcBef>
-              <a:spcAft>
-                <a:spcPct val="0"/>
-              </a:spcAft>
-              <a:buClr>
-                <a:srgbClr val="000000"/>
-              </a:buClr>
-              <a:buSzPct val="100000"/>
-              <a:buFont typeface="Times New Roman" panose="02020603050405020304" pitchFamily="18" charset="0"/>
-              <a:defRPr sz="4400">
-                <a:solidFill>
-                  <a:srgbClr val="000000"/>
-                </a:solidFill>
-                <a:latin typeface="+mj-lt"/>
-                <a:ea typeface="+mj-ea"/>
-                <a:cs typeface="+mj-cs"/>
-              </a:defRPr>
-            </a:lvl1pPr>
-            <a:lvl2pPr algn="ctr" defTabSz="449263" rtl="0" eaLnBrk="0" fontAlgn="base" hangingPunct="0">
-              <a:spcBef>
-                <a:spcPct val="0"/>
-              </a:spcBef>
-              <a:spcAft>
-                <a:spcPct val="0"/>
-              </a:spcAft>
-              <a:buClr>
-                <a:srgbClr val="000000"/>
-              </a:buClr>
-              <a:buSzPct val="100000"/>
-              <a:buFont typeface="Times New Roman" panose="02020603050405020304" pitchFamily="18" charset="0"/>
-              <a:defRPr sz="4400">
-                <a:solidFill>
-                  <a:srgbClr val="000000"/>
-                </a:solidFill>
-                <a:latin typeface="Arial" charset="0"/>
-                <a:ea typeface="AR PL Mingti2L Big5" charset="0"/>
-                <a:cs typeface="AR PL Mingti2L Big5" charset="0"/>
-              </a:defRPr>
-            </a:lvl2pPr>
-            <a:lvl3pPr algn="ctr" defTabSz="449263" rtl="0" eaLnBrk="0" fontAlgn="base" hangingPunct="0">
-              <a:spcBef>
-                <a:spcPct val="0"/>
-              </a:spcBef>
-              <a:spcAft>
-                <a:spcPct val="0"/>
-              </a:spcAft>
-              <a:buClr>
-                <a:srgbClr val="000000"/>
-              </a:buClr>
-              <a:buSzPct val="100000"/>
-              <a:buFont typeface="Times New Roman" panose="02020603050405020304" pitchFamily="18" charset="0"/>
-              <a:defRPr sz="4400">
-                <a:solidFill>
-                  <a:srgbClr val="000000"/>
-                </a:solidFill>
-                <a:latin typeface="Arial" charset="0"/>
-                <a:ea typeface="AR PL Mingti2L Big5" charset="0"/>
-                <a:cs typeface="AR PL Mingti2L Big5" charset="0"/>
-              </a:defRPr>
-            </a:lvl3pPr>
-            <a:lvl4pPr algn="ctr" defTabSz="449263" rtl="0" eaLnBrk="0" fontAlgn="base" hangingPunct="0">
-              <a:spcBef>
-                <a:spcPct val="0"/>
-              </a:spcBef>
-              <a:spcAft>
-                <a:spcPct val="0"/>
-              </a:spcAft>
-              <a:buClr>
-                <a:srgbClr val="000000"/>
-              </a:buClr>
-              <a:buSzPct val="100000"/>
-              <a:buFont typeface="Times New Roman" panose="02020603050405020304" pitchFamily="18" charset="0"/>
-              <a:defRPr sz="4400">
-                <a:solidFill>
-                  <a:srgbClr val="000000"/>
-                </a:solidFill>
-                <a:latin typeface="Arial" charset="0"/>
-                <a:ea typeface="AR PL Mingti2L Big5" charset="0"/>
-                <a:cs typeface="AR PL Mingti2L Big5" charset="0"/>
-              </a:defRPr>
-            </a:lvl4pPr>
-            <a:lvl5pPr algn="ctr" defTabSz="449263" rtl="0" eaLnBrk="0" fontAlgn="base" hangingPunct="0">
-              <a:spcBef>
-                <a:spcPct val="0"/>
-              </a:spcBef>
-              <a:spcAft>
-                <a:spcPct val="0"/>
-              </a:spcAft>
-              <a:buClr>
-                <a:srgbClr val="000000"/>
-              </a:buClr>
-              <a:buSzPct val="100000"/>
-              <a:buFont typeface="Times New Roman" panose="02020603050405020304" pitchFamily="18" charset="0"/>
-              <a:defRPr sz="4400">
-                <a:solidFill>
-                  <a:srgbClr val="000000"/>
-                </a:solidFill>
-                <a:latin typeface="Arial" charset="0"/>
-                <a:ea typeface="AR PL Mingti2L Big5" charset="0"/>
-                <a:cs typeface="AR PL Mingti2L Big5" charset="0"/>
-              </a:defRPr>
-            </a:lvl5pPr>
-            <a:lvl6pPr marL="2514600" indent="-228600" algn="ctr" defTabSz="449263" rtl="0" fontAlgn="base">
-              <a:spcBef>
-                <a:spcPct val="0"/>
-              </a:spcBef>
-              <a:spcAft>
-                <a:spcPct val="0"/>
-              </a:spcAft>
-              <a:buClr>
-                <a:srgbClr val="000000"/>
-              </a:buClr>
-              <a:buSzPct val="100000"/>
-              <a:buFont typeface="Times New Roman" pitchFamily="16" charset="0"/>
-              <a:defRPr sz="4400">
-                <a:solidFill>
-                  <a:srgbClr val="000000"/>
-                </a:solidFill>
-                <a:latin typeface="Arial" charset="0"/>
-                <a:ea typeface="AR PL Mingti2L Big5" charset="0"/>
-                <a:cs typeface="AR PL Mingti2L Big5" charset="0"/>
-              </a:defRPr>
-            </a:lvl6pPr>
-            <a:lvl7pPr marL="2971800" indent="-228600" algn="ctr" defTabSz="449263" rtl="0" fontAlgn="base">
-              <a:spcBef>
-                <a:spcPct val="0"/>
-              </a:spcBef>
-              <a:spcAft>
-                <a:spcPct val="0"/>
-              </a:spcAft>
-              <a:buClr>
-                <a:srgbClr val="000000"/>
-              </a:buClr>
-              <a:buSzPct val="100000"/>
-              <a:buFont typeface="Times New Roman" pitchFamily="16" charset="0"/>
-              <a:defRPr sz="4400">
-                <a:solidFill>
-                  <a:srgbClr val="000000"/>
-                </a:solidFill>
-                <a:latin typeface="Arial" charset="0"/>
-                <a:ea typeface="AR PL Mingti2L Big5" charset="0"/>
-                <a:cs typeface="AR PL Mingti2L Big5" charset="0"/>
-              </a:defRPr>
-            </a:lvl7pPr>
-            <a:lvl8pPr marL="3429000" indent="-228600" algn="ctr" defTabSz="449263" rtl="0" fontAlgn="base">
-              <a:spcBef>
-                <a:spcPct val="0"/>
-              </a:spcBef>
-              <a:spcAft>
-                <a:spcPct val="0"/>
-              </a:spcAft>
-              <a:buClr>
-                <a:srgbClr val="000000"/>
-              </a:buClr>
-              <a:buSzPct val="100000"/>
-              <a:buFont typeface="Times New Roman" pitchFamily="16" charset="0"/>
-              <a:defRPr sz="4400">
-                <a:solidFill>
-                  <a:srgbClr val="000000"/>
-                </a:solidFill>
-                <a:latin typeface="Arial" charset="0"/>
-                <a:ea typeface="AR PL Mingti2L Big5" charset="0"/>
-                <a:cs typeface="AR PL Mingti2L Big5" charset="0"/>
-              </a:defRPr>
-            </a:lvl8pPr>
-            <a:lvl9pPr marL="3886200" indent="-228600" algn="ctr" defTabSz="449263" rtl="0" fontAlgn="base">
-              <a:spcBef>
-                <a:spcPct val="0"/>
-              </a:spcBef>
-              <a:spcAft>
-                <a:spcPct val="0"/>
-              </a:spcAft>
-              <a:buClr>
-                <a:srgbClr val="000000"/>
-              </a:buClr>
-              <a:buSzPct val="100000"/>
-              <a:buFont typeface="Times New Roman" pitchFamily="16" charset="0"/>
-              <a:defRPr sz="4400">
-                <a:solidFill>
-                  <a:srgbClr val="000000"/>
-                </a:solidFill>
-                <a:latin typeface="Arial" charset="0"/>
-                <a:ea typeface="AR PL Mingti2L Big5" charset="0"/>
-                <a:cs typeface="AR PL Mingti2L Big5" charset="0"/>
-              </a:defRPr>
-            </a:lvl9pPr>
-          </a:lstStyle>
-          <a:p>
-            <a:pPr algn="l"/>
-            <a:r>
-              <a:rPr lang="fi-FI" altLang="fi-FI" sz="4000" b="1" kern="0" dirty="0">
-                <a:solidFill>
-                  <a:schemeClr val="accent6">
-                    <a:lumMod val="75000"/>
-                  </a:schemeClr>
-                </a:solidFill>
-              </a:rPr>
-              <a:t>Turtle kartalla</a:t>
-            </a:r>
-          </a:p>
-        </p:txBody>
-      </p:sp>
-      <p:sp>
-        <p:nvSpPr>
-          <p:cNvPr id="17" name="Alatunnisteen paikkamerkki 16"/>
-          <p:cNvSpPr>
-            <a:spLocks noGrp="1"/>
-          </p:cNvSpPr>
-          <p:nvPr>
-            <p:ph type="ftr" sz="quarter" idx="11"/>
-          </p:nvPr>
-        </p:nvSpPr>
-        <p:spPr/>
-        <p:txBody>
-          <a:bodyPr/>
-          <a:lstStyle/>
-          <a:p>
-            <a:pPr algn="r">
-              <a:defRPr/>
-            </a:pPr>
-            <a:r>
-              <a:rPr lang="fi-FI" dirty="0"/>
-              <a:t>MAOL Ohjelmointia matematiikkaan</a:t>
-            </a:r>
-            <a:endParaRPr lang="ru-RU" dirty="0"/>
-          </a:p>
-        </p:txBody>
-      </p:sp>
-      <p:pic>
-        <p:nvPicPr>
-          <p:cNvPr id="33" name="Picture 2" descr="WeScheme Logo"/>
           <p:cNvPicPr>
             <a:picLocks noChangeAspect="1" noChangeArrowheads="1"/>
           </p:cNvPicPr>
@@ -8603,6 +8295,338 @@
         </p:blipFill>
         <p:spPr bwMode="auto">
           <a:xfrm>
+            <a:off x="304089" y="5275663"/>
+            <a:ext cx="1254667" cy="1254668"/>
+          </a:xfrm>
+          <a:prstGeom prst="rect">
+            <a:avLst/>
+          </a:prstGeom>
+          <a:noFill/>
+          <a:ln>
+            <a:noFill/>
+          </a:ln>
+          <a:extLst>
+            <a:ext uri="{909E8E84-426E-40DD-AFC4-6F175D3DCCD1}">
+              <a14:hiddenFill xmlns:a14="http://schemas.microsoft.com/office/drawing/2010/main">
+                <a:solidFill>
+                  <a:srgbClr val="FFFFFF"/>
+                </a:solidFill>
+              </a14:hiddenFill>
+            </a:ext>
+            <a:ext uri="{91240B29-F687-4F45-9708-019B960494DF}">
+              <a14:hiddenLine xmlns:a14="http://schemas.microsoft.com/office/drawing/2010/main" w="9525">
+                <a:solidFill>
+                  <a:srgbClr val="000000"/>
+                </a:solidFill>
+                <a:miter lim="800000"/>
+                <a:headEnd/>
+                <a:tailEnd/>
+              </a14:hiddenLine>
+            </a:ext>
+          </a:extLst>
+        </p:spPr>
+      </p:pic>
+      <p:sp>
+        <p:nvSpPr>
+          <p:cNvPr id="10" name="Otsikko 1"/>
+          <p:cNvSpPr txBox="1">
+            <a:spLocks/>
+          </p:cNvSpPr>
+          <p:nvPr/>
+        </p:nvSpPr>
+        <p:spPr bwMode="auto">
+          <a:xfrm>
+            <a:off x="353192" y="752966"/>
+            <a:ext cx="5947000" cy="599694"/>
+          </a:xfrm>
+          <a:prstGeom prst="rect">
+            <a:avLst/>
+          </a:prstGeom>
+          <a:noFill/>
+          <a:ln>
+            <a:noFill/>
+          </a:ln>
+          <a:extLst>
+            <a:ext uri="{909E8E84-426E-40DD-AFC4-6F175D3DCCD1}">
+              <a14:hiddenFill xmlns:a14="http://schemas.microsoft.com/office/drawing/2010/main">
+                <a:solidFill>
+                  <a:srgbClr val="FFFFFF"/>
+                </a:solidFill>
+              </a14:hiddenFill>
+            </a:ext>
+            <a:ext uri="{91240B29-F687-4F45-9708-019B960494DF}">
+              <a14:hiddenLine xmlns:a14="http://schemas.microsoft.com/office/drawing/2010/main" w="9525">
+                <a:solidFill>
+                  <a:srgbClr val="000000"/>
+                </a:solidFill>
+                <a:round/>
+                <a:headEnd/>
+                <a:tailEnd/>
+              </a14:hiddenLine>
+            </a:ext>
+          </a:extLst>
+        </p:spPr>
+        <p:txBody>
+          <a:bodyPr vert="horz" wrap="square" lIns="90000" tIns="46800" rIns="90000" bIns="46800" numCol="1" anchor="ctr" anchorCtr="0" compatLnSpc="1">
+            <a:prstTxWarp prst="textNoShape">
+              <a:avLst/>
+            </a:prstTxWarp>
+          </a:bodyPr>
+          <a:lstStyle>
+            <a:lvl1pPr algn="ctr" defTabSz="449263" rtl="0" eaLnBrk="0" fontAlgn="base" hangingPunct="0">
+              <a:spcBef>
+                <a:spcPct val="0"/>
+              </a:spcBef>
+              <a:spcAft>
+                <a:spcPct val="0"/>
+              </a:spcAft>
+              <a:buClr>
+                <a:srgbClr val="000000"/>
+              </a:buClr>
+              <a:buSzPct val="100000"/>
+              <a:buFont typeface="Times New Roman" panose="02020603050405020304" pitchFamily="18" charset="0"/>
+              <a:defRPr sz="4400">
+                <a:solidFill>
+                  <a:srgbClr val="000000"/>
+                </a:solidFill>
+                <a:latin typeface="+mj-lt"/>
+                <a:ea typeface="+mj-ea"/>
+                <a:cs typeface="+mj-cs"/>
+              </a:defRPr>
+            </a:lvl1pPr>
+            <a:lvl2pPr algn="ctr" defTabSz="449263" rtl="0" eaLnBrk="0" fontAlgn="base" hangingPunct="0">
+              <a:spcBef>
+                <a:spcPct val="0"/>
+              </a:spcBef>
+              <a:spcAft>
+                <a:spcPct val="0"/>
+              </a:spcAft>
+              <a:buClr>
+                <a:srgbClr val="000000"/>
+              </a:buClr>
+              <a:buSzPct val="100000"/>
+              <a:buFont typeface="Times New Roman" panose="02020603050405020304" pitchFamily="18" charset="0"/>
+              <a:defRPr sz="4400">
+                <a:solidFill>
+                  <a:srgbClr val="000000"/>
+                </a:solidFill>
+                <a:latin typeface="Arial" charset="0"/>
+                <a:ea typeface="AR PL Mingti2L Big5" charset="0"/>
+                <a:cs typeface="AR PL Mingti2L Big5" charset="0"/>
+              </a:defRPr>
+            </a:lvl2pPr>
+            <a:lvl3pPr algn="ctr" defTabSz="449263" rtl="0" eaLnBrk="0" fontAlgn="base" hangingPunct="0">
+              <a:spcBef>
+                <a:spcPct val="0"/>
+              </a:spcBef>
+              <a:spcAft>
+                <a:spcPct val="0"/>
+              </a:spcAft>
+              <a:buClr>
+                <a:srgbClr val="000000"/>
+              </a:buClr>
+              <a:buSzPct val="100000"/>
+              <a:buFont typeface="Times New Roman" panose="02020603050405020304" pitchFamily="18" charset="0"/>
+              <a:defRPr sz="4400">
+                <a:solidFill>
+                  <a:srgbClr val="000000"/>
+                </a:solidFill>
+                <a:latin typeface="Arial" charset="0"/>
+                <a:ea typeface="AR PL Mingti2L Big5" charset="0"/>
+                <a:cs typeface="AR PL Mingti2L Big5" charset="0"/>
+              </a:defRPr>
+            </a:lvl3pPr>
+            <a:lvl4pPr algn="ctr" defTabSz="449263" rtl="0" eaLnBrk="0" fontAlgn="base" hangingPunct="0">
+              <a:spcBef>
+                <a:spcPct val="0"/>
+              </a:spcBef>
+              <a:spcAft>
+                <a:spcPct val="0"/>
+              </a:spcAft>
+              <a:buClr>
+                <a:srgbClr val="000000"/>
+              </a:buClr>
+              <a:buSzPct val="100000"/>
+              <a:buFont typeface="Times New Roman" panose="02020603050405020304" pitchFamily="18" charset="0"/>
+              <a:defRPr sz="4400">
+                <a:solidFill>
+                  <a:srgbClr val="000000"/>
+                </a:solidFill>
+                <a:latin typeface="Arial" charset="0"/>
+                <a:ea typeface="AR PL Mingti2L Big5" charset="0"/>
+                <a:cs typeface="AR PL Mingti2L Big5" charset="0"/>
+              </a:defRPr>
+            </a:lvl4pPr>
+            <a:lvl5pPr algn="ctr" defTabSz="449263" rtl="0" eaLnBrk="0" fontAlgn="base" hangingPunct="0">
+              <a:spcBef>
+                <a:spcPct val="0"/>
+              </a:spcBef>
+              <a:spcAft>
+                <a:spcPct val="0"/>
+              </a:spcAft>
+              <a:buClr>
+                <a:srgbClr val="000000"/>
+              </a:buClr>
+              <a:buSzPct val="100000"/>
+              <a:buFont typeface="Times New Roman" panose="02020603050405020304" pitchFamily="18" charset="0"/>
+              <a:defRPr sz="4400">
+                <a:solidFill>
+                  <a:srgbClr val="000000"/>
+                </a:solidFill>
+                <a:latin typeface="Arial" charset="0"/>
+                <a:ea typeface="AR PL Mingti2L Big5" charset="0"/>
+                <a:cs typeface="AR PL Mingti2L Big5" charset="0"/>
+              </a:defRPr>
+            </a:lvl5pPr>
+            <a:lvl6pPr marL="2514600" indent="-228600" algn="ctr" defTabSz="449263" rtl="0" fontAlgn="base">
+              <a:spcBef>
+                <a:spcPct val="0"/>
+              </a:spcBef>
+              <a:spcAft>
+                <a:spcPct val="0"/>
+              </a:spcAft>
+              <a:buClr>
+                <a:srgbClr val="000000"/>
+              </a:buClr>
+              <a:buSzPct val="100000"/>
+              <a:buFont typeface="Times New Roman" pitchFamily="16" charset="0"/>
+              <a:defRPr sz="4400">
+                <a:solidFill>
+                  <a:srgbClr val="000000"/>
+                </a:solidFill>
+                <a:latin typeface="Arial" charset="0"/>
+                <a:ea typeface="AR PL Mingti2L Big5" charset="0"/>
+                <a:cs typeface="AR PL Mingti2L Big5" charset="0"/>
+              </a:defRPr>
+            </a:lvl6pPr>
+            <a:lvl7pPr marL="2971800" indent="-228600" algn="ctr" defTabSz="449263" rtl="0" fontAlgn="base">
+              <a:spcBef>
+                <a:spcPct val="0"/>
+              </a:spcBef>
+              <a:spcAft>
+                <a:spcPct val="0"/>
+              </a:spcAft>
+              <a:buClr>
+                <a:srgbClr val="000000"/>
+              </a:buClr>
+              <a:buSzPct val="100000"/>
+              <a:buFont typeface="Times New Roman" pitchFamily="16" charset="0"/>
+              <a:defRPr sz="4400">
+                <a:solidFill>
+                  <a:srgbClr val="000000"/>
+                </a:solidFill>
+                <a:latin typeface="Arial" charset="0"/>
+                <a:ea typeface="AR PL Mingti2L Big5" charset="0"/>
+                <a:cs typeface="AR PL Mingti2L Big5" charset="0"/>
+              </a:defRPr>
+            </a:lvl7pPr>
+            <a:lvl8pPr marL="3429000" indent="-228600" algn="ctr" defTabSz="449263" rtl="0" fontAlgn="base">
+              <a:spcBef>
+                <a:spcPct val="0"/>
+              </a:spcBef>
+              <a:spcAft>
+                <a:spcPct val="0"/>
+              </a:spcAft>
+              <a:buClr>
+                <a:srgbClr val="000000"/>
+              </a:buClr>
+              <a:buSzPct val="100000"/>
+              <a:buFont typeface="Times New Roman" pitchFamily="16" charset="0"/>
+              <a:defRPr sz="4400">
+                <a:solidFill>
+                  <a:srgbClr val="000000"/>
+                </a:solidFill>
+                <a:latin typeface="Arial" charset="0"/>
+                <a:ea typeface="AR PL Mingti2L Big5" charset="0"/>
+                <a:cs typeface="AR PL Mingti2L Big5" charset="0"/>
+              </a:defRPr>
+            </a:lvl8pPr>
+            <a:lvl9pPr marL="3886200" indent="-228600" algn="ctr" defTabSz="449263" rtl="0" fontAlgn="base">
+              <a:spcBef>
+                <a:spcPct val="0"/>
+              </a:spcBef>
+              <a:spcAft>
+                <a:spcPct val="0"/>
+              </a:spcAft>
+              <a:buClr>
+                <a:srgbClr val="000000"/>
+              </a:buClr>
+              <a:buSzPct val="100000"/>
+              <a:buFont typeface="Times New Roman" pitchFamily="16" charset="0"/>
+              <a:defRPr sz="4400">
+                <a:solidFill>
+                  <a:srgbClr val="000000"/>
+                </a:solidFill>
+                <a:latin typeface="Arial" charset="0"/>
+                <a:ea typeface="AR PL Mingti2L Big5" charset="0"/>
+                <a:cs typeface="AR PL Mingti2L Big5" charset="0"/>
+              </a:defRPr>
+            </a:lvl9pPr>
+          </a:lstStyle>
+          <a:p>
+            <a:pPr algn="l"/>
+            <a:r>
+              <a:rPr lang="fi-FI" altLang="fi-FI" sz="4000" b="1" kern="0" dirty="0">
+                <a:solidFill>
+                  <a:schemeClr val="accent6">
+                    <a:lumMod val="75000"/>
+                  </a:schemeClr>
+                </a:solidFill>
+              </a:rPr>
+              <a:t>Turtle kartalla</a:t>
+            </a:r>
+          </a:p>
+        </p:txBody>
+      </p:sp>
+      <p:sp>
+        <p:nvSpPr>
+          <p:cNvPr id="17" name="Alatunnisteen paikkamerkki 16"/>
+          <p:cNvSpPr>
+            <a:spLocks noGrp="1"/>
+          </p:cNvSpPr>
+          <p:nvPr>
+            <p:ph type="ftr" sz="quarter" idx="11"/>
+          </p:nvPr>
+        </p:nvSpPr>
+        <p:spPr/>
+        <p:txBody>
+          <a:bodyPr/>
+          <a:lstStyle/>
+          <a:p>
+            <a:pPr algn="r">
+              <a:defRPr/>
+            </a:pPr>
+            <a:r>
+              <a:rPr lang="fi-FI" dirty="0"/>
+              <a:t>MAOL Ohjelmointia matematiikkaan</a:t>
+            </a:r>
+            <a:endParaRPr lang="ru-RU" dirty="0"/>
+          </a:p>
+        </p:txBody>
+      </p:sp>
+      <p:pic>
+        <p:nvPicPr>
+          <p:cNvPr id="33" name="Picture 2" descr="WeScheme Logo"/>
+          <p:cNvPicPr>
+            <a:picLocks noChangeAspect="1" noChangeArrowheads="1"/>
+          </p:cNvPicPr>
+          <p:nvPr/>
+        </p:nvPicPr>
+        <p:blipFill>
+          <a:blip r:embed="rId5" cstate="print">
+            <a:extLst>
+              <a:ext uri="{28A0092B-C50C-407E-A947-70E740481C1C}">
+                <a14:useLocalDpi xmlns:a14="http://schemas.microsoft.com/office/drawing/2010/main" val="0"/>
+              </a:ext>
+            </a:extLst>
+          </a:blip>
+          <a:srcRect/>
+          <a:stretch>
+            <a:fillRect/>
+          </a:stretch>
+        </p:blipFill>
+        <p:spPr bwMode="auto">
+          <a:xfrm>
             <a:off x="7430064" y="5255870"/>
             <a:ext cx="1495802" cy="1383832"/>
           </a:xfrm>
@@ -8804,36 +8828,6 @@
           </a:p>
         </p:txBody>
       </p:sp>
-      <p:pic>
-        <p:nvPicPr>
-          <p:cNvPr id="4" name="Picture 3"/>
-          <p:cNvPicPr>
-            <a:picLocks noChangeAspect="1"/>
-          </p:cNvPicPr>
-          <p:nvPr/>
-        </p:nvPicPr>
-        <p:blipFill>
-          <a:blip r:embed="rId5">
-            <a:extLst>
-              <a:ext uri="{28A0092B-C50C-407E-A947-70E740481C1C}">
-                <a14:useLocalDpi xmlns:a14="http://schemas.microsoft.com/office/drawing/2010/main" val="0"/>
-              </a:ext>
-            </a:extLst>
-          </a:blip>
-          <a:stretch>
-            <a:fillRect/>
-          </a:stretch>
-        </p:blipFill>
-        <p:spPr>
-          <a:xfrm>
-            <a:off x="4783659" y="1044710"/>
-            <a:ext cx="2558754" cy="4754700"/>
-          </a:xfrm>
-          <a:prstGeom prst="rect">
-            <a:avLst/>
-          </a:prstGeom>
-        </p:spPr>
-      </p:pic>
       <p:cxnSp>
         <p:nvCxnSpPr>
           <p:cNvPr id="37" name="Straight Arrow Connector 36"/>
@@ -9094,7 +9088,7 @@
         </p:nvSpPr>
         <p:spPr>
           <a:xfrm>
-            <a:off x="2838810" y="1620299"/>
+            <a:off x="2733927" y="1675998"/>
             <a:ext cx="1781257" cy="338554"/>
           </a:xfrm>
           <a:prstGeom prst="rect">
@@ -9127,7 +9121,7 @@
         </p:nvCxnSpPr>
         <p:spPr>
           <a:xfrm>
-            <a:off x="3006467" y="1952863"/>
+            <a:off x="2901584" y="2008562"/>
             <a:ext cx="84313" cy="181475"/>
           </a:xfrm>
           <a:prstGeom prst="straightConnector1">
@@ -9163,7 +9157,7 @@
         </p:nvCxnSpPr>
         <p:spPr>
           <a:xfrm>
-            <a:off x="3373634" y="1951527"/>
+            <a:off x="3268751" y="2007226"/>
             <a:ext cx="84313" cy="181475"/>
           </a:xfrm>
           <a:prstGeom prst="straightConnector1">
@@ -9199,7 +9193,7 @@
         </p:nvSpPr>
         <p:spPr>
           <a:xfrm rot="20279594">
-            <a:off x="165543" y="3440393"/>
+            <a:off x="192043" y="3517247"/>
             <a:ext cx="1755609" cy="584775"/>
           </a:xfrm>
           <a:prstGeom prst="rect">
@@ -9686,7 +9680,7 @@
                 <a:latin typeface="Courier New" panose="02070309020205020404" pitchFamily="49" charset="0"/>
                 <a:cs typeface="Courier New" panose="02070309020205020404" pitchFamily="49" charset="0"/>
               </a:rPr>
-              <a:t>(define PORI (go-to 90 144))</a:t>
+              <a:t>(define PORI (go-to 76 122))</a:t>
             </a:r>
           </a:p>
           <a:p>
@@ -10571,377 +10565,31 @@
       </p:grpSpPr>
       <p:pic>
         <p:nvPicPr>
-          <p:cNvPr id="3" name="Picture 8" descr="https://avatars0.githubusercontent.com/u/232371?v=3&amp;s=400"/>
+          <p:cNvPr id="2" name="Picture 1"/>
           <p:cNvPicPr>
-            <a:picLocks noChangeAspect="1" noChangeArrowheads="1"/>
+            <a:picLocks noChangeAspect="1"/>
           </p:cNvPicPr>
           <p:nvPr/>
         </p:nvPicPr>
         <p:blipFill>
-          <a:blip r:embed="rId2" cstate="print">
-            <a:extLst>
-              <a:ext uri="{28A0092B-C50C-407E-A947-70E740481C1C}">
-                <a14:useLocalDpi xmlns:a14="http://schemas.microsoft.com/office/drawing/2010/main" val="0"/>
-              </a:ext>
-            </a:extLst>
-          </a:blip>
-          <a:srcRect/>
+          <a:blip r:embed="rId2"/>
           <a:stretch>
             <a:fillRect/>
           </a:stretch>
         </p:blipFill>
-        <p:spPr bwMode="auto">
-          <a:xfrm>
-            <a:off x="395536" y="5216790"/>
-            <a:ext cx="1254667" cy="1254668"/>
+        <p:spPr>
+          <a:xfrm>
+            <a:off x="2515376" y="1841767"/>
+            <a:ext cx="3966898" cy="4145532"/>
           </a:xfrm>
           <a:prstGeom prst="rect">
             <a:avLst/>
           </a:prstGeom>
-          <a:noFill/>
-          <a:ln>
-            <a:noFill/>
-          </a:ln>
-          <a:extLst>
-            <a:ext uri="{909E8E84-426E-40DD-AFC4-6F175D3DCCD1}">
-              <a14:hiddenFill xmlns:a14="http://schemas.microsoft.com/office/drawing/2010/main">
-                <a:solidFill>
-                  <a:srgbClr val="FFFFFF"/>
-                </a:solidFill>
-              </a14:hiddenFill>
-            </a:ext>
-            <a:ext uri="{91240B29-F687-4F45-9708-019B960494DF}">
-              <a14:hiddenLine xmlns:a14="http://schemas.microsoft.com/office/drawing/2010/main" w="9525">
-                <a:solidFill>
-                  <a:srgbClr val="000000"/>
-                </a:solidFill>
-                <a:miter lim="800000"/>
-                <a:headEnd/>
-                <a:tailEnd/>
-              </a14:hiddenLine>
-            </a:ext>
-          </a:extLst>
         </p:spPr>
       </p:pic>
-      <p:sp>
-        <p:nvSpPr>
-          <p:cNvPr id="10" name="Otsikko 1"/>
-          <p:cNvSpPr txBox="1">
-            <a:spLocks/>
-          </p:cNvSpPr>
-          <p:nvPr/>
-        </p:nvSpPr>
-        <p:spPr bwMode="auto">
-          <a:xfrm>
-            <a:off x="338311" y="870587"/>
-            <a:ext cx="9035472" cy="599694"/>
-          </a:xfrm>
-          <a:prstGeom prst="rect">
-            <a:avLst/>
-          </a:prstGeom>
-          <a:noFill/>
-          <a:ln>
-            <a:noFill/>
-          </a:ln>
-          <a:extLst>
-            <a:ext uri="{909E8E84-426E-40DD-AFC4-6F175D3DCCD1}">
-              <a14:hiddenFill xmlns:a14="http://schemas.microsoft.com/office/drawing/2010/main">
-                <a:solidFill>
-                  <a:srgbClr val="FFFFFF"/>
-                </a:solidFill>
-              </a14:hiddenFill>
-            </a:ext>
-            <a:ext uri="{91240B29-F687-4F45-9708-019B960494DF}">
-              <a14:hiddenLine xmlns:a14="http://schemas.microsoft.com/office/drawing/2010/main" w="9525">
-                <a:solidFill>
-                  <a:srgbClr val="000000"/>
-                </a:solidFill>
-                <a:round/>
-                <a:headEnd/>
-                <a:tailEnd/>
-              </a14:hiddenLine>
-            </a:ext>
-          </a:extLst>
-        </p:spPr>
-        <p:txBody>
-          <a:bodyPr vert="horz" wrap="square" lIns="90000" tIns="46800" rIns="90000" bIns="46800" numCol="1" anchor="ctr" anchorCtr="0" compatLnSpc="1">
-            <a:prstTxWarp prst="textNoShape">
-              <a:avLst/>
-            </a:prstTxWarp>
-          </a:bodyPr>
-          <a:lstStyle>
-            <a:lvl1pPr algn="ctr" defTabSz="449263" rtl="0" eaLnBrk="0" fontAlgn="base" hangingPunct="0">
-              <a:spcBef>
-                <a:spcPct val="0"/>
-              </a:spcBef>
-              <a:spcAft>
-                <a:spcPct val="0"/>
-              </a:spcAft>
-              <a:buClr>
-                <a:srgbClr val="000000"/>
-              </a:buClr>
-              <a:buSzPct val="100000"/>
-              <a:buFont typeface="Times New Roman" panose="02020603050405020304" pitchFamily="18" charset="0"/>
-              <a:defRPr sz="4400">
-                <a:solidFill>
-                  <a:srgbClr val="000000"/>
-                </a:solidFill>
-                <a:latin typeface="+mj-lt"/>
-                <a:ea typeface="+mj-ea"/>
-                <a:cs typeface="+mj-cs"/>
-              </a:defRPr>
-            </a:lvl1pPr>
-            <a:lvl2pPr algn="ctr" defTabSz="449263" rtl="0" eaLnBrk="0" fontAlgn="base" hangingPunct="0">
-              <a:spcBef>
-                <a:spcPct val="0"/>
-              </a:spcBef>
-              <a:spcAft>
-                <a:spcPct val="0"/>
-              </a:spcAft>
-              <a:buClr>
-                <a:srgbClr val="000000"/>
-              </a:buClr>
-              <a:buSzPct val="100000"/>
-              <a:buFont typeface="Times New Roman" panose="02020603050405020304" pitchFamily="18" charset="0"/>
-              <a:defRPr sz="4400">
-                <a:solidFill>
-                  <a:srgbClr val="000000"/>
-                </a:solidFill>
-                <a:latin typeface="Arial" charset="0"/>
-                <a:ea typeface="AR PL Mingti2L Big5" charset="0"/>
-                <a:cs typeface="AR PL Mingti2L Big5" charset="0"/>
-              </a:defRPr>
-            </a:lvl2pPr>
-            <a:lvl3pPr algn="ctr" defTabSz="449263" rtl="0" eaLnBrk="0" fontAlgn="base" hangingPunct="0">
-              <a:spcBef>
-                <a:spcPct val="0"/>
-              </a:spcBef>
-              <a:spcAft>
-                <a:spcPct val="0"/>
-              </a:spcAft>
-              <a:buClr>
-                <a:srgbClr val="000000"/>
-              </a:buClr>
-              <a:buSzPct val="100000"/>
-              <a:buFont typeface="Times New Roman" panose="02020603050405020304" pitchFamily="18" charset="0"/>
-              <a:defRPr sz="4400">
-                <a:solidFill>
-                  <a:srgbClr val="000000"/>
-                </a:solidFill>
-                <a:latin typeface="Arial" charset="0"/>
-                <a:ea typeface="AR PL Mingti2L Big5" charset="0"/>
-                <a:cs typeface="AR PL Mingti2L Big5" charset="0"/>
-              </a:defRPr>
-            </a:lvl3pPr>
-            <a:lvl4pPr algn="ctr" defTabSz="449263" rtl="0" eaLnBrk="0" fontAlgn="base" hangingPunct="0">
-              <a:spcBef>
-                <a:spcPct val="0"/>
-              </a:spcBef>
-              <a:spcAft>
-                <a:spcPct val="0"/>
-              </a:spcAft>
-              <a:buClr>
-                <a:srgbClr val="000000"/>
-              </a:buClr>
-              <a:buSzPct val="100000"/>
-              <a:buFont typeface="Times New Roman" panose="02020603050405020304" pitchFamily="18" charset="0"/>
-              <a:defRPr sz="4400">
-                <a:solidFill>
-                  <a:srgbClr val="000000"/>
-                </a:solidFill>
-                <a:latin typeface="Arial" charset="0"/>
-                <a:ea typeface="AR PL Mingti2L Big5" charset="0"/>
-                <a:cs typeface="AR PL Mingti2L Big5" charset="0"/>
-              </a:defRPr>
-            </a:lvl4pPr>
-            <a:lvl5pPr algn="ctr" defTabSz="449263" rtl="0" eaLnBrk="0" fontAlgn="base" hangingPunct="0">
-              <a:spcBef>
-                <a:spcPct val="0"/>
-              </a:spcBef>
-              <a:spcAft>
-                <a:spcPct val="0"/>
-              </a:spcAft>
-              <a:buClr>
-                <a:srgbClr val="000000"/>
-              </a:buClr>
-              <a:buSzPct val="100000"/>
-              <a:buFont typeface="Times New Roman" panose="02020603050405020304" pitchFamily="18" charset="0"/>
-              <a:defRPr sz="4400">
-                <a:solidFill>
-                  <a:srgbClr val="000000"/>
-                </a:solidFill>
-                <a:latin typeface="Arial" charset="0"/>
-                <a:ea typeface="AR PL Mingti2L Big5" charset="0"/>
-                <a:cs typeface="AR PL Mingti2L Big5" charset="0"/>
-              </a:defRPr>
-            </a:lvl5pPr>
-            <a:lvl6pPr marL="2514600" indent="-228600" algn="ctr" defTabSz="449263" rtl="0" fontAlgn="base">
-              <a:spcBef>
-                <a:spcPct val="0"/>
-              </a:spcBef>
-              <a:spcAft>
-                <a:spcPct val="0"/>
-              </a:spcAft>
-              <a:buClr>
-                <a:srgbClr val="000000"/>
-              </a:buClr>
-              <a:buSzPct val="100000"/>
-              <a:buFont typeface="Times New Roman" pitchFamily="16" charset="0"/>
-              <a:defRPr sz="4400">
-                <a:solidFill>
-                  <a:srgbClr val="000000"/>
-                </a:solidFill>
-                <a:latin typeface="Arial" charset="0"/>
-                <a:ea typeface="AR PL Mingti2L Big5" charset="0"/>
-                <a:cs typeface="AR PL Mingti2L Big5" charset="0"/>
-              </a:defRPr>
-            </a:lvl6pPr>
-            <a:lvl7pPr marL="2971800" indent="-228600" algn="ctr" defTabSz="449263" rtl="0" fontAlgn="base">
-              <a:spcBef>
-                <a:spcPct val="0"/>
-              </a:spcBef>
-              <a:spcAft>
-                <a:spcPct val="0"/>
-              </a:spcAft>
-              <a:buClr>
-                <a:srgbClr val="000000"/>
-              </a:buClr>
-              <a:buSzPct val="100000"/>
-              <a:buFont typeface="Times New Roman" pitchFamily="16" charset="0"/>
-              <a:defRPr sz="4400">
-                <a:solidFill>
-                  <a:srgbClr val="000000"/>
-                </a:solidFill>
-                <a:latin typeface="Arial" charset="0"/>
-                <a:ea typeface="AR PL Mingti2L Big5" charset="0"/>
-                <a:cs typeface="AR PL Mingti2L Big5" charset="0"/>
-              </a:defRPr>
-            </a:lvl7pPr>
-            <a:lvl8pPr marL="3429000" indent="-228600" algn="ctr" defTabSz="449263" rtl="0" fontAlgn="base">
-              <a:spcBef>
-                <a:spcPct val="0"/>
-              </a:spcBef>
-              <a:spcAft>
-                <a:spcPct val="0"/>
-              </a:spcAft>
-              <a:buClr>
-                <a:srgbClr val="000000"/>
-              </a:buClr>
-              <a:buSzPct val="100000"/>
-              <a:buFont typeface="Times New Roman" pitchFamily="16" charset="0"/>
-              <a:defRPr sz="4400">
-                <a:solidFill>
-                  <a:srgbClr val="000000"/>
-                </a:solidFill>
-                <a:latin typeface="Arial" charset="0"/>
-                <a:ea typeface="AR PL Mingti2L Big5" charset="0"/>
-                <a:cs typeface="AR PL Mingti2L Big5" charset="0"/>
-              </a:defRPr>
-            </a:lvl8pPr>
-            <a:lvl9pPr marL="3886200" indent="-228600" algn="ctr" defTabSz="449263" rtl="0" fontAlgn="base">
-              <a:spcBef>
-                <a:spcPct val="0"/>
-              </a:spcBef>
-              <a:spcAft>
-                <a:spcPct val="0"/>
-              </a:spcAft>
-              <a:buClr>
-                <a:srgbClr val="000000"/>
-              </a:buClr>
-              <a:buSzPct val="100000"/>
-              <a:buFont typeface="Times New Roman" pitchFamily="16" charset="0"/>
-              <a:defRPr sz="4400">
-                <a:solidFill>
-                  <a:srgbClr val="000000"/>
-                </a:solidFill>
-                <a:latin typeface="Arial" charset="0"/>
-                <a:ea typeface="AR PL Mingti2L Big5" charset="0"/>
-                <a:cs typeface="AR PL Mingti2L Big5" charset="0"/>
-              </a:defRPr>
-            </a:lvl9pPr>
-          </a:lstStyle>
-          <a:p>
-            <a:pPr algn="l"/>
-            <a:r>
-              <a:rPr lang="fi-FI" altLang="fi-FI" sz="4000" b="1" kern="0" dirty="0">
-                <a:solidFill>
-                  <a:schemeClr val="accent6">
-                    <a:lumMod val="75000"/>
-                  </a:schemeClr>
-                </a:solidFill>
-              </a:rPr>
-              <a:t>Peilauksen avulla saadaan helposti</a:t>
-            </a:r>
-          </a:p>
-          <a:p>
-            <a:pPr algn="l"/>
-            <a:r>
-              <a:rPr lang="fi-FI" altLang="fi-FI" sz="4000" b="1" kern="0" dirty="0">
-                <a:solidFill>
-                  <a:schemeClr val="accent6">
-                    <a:lumMod val="75000"/>
-                  </a:schemeClr>
-                </a:solidFill>
-              </a:rPr>
-              <a:t>symmetrisiä kuvioita</a:t>
-            </a:r>
-          </a:p>
-        </p:txBody>
-      </p:sp>
-      <p:sp>
-        <p:nvSpPr>
-          <p:cNvPr id="27" name="Suorakulmio 26"/>
-          <p:cNvSpPr/>
-          <p:nvPr/>
-        </p:nvSpPr>
-        <p:spPr>
-          <a:xfrm>
-            <a:off x="179512" y="2230659"/>
-            <a:ext cx="184731" cy="461665"/>
-          </a:xfrm>
-          <a:prstGeom prst="rect">
-            <a:avLst/>
-          </a:prstGeom>
-        </p:spPr>
-        <p:txBody>
-          <a:bodyPr wrap="none">
-            <a:spAutoFit/>
-          </a:bodyPr>
-          <a:lstStyle/>
-          <a:p>
-            <a:endParaRPr lang="fi-FI" sz="2400" dirty="0"/>
-          </a:p>
-        </p:txBody>
-      </p:sp>
-      <p:sp>
-        <p:nvSpPr>
-          <p:cNvPr id="7" name="Alatunnisteen paikkamerkki 6"/>
-          <p:cNvSpPr>
-            <a:spLocks noGrp="1"/>
-          </p:cNvSpPr>
-          <p:nvPr>
-            <p:ph type="ftr" sz="quarter" idx="11"/>
-          </p:nvPr>
-        </p:nvSpPr>
-        <p:spPr/>
-        <p:txBody>
-          <a:bodyPr/>
-          <a:lstStyle/>
-          <a:p>
-            <a:pPr algn="r">
-              <a:defRPr/>
-            </a:pPr>
-            <a:r>
-              <a:rPr lang="fi-FI" dirty="0"/>
-              <a:t>MAOL Ohjelmointia matematiikkaan</a:t>
-            </a:r>
-            <a:endParaRPr lang="ru-RU" dirty="0"/>
-          </a:p>
-        </p:txBody>
-      </p:sp>
       <p:pic>
         <p:nvPicPr>
-          <p:cNvPr id="51" name="Picture 2" descr="WeScheme Logo"/>
+          <p:cNvPr id="3" name="Picture 8" descr="https://avatars0.githubusercontent.com/u/232371?v=3&amp;s=400"/>
           <p:cNvPicPr>
             <a:picLocks noChangeAspect="1" noChangeArrowheads="1"/>
           </p:cNvPicPr>
@@ -10962,6 +10610,376 @@
         </p:blipFill>
         <p:spPr bwMode="auto">
           <a:xfrm>
+            <a:off x="395536" y="5216790"/>
+            <a:ext cx="1254667" cy="1254668"/>
+          </a:xfrm>
+          <a:prstGeom prst="rect">
+            <a:avLst/>
+          </a:prstGeom>
+          <a:noFill/>
+          <a:ln>
+            <a:noFill/>
+          </a:ln>
+          <a:extLst>
+            <a:ext uri="{909E8E84-426E-40DD-AFC4-6F175D3DCCD1}">
+              <a14:hiddenFill xmlns:a14="http://schemas.microsoft.com/office/drawing/2010/main">
+                <a:solidFill>
+                  <a:srgbClr val="FFFFFF"/>
+                </a:solidFill>
+              </a14:hiddenFill>
+            </a:ext>
+            <a:ext uri="{91240B29-F687-4F45-9708-019B960494DF}">
+              <a14:hiddenLine xmlns:a14="http://schemas.microsoft.com/office/drawing/2010/main" w="9525">
+                <a:solidFill>
+                  <a:srgbClr val="000000"/>
+                </a:solidFill>
+                <a:miter lim="800000"/>
+                <a:headEnd/>
+                <a:tailEnd/>
+              </a14:hiddenLine>
+            </a:ext>
+          </a:extLst>
+        </p:spPr>
+      </p:pic>
+      <p:sp>
+        <p:nvSpPr>
+          <p:cNvPr id="10" name="Otsikko 1"/>
+          <p:cNvSpPr txBox="1">
+            <a:spLocks/>
+          </p:cNvSpPr>
+          <p:nvPr/>
+        </p:nvSpPr>
+        <p:spPr bwMode="auto">
+          <a:xfrm>
+            <a:off x="338311" y="870587"/>
+            <a:ext cx="9035472" cy="599694"/>
+          </a:xfrm>
+          <a:prstGeom prst="rect">
+            <a:avLst/>
+          </a:prstGeom>
+          <a:noFill/>
+          <a:ln>
+            <a:noFill/>
+          </a:ln>
+          <a:extLst>
+            <a:ext uri="{909E8E84-426E-40DD-AFC4-6F175D3DCCD1}">
+              <a14:hiddenFill xmlns:a14="http://schemas.microsoft.com/office/drawing/2010/main">
+                <a:solidFill>
+                  <a:srgbClr val="FFFFFF"/>
+                </a:solidFill>
+              </a14:hiddenFill>
+            </a:ext>
+            <a:ext uri="{91240B29-F687-4F45-9708-019B960494DF}">
+              <a14:hiddenLine xmlns:a14="http://schemas.microsoft.com/office/drawing/2010/main" w="9525">
+                <a:solidFill>
+                  <a:srgbClr val="000000"/>
+                </a:solidFill>
+                <a:round/>
+                <a:headEnd/>
+                <a:tailEnd/>
+              </a14:hiddenLine>
+            </a:ext>
+          </a:extLst>
+        </p:spPr>
+        <p:txBody>
+          <a:bodyPr vert="horz" wrap="square" lIns="90000" tIns="46800" rIns="90000" bIns="46800" numCol="1" anchor="ctr" anchorCtr="0" compatLnSpc="1">
+            <a:prstTxWarp prst="textNoShape">
+              <a:avLst/>
+            </a:prstTxWarp>
+          </a:bodyPr>
+          <a:lstStyle>
+            <a:lvl1pPr algn="ctr" defTabSz="449263" rtl="0" eaLnBrk="0" fontAlgn="base" hangingPunct="0">
+              <a:spcBef>
+                <a:spcPct val="0"/>
+              </a:spcBef>
+              <a:spcAft>
+                <a:spcPct val="0"/>
+              </a:spcAft>
+              <a:buClr>
+                <a:srgbClr val="000000"/>
+              </a:buClr>
+              <a:buSzPct val="100000"/>
+              <a:buFont typeface="Times New Roman" panose="02020603050405020304" pitchFamily="18" charset="0"/>
+              <a:defRPr sz="4400">
+                <a:solidFill>
+                  <a:srgbClr val="000000"/>
+                </a:solidFill>
+                <a:latin typeface="+mj-lt"/>
+                <a:ea typeface="+mj-ea"/>
+                <a:cs typeface="+mj-cs"/>
+              </a:defRPr>
+            </a:lvl1pPr>
+            <a:lvl2pPr algn="ctr" defTabSz="449263" rtl="0" eaLnBrk="0" fontAlgn="base" hangingPunct="0">
+              <a:spcBef>
+                <a:spcPct val="0"/>
+              </a:spcBef>
+              <a:spcAft>
+                <a:spcPct val="0"/>
+              </a:spcAft>
+              <a:buClr>
+                <a:srgbClr val="000000"/>
+              </a:buClr>
+              <a:buSzPct val="100000"/>
+              <a:buFont typeface="Times New Roman" panose="02020603050405020304" pitchFamily="18" charset="0"/>
+              <a:defRPr sz="4400">
+                <a:solidFill>
+                  <a:srgbClr val="000000"/>
+                </a:solidFill>
+                <a:latin typeface="Arial" charset="0"/>
+                <a:ea typeface="AR PL Mingti2L Big5" charset="0"/>
+                <a:cs typeface="AR PL Mingti2L Big5" charset="0"/>
+              </a:defRPr>
+            </a:lvl2pPr>
+            <a:lvl3pPr algn="ctr" defTabSz="449263" rtl="0" eaLnBrk="0" fontAlgn="base" hangingPunct="0">
+              <a:spcBef>
+                <a:spcPct val="0"/>
+              </a:spcBef>
+              <a:spcAft>
+                <a:spcPct val="0"/>
+              </a:spcAft>
+              <a:buClr>
+                <a:srgbClr val="000000"/>
+              </a:buClr>
+              <a:buSzPct val="100000"/>
+              <a:buFont typeface="Times New Roman" panose="02020603050405020304" pitchFamily="18" charset="0"/>
+              <a:defRPr sz="4400">
+                <a:solidFill>
+                  <a:srgbClr val="000000"/>
+                </a:solidFill>
+                <a:latin typeface="Arial" charset="0"/>
+                <a:ea typeface="AR PL Mingti2L Big5" charset="0"/>
+                <a:cs typeface="AR PL Mingti2L Big5" charset="0"/>
+              </a:defRPr>
+            </a:lvl3pPr>
+            <a:lvl4pPr algn="ctr" defTabSz="449263" rtl="0" eaLnBrk="0" fontAlgn="base" hangingPunct="0">
+              <a:spcBef>
+                <a:spcPct val="0"/>
+              </a:spcBef>
+              <a:spcAft>
+                <a:spcPct val="0"/>
+              </a:spcAft>
+              <a:buClr>
+                <a:srgbClr val="000000"/>
+              </a:buClr>
+              <a:buSzPct val="100000"/>
+              <a:buFont typeface="Times New Roman" panose="02020603050405020304" pitchFamily="18" charset="0"/>
+              <a:defRPr sz="4400">
+                <a:solidFill>
+                  <a:srgbClr val="000000"/>
+                </a:solidFill>
+                <a:latin typeface="Arial" charset="0"/>
+                <a:ea typeface="AR PL Mingti2L Big5" charset="0"/>
+                <a:cs typeface="AR PL Mingti2L Big5" charset="0"/>
+              </a:defRPr>
+            </a:lvl4pPr>
+            <a:lvl5pPr algn="ctr" defTabSz="449263" rtl="0" eaLnBrk="0" fontAlgn="base" hangingPunct="0">
+              <a:spcBef>
+                <a:spcPct val="0"/>
+              </a:spcBef>
+              <a:spcAft>
+                <a:spcPct val="0"/>
+              </a:spcAft>
+              <a:buClr>
+                <a:srgbClr val="000000"/>
+              </a:buClr>
+              <a:buSzPct val="100000"/>
+              <a:buFont typeface="Times New Roman" panose="02020603050405020304" pitchFamily="18" charset="0"/>
+              <a:defRPr sz="4400">
+                <a:solidFill>
+                  <a:srgbClr val="000000"/>
+                </a:solidFill>
+                <a:latin typeface="Arial" charset="0"/>
+                <a:ea typeface="AR PL Mingti2L Big5" charset="0"/>
+                <a:cs typeface="AR PL Mingti2L Big5" charset="0"/>
+              </a:defRPr>
+            </a:lvl5pPr>
+            <a:lvl6pPr marL="2514600" indent="-228600" algn="ctr" defTabSz="449263" rtl="0" fontAlgn="base">
+              <a:spcBef>
+                <a:spcPct val="0"/>
+              </a:spcBef>
+              <a:spcAft>
+                <a:spcPct val="0"/>
+              </a:spcAft>
+              <a:buClr>
+                <a:srgbClr val="000000"/>
+              </a:buClr>
+              <a:buSzPct val="100000"/>
+              <a:buFont typeface="Times New Roman" pitchFamily="16" charset="0"/>
+              <a:defRPr sz="4400">
+                <a:solidFill>
+                  <a:srgbClr val="000000"/>
+                </a:solidFill>
+                <a:latin typeface="Arial" charset="0"/>
+                <a:ea typeface="AR PL Mingti2L Big5" charset="0"/>
+                <a:cs typeface="AR PL Mingti2L Big5" charset="0"/>
+              </a:defRPr>
+            </a:lvl6pPr>
+            <a:lvl7pPr marL="2971800" indent="-228600" algn="ctr" defTabSz="449263" rtl="0" fontAlgn="base">
+              <a:spcBef>
+                <a:spcPct val="0"/>
+              </a:spcBef>
+              <a:spcAft>
+                <a:spcPct val="0"/>
+              </a:spcAft>
+              <a:buClr>
+                <a:srgbClr val="000000"/>
+              </a:buClr>
+              <a:buSzPct val="100000"/>
+              <a:buFont typeface="Times New Roman" pitchFamily="16" charset="0"/>
+              <a:defRPr sz="4400">
+                <a:solidFill>
+                  <a:srgbClr val="000000"/>
+                </a:solidFill>
+                <a:latin typeface="Arial" charset="0"/>
+                <a:ea typeface="AR PL Mingti2L Big5" charset="0"/>
+                <a:cs typeface="AR PL Mingti2L Big5" charset="0"/>
+              </a:defRPr>
+            </a:lvl7pPr>
+            <a:lvl8pPr marL="3429000" indent="-228600" algn="ctr" defTabSz="449263" rtl="0" fontAlgn="base">
+              <a:spcBef>
+                <a:spcPct val="0"/>
+              </a:spcBef>
+              <a:spcAft>
+                <a:spcPct val="0"/>
+              </a:spcAft>
+              <a:buClr>
+                <a:srgbClr val="000000"/>
+              </a:buClr>
+              <a:buSzPct val="100000"/>
+              <a:buFont typeface="Times New Roman" pitchFamily="16" charset="0"/>
+              <a:defRPr sz="4400">
+                <a:solidFill>
+                  <a:srgbClr val="000000"/>
+                </a:solidFill>
+                <a:latin typeface="Arial" charset="0"/>
+                <a:ea typeface="AR PL Mingti2L Big5" charset="0"/>
+                <a:cs typeface="AR PL Mingti2L Big5" charset="0"/>
+              </a:defRPr>
+            </a:lvl8pPr>
+            <a:lvl9pPr marL="3886200" indent="-228600" algn="ctr" defTabSz="449263" rtl="0" fontAlgn="base">
+              <a:spcBef>
+                <a:spcPct val="0"/>
+              </a:spcBef>
+              <a:spcAft>
+                <a:spcPct val="0"/>
+              </a:spcAft>
+              <a:buClr>
+                <a:srgbClr val="000000"/>
+              </a:buClr>
+              <a:buSzPct val="100000"/>
+              <a:buFont typeface="Times New Roman" pitchFamily="16" charset="0"/>
+              <a:defRPr sz="4400">
+                <a:solidFill>
+                  <a:srgbClr val="000000"/>
+                </a:solidFill>
+                <a:latin typeface="Arial" charset="0"/>
+                <a:ea typeface="AR PL Mingti2L Big5" charset="0"/>
+                <a:cs typeface="AR PL Mingti2L Big5" charset="0"/>
+              </a:defRPr>
+            </a:lvl9pPr>
+          </a:lstStyle>
+          <a:p>
+            <a:pPr algn="l"/>
+            <a:r>
+              <a:rPr lang="fi-FI" altLang="fi-FI" sz="4000" b="1" kern="0" dirty="0">
+                <a:solidFill>
+                  <a:schemeClr val="accent6">
+                    <a:lumMod val="75000"/>
+                  </a:schemeClr>
+                </a:solidFill>
+              </a:rPr>
+              <a:t>Peilauksen avulla saadaan helposti</a:t>
+            </a:r>
+          </a:p>
+          <a:p>
+            <a:pPr algn="l"/>
+            <a:r>
+              <a:rPr lang="fi-FI" altLang="fi-FI" sz="4000" b="1" kern="0" dirty="0">
+                <a:solidFill>
+                  <a:schemeClr val="accent6">
+                    <a:lumMod val="75000"/>
+                  </a:schemeClr>
+                </a:solidFill>
+              </a:rPr>
+              <a:t>symmetrisiä kuvioita</a:t>
+            </a:r>
+          </a:p>
+        </p:txBody>
+      </p:sp>
+      <p:sp>
+        <p:nvSpPr>
+          <p:cNvPr id="27" name="Suorakulmio 26"/>
+          <p:cNvSpPr/>
+          <p:nvPr/>
+        </p:nvSpPr>
+        <p:spPr>
+          <a:xfrm>
+            <a:off x="179512" y="2230659"/>
+            <a:ext cx="184731" cy="461665"/>
+          </a:xfrm>
+          <a:prstGeom prst="rect">
+            <a:avLst/>
+          </a:prstGeom>
+        </p:spPr>
+        <p:txBody>
+          <a:bodyPr wrap="none">
+            <a:spAutoFit/>
+          </a:bodyPr>
+          <a:lstStyle/>
+          <a:p>
+            <a:endParaRPr lang="fi-FI" sz="2400" dirty="0"/>
+          </a:p>
+        </p:txBody>
+      </p:sp>
+      <p:sp>
+        <p:nvSpPr>
+          <p:cNvPr id="7" name="Alatunnisteen paikkamerkki 6"/>
+          <p:cNvSpPr>
+            <a:spLocks noGrp="1"/>
+          </p:cNvSpPr>
+          <p:nvPr>
+            <p:ph type="ftr" sz="quarter" idx="11"/>
+          </p:nvPr>
+        </p:nvSpPr>
+        <p:spPr/>
+        <p:txBody>
+          <a:bodyPr/>
+          <a:lstStyle/>
+          <a:p>
+            <a:pPr algn="r">
+              <a:defRPr/>
+            </a:pPr>
+            <a:r>
+              <a:rPr lang="fi-FI" dirty="0"/>
+              <a:t>MAOL Ohjelmointia matematiikkaan</a:t>
+            </a:r>
+            <a:endParaRPr lang="ru-RU" dirty="0"/>
+          </a:p>
+        </p:txBody>
+      </p:sp>
+      <p:pic>
+        <p:nvPicPr>
+          <p:cNvPr id="51" name="Picture 2" descr="WeScheme Logo"/>
+          <p:cNvPicPr>
+            <a:picLocks noChangeAspect="1" noChangeArrowheads="1"/>
+          </p:cNvPicPr>
+          <p:nvPr/>
+        </p:nvPicPr>
+        <p:blipFill>
+          <a:blip r:embed="rId4" cstate="print">
+            <a:extLst>
+              <a:ext uri="{28A0092B-C50C-407E-A947-70E740481C1C}">
+                <a14:useLocalDpi xmlns:a14="http://schemas.microsoft.com/office/drawing/2010/main" val="0"/>
+              </a:ext>
+            </a:extLst>
+          </a:blip>
+          <a:srcRect/>
+          <a:stretch>
+            <a:fillRect/>
+          </a:stretch>
+        </p:blipFill>
+        <p:spPr bwMode="auto">
+          <a:xfrm>
             <a:off x="7347449" y="5152208"/>
             <a:ext cx="1495802" cy="1383832"/>
           </a:xfrm>
@@ -11000,30 +11018,6 @@
           </a:extLst>
         </p:spPr>
       </p:pic>
-      <p:pic>
-        <p:nvPicPr>
-          <p:cNvPr id="4" name="Picture 3"/>
-          <p:cNvPicPr>
-            <a:picLocks noChangeAspect="1"/>
-          </p:cNvPicPr>
-          <p:nvPr/>
-        </p:nvPicPr>
-        <p:blipFill>
-          <a:blip r:embed="rId4"/>
-          <a:stretch>
-            <a:fillRect/>
-          </a:stretch>
-        </p:blipFill>
-        <p:spPr>
-          <a:xfrm>
-            <a:off x="2576400" y="1919001"/>
-            <a:ext cx="3844851" cy="4024797"/>
-          </a:xfrm>
-          <a:prstGeom prst="rect">
-            <a:avLst/>
-          </a:prstGeom>
-        </p:spPr>
-      </p:pic>
       <p:cxnSp>
         <p:nvCxnSpPr>
           <p:cNvPr id="8" name="Straight Connector 7"/>
@@ -11032,8 +11026,8 @@
         </p:nvCxnSpPr>
         <p:spPr>
           <a:xfrm>
-            <a:off x="4498825" y="2172691"/>
-            <a:ext cx="1" cy="3738497"/>
+            <a:off x="4498825" y="2060848"/>
+            <a:ext cx="1" cy="3850340"/>
           </a:xfrm>
           <a:prstGeom prst="line">
             <a:avLst/>
@@ -11939,7 +11933,7 @@
       </p:grpSpPr>
       <p:pic>
         <p:nvPicPr>
-          <p:cNvPr id="25" name="Picture 24"/>
+          <p:cNvPr id="7" name="Picture 6"/>
           <p:cNvPicPr>
             <a:picLocks noChangeAspect="1"/>
           </p:cNvPicPr>
@@ -11953,8 +11947,8 @@
         </p:blipFill>
         <p:spPr>
           <a:xfrm>
-            <a:off x="308470" y="2281073"/>
-            <a:ext cx="4715324" cy="1778169"/>
+            <a:off x="520107" y="2366219"/>
+            <a:ext cx="4348508" cy="1827759"/>
           </a:xfrm>
           <a:prstGeom prst="rect">
             <a:avLst/>
@@ -11963,7 +11957,7 @@
       </p:pic>
       <p:pic>
         <p:nvPicPr>
-          <p:cNvPr id="26" name="Picture 25"/>
+          <p:cNvPr id="6" name="Picture 5"/>
           <p:cNvPicPr>
             <a:picLocks noChangeAspect="1"/>
           </p:cNvPicPr>
@@ -11977,17 +11971,12 @@
         </p:blipFill>
         <p:spPr>
           <a:xfrm>
-            <a:off x="5192398" y="1515915"/>
-            <a:ext cx="3444936" cy="3623122"/>
+            <a:off x="5164822" y="1465518"/>
+            <a:ext cx="3516521" cy="3686322"/>
           </a:xfrm>
           <a:prstGeom prst="rect">
             <a:avLst/>
           </a:prstGeom>
-          <a:ln>
-            <a:solidFill>
-              <a:schemeClr val="tx1"/>
-            </a:solidFill>
-          </a:ln>
         </p:spPr>
       </p:pic>
       <p:pic>
@@ -12396,7 +12385,7 @@
         </p:nvSpPr>
         <p:spPr>
           <a:xfrm>
-            <a:off x="2615855" y="4151790"/>
+            <a:off x="2555776" y="4317048"/>
             <a:ext cx="1837234" cy="584775"/>
           </a:xfrm>
           <a:prstGeom prst="rect">
@@ -12416,7 +12405,7 @@
           <a:p>
             <a:r>
               <a:rPr lang="fi-FI" sz="1600" dirty="0"/>
-              <a:t>x ja y, uusi piste </a:t>
+              <a:t>(x, y,) uusi piste </a:t>
             </a:r>
           </a:p>
           <a:p>
@@ -12434,9 +12423,9 @@
           <p:nvPr/>
         </p:nvCxnSpPr>
         <p:spPr>
-          <a:xfrm flipV="1">
-            <a:off x="2718754" y="3914859"/>
-            <a:ext cx="41117" cy="224733"/>
+          <a:xfrm flipH="1" flipV="1">
+            <a:off x="2701245" y="4080118"/>
+            <a:ext cx="83937" cy="230744"/>
           </a:xfrm>
           <a:prstGeom prst="straightConnector1">
             <a:avLst/>
@@ -12471,8 +12460,8 @@
         </p:nvCxnSpPr>
         <p:spPr>
           <a:xfrm flipV="1">
-            <a:off x="3076563" y="3914859"/>
-            <a:ext cx="43348" cy="230745"/>
+            <a:off x="2999753" y="4080118"/>
+            <a:ext cx="60079" cy="230744"/>
           </a:xfrm>
           <a:prstGeom prst="straightConnector1">
             <a:avLst/>
@@ -12673,8 +12662,8 @@
         </p:nvCxnSpPr>
         <p:spPr>
           <a:xfrm flipH="1" flipV="1">
-            <a:off x="3922010" y="3419731"/>
-            <a:ext cx="1276504" cy="335032"/>
+            <a:off x="3779912" y="3422501"/>
+            <a:ext cx="1418602" cy="332262"/>
           </a:xfrm>
           <a:prstGeom prst="straightConnector1">
             <a:avLst/>
@@ -15071,9 +15060,43 @@
           </a:extLst>
         </p:spPr>
       </p:pic>
+      <p:sp>
+        <p:nvSpPr>
+          <p:cNvPr id="15" name="Suorakulmio 46"/>
+          <p:cNvSpPr/>
+          <p:nvPr/>
+        </p:nvSpPr>
+        <p:spPr>
+          <a:xfrm>
+            <a:off x="1253426" y="4543154"/>
+            <a:ext cx="7406130" cy="769441"/>
+          </a:xfrm>
+          <a:prstGeom prst="rect">
+            <a:avLst/>
+          </a:prstGeom>
+          <a:noFill/>
+        </p:spPr>
+        <p:txBody>
+          <a:bodyPr wrap="square">
+            <a:spAutoFit/>
+          </a:bodyPr>
+          <a:lstStyle/>
+          <a:p>
+            <a:r>
+              <a:rPr lang="fi-FI" sz="2200" dirty="0">
+                <a:solidFill>
+                  <a:schemeClr val="tx1"/>
+                </a:solidFill>
+                <a:latin typeface="Arial" charset="0"/>
+              </a:rPr>
+              <a:t>Suunnittele oma kuvio, jonka piirrät Turtlen peilaustoiminnon avulla. Piirrä kuvio ensin ruutupaperille.</a:t>
+            </a:r>
+          </a:p>
+        </p:txBody>
+      </p:sp>
       <p:pic>
         <p:nvPicPr>
-          <p:cNvPr id="2" name="Picture 1"/>
+          <p:cNvPr id="5" name="Picture 4"/>
           <p:cNvPicPr>
             <a:picLocks noChangeAspect="1"/>
           </p:cNvPicPr>
@@ -15087,8 +15110,8 @@
         </p:blipFill>
         <p:spPr>
           <a:xfrm>
-            <a:off x="3968111" y="2206851"/>
-            <a:ext cx="1328789" cy="2108435"/>
+            <a:off x="3923928" y="2234712"/>
+            <a:ext cx="1333047" cy="2057361"/>
           </a:xfrm>
           <a:prstGeom prst="rect">
             <a:avLst/>
@@ -15097,7 +15120,7 @@
       </p:pic>
       <p:pic>
         <p:nvPicPr>
-          <p:cNvPr id="4" name="Picture 3"/>
+          <p:cNvPr id="7" name="Picture 6"/>
           <p:cNvPicPr>
             <a:picLocks noChangeAspect="1"/>
           </p:cNvPicPr>
@@ -15111,51 +15134,17 @@
         </p:blipFill>
         <p:spPr>
           <a:xfrm>
-            <a:off x="1835696" y="2206851"/>
-            <a:ext cx="1364765" cy="2153770"/>
+            <a:off x="1717778" y="2204973"/>
+            <a:ext cx="1558078" cy="2087100"/>
           </a:xfrm>
           <a:prstGeom prst="rect">
             <a:avLst/>
           </a:prstGeom>
         </p:spPr>
       </p:pic>
-      <p:sp>
-        <p:nvSpPr>
-          <p:cNvPr id="15" name="Suorakulmio 46"/>
-          <p:cNvSpPr/>
-          <p:nvPr/>
-        </p:nvSpPr>
-        <p:spPr>
-          <a:xfrm>
-            <a:off x="1253426" y="4543154"/>
-            <a:ext cx="7406130" cy="769441"/>
-          </a:xfrm>
-          <a:prstGeom prst="rect">
-            <a:avLst/>
-          </a:prstGeom>
-          <a:noFill/>
-        </p:spPr>
-        <p:txBody>
-          <a:bodyPr wrap="square">
-            <a:spAutoFit/>
-          </a:bodyPr>
-          <a:lstStyle/>
-          <a:p>
-            <a:r>
-              <a:rPr lang="fi-FI" sz="2200" dirty="0">
-                <a:solidFill>
-                  <a:schemeClr val="tx1"/>
-                </a:solidFill>
-                <a:latin typeface="Arial" charset="0"/>
-              </a:rPr>
-              <a:t>Suunnittele oma kuvio, jonka piirrät Turtlen peilaustoiminnon avulla. Piirrä kuvio ensin ruutupaperille.</a:t>
-            </a:r>
-          </a:p>
-        </p:txBody>
-      </p:sp>
       <p:pic>
         <p:nvPicPr>
-          <p:cNvPr id="9" name="Picture 8"/>
+          <p:cNvPr id="8" name="Picture 7"/>
           <p:cNvPicPr>
             <a:picLocks noChangeAspect="1"/>
           </p:cNvPicPr>
@@ -15169,8 +15158,8 @@
         </p:blipFill>
         <p:spPr>
           <a:xfrm>
-            <a:off x="6135622" y="2213241"/>
-            <a:ext cx="2108786" cy="2078832"/>
+            <a:off x="6058614" y="2135889"/>
+            <a:ext cx="2088917" cy="2112063"/>
           </a:xfrm>
           <a:prstGeom prst="rect">
             <a:avLst/>
@@ -15656,9 +15645,89 @@
           </a:extLst>
         </p:spPr>
       </p:pic>
+      <p:sp>
+        <p:nvSpPr>
+          <p:cNvPr id="16" name="Suorakulmio 42"/>
+          <p:cNvSpPr/>
+          <p:nvPr/>
+        </p:nvSpPr>
+        <p:spPr>
+          <a:xfrm>
+            <a:off x="0" y="4137814"/>
+            <a:ext cx="1074012" cy="338554"/>
+          </a:xfrm>
+          <a:prstGeom prst="rect">
+            <a:avLst/>
+          </a:prstGeom>
+          <a:solidFill>
+            <a:schemeClr val="accent2">
+              <a:lumMod val="75000"/>
+            </a:schemeClr>
+          </a:solidFill>
+        </p:spPr>
+        <p:txBody>
+          <a:bodyPr wrap="none">
+            <a:spAutoFit/>
+          </a:bodyPr>
+          <a:lstStyle/>
+          <a:p>
+            <a:r>
+              <a:rPr kumimoji="0" lang="fi-FI" sz="1600" b="0" i="0" u="none" strike="noStrike" cap="none" normalizeH="0" dirty="0">
+                <a:ln>
+                  <a:noFill/>
+                </a:ln>
+                <a:effectLst/>
+                <a:latin typeface="Arial" charset="0"/>
+              </a:rPr>
+              <a:t>Tehtävä </a:t>
+            </a:r>
+            <a:r>
+              <a:rPr lang="fi-FI" sz="1600" dirty="0">
+                <a:latin typeface="Arial" charset="0"/>
+              </a:rPr>
+              <a:t>4</a:t>
+            </a:r>
+            <a:endParaRPr lang="fi-FI" sz="1600" dirty="0"/>
+          </a:p>
+        </p:txBody>
+      </p:sp>
+      <p:sp>
+        <p:nvSpPr>
+          <p:cNvPr id="17" name="Suorakulmio 46"/>
+          <p:cNvSpPr/>
+          <p:nvPr/>
+        </p:nvSpPr>
+        <p:spPr>
+          <a:xfrm>
+            <a:off x="1253425" y="4104078"/>
+            <a:ext cx="7628903" cy="769441"/>
+          </a:xfrm>
+          <a:prstGeom prst="rect">
+            <a:avLst/>
+          </a:prstGeom>
+          <a:noFill/>
+        </p:spPr>
+        <p:txBody>
+          <a:bodyPr wrap="square">
+            <a:spAutoFit/>
+          </a:bodyPr>
+          <a:lstStyle/>
+          <a:p>
+            <a:r>
+              <a:rPr lang="fi-FI" sz="2200" dirty="0">
+                <a:solidFill>
+                  <a:schemeClr val="tx1"/>
+                </a:solidFill>
+                <a:latin typeface="Arial" charset="0"/>
+              </a:rPr>
+              <a:t>Peilaa Turtlen avulla omat nimikirjaimesi sekä x- että y-akselin suunnassa. Piirrä nimikirjaimet ensin ruutupaperille.</a:t>
+            </a:r>
+          </a:p>
+        </p:txBody>
+      </p:sp>
       <p:pic>
         <p:nvPicPr>
-          <p:cNvPr id="7" name="Picture 6"/>
+          <p:cNvPr id="2" name="Picture 1"/>
           <p:cNvPicPr>
             <a:picLocks noChangeAspect="1"/>
           </p:cNvPicPr>
@@ -15672,8 +15741,8 @@
         </p:blipFill>
         <p:spPr>
           <a:xfrm>
-            <a:off x="1907704" y="2268923"/>
-            <a:ext cx="1584176" cy="1617703"/>
+            <a:off x="1634052" y="2119363"/>
+            <a:ext cx="1990725" cy="1962150"/>
           </a:xfrm>
           <a:prstGeom prst="rect">
             <a:avLst/>
@@ -15682,7 +15751,7 @@
       </p:pic>
       <p:pic>
         <p:nvPicPr>
-          <p:cNvPr id="5" name="Picture 4"/>
+          <p:cNvPr id="4" name="Picture 3"/>
           <p:cNvPicPr>
             <a:picLocks noChangeAspect="1"/>
           </p:cNvPicPr>
@@ -15696,97 +15765,17 @@
         </p:blipFill>
         <p:spPr>
           <a:xfrm>
-            <a:off x="4784921" y="2214244"/>
-            <a:ext cx="1803303" cy="1772389"/>
+            <a:off x="4583013" y="2199339"/>
+            <a:ext cx="1791841" cy="1802198"/>
           </a:xfrm>
           <a:prstGeom prst="rect">
             <a:avLst/>
           </a:prstGeom>
         </p:spPr>
       </p:pic>
-      <p:sp>
-        <p:nvSpPr>
-          <p:cNvPr id="16" name="Suorakulmio 42"/>
-          <p:cNvSpPr/>
-          <p:nvPr/>
-        </p:nvSpPr>
-        <p:spPr>
-          <a:xfrm>
-            <a:off x="0" y="4137814"/>
-            <a:ext cx="1074012" cy="338554"/>
-          </a:xfrm>
-          <a:prstGeom prst="rect">
-            <a:avLst/>
-          </a:prstGeom>
-          <a:solidFill>
-            <a:schemeClr val="accent2">
-              <a:lumMod val="75000"/>
-            </a:schemeClr>
-          </a:solidFill>
-        </p:spPr>
-        <p:txBody>
-          <a:bodyPr wrap="none">
-            <a:spAutoFit/>
-          </a:bodyPr>
-          <a:lstStyle/>
-          <a:p>
-            <a:r>
-              <a:rPr kumimoji="0" lang="fi-FI" sz="1600" b="0" i="0" u="none" strike="noStrike" cap="none" normalizeH="0" dirty="0">
-                <a:ln>
-                  <a:noFill/>
-                </a:ln>
-                <a:effectLst/>
-                <a:latin typeface="Arial" charset="0"/>
-              </a:rPr>
-              <a:t>Tehtävä </a:t>
-            </a:r>
-            <a:r>
-              <a:rPr lang="fi-FI" sz="1600" dirty="0">
-                <a:latin typeface="Arial" charset="0"/>
-              </a:rPr>
-              <a:t>4</a:t>
-            </a:r>
-            <a:endParaRPr lang="fi-FI" sz="1600" dirty="0"/>
-          </a:p>
-        </p:txBody>
-      </p:sp>
-      <p:sp>
-        <p:nvSpPr>
-          <p:cNvPr id="17" name="Suorakulmio 46"/>
-          <p:cNvSpPr/>
-          <p:nvPr/>
-        </p:nvSpPr>
-        <p:spPr>
-          <a:xfrm>
-            <a:off x="1253425" y="4104078"/>
-            <a:ext cx="7628903" cy="769441"/>
-          </a:xfrm>
-          <a:prstGeom prst="rect">
-            <a:avLst/>
-          </a:prstGeom>
-          <a:noFill/>
-        </p:spPr>
-        <p:txBody>
-          <a:bodyPr wrap="square">
-            <a:spAutoFit/>
-          </a:bodyPr>
-          <a:lstStyle/>
-          <a:p>
-            <a:r>
-              <a:rPr lang="fi-FI" sz="2200" dirty="0">
-                <a:solidFill>
-                  <a:schemeClr val="tx1"/>
-                </a:solidFill>
-                <a:latin typeface="Arial" charset="0"/>
-              </a:rPr>
-              <a:t>Peilaa Turtlen avulla omat nimikirjaimesi sekä x- että y-akselin suunnassa. Piirrä nimikirjaimet ensin ruutupaperille.</a:t>
-            </a:r>
-          </a:p>
-        </p:txBody>
-      </p:sp>
       <p:pic>
         <p:nvPicPr>
-          <p:cNvPr id="18" name="Picture 17"/>
+          <p:cNvPr id="6" name="Picture 5"/>
           <p:cNvPicPr>
             <a:picLocks noChangeAspect="1"/>
           </p:cNvPicPr>
@@ -15800,8 +15789,8 @@
         </p:blipFill>
         <p:spPr>
           <a:xfrm>
-            <a:off x="3635896" y="4926990"/>
-            <a:ext cx="1843038" cy="1089656"/>
+            <a:off x="3624777" y="4926333"/>
+            <a:ext cx="1764603" cy="1066179"/>
           </a:xfrm>
           <a:prstGeom prst="rect">
             <a:avLst/>
@@ -15840,352 +15829,31 @@
       </p:grpSpPr>
       <p:pic>
         <p:nvPicPr>
-          <p:cNvPr id="3" name="Picture 8" descr="https://avatars0.githubusercontent.com/u/232371?v=3&amp;s=400"/>
+          <p:cNvPr id="2" name="Picture 1"/>
           <p:cNvPicPr>
-            <a:picLocks noChangeAspect="1" noChangeArrowheads="1"/>
+            <a:picLocks noChangeAspect="1"/>
           </p:cNvPicPr>
           <p:nvPr/>
         </p:nvPicPr>
         <p:blipFill>
-          <a:blip r:embed="rId2" cstate="print">
-            <a:extLst>
-              <a:ext uri="{28A0092B-C50C-407E-A947-70E740481C1C}">
-                <a14:useLocalDpi xmlns:a14="http://schemas.microsoft.com/office/drawing/2010/main" val="0"/>
-              </a:ext>
-            </a:extLst>
-          </a:blip>
-          <a:srcRect/>
+          <a:blip r:embed="rId2"/>
           <a:stretch>
             <a:fillRect/>
           </a:stretch>
         </p:blipFill>
-        <p:spPr bwMode="auto">
-          <a:xfrm>
-            <a:off x="304089" y="5275663"/>
-            <a:ext cx="1254667" cy="1254668"/>
+        <p:spPr>
+          <a:xfrm>
+            <a:off x="3358106" y="1140385"/>
+            <a:ext cx="2579437" cy="4788320"/>
           </a:xfrm>
           <a:prstGeom prst="rect">
             <a:avLst/>
           </a:prstGeom>
-          <a:noFill/>
-          <a:ln>
-            <a:noFill/>
-          </a:ln>
-          <a:extLst>
-            <a:ext uri="{909E8E84-426E-40DD-AFC4-6F175D3DCCD1}">
-              <a14:hiddenFill xmlns:a14="http://schemas.microsoft.com/office/drawing/2010/main">
-                <a:solidFill>
-                  <a:srgbClr val="FFFFFF"/>
-                </a:solidFill>
-              </a14:hiddenFill>
-            </a:ext>
-            <a:ext uri="{91240B29-F687-4F45-9708-019B960494DF}">
-              <a14:hiddenLine xmlns:a14="http://schemas.microsoft.com/office/drawing/2010/main" w="9525">
-                <a:solidFill>
-                  <a:srgbClr val="000000"/>
-                </a:solidFill>
-                <a:miter lim="800000"/>
-                <a:headEnd/>
-                <a:tailEnd/>
-              </a14:hiddenLine>
-            </a:ext>
-          </a:extLst>
         </p:spPr>
       </p:pic>
-      <p:sp>
-        <p:nvSpPr>
-          <p:cNvPr id="10" name="Otsikko 1"/>
-          <p:cNvSpPr txBox="1">
-            <a:spLocks/>
-          </p:cNvSpPr>
-          <p:nvPr/>
-        </p:nvSpPr>
-        <p:spPr bwMode="auto">
-          <a:xfrm>
-            <a:off x="395536" y="976258"/>
-            <a:ext cx="5947000" cy="599694"/>
-          </a:xfrm>
-          <a:prstGeom prst="rect">
-            <a:avLst/>
-          </a:prstGeom>
-          <a:noFill/>
-          <a:ln>
-            <a:noFill/>
-          </a:ln>
-          <a:extLst>
-            <a:ext uri="{909E8E84-426E-40DD-AFC4-6F175D3DCCD1}">
-              <a14:hiddenFill xmlns:a14="http://schemas.microsoft.com/office/drawing/2010/main">
-                <a:solidFill>
-                  <a:srgbClr val="FFFFFF"/>
-                </a:solidFill>
-              </a14:hiddenFill>
-            </a:ext>
-            <a:ext uri="{91240B29-F687-4F45-9708-019B960494DF}">
-              <a14:hiddenLine xmlns:a14="http://schemas.microsoft.com/office/drawing/2010/main" w="9525">
-                <a:solidFill>
-                  <a:srgbClr val="000000"/>
-                </a:solidFill>
-                <a:round/>
-                <a:headEnd/>
-                <a:tailEnd/>
-              </a14:hiddenLine>
-            </a:ext>
-          </a:extLst>
-        </p:spPr>
-        <p:txBody>
-          <a:bodyPr vert="horz" wrap="square" lIns="90000" tIns="46800" rIns="90000" bIns="46800" numCol="1" anchor="ctr" anchorCtr="0" compatLnSpc="1">
-            <a:prstTxWarp prst="textNoShape">
-              <a:avLst/>
-            </a:prstTxWarp>
-          </a:bodyPr>
-          <a:lstStyle>
-            <a:lvl1pPr algn="ctr" defTabSz="449263" rtl="0" eaLnBrk="0" fontAlgn="base" hangingPunct="0">
-              <a:spcBef>
-                <a:spcPct val="0"/>
-              </a:spcBef>
-              <a:spcAft>
-                <a:spcPct val="0"/>
-              </a:spcAft>
-              <a:buClr>
-                <a:srgbClr val="000000"/>
-              </a:buClr>
-              <a:buSzPct val="100000"/>
-              <a:buFont typeface="Times New Roman" panose="02020603050405020304" pitchFamily="18" charset="0"/>
-              <a:defRPr sz="4400">
-                <a:solidFill>
-                  <a:srgbClr val="000000"/>
-                </a:solidFill>
-                <a:latin typeface="+mj-lt"/>
-                <a:ea typeface="+mj-ea"/>
-                <a:cs typeface="+mj-cs"/>
-              </a:defRPr>
-            </a:lvl1pPr>
-            <a:lvl2pPr algn="ctr" defTabSz="449263" rtl="0" eaLnBrk="0" fontAlgn="base" hangingPunct="0">
-              <a:spcBef>
-                <a:spcPct val="0"/>
-              </a:spcBef>
-              <a:spcAft>
-                <a:spcPct val="0"/>
-              </a:spcAft>
-              <a:buClr>
-                <a:srgbClr val="000000"/>
-              </a:buClr>
-              <a:buSzPct val="100000"/>
-              <a:buFont typeface="Times New Roman" panose="02020603050405020304" pitchFamily="18" charset="0"/>
-              <a:defRPr sz="4400">
-                <a:solidFill>
-                  <a:srgbClr val="000000"/>
-                </a:solidFill>
-                <a:latin typeface="Arial" charset="0"/>
-                <a:ea typeface="AR PL Mingti2L Big5" charset="0"/>
-                <a:cs typeface="AR PL Mingti2L Big5" charset="0"/>
-              </a:defRPr>
-            </a:lvl2pPr>
-            <a:lvl3pPr algn="ctr" defTabSz="449263" rtl="0" eaLnBrk="0" fontAlgn="base" hangingPunct="0">
-              <a:spcBef>
-                <a:spcPct val="0"/>
-              </a:spcBef>
-              <a:spcAft>
-                <a:spcPct val="0"/>
-              </a:spcAft>
-              <a:buClr>
-                <a:srgbClr val="000000"/>
-              </a:buClr>
-              <a:buSzPct val="100000"/>
-              <a:buFont typeface="Times New Roman" panose="02020603050405020304" pitchFamily="18" charset="0"/>
-              <a:defRPr sz="4400">
-                <a:solidFill>
-                  <a:srgbClr val="000000"/>
-                </a:solidFill>
-                <a:latin typeface="Arial" charset="0"/>
-                <a:ea typeface="AR PL Mingti2L Big5" charset="0"/>
-                <a:cs typeface="AR PL Mingti2L Big5" charset="0"/>
-              </a:defRPr>
-            </a:lvl3pPr>
-            <a:lvl4pPr algn="ctr" defTabSz="449263" rtl="0" eaLnBrk="0" fontAlgn="base" hangingPunct="0">
-              <a:spcBef>
-                <a:spcPct val="0"/>
-              </a:spcBef>
-              <a:spcAft>
-                <a:spcPct val="0"/>
-              </a:spcAft>
-              <a:buClr>
-                <a:srgbClr val="000000"/>
-              </a:buClr>
-              <a:buSzPct val="100000"/>
-              <a:buFont typeface="Times New Roman" panose="02020603050405020304" pitchFamily="18" charset="0"/>
-              <a:defRPr sz="4400">
-                <a:solidFill>
-                  <a:srgbClr val="000000"/>
-                </a:solidFill>
-                <a:latin typeface="Arial" charset="0"/>
-                <a:ea typeface="AR PL Mingti2L Big5" charset="0"/>
-                <a:cs typeface="AR PL Mingti2L Big5" charset="0"/>
-              </a:defRPr>
-            </a:lvl4pPr>
-            <a:lvl5pPr algn="ctr" defTabSz="449263" rtl="0" eaLnBrk="0" fontAlgn="base" hangingPunct="0">
-              <a:spcBef>
-                <a:spcPct val="0"/>
-              </a:spcBef>
-              <a:spcAft>
-                <a:spcPct val="0"/>
-              </a:spcAft>
-              <a:buClr>
-                <a:srgbClr val="000000"/>
-              </a:buClr>
-              <a:buSzPct val="100000"/>
-              <a:buFont typeface="Times New Roman" panose="02020603050405020304" pitchFamily="18" charset="0"/>
-              <a:defRPr sz="4400">
-                <a:solidFill>
-                  <a:srgbClr val="000000"/>
-                </a:solidFill>
-                <a:latin typeface="Arial" charset="0"/>
-                <a:ea typeface="AR PL Mingti2L Big5" charset="0"/>
-                <a:cs typeface="AR PL Mingti2L Big5" charset="0"/>
-              </a:defRPr>
-            </a:lvl5pPr>
-            <a:lvl6pPr marL="2514600" indent="-228600" algn="ctr" defTabSz="449263" rtl="0" fontAlgn="base">
-              <a:spcBef>
-                <a:spcPct val="0"/>
-              </a:spcBef>
-              <a:spcAft>
-                <a:spcPct val="0"/>
-              </a:spcAft>
-              <a:buClr>
-                <a:srgbClr val="000000"/>
-              </a:buClr>
-              <a:buSzPct val="100000"/>
-              <a:buFont typeface="Times New Roman" pitchFamily="16" charset="0"/>
-              <a:defRPr sz="4400">
-                <a:solidFill>
-                  <a:srgbClr val="000000"/>
-                </a:solidFill>
-                <a:latin typeface="Arial" charset="0"/>
-                <a:ea typeface="AR PL Mingti2L Big5" charset="0"/>
-                <a:cs typeface="AR PL Mingti2L Big5" charset="0"/>
-              </a:defRPr>
-            </a:lvl6pPr>
-            <a:lvl7pPr marL="2971800" indent="-228600" algn="ctr" defTabSz="449263" rtl="0" fontAlgn="base">
-              <a:spcBef>
-                <a:spcPct val="0"/>
-              </a:spcBef>
-              <a:spcAft>
-                <a:spcPct val="0"/>
-              </a:spcAft>
-              <a:buClr>
-                <a:srgbClr val="000000"/>
-              </a:buClr>
-              <a:buSzPct val="100000"/>
-              <a:buFont typeface="Times New Roman" pitchFamily="16" charset="0"/>
-              <a:defRPr sz="4400">
-                <a:solidFill>
-                  <a:srgbClr val="000000"/>
-                </a:solidFill>
-                <a:latin typeface="Arial" charset="0"/>
-                <a:ea typeface="AR PL Mingti2L Big5" charset="0"/>
-                <a:cs typeface="AR PL Mingti2L Big5" charset="0"/>
-              </a:defRPr>
-            </a:lvl7pPr>
-            <a:lvl8pPr marL="3429000" indent="-228600" algn="ctr" defTabSz="449263" rtl="0" fontAlgn="base">
-              <a:spcBef>
-                <a:spcPct val="0"/>
-              </a:spcBef>
-              <a:spcAft>
-                <a:spcPct val="0"/>
-              </a:spcAft>
-              <a:buClr>
-                <a:srgbClr val="000000"/>
-              </a:buClr>
-              <a:buSzPct val="100000"/>
-              <a:buFont typeface="Times New Roman" pitchFamily="16" charset="0"/>
-              <a:defRPr sz="4400">
-                <a:solidFill>
-                  <a:srgbClr val="000000"/>
-                </a:solidFill>
-                <a:latin typeface="Arial" charset="0"/>
-                <a:ea typeface="AR PL Mingti2L Big5" charset="0"/>
-                <a:cs typeface="AR PL Mingti2L Big5" charset="0"/>
-              </a:defRPr>
-            </a:lvl8pPr>
-            <a:lvl9pPr marL="3886200" indent="-228600" algn="ctr" defTabSz="449263" rtl="0" fontAlgn="base">
-              <a:spcBef>
-                <a:spcPct val="0"/>
-              </a:spcBef>
-              <a:spcAft>
-                <a:spcPct val="0"/>
-              </a:spcAft>
-              <a:buClr>
-                <a:srgbClr val="000000"/>
-              </a:buClr>
-              <a:buSzPct val="100000"/>
-              <a:buFont typeface="Times New Roman" pitchFamily="16" charset="0"/>
-              <a:defRPr sz="4400">
-                <a:solidFill>
-                  <a:srgbClr val="000000"/>
-                </a:solidFill>
-                <a:latin typeface="Arial" charset="0"/>
-                <a:ea typeface="AR PL Mingti2L Big5" charset="0"/>
-                <a:cs typeface="AR PL Mingti2L Big5" charset="0"/>
-              </a:defRPr>
-            </a:lvl9pPr>
-          </a:lstStyle>
-          <a:p>
-            <a:pPr algn="l"/>
-            <a:r>
-              <a:rPr lang="fi-FI" altLang="fi-FI" sz="4000" b="1" kern="0" dirty="0">
-                <a:solidFill>
-                  <a:schemeClr val="accent6">
-                    <a:lumMod val="75000"/>
-                  </a:schemeClr>
-                </a:solidFill>
-              </a:rPr>
-              <a:t>Turtle </a:t>
-            </a:r>
-          </a:p>
-          <a:p>
-            <a:pPr algn="l"/>
-            <a:r>
-              <a:rPr lang="fi-FI" altLang="fi-FI" sz="4000" b="1" kern="0" dirty="0">
-                <a:solidFill>
-                  <a:schemeClr val="accent6">
-                    <a:lumMod val="75000"/>
-                  </a:schemeClr>
-                </a:solidFill>
-              </a:rPr>
-              <a:t>kartalla</a:t>
-            </a:r>
-          </a:p>
-        </p:txBody>
-      </p:sp>
-      <p:sp>
-        <p:nvSpPr>
-          <p:cNvPr id="17" name="Alatunnisteen paikkamerkki 16"/>
-          <p:cNvSpPr>
-            <a:spLocks noGrp="1"/>
-          </p:cNvSpPr>
-          <p:nvPr>
-            <p:ph type="ftr" sz="quarter" idx="11"/>
-          </p:nvPr>
-        </p:nvSpPr>
-        <p:spPr/>
-        <p:txBody>
-          <a:bodyPr/>
-          <a:lstStyle/>
-          <a:p>
-            <a:pPr algn="r">
-              <a:defRPr/>
-            </a:pPr>
-            <a:r>
-              <a:rPr lang="fi-FI" dirty="0"/>
-              <a:t>MAOL Ohjelmointia matematiikkaan</a:t>
-            </a:r>
-            <a:endParaRPr lang="ru-RU" dirty="0"/>
-          </a:p>
-        </p:txBody>
-      </p:sp>
       <p:pic>
         <p:nvPicPr>
-          <p:cNvPr id="33" name="Picture 2" descr="WeScheme Logo"/>
+          <p:cNvPr id="3" name="Picture 8" descr="https://avatars0.githubusercontent.com/u/232371?v=3&amp;s=400"/>
           <p:cNvPicPr>
             <a:picLocks noChangeAspect="1" noChangeArrowheads="1"/>
           </p:cNvPicPr>
@@ -16206,6 +15874,351 @@
         </p:blipFill>
         <p:spPr bwMode="auto">
           <a:xfrm>
+            <a:off x="304089" y="5275663"/>
+            <a:ext cx="1254667" cy="1254668"/>
+          </a:xfrm>
+          <a:prstGeom prst="rect">
+            <a:avLst/>
+          </a:prstGeom>
+          <a:noFill/>
+          <a:ln>
+            <a:noFill/>
+          </a:ln>
+          <a:extLst>
+            <a:ext uri="{909E8E84-426E-40DD-AFC4-6F175D3DCCD1}">
+              <a14:hiddenFill xmlns:a14="http://schemas.microsoft.com/office/drawing/2010/main">
+                <a:solidFill>
+                  <a:srgbClr val="FFFFFF"/>
+                </a:solidFill>
+              </a14:hiddenFill>
+            </a:ext>
+            <a:ext uri="{91240B29-F687-4F45-9708-019B960494DF}">
+              <a14:hiddenLine xmlns:a14="http://schemas.microsoft.com/office/drawing/2010/main" w="9525">
+                <a:solidFill>
+                  <a:srgbClr val="000000"/>
+                </a:solidFill>
+                <a:miter lim="800000"/>
+                <a:headEnd/>
+                <a:tailEnd/>
+              </a14:hiddenLine>
+            </a:ext>
+          </a:extLst>
+        </p:spPr>
+      </p:pic>
+      <p:sp>
+        <p:nvSpPr>
+          <p:cNvPr id="10" name="Otsikko 1"/>
+          <p:cNvSpPr txBox="1">
+            <a:spLocks/>
+          </p:cNvSpPr>
+          <p:nvPr/>
+        </p:nvSpPr>
+        <p:spPr bwMode="auto">
+          <a:xfrm>
+            <a:off x="395536" y="976258"/>
+            <a:ext cx="5947000" cy="599694"/>
+          </a:xfrm>
+          <a:prstGeom prst="rect">
+            <a:avLst/>
+          </a:prstGeom>
+          <a:noFill/>
+          <a:ln>
+            <a:noFill/>
+          </a:ln>
+          <a:extLst>
+            <a:ext uri="{909E8E84-426E-40DD-AFC4-6F175D3DCCD1}">
+              <a14:hiddenFill xmlns:a14="http://schemas.microsoft.com/office/drawing/2010/main">
+                <a:solidFill>
+                  <a:srgbClr val="FFFFFF"/>
+                </a:solidFill>
+              </a14:hiddenFill>
+            </a:ext>
+            <a:ext uri="{91240B29-F687-4F45-9708-019B960494DF}">
+              <a14:hiddenLine xmlns:a14="http://schemas.microsoft.com/office/drawing/2010/main" w="9525">
+                <a:solidFill>
+                  <a:srgbClr val="000000"/>
+                </a:solidFill>
+                <a:round/>
+                <a:headEnd/>
+                <a:tailEnd/>
+              </a14:hiddenLine>
+            </a:ext>
+          </a:extLst>
+        </p:spPr>
+        <p:txBody>
+          <a:bodyPr vert="horz" wrap="square" lIns="90000" tIns="46800" rIns="90000" bIns="46800" numCol="1" anchor="ctr" anchorCtr="0" compatLnSpc="1">
+            <a:prstTxWarp prst="textNoShape">
+              <a:avLst/>
+            </a:prstTxWarp>
+          </a:bodyPr>
+          <a:lstStyle>
+            <a:lvl1pPr algn="ctr" defTabSz="449263" rtl="0" eaLnBrk="0" fontAlgn="base" hangingPunct="0">
+              <a:spcBef>
+                <a:spcPct val="0"/>
+              </a:spcBef>
+              <a:spcAft>
+                <a:spcPct val="0"/>
+              </a:spcAft>
+              <a:buClr>
+                <a:srgbClr val="000000"/>
+              </a:buClr>
+              <a:buSzPct val="100000"/>
+              <a:buFont typeface="Times New Roman" panose="02020603050405020304" pitchFamily="18" charset="0"/>
+              <a:defRPr sz="4400">
+                <a:solidFill>
+                  <a:srgbClr val="000000"/>
+                </a:solidFill>
+                <a:latin typeface="+mj-lt"/>
+                <a:ea typeface="+mj-ea"/>
+                <a:cs typeface="+mj-cs"/>
+              </a:defRPr>
+            </a:lvl1pPr>
+            <a:lvl2pPr algn="ctr" defTabSz="449263" rtl="0" eaLnBrk="0" fontAlgn="base" hangingPunct="0">
+              <a:spcBef>
+                <a:spcPct val="0"/>
+              </a:spcBef>
+              <a:spcAft>
+                <a:spcPct val="0"/>
+              </a:spcAft>
+              <a:buClr>
+                <a:srgbClr val="000000"/>
+              </a:buClr>
+              <a:buSzPct val="100000"/>
+              <a:buFont typeface="Times New Roman" panose="02020603050405020304" pitchFamily="18" charset="0"/>
+              <a:defRPr sz="4400">
+                <a:solidFill>
+                  <a:srgbClr val="000000"/>
+                </a:solidFill>
+                <a:latin typeface="Arial" charset="0"/>
+                <a:ea typeface="AR PL Mingti2L Big5" charset="0"/>
+                <a:cs typeface="AR PL Mingti2L Big5" charset="0"/>
+              </a:defRPr>
+            </a:lvl2pPr>
+            <a:lvl3pPr algn="ctr" defTabSz="449263" rtl="0" eaLnBrk="0" fontAlgn="base" hangingPunct="0">
+              <a:spcBef>
+                <a:spcPct val="0"/>
+              </a:spcBef>
+              <a:spcAft>
+                <a:spcPct val="0"/>
+              </a:spcAft>
+              <a:buClr>
+                <a:srgbClr val="000000"/>
+              </a:buClr>
+              <a:buSzPct val="100000"/>
+              <a:buFont typeface="Times New Roman" panose="02020603050405020304" pitchFamily="18" charset="0"/>
+              <a:defRPr sz="4400">
+                <a:solidFill>
+                  <a:srgbClr val="000000"/>
+                </a:solidFill>
+                <a:latin typeface="Arial" charset="0"/>
+                <a:ea typeface="AR PL Mingti2L Big5" charset="0"/>
+                <a:cs typeface="AR PL Mingti2L Big5" charset="0"/>
+              </a:defRPr>
+            </a:lvl3pPr>
+            <a:lvl4pPr algn="ctr" defTabSz="449263" rtl="0" eaLnBrk="0" fontAlgn="base" hangingPunct="0">
+              <a:spcBef>
+                <a:spcPct val="0"/>
+              </a:spcBef>
+              <a:spcAft>
+                <a:spcPct val="0"/>
+              </a:spcAft>
+              <a:buClr>
+                <a:srgbClr val="000000"/>
+              </a:buClr>
+              <a:buSzPct val="100000"/>
+              <a:buFont typeface="Times New Roman" panose="02020603050405020304" pitchFamily="18" charset="0"/>
+              <a:defRPr sz="4400">
+                <a:solidFill>
+                  <a:srgbClr val="000000"/>
+                </a:solidFill>
+                <a:latin typeface="Arial" charset="0"/>
+                <a:ea typeface="AR PL Mingti2L Big5" charset="0"/>
+                <a:cs typeface="AR PL Mingti2L Big5" charset="0"/>
+              </a:defRPr>
+            </a:lvl4pPr>
+            <a:lvl5pPr algn="ctr" defTabSz="449263" rtl="0" eaLnBrk="0" fontAlgn="base" hangingPunct="0">
+              <a:spcBef>
+                <a:spcPct val="0"/>
+              </a:spcBef>
+              <a:spcAft>
+                <a:spcPct val="0"/>
+              </a:spcAft>
+              <a:buClr>
+                <a:srgbClr val="000000"/>
+              </a:buClr>
+              <a:buSzPct val="100000"/>
+              <a:buFont typeface="Times New Roman" panose="02020603050405020304" pitchFamily="18" charset="0"/>
+              <a:defRPr sz="4400">
+                <a:solidFill>
+                  <a:srgbClr val="000000"/>
+                </a:solidFill>
+                <a:latin typeface="Arial" charset="0"/>
+                <a:ea typeface="AR PL Mingti2L Big5" charset="0"/>
+                <a:cs typeface="AR PL Mingti2L Big5" charset="0"/>
+              </a:defRPr>
+            </a:lvl5pPr>
+            <a:lvl6pPr marL="2514600" indent="-228600" algn="ctr" defTabSz="449263" rtl="0" fontAlgn="base">
+              <a:spcBef>
+                <a:spcPct val="0"/>
+              </a:spcBef>
+              <a:spcAft>
+                <a:spcPct val="0"/>
+              </a:spcAft>
+              <a:buClr>
+                <a:srgbClr val="000000"/>
+              </a:buClr>
+              <a:buSzPct val="100000"/>
+              <a:buFont typeface="Times New Roman" pitchFamily="16" charset="0"/>
+              <a:defRPr sz="4400">
+                <a:solidFill>
+                  <a:srgbClr val="000000"/>
+                </a:solidFill>
+                <a:latin typeface="Arial" charset="0"/>
+                <a:ea typeface="AR PL Mingti2L Big5" charset="0"/>
+                <a:cs typeface="AR PL Mingti2L Big5" charset="0"/>
+              </a:defRPr>
+            </a:lvl6pPr>
+            <a:lvl7pPr marL="2971800" indent="-228600" algn="ctr" defTabSz="449263" rtl="0" fontAlgn="base">
+              <a:spcBef>
+                <a:spcPct val="0"/>
+              </a:spcBef>
+              <a:spcAft>
+                <a:spcPct val="0"/>
+              </a:spcAft>
+              <a:buClr>
+                <a:srgbClr val="000000"/>
+              </a:buClr>
+              <a:buSzPct val="100000"/>
+              <a:buFont typeface="Times New Roman" pitchFamily="16" charset="0"/>
+              <a:defRPr sz="4400">
+                <a:solidFill>
+                  <a:srgbClr val="000000"/>
+                </a:solidFill>
+                <a:latin typeface="Arial" charset="0"/>
+                <a:ea typeface="AR PL Mingti2L Big5" charset="0"/>
+                <a:cs typeface="AR PL Mingti2L Big5" charset="0"/>
+              </a:defRPr>
+            </a:lvl7pPr>
+            <a:lvl8pPr marL="3429000" indent="-228600" algn="ctr" defTabSz="449263" rtl="0" fontAlgn="base">
+              <a:spcBef>
+                <a:spcPct val="0"/>
+              </a:spcBef>
+              <a:spcAft>
+                <a:spcPct val="0"/>
+              </a:spcAft>
+              <a:buClr>
+                <a:srgbClr val="000000"/>
+              </a:buClr>
+              <a:buSzPct val="100000"/>
+              <a:buFont typeface="Times New Roman" pitchFamily="16" charset="0"/>
+              <a:defRPr sz="4400">
+                <a:solidFill>
+                  <a:srgbClr val="000000"/>
+                </a:solidFill>
+                <a:latin typeface="Arial" charset="0"/>
+                <a:ea typeface="AR PL Mingti2L Big5" charset="0"/>
+                <a:cs typeface="AR PL Mingti2L Big5" charset="0"/>
+              </a:defRPr>
+            </a:lvl8pPr>
+            <a:lvl9pPr marL="3886200" indent="-228600" algn="ctr" defTabSz="449263" rtl="0" fontAlgn="base">
+              <a:spcBef>
+                <a:spcPct val="0"/>
+              </a:spcBef>
+              <a:spcAft>
+                <a:spcPct val="0"/>
+              </a:spcAft>
+              <a:buClr>
+                <a:srgbClr val="000000"/>
+              </a:buClr>
+              <a:buSzPct val="100000"/>
+              <a:buFont typeface="Times New Roman" pitchFamily="16" charset="0"/>
+              <a:defRPr sz="4400">
+                <a:solidFill>
+                  <a:srgbClr val="000000"/>
+                </a:solidFill>
+                <a:latin typeface="Arial" charset="0"/>
+                <a:ea typeface="AR PL Mingti2L Big5" charset="0"/>
+                <a:cs typeface="AR PL Mingti2L Big5" charset="0"/>
+              </a:defRPr>
+            </a:lvl9pPr>
+          </a:lstStyle>
+          <a:p>
+            <a:pPr algn="l"/>
+            <a:r>
+              <a:rPr lang="fi-FI" altLang="fi-FI" sz="4000" b="1" kern="0" dirty="0">
+                <a:solidFill>
+                  <a:schemeClr val="accent6">
+                    <a:lumMod val="75000"/>
+                  </a:schemeClr>
+                </a:solidFill>
+              </a:rPr>
+              <a:t>Turtle </a:t>
+            </a:r>
+          </a:p>
+          <a:p>
+            <a:pPr algn="l"/>
+            <a:r>
+              <a:rPr lang="fi-FI" altLang="fi-FI" sz="4000" b="1" kern="0" dirty="0">
+                <a:solidFill>
+                  <a:schemeClr val="accent6">
+                    <a:lumMod val="75000"/>
+                  </a:schemeClr>
+                </a:solidFill>
+              </a:rPr>
+              <a:t>kartalla</a:t>
+            </a:r>
+          </a:p>
+        </p:txBody>
+      </p:sp>
+      <p:sp>
+        <p:nvSpPr>
+          <p:cNvPr id="17" name="Alatunnisteen paikkamerkki 16"/>
+          <p:cNvSpPr>
+            <a:spLocks noGrp="1"/>
+          </p:cNvSpPr>
+          <p:nvPr>
+            <p:ph type="ftr" sz="quarter" idx="11"/>
+          </p:nvPr>
+        </p:nvSpPr>
+        <p:spPr/>
+        <p:txBody>
+          <a:bodyPr/>
+          <a:lstStyle/>
+          <a:p>
+            <a:pPr algn="r">
+              <a:defRPr/>
+            </a:pPr>
+            <a:r>
+              <a:rPr lang="fi-FI" dirty="0"/>
+              <a:t>MAOL Ohjelmointia matematiikkaan</a:t>
+            </a:r>
+            <a:endParaRPr lang="ru-RU" dirty="0"/>
+          </a:p>
+        </p:txBody>
+      </p:sp>
+      <p:pic>
+        <p:nvPicPr>
+          <p:cNvPr id="33" name="Picture 2" descr="WeScheme Logo"/>
+          <p:cNvPicPr>
+            <a:picLocks noChangeAspect="1" noChangeArrowheads="1"/>
+          </p:cNvPicPr>
+          <p:nvPr/>
+        </p:nvPicPr>
+        <p:blipFill>
+          <a:blip r:embed="rId4" cstate="print">
+            <a:extLst>
+              <a:ext uri="{28A0092B-C50C-407E-A947-70E740481C1C}">
+                <a14:useLocalDpi xmlns:a14="http://schemas.microsoft.com/office/drawing/2010/main" val="0"/>
+              </a:ext>
+            </a:extLst>
+          </a:blip>
+          <a:srcRect/>
+          <a:stretch>
+            <a:fillRect/>
+          </a:stretch>
+        </p:blipFill>
+        <p:spPr bwMode="auto">
+          <a:xfrm>
             <a:off x="7430064" y="5255870"/>
             <a:ext cx="1495802" cy="1383832"/>
           </a:xfrm>
@@ -16242,36 +16255,6 @@
               </a14:hiddenLine>
             </a:ext>
           </a:extLst>
-        </p:spPr>
-      </p:pic>
-      <p:pic>
-        <p:nvPicPr>
-          <p:cNvPr id="4" name="Picture 3"/>
-          <p:cNvPicPr>
-            <a:picLocks noChangeAspect="1"/>
-          </p:cNvPicPr>
-          <p:nvPr/>
-        </p:nvPicPr>
-        <p:blipFill>
-          <a:blip r:embed="rId4">
-            <a:extLst>
-              <a:ext uri="{28A0092B-C50C-407E-A947-70E740481C1C}">
-                <a14:useLocalDpi xmlns:a14="http://schemas.microsoft.com/office/drawing/2010/main" val="0"/>
-              </a:ext>
-            </a:extLst>
-          </a:blip>
-          <a:stretch>
-            <a:fillRect/>
-          </a:stretch>
-        </p:blipFill>
-        <p:spPr>
-          <a:xfrm>
-            <a:off x="3378789" y="1148297"/>
-            <a:ext cx="2558754" cy="4754700"/>
-          </a:xfrm>
-          <a:prstGeom prst="rect">
-            <a:avLst/>
-          </a:prstGeom>
         </p:spPr>
       </p:pic>
       <p:cxnSp>
@@ -16481,7 +16464,7 @@
                   <a:schemeClr val="tx1"/>
                 </a:solidFill>
               </a:rPr>
-              <a:t>(166, 39)</a:t>
+              <a:t>(165, 40)</a:t>
             </a:r>
           </a:p>
         </p:txBody>
@@ -16517,7 +16500,7 @@
                   <a:schemeClr val="tx1"/>
                 </a:solidFill>
               </a:rPr>
-              <a:t>(76, 120)</a:t>
+              <a:t>(76, 122)</a:t>
             </a:r>
           </a:p>
         </p:txBody>
@@ -16560,14 +16543,47 @@
       </p:cxnSp>
       <p:sp>
         <p:nvSpPr>
-          <p:cNvPr id="7" name="Right Brace 6"/>
+          <p:cNvPr id="8" name="TextBox 7"/>
+          <p:cNvSpPr txBox="1"/>
+          <p:nvPr/>
+        </p:nvSpPr>
+        <p:spPr>
+          <a:xfrm>
+            <a:off x="4363130" y="597679"/>
+            <a:ext cx="569387" cy="369332"/>
+          </a:xfrm>
+          <a:prstGeom prst="rect">
+            <a:avLst/>
+          </a:prstGeom>
+          <a:noFill/>
+        </p:spPr>
+        <p:txBody>
+          <a:bodyPr wrap="none" rtlCol="0">
+            <a:spAutoFit/>
+          </a:bodyPr>
+          <a:lstStyle/>
+          <a:p>
+            <a:r>
+              <a:rPr lang="fi-FI" dirty="0">
+                <a:solidFill>
+                  <a:schemeClr val="tx1"/>
+                </a:solidFill>
+              </a:rPr>
+              <a:t>348</a:t>
+            </a:r>
+          </a:p>
+        </p:txBody>
+      </p:sp>
+      <p:sp>
+        <p:nvSpPr>
+          <p:cNvPr id="34" name="Right Brace 33"/>
           <p:cNvSpPr/>
           <p:nvPr/>
         </p:nvSpPr>
         <p:spPr>
-          <a:xfrm rot="16200000">
-            <a:off x="4514798" y="-237262"/>
-            <a:ext cx="249549" cy="2521568"/>
+          <a:xfrm rot="10800000">
+            <a:off x="2886201" y="1340767"/>
+            <a:ext cx="429987" cy="4543735"/>
           </a:xfrm>
           <a:prstGeom prst="rightBrace">
             <a:avLst/>
@@ -16598,13 +16614,13 @@
       </p:sp>
       <p:sp>
         <p:nvSpPr>
-          <p:cNvPr id="8" name="TextBox 7"/>
+          <p:cNvPr id="39" name="TextBox 38"/>
           <p:cNvSpPr txBox="1"/>
           <p:nvPr/>
         </p:nvSpPr>
         <p:spPr>
           <a:xfrm>
-            <a:off x="4354878" y="572228"/>
+            <a:off x="2262781" y="3427968"/>
             <a:ext cx="569387" cy="369332"/>
           </a:xfrm>
           <a:prstGeom prst="rect">
@@ -16624,21 +16640,21 @@
                   <a:schemeClr val="tx1"/>
                 </a:solidFill>
               </a:rPr>
-              <a:t>348</a:t>
-            </a:r>
-          </a:p>
-        </p:txBody>
-      </p:sp>
-      <p:sp>
-        <p:nvSpPr>
-          <p:cNvPr id="34" name="Right Brace 33"/>
+              <a:t>638</a:t>
+            </a:r>
+          </a:p>
+        </p:txBody>
+      </p:sp>
+      <p:sp>
+        <p:nvSpPr>
+          <p:cNvPr id="9" name="Right Brace 8"/>
           <p:cNvSpPr/>
           <p:nvPr/>
         </p:nvSpPr>
         <p:spPr>
-          <a:xfrm rot="10800000">
-            <a:off x="2886201" y="1340767"/>
-            <a:ext cx="429987" cy="4543735"/>
+          <a:xfrm rot="16200000">
+            <a:off x="4501384" y="-132778"/>
+            <a:ext cx="313765" cy="2484185"/>
           </a:xfrm>
           <a:prstGeom prst="rightBrace">
             <a:avLst/>
@@ -16664,39 +16680,6 @@
           <a:p>
             <a:pPr algn="ctr"/>
             <a:endParaRPr lang="fi-FI"/>
-          </a:p>
-        </p:txBody>
-      </p:sp>
-      <p:sp>
-        <p:nvSpPr>
-          <p:cNvPr id="39" name="TextBox 38"/>
-          <p:cNvSpPr txBox="1"/>
-          <p:nvPr/>
-        </p:nvSpPr>
-        <p:spPr>
-          <a:xfrm>
-            <a:off x="2262781" y="3427968"/>
-            <a:ext cx="569387" cy="369332"/>
-          </a:xfrm>
-          <a:prstGeom prst="rect">
-            <a:avLst/>
-          </a:prstGeom>
-          <a:noFill/>
-        </p:spPr>
-        <p:txBody>
-          <a:bodyPr wrap="none" rtlCol="0">
-            <a:spAutoFit/>
-          </a:bodyPr>
-          <a:lstStyle/>
-          <a:p>
-            <a:r>
-              <a:rPr lang="fi-FI" dirty="0">
-                <a:solidFill>
-                  <a:schemeClr val="tx1"/>
-                </a:solidFill>
-              </a:rPr>
-              <a:t>638</a:t>
-            </a:r>
           </a:p>
         </p:txBody>
       </p:sp>

--- a/tehtavat/tiedostot/maol/power_point/Racket-MAOL-5-6-turtle2.pptx
+++ b/tehtavat/tiedostot/maol/power_point/Racket-MAOL-5-6-turtle2.pptx
@@ -9628,7 +9628,7 @@
                 </a:solidFill>
                 <a:latin typeface="Arial" charset="0"/>
               </a:rPr>
-              <a:t>Turtle liikkuu annettuun koodinaattipisteeseen </a:t>
+              <a:t>Turtle liikkuu annettuun koordinaattipisteeseen </a:t>
             </a:r>
             <a:r>
               <a:rPr lang="fi-FI" sz="2800" dirty="0">
@@ -12405,7 +12405,7 @@
           <a:p>
             <a:r>
               <a:rPr lang="fi-FI" sz="1600" dirty="0"/>
-              <a:t>(x, y,) uusi piste </a:t>
+              <a:t>(x, y) uusi piste </a:t>
             </a:r>
           </a:p>
           <a:p>
@@ -13175,7 +13175,7 @@
                 </a:solidFill>
                 <a:latin typeface="Arial" charset="0"/>
               </a:rPr>
-              <a:t> Turtle liikkuu annettuun koodinaattipisteeseen </a:t>
+              <a:t> Turtle liikkuu annettuun koordinaattipisteeseen </a:t>
             </a:r>
             <a:r>
               <a:rPr lang="fi-FI" sz="2800" dirty="0">
@@ -14076,7 +14076,7 @@
                 </a:solidFill>
                 <a:latin typeface="Arial" charset="0"/>
               </a:rPr>
-              <a:t>Turtlelle voidaan aktioida peilaus x-akselin suunnassa </a:t>
+              <a:t>Turtlelle voidaan aktivoida peilaus x-akselin suunnassa </a:t>
             </a:r>
             <a:r>
               <a:rPr lang="fi-FI" sz="2400" dirty="0">
@@ -14101,7 +14101,7 @@
                 </a:solidFill>
                 <a:latin typeface="Arial" charset="0"/>
               </a:rPr>
-              <a:t>. Peilaustoiminnon saa pois päältä kutusmalla </a:t>
+              <a:t>. Peilaustoiminnon saa pois päältä kutsumalla </a:t>
             </a:r>
             <a:r>
               <a:rPr lang="fi-FI" sz="2400" dirty="0">

--- a/tehtavat/tiedostot/maol/power_point/Racket-MAOL-5-6-turtle2.pptx
+++ b/tehtavat/tiedostot/maol/power_point/Racket-MAOL-5-6-turtle2.pptx
@@ -6,7 +6,7 @@
     <p:sldMasterId id="2147483703" r:id="rId2"/>
   </p:sldMasterIdLst>
   <p:notesMasterIdLst>
-    <p:notesMasterId r:id="rId15"/>
+    <p:notesMasterId r:id="rId17"/>
   </p:notesMasterIdLst>
   <p:sldIdLst>
     <p:sldId id="374" r:id="rId3"/>
@@ -21,11 +21,13 @@
     <p:sldId id="377" r:id="rId12"/>
     <p:sldId id="369" r:id="rId13"/>
     <p:sldId id="372" r:id="rId14"/>
+    <p:sldId id="387" r:id="rId15"/>
+    <p:sldId id="386" r:id="rId16"/>
   </p:sldIdLst>
   <p:sldSz cx="9144000" cy="6858000" type="screen4x3"/>
   <p:notesSz cx="6858000" cy="9144000"/>
   <p:custDataLst>
-    <p:tags r:id="rId16"/>
+    <p:tags r:id="rId18"/>
   </p:custDataLst>
   <p:defaultTextStyle>
     <a:defPPr>
@@ -10546,6 +10548,961 @@
 </p:sld>
 </file>
 
+<file path=ppt/slides/slide13.xml><?xml version="1.0" encoding="utf-8"?>
+<p:sld xmlns:a="http://schemas.openxmlformats.org/drawingml/2006/main" xmlns:r="http://schemas.openxmlformats.org/officeDocument/2006/relationships" xmlns:p="http://schemas.openxmlformats.org/presentationml/2006/main">
+  <p:cSld>
+    <p:spTree>
+      <p:nvGrpSpPr>
+        <p:cNvPr id="1" name=""/>
+        <p:cNvGrpSpPr/>
+        <p:nvPr/>
+      </p:nvGrpSpPr>
+      <p:grpSpPr>
+        <a:xfrm>
+          <a:off x="0" y="0"/>
+          <a:ext cx="0" cy="0"/>
+          <a:chOff x="0" y="0"/>
+          <a:chExt cx="0" cy="0"/>
+        </a:xfrm>
+      </p:grpSpPr>
+      <p:sp>
+        <p:nvSpPr>
+          <p:cNvPr id="3" name="Title 2"/>
+          <p:cNvSpPr>
+            <a:spLocks noGrp="1"/>
+          </p:cNvSpPr>
+          <p:nvPr>
+            <p:ph type="title"/>
+          </p:nvPr>
+        </p:nvSpPr>
+        <p:spPr/>
+        <p:txBody>
+          <a:bodyPr/>
+          <a:lstStyle/>
+          <a:p>
+            <a:r>
+              <a:rPr lang="fi-FI" dirty="0"/>
+              <a:t>POISTETTU</a:t>
+            </a:r>
+          </a:p>
+        </p:txBody>
+      </p:sp>
+      <p:sp>
+        <p:nvSpPr>
+          <p:cNvPr id="4" name="Text Placeholder 3"/>
+          <p:cNvSpPr>
+            <a:spLocks noGrp="1"/>
+          </p:cNvSpPr>
+          <p:nvPr>
+            <p:ph type="body" idx="1"/>
+          </p:nvPr>
+        </p:nvSpPr>
+        <p:spPr/>
+        <p:txBody>
+          <a:bodyPr/>
+          <a:lstStyle/>
+          <a:p>
+            <a:endParaRPr lang="fi-FI"/>
+          </a:p>
+        </p:txBody>
+      </p:sp>
+      <p:sp>
+        <p:nvSpPr>
+          <p:cNvPr id="2" name="Footer Placeholder 1"/>
+          <p:cNvSpPr>
+            <a:spLocks noGrp="1"/>
+          </p:cNvSpPr>
+          <p:nvPr>
+            <p:ph type="ftr" sz="quarter" idx="11"/>
+          </p:nvPr>
+        </p:nvSpPr>
+        <p:spPr/>
+        <p:txBody>
+          <a:bodyPr/>
+          <a:lstStyle/>
+          <a:p>
+            <a:pPr>
+              <a:defRPr/>
+            </a:pPr>
+            <a:r>
+              <a:rPr lang="fi-FI"/>
+              <a:t>MAOL Ohjelmointia matematiikkaan</a:t>
+            </a:r>
+            <a:endParaRPr lang="ru-RU"/>
+          </a:p>
+        </p:txBody>
+      </p:sp>
+    </p:spTree>
+    <p:extLst>
+      <p:ext uri="{BB962C8B-B14F-4D97-AF65-F5344CB8AC3E}">
+        <p14:creationId xmlns:p14="http://schemas.microsoft.com/office/powerpoint/2010/main" val="815506497"/>
+      </p:ext>
+    </p:extLst>
+  </p:cSld>
+  <p:clrMapOvr>
+    <a:masterClrMapping/>
+  </p:clrMapOvr>
+</p:sld>
+</file>
+
+<file path=ppt/slides/slide14.xml><?xml version="1.0" encoding="utf-8"?>
+<p:sld xmlns:a="http://schemas.openxmlformats.org/drawingml/2006/main" xmlns:r="http://schemas.openxmlformats.org/officeDocument/2006/relationships" xmlns:p="http://schemas.openxmlformats.org/presentationml/2006/main">
+  <p:cSld>
+    <p:spTree>
+      <p:nvGrpSpPr>
+        <p:cNvPr id="1" name=""/>
+        <p:cNvGrpSpPr/>
+        <p:nvPr/>
+      </p:nvGrpSpPr>
+      <p:grpSpPr>
+        <a:xfrm>
+          <a:off x="0" y="0"/>
+          <a:ext cx="0" cy="0"/>
+          <a:chOff x="0" y="0"/>
+          <a:chExt cx="0" cy="0"/>
+        </a:xfrm>
+      </p:grpSpPr>
+      <p:pic>
+        <p:nvPicPr>
+          <p:cNvPr id="7" name="Picture 6"/>
+          <p:cNvPicPr>
+            <a:picLocks noChangeAspect="1"/>
+          </p:cNvPicPr>
+          <p:nvPr/>
+        </p:nvPicPr>
+        <p:blipFill>
+          <a:blip r:embed="rId2"/>
+          <a:stretch>
+            <a:fillRect/>
+          </a:stretch>
+        </p:blipFill>
+        <p:spPr>
+          <a:xfrm>
+            <a:off x="520107" y="2366219"/>
+            <a:ext cx="4348508" cy="1827759"/>
+          </a:xfrm>
+          <a:prstGeom prst="rect">
+            <a:avLst/>
+          </a:prstGeom>
+        </p:spPr>
+      </p:pic>
+      <p:pic>
+        <p:nvPicPr>
+          <p:cNvPr id="6" name="Picture 5"/>
+          <p:cNvPicPr>
+            <a:picLocks noChangeAspect="1"/>
+          </p:cNvPicPr>
+          <p:nvPr/>
+        </p:nvPicPr>
+        <p:blipFill>
+          <a:blip r:embed="rId3"/>
+          <a:stretch>
+            <a:fillRect/>
+          </a:stretch>
+        </p:blipFill>
+        <p:spPr>
+          <a:xfrm>
+            <a:off x="5164822" y="1465518"/>
+            <a:ext cx="3516521" cy="3686322"/>
+          </a:xfrm>
+          <a:prstGeom prst="rect">
+            <a:avLst/>
+          </a:prstGeom>
+        </p:spPr>
+      </p:pic>
+      <p:pic>
+        <p:nvPicPr>
+          <p:cNvPr id="3" name="Picture 8" descr="https://avatars0.githubusercontent.com/u/232371?v=3&amp;s=400"/>
+          <p:cNvPicPr>
+            <a:picLocks noChangeAspect="1" noChangeArrowheads="1"/>
+          </p:cNvPicPr>
+          <p:nvPr/>
+        </p:nvPicPr>
+        <p:blipFill>
+          <a:blip r:embed="rId4" cstate="print">
+            <a:extLst>
+              <a:ext uri="{28A0092B-C50C-407E-A947-70E740481C1C}">
+                <a14:useLocalDpi xmlns:a14="http://schemas.microsoft.com/office/drawing/2010/main" val="0"/>
+              </a:ext>
+            </a:extLst>
+          </a:blip>
+          <a:srcRect/>
+          <a:stretch>
+            <a:fillRect/>
+          </a:stretch>
+        </p:blipFill>
+        <p:spPr bwMode="auto">
+          <a:xfrm>
+            <a:off x="405542" y="5199964"/>
+            <a:ext cx="1254667" cy="1254668"/>
+          </a:xfrm>
+          <a:prstGeom prst="rect">
+            <a:avLst/>
+          </a:prstGeom>
+          <a:noFill/>
+          <a:ln>
+            <a:noFill/>
+          </a:ln>
+          <a:extLst>
+            <a:ext uri="{909E8E84-426E-40DD-AFC4-6F175D3DCCD1}">
+              <a14:hiddenFill xmlns:a14="http://schemas.microsoft.com/office/drawing/2010/main">
+                <a:solidFill>
+                  <a:srgbClr val="FFFFFF"/>
+                </a:solidFill>
+              </a14:hiddenFill>
+            </a:ext>
+            <a:ext uri="{91240B29-F687-4F45-9708-019B960494DF}">
+              <a14:hiddenLine xmlns:a14="http://schemas.microsoft.com/office/drawing/2010/main" w="9525">
+                <a:solidFill>
+                  <a:srgbClr val="000000"/>
+                </a:solidFill>
+                <a:miter lim="800000"/>
+                <a:headEnd/>
+                <a:tailEnd/>
+              </a14:hiddenLine>
+            </a:ext>
+          </a:extLst>
+        </p:spPr>
+      </p:pic>
+      <p:sp>
+        <p:nvSpPr>
+          <p:cNvPr id="10" name="Otsikko 1"/>
+          <p:cNvSpPr txBox="1">
+            <a:spLocks/>
+          </p:cNvSpPr>
+          <p:nvPr/>
+        </p:nvSpPr>
+        <p:spPr bwMode="auto">
+          <a:xfrm>
+            <a:off x="405542" y="928688"/>
+            <a:ext cx="5947000" cy="599694"/>
+          </a:xfrm>
+          <a:prstGeom prst="rect">
+            <a:avLst/>
+          </a:prstGeom>
+          <a:noFill/>
+          <a:ln>
+            <a:noFill/>
+          </a:ln>
+          <a:extLst>
+            <a:ext uri="{909E8E84-426E-40DD-AFC4-6F175D3DCCD1}">
+              <a14:hiddenFill xmlns:a14="http://schemas.microsoft.com/office/drawing/2010/main">
+                <a:solidFill>
+                  <a:srgbClr val="FFFFFF"/>
+                </a:solidFill>
+              </a14:hiddenFill>
+            </a:ext>
+            <a:ext uri="{91240B29-F687-4F45-9708-019B960494DF}">
+              <a14:hiddenLine xmlns:a14="http://schemas.microsoft.com/office/drawing/2010/main" w="9525">
+                <a:solidFill>
+                  <a:srgbClr val="000000"/>
+                </a:solidFill>
+                <a:round/>
+                <a:headEnd/>
+                <a:tailEnd/>
+              </a14:hiddenLine>
+            </a:ext>
+          </a:extLst>
+        </p:spPr>
+        <p:txBody>
+          <a:bodyPr vert="horz" wrap="square" lIns="90000" tIns="46800" rIns="90000" bIns="46800" numCol="1" anchor="ctr" anchorCtr="0" compatLnSpc="1">
+            <a:prstTxWarp prst="textNoShape">
+              <a:avLst/>
+            </a:prstTxWarp>
+          </a:bodyPr>
+          <a:lstStyle>
+            <a:lvl1pPr algn="ctr" defTabSz="449263" rtl="0" eaLnBrk="0" fontAlgn="base" hangingPunct="0">
+              <a:spcBef>
+                <a:spcPct val="0"/>
+              </a:spcBef>
+              <a:spcAft>
+                <a:spcPct val="0"/>
+              </a:spcAft>
+              <a:buClr>
+                <a:srgbClr val="000000"/>
+              </a:buClr>
+              <a:buSzPct val="100000"/>
+              <a:buFont typeface="Times New Roman" panose="02020603050405020304" pitchFamily="18" charset="0"/>
+              <a:defRPr sz="4400">
+                <a:solidFill>
+                  <a:srgbClr val="000000"/>
+                </a:solidFill>
+                <a:latin typeface="+mj-lt"/>
+                <a:ea typeface="+mj-ea"/>
+                <a:cs typeface="+mj-cs"/>
+              </a:defRPr>
+            </a:lvl1pPr>
+            <a:lvl2pPr algn="ctr" defTabSz="449263" rtl="0" eaLnBrk="0" fontAlgn="base" hangingPunct="0">
+              <a:spcBef>
+                <a:spcPct val="0"/>
+              </a:spcBef>
+              <a:spcAft>
+                <a:spcPct val="0"/>
+              </a:spcAft>
+              <a:buClr>
+                <a:srgbClr val="000000"/>
+              </a:buClr>
+              <a:buSzPct val="100000"/>
+              <a:buFont typeface="Times New Roman" panose="02020603050405020304" pitchFamily="18" charset="0"/>
+              <a:defRPr sz="4400">
+                <a:solidFill>
+                  <a:srgbClr val="000000"/>
+                </a:solidFill>
+                <a:latin typeface="Arial" charset="0"/>
+                <a:ea typeface="AR PL Mingti2L Big5" charset="0"/>
+                <a:cs typeface="AR PL Mingti2L Big5" charset="0"/>
+              </a:defRPr>
+            </a:lvl2pPr>
+            <a:lvl3pPr algn="ctr" defTabSz="449263" rtl="0" eaLnBrk="0" fontAlgn="base" hangingPunct="0">
+              <a:spcBef>
+                <a:spcPct val="0"/>
+              </a:spcBef>
+              <a:spcAft>
+                <a:spcPct val="0"/>
+              </a:spcAft>
+              <a:buClr>
+                <a:srgbClr val="000000"/>
+              </a:buClr>
+              <a:buSzPct val="100000"/>
+              <a:buFont typeface="Times New Roman" panose="02020603050405020304" pitchFamily="18" charset="0"/>
+              <a:defRPr sz="4400">
+                <a:solidFill>
+                  <a:srgbClr val="000000"/>
+                </a:solidFill>
+                <a:latin typeface="Arial" charset="0"/>
+                <a:ea typeface="AR PL Mingti2L Big5" charset="0"/>
+                <a:cs typeface="AR PL Mingti2L Big5" charset="0"/>
+              </a:defRPr>
+            </a:lvl3pPr>
+            <a:lvl4pPr algn="ctr" defTabSz="449263" rtl="0" eaLnBrk="0" fontAlgn="base" hangingPunct="0">
+              <a:spcBef>
+                <a:spcPct val="0"/>
+              </a:spcBef>
+              <a:spcAft>
+                <a:spcPct val="0"/>
+              </a:spcAft>
+              <a:buClr>
+                <a:srgbClr val="000000"/>
+              </a:buClr>
+              <a:buSzPct val="100000"/>
+              <a:buFont typeface="Times New Roman" panose="02020603050405020304" pitchFamily="18" charset="0"/>
+              <a:defRPr sz="4400">
+                <a:solidFill>
+                  <a:srgbClr val="000000"/>
+                </a:solidFill>
+                <a:latin typeface="Arial" charset="0"/>
+                <a:ea typeface="AR PL Mingti2L Big5" charset="0"/>
+                <a:cs typeface="AR PL Mingti2L Big5" charset="0"/>
+              </a:defRPr>
+            </a:lvl4pPr>
+            <a:lvl5pPr algn="ctr" defTabSz="449263" rtl="0" eaLnBrk="0" fontAlgn="base" hangingPunct="0">
+              <a:spcBef>
+                <a:spcPct val="0"/>
+              </a:spcBef>
+              <a:spcAft>
+                <a:spcPct val="0"/>
+              </a:spcAft>
+              <a:buClr>
+                <a:srgbClr val="000000"/>
+              </a:buClr>
+              <a:buSzPct val="100000"/>
+              <a:buFont typeface="Times New Roman" panose="02020603050405020304" pitchFamily="18" charset="0"/>
+              <a:defRPr sz="4400">
+                <a:solidFill>
+                  <a:srgbClr val="000000"/>
+                </a:solidFill>
+                <a:latin typeface="Arial" charset="0"/>
+                <a:ea typeface="AR PL Mingti2L Big5" charset="0"/>
+                <a:cs typeface="AR PL Mingti2L Big5" charset="0"/>
+              </a:defRPr>
+            </a:lvl5pPr>
+            <a:lvl6pPr marL="2514600" indent="-228600" algn="ctr" defTabSz="449263" rtl="0" fontAlgn="base">
+              <a:spcBef>
+                <a:spcPct val="0"/>
+              </a:spcBef>
+              <a:spcAft>
+                <a:spcPct val="0"/>
+              </a:spcAft>
+              <a:buClr>
+                <a:srgbClr val="000000"/>
+              </a:buClr>
+              <a:buSzPct val="100000"/>
+              <a:buFont typeface="Times New Roman" pitchFamily="16" charset="0"/>
+              <a:defRPr sz="4400">
+                <a:solidFill>
+                  <a:srgbClr val="000000"/>
+                </a:solidFill>
+                <a:latin typeface="Arial" charset="0"/>
+                <a:ea typeface="AR PL Mingti2L Big5" charset="0"/>
+                <a:cs typeface="AR PL Mingti2L Big5" charset="0"/>
+              </a:defRPr>
+            </a:lvl6pPr>
+            <a:lvl7pPr marL="2971800" indent="-228600" algn="ctr" defTabSz="449263" rtl="0" fontAlgn="base">
+              <a:spcBef>
+                <a:spcPct val="0"/>
+              </a:spcBef>
+              <a:spcAft>
+                <a:spcPct val="0"/>
+              </a:spcAft>
+              <a:buClr>
+                <a:srgbClr val="000000"/>
+              </a:buClr>
+              <a:buSzPct val="100000"/>
+              <a:buFont typeface="Times New Roman" pitchFamily="16" charset="0"/>
+              <a:defRPr sz="4400">
+                <a:solidFill>
+                  <a:srgbClr val="000000"/>
+                </a:solidFill>
+                <a:latin typeface="Arial" charset="0"/>
+                <a:ea typeface="AR PL Mingti2L Big5" charset="0"/>
+                <a:cs typeface="AR PL Mingti2L Big5" charset="0"/>
+              </a:defRPr>
+            </a:lvl7pPr>
+            <a:lvl8pPr marL="3429000" indent="-228600" algn="ctr" defTabSz="449263" rtl="0" fontAlgn="base">
+              <a:spcBef>
+                <a:spcPct val="0"/>
+              </a:spcBef>
+              <a:spcAft>
+                <a:spcPct val="0"/>
+              </a:spcAft>
+              <a:buClr>
+                <a:srgbClr val="000000"/>
+              </a:buClr>
+              <a:buSzPct val="100000"/>
+              <a:buFont typeface="Times New Roman" pitchFamily="16" charset="0"/>
+              <a:defRPr sz="4400">
+                <a:solidFill>
+                  <a:srgbClr val="000000"/>
+                </a:solidFill>
+                <a:latin typeface="Arial" charset="0"/>
+                <a:ea typeface="AR PL Mingti2L Big5" charset="0"/>
+                <a:cs typeface="AR PL Mingti2L Big5" charset="0"/>
+              </a:defRPr>
+            </a:lvl8pPr>
+            <a:lvl9pPr marL="3886200" indent="-228600" algn="ctr" defTabSz="449263" rtl="0" fontAlgn="base">
+              <a:spcBef>
+                <a:spcPct val="0"/>
+              </a:spcBef>
+              <a:spcAft>
+                <a:spcPct val="0"/>
+              </a:spcAft>
+              <a:buClr>
+                <a:srgbClr val="000000"/>
+              </a:buClr>
+              <a:buSzPct val="100000"/>
+              <a:buFont typeface="Times New Roman" pitchFamily="16" charset="0"/>
+              <a:defRPr sz="4400">
+                <a:solidFill>
+                  <a:srgbClr val="000000"/>
+                </a:solidFill>
+                <a:latin typeface="Arial" charset="0"/>
+                <a:ea typeface="AR PL Mingti2L Big5" charset="0"/>
+                <a:cs typeface="AR PL Mingti2L Big5" charset="0"/>
+              </a:defRPr>
+            </a:lvl9pPr>
+          </a:lstStyle>
+          <a:p>
+            <a:pPr algn="l"/>
+            <a:r>
+              <a:rPr lang="fi-FI" altLang="fi-FI" sz="4000" b="1" kern="0" dirty="0">
+                <a:solidFill>
+                  <a:schemeClr val="accent6">
+                    <a:lumMod val="75000"/>
+                  </a:schemeClr>
+                </a:solidFill>
+              </a:rPr>
+              <a:t>Turtle koordinaatistossa</a:t>
+            </a:r>
+          </a:p>
+        </p:txBody>
+      </p:sp>
+      <p:sp>
+        <p:nvSpPr>
+          <p:cNvPr id="17" name="Alatunnisteen paikkamerkki 16"/>
+          <p:cNvSpPr>
+            <a:spLocks noGrp="1"/>
+          </p:cNvSpPr>
+          <p:nvPr>
+            <p:ph type="ftr" sz="quarter" idx="11"/>
+          </p:nvPr>
+        </p:nvSpPr>
+        <p:spPr>
+          <a:xfrm>
+            <a:off x="742672" y="5914634"/>
+            <a:ext cx="4870585" cy="365125"/>
+          </a:xfrm>
+        </p:spPr>
+        <p:txBody>
+          <a:bodyPr/>
+          <a:lstStyle/>
+          <a:p>
+            <a:pPr algn="r">
+              <a:defRPr/>
+            </a:pPr>
+            <a:r>
+              <a:rPr lang="fi-FI" dirty="0"/>
+              <a:t>MAOL Ohjelmointia matematiikkaan</a:t>
+            </a:r>
+            <a:endParaRPr lang="ru-RU" dirty="0"/>
+          </a:p>
+        </p:txBody>
+      </p:sp>
+      <p:pic>
+        <p:nvPicPr>
+          <p:cNvPr id="33" name="Picture 2" descr="WeScheme Logo"/>
+          <p:cNvPicPr>
+            <a:picLocks noChangeAspect="1" noChangeArrowheads="1"/>
+          </p:cNvPicPr>
+          <p:nvPr/>
+        </p:nvPicPr>
+        <p:blipFill>
+          <a:blip r:embed="rId5" cstate="print">
+            <a:extLst>
+              <a:ext uri="{28A0092B-C50C-407E-A947-70E740481C1C}">
+                <a14:useLocalDpi xmlns:a14="http://schemas.microsoft.com/office/drawing/2010/main" val="0"/>
+              </a:ext>
+            </a:extLst>
+          </a:blip>
+          <a:srcRect/>
+          <a:stretch>
+            <a:fillRect/>
+          </a:stretch>
+        </p:blipFill>
+        <p:spPr bwMode="auto">
+          <a:xfrm>
+            <a:off x="7292324" y="5151840"/>
+            <a:ext cx="1495802" cy="1383832"/>
+          </a:xfrm>
+          <a:prstGeom prst="rect">
+            <a:avLst/>
+          </a:prstGeom>
+          <a:noFill/>
+          <a:ln>
+            <a:noFill/>
+          </a:ln>
+          <a:effectLst>
+            <a:outerShdw blurRad="50800" dist="38100" dir="5400000" algn="t" rotWithShape="0">
+              <a:prstClr val="black">
+                <a:alpha val="40000"/>
+              </a:prstClr>
+            </a:outerShdw>
+          </a:effectLst>
+          <a:extLst>
+            <a:ext uri="{909E8E84-426E-40DD-AFC4-6F175D3DCCD1}">
+              <a14:hiddenFill xmlns:a14="http://schemas.microsoft.com/office/drawing/2010/main">
+                <a:solidFill>
+                  <a:srgbClr val="FFFFFF"/>
+                </a:solidFill>
+              </a14:hiddenFill>
+            </a:ext>
+            <a:ext uri="{91240B29-F687-4F45-9708-019B960494DF}">
+              <a14:hiddenLine xmlns:a14="http://schemas.microsoft.com/office/drawing/2010/main" w="9525">
+                <a:solidFill>
+                  <a:srgbClr val="000000"/>
+                </a:solidFill>
+                <a:miter lim="800000"/>
+                <a:headEnd/>
+                <a:tailEnd/>
+              </a14:hiddenLine>
+            </a:ext>
+          </a:extLst>
+        </p:spPr>
+      </p:pic>
+      <p:sp>
+        <p:nvSpPr>
+          <p:cNvPr id="41" name="Suorakulmio 42"/>
+          <p:cNvSpPr/>
+          <p:nvPr/>
+        </p:nvSpPr>
+        <p:spPr>
+          <a:xfrm>
+            <a:off x="2555776" y="4317048"/>
+            <a:ext cx="1837234" cy="584775"/>
+          </a:xfrm>
+          <a:prstGeom prst="rect">
+            <a:avLst/>
+          </a:prstGeom>
+          <a:solidFill>
+            <a:schemeClr val="accent2">
+              <a:lumMod val="75000"/>
+            </a:schemeClr>
+          </a:solidFill>
+        </p:spPr>
+        <p:txBody>
+          <a:bodyPr wrap="none">
+            <a:spAutoFit/>
+          </a:bodyPr>
+          <a:lstStyle/>
+          <a:p>
+            <a:r>
+              <a:rPr lang="fi-FI" sz="1600" dirty="0"/>
+              <a:t>(x, y) uusi piste </a:t>
+            </a:r>
+          </a:p>
+          <a:p>
+            <a:r>
+              <a:rPr lang="fi-FI" sz="1600" dirty="0"/>
+              <a:t>johon Turtle siirtyy</a:t>
+            </a:r>
+          </a:p>
+        </p:txBody>
+      </p:sp>
+      <p:cxnSp>
+        <p:nvCxnSpPr>
+          <p:cNvPr id="43" name="Straight Arrow Connector 42"/>
+          <p:cNvCxnSpPr/>
+          <p:nvPr/>
+        </p:nvCxnSpPr>
+        <p:spPr>
+          <a:xfrm flipH="1" flipV="1">
+            <a:off x="2701245" y="4080118"/>
+            <a:ext cx="83937" cy="230744"/>
+          </a:xfrm>
+          <a:prstGeom prst="straightConnector1">
+            <a:avLst/>
+          </a:prstGeom>
+          <a:ln w="28575">
+            <a:solidFill>
+              <a:srgbClr val="FF0000"/>
+            </a:solidFill>
+            <a:tailEnd type="triangle"/>
+          </a:ln>
+        </p:spPr>
+        <p:style>
+          <a:lnRef idx="1">
+            <a:schemeClr val="accent1"/>
+          </a:lnRef>
+          <a:fillRef idx="0">
+            <a:schemeClr val="accent1"/>
+          </a:fillRef>
+          <a:effectRef idx="0">
+            <a:schemeClr val="accent1"/>
+          </a:effectRef>
+          <a:fontRef idx="minor">
+            <a:schemeClr val="tx1"/>
+          </a:fontRef>
+        </p:style>
+      </p:cxnSp>
+      <p:cxnSp>
+        <p:nvCxnSpPr>
+          <p:cNvPr id="44" name="Straight Arrow Connector 43"/>
+          <p:cNvCxnSpPr/>
+          <p:nvPr/>
+        </p:nvCxnSpPr>
+        <p:spPr>
+          <a:xfrm flipV="1">
+            <a:off x="2999753" y="4080118"/>
+            <a:ext cx="60079" cy="230744"/>
+          </a:xfrm>
+          <a:prstGeom prst="straightConnector1">
+            <a:avLst/>
+          </a:prstGeom>
+          <a:ln w="28575">
+            <a:solidFill>
+              <a:srgbClr val="FF0000"/>
+            </a:solidFill>
+            <a:tailEnd type="triangle"/>
+          </a:ln>
+        </p:spPr>
+        <p:style>
+          <a:lnRef idx="1">
+            <a:schemeClr val="accent1"/>
+          </a:lnRef>
+          <a:fillRef idx="0">
+            <a:schemeClr val="accent1"/>
+          </a:fillRef>
+          <a:effectRef idx="0">
+            <a:schemeClr val="accent1"/>
+          </a:effectRef>
+          <a:fontRef idx="minor">
+            <a:schemeClr val="tx1"/>
+          </a:fontRef>
+        </p:style>
+      </p:cxnSp>
+      <p:sp>
+        <p:nvSpPr>
+          <p:cNvPr id="38" name="Suorakulmio 42"/>
+          <p:cNvSpPr/>
+          <p:nvPr/>
+        </p:nvSpPr>
+        <p:spPr>
+          <a:xfrm>
+            <a:off x="4666055" y="1901899"/>
+            <a:ext cx="2634054" cy="830997"/>
+          </a:xfrm>
+          <a:prstGeom prst="rect">
+            <a:avLst/>
+          </a:prstGeom>
+          <a:solidFill>
+            <a:schemeClr val="accent2">
+              <a:lumMod val="75000"/>
+            </a:schemeClr>
+          </a:solidFill>
+        </p:spPr>
+        <p:txBody>
+          <a:bodyPr wrap="none">
+            <a:spAutoFit/>
+          </a:bodyPr>
+          <a:lstStyle/>
+          <a:p>
+            <a:r>
+              <a:rPr lang="fi-FI" sz="1600" dirty="0"/>
+              <a:t>Origo (0, 0) asetetaan </a:t>
+            </a:r>
+          </a:p>
+          <a:p>
+            <a:r>
+              <a:rPr lang="fi-FI" sz="1600" dirty="0"/>
+              <a:t>sijaitsemaan lähtö-</a:t>
+            </a:r>
+          </a:p>
+          <a:p>
+            <a:r>
+              <a:rPr lang="fi-FI" sz="1600" dirty="0"/>
+              <a:t>pisteeseen, kuvan keskelle</a:t>
+            </a:r>
+          </a:p>
+        </p:txBody>
+      </p:sp>
+      <p:cxnSp>
+        <p:nvCxnSpPr>
+          <p:cNvPr id="29" name="Straight Arrow Connector 28"/>
+          <p:cNvCxnSpPr/>
+          <p:nvPr/>
+        </p:nvCxnSpPr>
+        <p:spPr>
+          <a:xfrm flipH="1">
+            <a:off x="3177965" y="2732896"/>
+            <a:ext cx="1488090" cy="393236"/>
+          </a:xfrm>
+          <a:prstGeom prst="straightConnector1">
+            <a:avLst/>
+          </a:prstGeom>
+          <a:ln w="28575">
+            <a:solidFill>
+              <a:srgbClr val="FF0000"/>
+            </a:solidFill>
+            <a:tailEnd type="triangle"/>
+          </a:ln>
+        </p:spPr>
+        <p:style>
+          <a:lnRef idx="1">
+            <a:schemeClr val="accent1"/>
+          </a:lnRef>
+          <a:fillRef idx="0">
+            <a:schemeClr val="accent1"/>
+          </a:fillRef>
+          <a:effectRef idx="0">
+            <a:schemeClr val="accent1"/>
+          </a:effectRef>
+          <a:fontRef idx="minor">
+            <a:schemeClr val="tx1"/>
+          </a:fontRef>
+        </p:style>
+      </p:cxnSp>
+      <p:cxnSp>
+        <p:nvCxnSpPr>
+          <p:cNvPr id="34" name="Straight Arrow Connector 33"/>
+          <p:cNvCxnSpPr>
+            <a:stCxn id="38" idx="2"/>
+          </p:cNvCxnSpPr>
+          <p:nvPr/>
+        </p:nvCxnSpPr>
+        <p:spPr>
+          <a:xfrm>
+            <a:off x="5983082" y="2732896"/>
+            <a:ext cx="924292" cy="689605"/>
+          </a:xfrm>
+          <a:prstGeom prst="straightConnector1">
+            <a:avLst/>
+          </a:prstGeom>
+          <a:ln w="28575">
+            <a:solidFill>
+              <a:srgbClr val="FF0000"/>
+            </a:solidFill>
+            <a:tailEnd type="triangle"/>
+          </a:ln>
+        </p:spPr>
+        <p:style>
+          <a:lnRef idx="1">
+            <a:schemeClr val="accent1"/>
+          </a:lnRef>
+          <a:fillRef idx="0">
+            <a:schemeClr val="accent1"/>
+          </a:fillRef>
+          <a:effectRef idx="0">
+            <a:schemeClr val="accent1"/>
+          </a:effectRef>
+          <a:fontRef idx="minor">
+            <a:schemeClr val="tx1"/>
+          </a:fontRef>
+        </p:style>
+      </p:cxnSp>
+      <p:sp>
+        <p:nvSpPr>
+          <p:cNvPr id="39" name="Suorakulmio 42"/>
+          <p:cNvSpPr/>
+          <p:nvPr/>
+        </p:nvSpPr>
+        <p:spPr>
+          <a:xfrm>
+            <a:off x="5198514" y="3339264"/>
+            <a:ext cx="1313180" cy="830997"/>
+          </a:xfrm>
+          <a:prstGeom prst="rect">
+            <a:avLst/>
+          </a:prstGeom>
+          <a:solidFill>
+            <a:schemeClr val="accent2">
+              <a:lumMod val="75000"/>
+            </a:schemeClr>
+          </a:solidFill>
+        </p:spPr>
+        <p:txBody>
+          <a:bodyPr wrap="none">
+            <a:spAutoFit/>
+          </a:bodyPr>
+          <a:lstStyle/>
+          <a:p>
+            <a:r>
+              <a:rPr lang="fi-FI" sz="1600" dirty="0"/>
+              <a:t>Ruudukon</a:t>
+            </a:r>
+          </a:p>
+          <a:p>
+            <a:r>
+              <a:rPr lang="fi-FI" sz="1600" dirty="0"/>
+              <a:t>ruudun koko</a:t>
+            </a:r>
+          </a:p>
+          <a:p>
+            <a:r>
+              <a:rPr lang="fi-FI" sz="1600" dirty="0"/>
+              <a:t>30x30</a:t>
+            </a:r>
+          </a:p>
+        </p:txBody>
+      </p:sp>
+      <p:cxnSp>
+        <p:nvCxnSpPr>
+          <p:cNvPr id="46" name="Straight Arrow Connector 45"/>
+          <p:cNvCxnSpPr>
+            <a:stCxn id="39" idx="1"/>
+          </p:cNvCxnSpPr>
+          <p:nvPr/>
+        </p:nvCxnSpPr>
+        <p:spPr>
+          <a:xfrm flipH="1" flipV="1">
+            <a:off x="3779912" y="3422501"/>
+            <a:ext cx="1418602" cy="332262"/>
+          </a:xfrm>
+          <a:prstGeom prst="straightConnector1">
+            <a:avLst/>
+          </a:prstGeom>
+          <a:ln w="28575">
+            <a:solidFill>
+              <a:srgbClr val="FF0000"/>
+            </a:solidFill>
+            <a:tailEnd type="triangle"/>
+          </a:ln>
+        </p:spPr>
+        <p:style>
+          <a:lnRef idx="1">
+            <a:schemeClr val="accent1"/>
+          </a:lnRef>
+          <a:fillRef idx="0">
+            <a:schemeClr val="accent1"/>
+          </a:fillRef>
+          <a:effectRef idx="0">
+            <a:schemeClr val="accent1"/>
+          </a:effectRef>
+          <a:fontRef idx="minor">
+            <a:schemeClr val="tx1"/>
+          </a:fontRef>
+        </p:style>
+      </p:cxnSp>
+      <p:sp>
+        <p:nvSpPr>
+          <p:cNvPr id="49" name="TextBox 48"/>
+          <p:cNvSpPr txBox="1"/>
+          <p:nvPr/>
+        </p:nvSpPr>
+        <p:spPr>
+          <a:xfrm>
+            <a:off x="7288619" y="2366219"/>
+            <a:ext cx="979755" cy="369332"/>
+          </a:xfrm>
+          <a:prstGeom prst="rect">
+            <a:avLst/>
+          </a:prstGeom>
+          <a:noFill/>
+        </p:spPr>
+        <p:txBody>
+          <a:bodyPr wrap="none" rtlCol="0">
+            <a:spAutoFit/>
+          </a:bodyPr>
+          <a:lstStyle/>
+          <a:p>
+            <a:r>
+              <a:rPr lang="fi-FI" dirty="0">
+                <a:solidFill>
+                  <a:schemeClr val="tx1"/>
+                </a:solidFill>
+              </a:rPr>
+              <a:t>(90, 30)</a:t>
+            </a:r>
+          </a:p>
+        </p:txBody>
+      </p:sp>
+      <p:cxnSp>
+        <p:nvCxnSpPr>
+          <p:cNvPr id="50" name="Straight Arrow Connector 49"/>
+          <p:cNvCxnSpPr/>
+          <p:nvPr/>
+        </p:nvCxnSpPr>
+        <p:spPr>
+          <a:xfrm flipH="1">
+            <a:off x="7499788" y="2696991"/>
+            <a:ext cx="272566" cy="296631"/>
+          </a:xfrm>
+          <a:prstGeom prst="straightConnector1">
+            <a:avLst/>
+          </a:prstGeom>
+          <a:ln w="28575">
+            <a:solidFill>
+              <a:srgbClr val="FF0000"/>
+            </a:solidFill>
+            <a:tailEnd type="triangle"/>
+          </a:ln>
+        </p:spPr>
+        <p:style>
+          <a:lnRef idx="1">
+            <a:schemeClr val="accent1"/>
+          </a:lnRef>
+          <a:fillRef idx="0">
+            <a:schemeClr val="accent1"/>
+          </a:fillRef>
+          <a:effectRef idx="0">
+            <a:schemeClr val="accent1"/>
+          </a:effectRef>
+          <a:fontRef idx="minor">
+            <a:schemeClr val="tx1"/>
+          </a:fontRef>
+        </p:style>
+      </p:cxnSp>
+    </p:spTree>
+    <p:extLst>
+      <p:ext uri="{BB962C8B-B14F-4D97-AF65-F5344CB8AC3E}">
+        <p14:creationId xmlns:p14="http://schemas.microsoft.com/office/powerpoint/2010/main" val="1175904258"/>
+      </p:ext>
+    </p:extLst>
+  </p:cSld>
+  <p:clrMapOvr>
+    <a:masterClrMapping/>
+  </p:clrMapOvr>
+</p:sld>
+</file>
+
 <file path=ppt/slides/slide2.xml><?xml version="1.0" encoding="utf-8"?>
 <p:sld xmlns:a="http://schemas.openxmlformats.org/drawingml/2006/main" xmlns:r="http://schemas.openxmlformats.org/officeDocument/2006/relationships" xmlns:p="http://schemas.openxmlformats.org/presentationml/2006/main">
   <p:cSld>
@@ -11933,7 +12890,7 @@
       </p:grpSpPr>
       <p:pic>
         <p:nvPicPr>
-          <p:cNvPr id="7" name="Picture 6"/>
+          <p:cNvPr id="2" name="Picture 1"/>
           <p:cNvPicPr>
             <a:picLocks noChangeAspect="1"/>
           </p:cNvPicPr>
@@ -11947,8 +12904,8 @@
         </p:blipFill>
         <p:spPr>
           <a:xfrm>
-            <a:off x="520107" y="2366219"/>
-            <a:ext cx="4348508" cy="1827759"/>
+            <a:off x="96819" y="2709016"/>
+            <a:ext cx="4925846" cy="1759231"/>
           </a:xfrm>
           <a:prstGeom prst="rect">
             <a:avLst/>
@@ -12385,7 +13342,7 @@
         </p:nvSpPr>
         <p:spPr>
           <a:xfrm>
-            <a:off x="2555776" y="4317048"/>
+            <a:off x="2861295" y="4275426"/>
             <a:ext cx="1837234" cy="584775"/>
           </a:xfrm>
           <a:prstGeom prst="rect">
@@ -12424,7 +13381,7 @@
         </p:nvCxnSpPr>
         <p:spPr>
           <a:xfrm flipH="1" flipV="1">
-            <a:off x="2701245" y="4080118"/>
+            <a:off x="3006764" y="4038496"/>
             <a:ext cx="83937" cy="230744"/>
           </a:xfrm>
           <a:prstGeom prst="straightConnector1">
@@ -12460,7 +13417,7 @@
         </p:nvCxnSpPr>
         <p:spPr>
           <a:xfrm flipV="1">
-            <a:off x="2999753" y="4080118"/>
+            <a:off x="3305272" y="4038496"/>
             <a:ext cx="60079" cy="230744"/>
           </a:xfrm>
           <a:prstGeom prst="straightConnector1">
@@ -12541,8 +13498,8 @@
         </p:nvCxnSpPr>
         <p:spPr>
           <a:xfrm flipH="1">
-            <a:off x="3177965" y="2732896"/>
-            <a:ext cx="1488090" cy="393236"/>
+            <a:off x="3177964" y="2732896"/>
+            <a:ext cx="1488091" cy="344802"/>
           </a:xfrm>
           <a:prstGeom prst="straightConnector1">
             <a:avLst/>
@@ -16699,7 +17656,7 @@
 <file path=ppt/tags/tag1.xml><?xml version="1.0" encoding="utf-8"?>
 <p:tagLst xmlns:a="http://schemas.openxmlformats.org/drawingml/2006/main" xmlns:r="http://schemas.openxmlformats.org/officeDocument/2006/relationships" xmlns:p="http://schemas.openxmlformats.org/presentationml/2006/main">
   <p:tag name="MMPROD_NEXTUNIQUEID" val="10009"/>
-  <p:tag name="MMPROD_UIDATA" val="&lt;database version=&quot;10.0&quot;&gt;&lt;object type=&quot;1&quot; unique_id=&quot;10001&quot;&gt;&lt;object type=&quot;2&quot; unique_id=&quot;10002&quot;&gt;&lt;object type=&quot;3&quot; unique_id=&quot;10036&quot;&gt;&lt;property id=&quot;20148&quot; value=&quot;5&quot;/&gt;&lt;property id=&quot;20300&quot; value=&quot;Slide 11&quot;/&gt;&lt;property id=&quot;20307&quot; value=&quot;369&quot;/&gt;&lt;/object&gt;&lt;object type=&quot;3&quot; unique_id=&quot;10148&quot;&gt;&lt;property id=&quot;20148&quot; value=&quot;5&quot;/&gt;&lt;property id=&quot;20300&quot; value=&quot;Slide 12&quot;/&gt;&lt;property id=&quot;20307&quot; value=&quot;372&quot;/&gt;&lt;/object&gt;&lt;object type=&quot;3&quot; unique_id=&quot;10215&quot;&gt;&lt;property id=&quot;20148&quot; value=&quot;5&quot;/&gt;&lt;property id=&quot;20300&quot; value=&quot;Slide 1&quot;/&gt;&lt;property id=&quot;20307&quot; value=&quot;374&quot;/&gt;&lt;/object&gt;&lt;object type=&quot;3&quot; unique_id=&quot;10508&quot;&gt;&lt;property id=&quot;20148&quot; value=&quot;5&quot;/&gt;&lt;property id=&quot;20300&quot; value=&quot;Slide 10&quot;/&gt;&lt;property id=&quot;20307&quot; value=&quot;377&quot;/&gt;&lt;/object&gt;&lt;object type=&quot;3&quot; unique_id=&quot;10671&quot;&gt;&lt;property id=&quot;20148&quot; value=&quot;5&quot;/&gt;&lt;property id=&quot;20300&quot; value=&quot;Slide 3&quot;/&gt;&lt;property id=&quot;20307&quot; value=&quot;378&quot;/&gt;&lt;/object&gt;&lt;object type=&quot;3&quot; unique_id=&quot;10672&quot;&gt;&lt;property id=&quot;20148&quot; value=&quot;5&quot;/&gt;&lt;property id=&quot;20300&quot; value=&quot;Slide 4&quot;/&gt;&lt;property id=&quot;20307&quot; value=&quot;379&quot;/&gt;&lt;/object&gt;&lt;object type=&quot;3&quot; unique_id=&quot;10746&quot;&gt;&lt;property id=&quot;20148&quot; value=&quot;5&quot;/&gt;&lt;property id=&quot;20300&quot; value=&quot;Slide 5&quot;/&gt;&lt;property id=&quot;20307&quot; value=&quot;380&quot;/&gt;&lt;/object&gt;&lt;object type=&quot;3&quot; unique_id=&quot;10792&quot;&gt;&lt;property id=&quot;20148&quot; value=&quot;5&quot;/&gt;&lt;property id=&quot;20300&quot; value=&quot;Slide 6&quot;/&gt;&lt;property id=&quot;20307&quot; value=&quot;381&quot;/&gt;&lt;/object&gt;&lt;object type=&quot;3&quot; unique_id=&quot;10883&quot;&gt;&lt;property id=&quot;20148&quot; value=&quot;5&quot;/&gt;&lt;property id=&quot;20300&quot; value=&quot;Slide 7&quot;/&gt;&lt;property id=&quot;20307&quot; value=&quot;382&quot;/&gt;&lt;/object&gt;&lt;object type=&quot;3&quot; unique_id=&quot;11042&quot;&gt;&lt;property id=&quot;20148&quot; value=&quot;5&quot;/&gt;&lt;property id=&quot;20300&quot; value=&quot;Slide 8&quot;/&gt;&lt;property id=&quot;20307&quot; value=&quot;383&quot;/&gt;&lt;/object&gt;&lt;object type=&quot;3&quot; unique_id=&quot;11235&quot;&gt;&lt;property id=&quot;20148&quot; value=&quot;5&quot;/&gt;&lt;property id=&quot;20300&quot; value=&quot;Slide 2&quot;/&gt;&lt;property id=&quot;20307&quot; value=&quot;384&quot;/&gt;&lt;/object&gt;&lt;object type=&quot;3&quot; unique_id=&quot;11276&quot;&gt;&lt;property id=&quot;20148&quot; value=&quot;5&quot;/&gt;&lt;property id=&quot;20300&quot; value=&quot;Slide 9&quot;/&gt;&lt;property id=&quot;20307&quot; value=&quot;385&quot;/&gt;&lt;/object&gt;&lt;/object&gt;&lt;object type=&quot;8&quot; unique_id=&quot;10014&quot;&gt;&lt;/object&gt;&lt;/object&gt;&lt;/database&gt;"/>
+  <p:tag name="MMPROD_UIDATA" val="&lt;database version=&quot;10.0&quot;&gt;&lt;object type=&quot;1&quot; unique_id=&quot;10001&quot;&gt;&lt;object type=&quot;2&quot; unique_id=&quot;10002&quot;&gt;&lt;object type=&quot;3&quot; unique_id=&quot;10036&quot;&gt;&lt;property id=&quot;20148&quot; value=&quot;5&quot;/&gt;&lt;property id=&quot;20300&quot; value=&quot;Slide 11&quot;/&gt;&lt;property id=&quot;20307&quot; value=&quot;369&quot;/&gt;&lt;/object&gt;&lt;object type=&quot;3&quot; unique_id=&quot;10148&quot;&gt;&lt;property id=&quot;20148&quot; value=&quot;5&quot;/&gt;&lt;property id=&quot;20300&quot; value=&quot;Slide 12&quot;/&gt;&lt;property id=&quot;20307&quot; value=&quot;372&quot;/&gt;&lt;/object&gt;&lt;object type=&quot;3&quot; unique_id=&quot;10215&quot;&gt;&lt;property id=&quot;20148&quot; value=&quot;5&quot;/&gt;&lt;property id=&quot;20300&quot; value=&quot;Slide 1&quot;/&gt;&lt;property id=&quot;20307&quot; value=&quot;374&quot;/&gt;&lt;/object&gt;&lt;object type=&quot;3&quot; unique_id=&quot;10508&quot;&gt;&lt;property id=&quot;20148&quot; value=&quot;5&quot;/&gt;&lt;property id=&quot;20300&quot; value=&quot;Slide 10&quot;/&gt;&lt;property id=&quot;20307&quot; value=&quot;377&quot;/&gt;&lt;/object&gt;&lt;object type=&quot;3&quot; unique_id=&quot;10671&quot;&gt;&lt;property id=&quot;20148&quot; value=&quot;5&quot;/&gt;&lt;property id=&quot;20300&quot; value=&quot;Slide 3&quot;/&gt;&lt;property id=&quot;20307&quot; value=&quot;378&quot;/&gt;&lt;/object&gt;&lt;object type=&quot;3&quot; unique_id=&quot;10672&quot;&gt;&lt;property id=&quot;20148&quot; value=&quot;5&quot;/&gt;&lt;property id=&quot;20300&quot; value=&quot;Slide 4&quot;/&gt;&lt;property id=&quot;20307&quot; value=&quot;379&quot;/&gt;&lt;/object&gt;&lt;object type=&quot;3&quot; unique_id=&quot;10746&quot;&gt;&lt;property id=&quot;20148&quot; value=&quot;5&quot;/&gt;&lt;property id=&quot;20300&quot; value=&quot;Slide 5&quot;/&gt;&lt;property id=&quot;20307&quot; value=&quot;380&quot;/&gt;&lt;/object&gt;&lt;object type=&quot;3&quot; unique_id=&quot;10792&quot;&gt;&lt;property id=&quot;20148&quot; value=&quot;5&quot;/&gt;&lt;property id=&quot;20300&quot; value=&quot;Slide 6&quot;/&gt;&lt;property id=&quot;20307&quot; value=&quot;381&quot;/&gt;&lt;/object&gt;&lt;object type=&quot;3&quot; unique_id=&quot;10883&quot;&gt;&lt;property id=&quot;20148&quot; value=&quot;5&quot;/&gt;&lt;property id=&quot;20300&quot; value=&quot;Slide 7&quot;/&gt;&lt;property id=&quot;20307&quot; value=&quot;382&quot;/&gt;&lt;/object&gt;&lt;object type=&quot;3&quot; unique_id=&quot;11042&quot;&gt;&lt;property id=&quot;20148&quot; value=&quot;5&quot;/&gt;&lt;property id=&quot;20300&quot; value=&quot;Slide 8&quot;/&gt;&lt;property id=&quot;20307&quot; value=&quot;383&quot;/&gt;&lt;/object&gt;&lt;object type=&quot;3&quot; unique_id=&quot;11235&quot;&gt;&lt;property id=&quot;20148&quot; value=&quot;5&quot;/&gt;&lt;property id=&quot;20300&quot; value=&quot;Slide 2&quot;/&gt;&lt;property id=&quot;20307&quot; value=&quot;384&quot;/&gt;&lt;/object&gt;&lt;object type=&quot;3&quot; unique_id=&quot;11276&quot;&gt;&lt;property id=&quot;20148&quot; value=&quot;5&quot;/&gt;&lt;property id=&quot;20300&quot; value=&quot;Slide 9&quot;/&gt;&lt;property id=&quot;20307&quot; value=&quot;385&quot;/&gt;&lt;/object&gt;&lt;object type=&quot;3&quot; unique_id=&quot;11348&quot;&gt;&lt;property id=&quot;20148&quot; value=&quot;5&quot;/&gt;&lt;property id=&quot;20300&quot; value=&quot;Slide 13 - &amp;quot;POISTETTU&amp;quot;&quot;/&gt;&lt;property id=&quot;20307&quot; value=&quot;387&quot;/&gt;&lt;/object&gt;&lt;object type=&quot;3&quot; unique_id=&quot;11349&quot;&gt;&lt;property id=&quot;20148&quot; value=&quot;5&quot;/&gt;&lt;property id=&quot;20300&quot; value=&quot;Slide 14&quot;/&gt;&lt;property id=&quot;20307&quot; value=&quot;386&quot;/&gt;&lt;/object&gt;&lt;/object&gt;&lt;object type=&quot;8&quot; unique_id=&quot;10014&quot;&gt;&lt;/object&gt;&lt;/object&gt;&lt;/database&gt;"/>
   <p:tag name="SECTOMILLISECCONVERTED" val="1"/>
 </p:tagLst>
 </file>

--- a/tehtavat/tiedostot/maol/power_point/Racket-MAOL-5-6-turtle2.pptx
+++ b/tehtavat/tiedostot/maol/power_point/Racket-MAOL-5-6-turtle2.pptx
@@ -6,28 +6,30 @@
     <p:sldMasterId id="2147483703" r:id="rId2"/>
   </p:sldMasterIdLst>
   <p:notesMasterIdLst>
-    <p:notesMasterId r:id="rId17"/>
+    <p:notesMasterId r:id="rId19"/>
   </p:notesMasterIdLst>
   <p:sldIdLst>
     <p:sldId id="374" r:id="rId3"/>
     <p:sldId id="384" r:id="rId4"/>
     <p:sldId id="378" r:id="rId5"/>
     <p:sldId id="379" r:id="rId6"/>
-    <p:sldId id="380" r:id="rId7"/>
-    <p:sldId id="381" r:id="rId8"/>
-    <p:sldId id="382" r:id="rId9"/>
-    <p:sldId id="383" r:id="rId10"/>
-    <p:sldId id="385" r:id="rId11"/>
-    <p:sldId id="377" r:id="rId12"/>
-    <p:sldId id="369" r:id="rId13"/>
-    <p:sldId id="372" r:id="rId14"/>
-    <p:sldId id="387" r:id="rId15"/>
-    <p:sldId id="386" r:id="rId16"/>
+    <p:sldId id="388" r:id="rId7"/>
+    <p:sldId id="380" r:id="rId8"/>
+    <p:sldId id="381" r:id="rId9"/>
+    <p:sldId id="382" r:id="rId10"/>
+    <p:sldId id="389" r:id="rId11"/>
+    <p:sldId id="383" r:id="rId12"/>
+    <p:sldId id="385" r:id="rId13"/>
+    <p:sldId id="377" r:id="rId14"/>
+    <p:sldId id="369" r:id="rId15"/>
+    <p:sldId id="372" r:id="rId16"/>
+    <p:sldId id="387" r:id="rId17"/>
+    <p:sldId id="386" r:id="rId18"/>
   </p:sldIdLst>
   <p:sldSz cx="9144000" cy="6858000" type="screen4x3"/>
   <p:notesSz cx="6858000" cy="9144000"/>
   <p:custDataLst>
-    <p:tags r:id="rId18"/>
+    <p:tags r:id="rId20"/>
   </p:custDataLst>
   <p:defaultTextStyle>
     <a:defPPr>
@@ -185,6 +187,10 @@
     </p:ext>
   </p:extLst>
 </p:presentation>
+</file>
+
+<file path=ppt/revisionInfo.xml><?xml version="1.0" encoding="utf-8"?>
+<p1510:revInfo xmlns:a="http://schemas.openxmlformats.org/drawingml/2006/main" xmlns:r="http://schemas.openxmlformats.org/officeDocument/2006/relationships" xmlns:p1510="http://schemas.microsoft.com/office/powerpoint/2015/10/main"/>
 </file>
 
 <file path=ppt/notesMasters/notesMaster1.xml><?xml version="1.0" encoding="utf-8"?>
@@ -8228,6 +8234,1523 @@
       </p:grpSpPr>
       <p:pic>
         <p:nvPicPr>
+          <p:cNvPr id="10" name="Picture 8" descr="https://avatars0.githubusercontent.com/u/232371?v=3&amp;s=400"/>
+          <p:cNvPicPr>
+            <a:picLocks noChangeAspect="1" noChangeArrowheads="1"/>
+          </p:cNvPicPr>
+          <p:nvPr/>
+        </p:nvPicPr>
+        <p:blipFill>
+          <a:blip r:embed="rId2" cstate="print">
+            <a:extLst>
+              <a:ext uri="{28A0092B-C50C-407E-A947-70E740481C1C}">
+                <a14:useLocalDpi xmlns:a14="http://schemas.microsoft.com/office/drawing/2010/main" val="0"/>
+              </a:ext>
+            </a:extLst>
+          </a:blip>
+          <a:srcRect/>
+          <a:stretch>
+            <a:fillRect/>
+          </a:stretch>
+        </p:blipFill>
+        <p:spPr bwMode="auto">
+          <a:xfrm>
+            <a:off x="285237" y="5229200"/>
+            <a:ext cx="1254667" cy="1254668"/>
+          </a:xfrm>
+          <a:prstGeom prst="rect">
+            <a:avLst/>
+          </a:prstGeom>
+          <a:noFill/>
+          <a:ln>
+            <a:noFill/>
+          </a:ln>
+          <a:extLst>
+            <a:ext uri="{909E8E84-426E-40DD-AFC4-6F175D3DCCD1}">
+              <a14:hiddenFill xmlns:a14="http://schemas.microsoft.com/office/drawing/2010/main">
+                <a:solidFill>
+                  <a:srgbClr val="FFFFFF"/>
+                </a:solidFill>
+              </a14:hiddenFill>
+            </a:ext>
+            <a:ext uri="{91240B29-F687-4F45-9708-019B960494DF}">
+              <a14:hiddenLine xmlns:a14="http://schemas.microsoft.com/office/drawing/2010/main" w="9525">
+                <a:solidFill>
+                  <a:srgbClr val="000000"/>
+                </a:solidFill>
+                <a:miter lim="800000"/>
+                <a:headEnd/>
+                <a:tailEnd/>
+              </a14:hiddenLine>
+            </a:ext>
+          </a:extLst>
+        </p:spPr>
+      </p:pic>
+      <p:sp>
+        <p:nvSpPr>
+          <p:cNvPr id="13" name="Suorakulmio 12"/>
+          <p:cNvSpPr/>
+          <p:nvPr/>
+        </p:nvSpPr>
+        <p:spPr bwMode="auto">
+          <a:xfrm>
+            <a:off x="5311958" y="240174"/>
+            <a:ext cx="3570371" cy="531170"/>
+          </a:xfrm>
+          <a:prstGeom prst="rect">
+            <a:avLst/>
+          </a:prstGeom>
+          <a:ln>
+            <a:headEnd type="none" w="med" len="med"/>
+            <a:tailEnd type="none" w="med" len="med"/>
+          </a:ln>
+          <a:scene3d>
+            <a:camera prst="orthographicFront"/>
+            <a:lightRig rig="threePt" dir="t"/>
+          </a:scene3d>
+          <a:sp3d>
+            <a:bevelT w="114300" prst="artDeco"/>
+          </a:sp3d>
+        </p:spPr>
+        <p:style>
+          <a:lnRef idx="2">
+            <a:schemeClr val="accent4"/>
+          </a:lnRef>
+          <a:fillRef idx="1">
+            <a:schemeClr val="lt1"/>
+          </a:fillRef>
+          <a:effectRef idx="0">
+            <a:schemeClr val="accent4"/>
+          </a:effectRef>
+          <a:fontRef idx="minor">
+            <a:schemeClr val="dk1"/>
+          </a:fontRef>
+        </p:style>
+        <p:txBody>
+          <a:bodyPr vert="horz" wrap="square" lIns="91440" tIns="45720" rIns="91440" bIns="45720" numCol="1" rtlCol="0" anchor="t" anchorCtr="0" compatLnSpc="1">
+            <a:prstTxWarp prst="textNoShape">
+              <a:avLst/>
+            </a:prstTxWarp>
+          </a:bodyPr>
+          <a:lstStyle/>
+          <a:p>
+            <a:pPr marL="0" marR="0" indent="0" algn="ctr" defTabSz="449263" rtl="0" eaLnBrk="1" fontAlgn="base" latinLnBrk="0" hangingPunct="1">
+              <a:lnSpc>
+                <a:spcPct val="100000"/>
+              </a:lnSpc>
+              <a:spcBef>
+                <a:spcPct val="0"/>
+              </a:spcBef>
+              <a:spcAft>
+                <a:spcPct val="0"/>
+              </a:spcAft>
+              <a:buClr>
+                <a:srgbClr val="000000"/>
+              </a:buClr>
+              <a:buSzPct val="100000"/>
+              <a:buFont typeface="Times New Roman" pitchFamily="16" charset="0"/>
+              <a:buNone/>
+              <a:tabLst/>
+            </a:pPr>
+            <a:r>
+              <a:rPr kumimoji="0" lang="fi-FI" sz="2400" b="0" i="0" u="none" strike="noStrike" cap="none" normalizeH="0" dirty="0">
+                <a:ln>
+                  <a:noFill/>
+                </a:ln>
+                <a:solidFill>
+                  <a:schemeClr val="tx2">
+                    <a:lumMod val="75000"/>
+                    <a:lumOff val="25000"/>
+                  </a:schemeClr>
+                </a:solidFill>
+                <a:effectLst/>
+                <a:latin typeface="Arial" charset="0"/>
+              </a:rPr>
+              <a:t>MÄÄRITTELYIKKUNA</a:t>
+            </a:r>
+            <a:endParaRPr kumimoji="0" lang="fi-FI" sz="1800" b="0" i="0" u="none" strike="noStrike" cap="none" normalizeH="0" dirty="0">
+              <a:ln>
+                <a:noFill/>
+              </a:ln>
+              <a:solidFill>
+                <a:schemeClr val="tx2">
+                  <a:lumMod val="75000"/>
+                  <a:lumOff val="25000"/>
+                </a:schemeClr>
+              </a:solidFill>
+              <a:effectLst/>
+              <a:latin typeface="Arial" charset="0"/>
+            </a:endParaRPr>
+          </a:p>
+          <a:p>
+            <a:pPr marL="0" marR="0" indent="0" algn="l" defTabSz="449263" rtl="0" eaLnBrk="1" fontAlgn="base" latinLnBrk="0" hangingPunct="1">
+              <a:lnSpc>
+                <a:spcPct val="100000"/>
+              </a:lnSpc>
+              <a:spcBef>
+                <a:spcPct val="0"/>
+              </a:spcBef>
+              <a:spcAft>
+                <a:spcPct val="0"/>
+              </a:spcAft>
+              <a:buClr>
+                <a:srgbClr val="000000"/>
+              </a:buClr>
+              <a:buSzPct val="100000"/>
+              <a:buFont typeface="Times New Roman" pitchFamily="16" charset="0"/>
+              <a:buNone/>
+              <a:tabLst/>
+            </a:pPr>
+            <a:endParaRPr kumimoji="0" lang="fi-FI" sz="1800" b="0" i="0" u="none" strike="noStrike" cap="none" normalizeH="0" dirty="0">
+              <a:ln>
+                <a:noFill/>
+              </a:ln>
+              <a:solidFill>
+                <a:schemeClr val="tx2">
+                  <a:lumMod val="75000"/>
+                  <a:lumOff val="25000"/>
+                </a:schemeClr>
+              </a:solidFill>
+              <a:effectLst/>
+              <a:latin typeface="Arial" charset="0"/>
+            </a:endParaRPr>
+          </a:p>
+        </p:txBody>
+      </p:sp>
+      <p:sp>
+        <p:nvSpPr>
+          <p:cNvPr id="44" name="Suorakulmio 43"/>
+          <p:cNvSpPr/>
+          <p:nvPr/>
+        </p:nvSpPr>
+        <p:spPr>
+          <a:xfrm>
+            <a:off x="-21763" y="1839026"/>
+            <a:ext cx="1074012" cy="338554"/>
+          </a:xfrm>
+          <a:prstGeom prst="rect">
+            <a:avLst/>
+          </a:prstGeom>
+          <a:solidFill>
+            <a:schemeClr val="accent2">
+              <a:lumMod val="75000"/>
+            </a:schemeClr>
+          </a:solidFill>
+        </p:spPr>
+        <p:txBody>
+          <a:bodyPr wrap="none">
+            <a:spAutoFit/>
+          </a:bodyPr>
+          <a:lstStyle/>
+          <a:p>
+            <a:r>
+              <a:rPr kumimoji="0" lang="fi-FI" sz="1600" b="0" i="0" u="none" strike="noStrike" cap="none" normalizeH="0" dirty="0">
+                <a:ln>
+                  <a:noFill/>
+                </a:ln>
+                <a:effectLst/>
+                <a:latin typeface="Arial" charset="0"/>
+              </a:rPr>
+              <a:t>Tehtävä </a:t>
+            </a:r>
+            <a:r>
+              <a:rPr lang="fi-FI" sz="1600" dirty="0">
+                <a:latin typeface="Arial" charset="0"/>
+              </a:rPr>
+              <a:t>3</a:t>
+            </a:r>
+            <a:endParaRPr lang="fi-FI" sz="1600" dirty="0"/>
+          </a:p>
+        </p:txBody>
+      </p:sp>
+      <p:pic>
+        <p:nvPicPr>
+          <p:cNvPr id="42" name="Kuva 41"/>
+          <p:cNvPicPr>
+            <a:picLocks noChangeAspect="1"/>
+          </p:cNvPicPr>
+          <p:nvPr/>
+        </p:nvPicPr>
+        <p:blipFill>
+          <a:blip r:embed="rId3">
+            <a:extLst>
+              <a:ext uri="{28A0092B-C50C-407E-A947-70E740481C1C}">
+                <a14:useLocalDpi xmlns:a14="http://schemas.microsoft.com/office/drawing/2010/main" val="0"/>
+              </a:ext>
+            </a:extLst>
+          </a:blip>
+          <a:stretch>
+            <a:fillRect/>
+          </a:stretch>
+        </p:blipFill>
+        <p:spPr>
+          <a:xfrm>
+            <a:off x="8068724" y="1183232"/>
+            <a:ext cx="1075276" cy="516133"/>
+          </a:xfrm>
+          <a:prstGeom prst="rect">
+            <a:avLst/>
+          </a:prstGeom>
+        </p:spPr>
+      </p:pic>
+      <p:sp>
+        <p:nvSpPr>
+          <p:cNvPr id="3" name="Alatunnisteen paikkamerkki 2"/>
+          <p:cNvSpPr>
+            <a:spLocks noGrp="1"/>
+          </p:cNvSpPr>
+          <p:nvPr>
+            <p:ph type="ftr" sz="quarter" idx="11"/>
+          </p:nvPr>
+        </p:nvSpPr>
+        <p:spPr>
+          <a:xfrm>
+            <a:off x="912571" y="5992512"/>
+            <a:ext cx="4870585" cy="365125"/>
+          </a:xfrm>
+        </p:spPr>
+        <p:txBody>
+          <a:bodyPr/>
+          <a:lstStyle/>
+          <a:p>
+            <a:pPr algn="r">
+              <a:defRPr/>
+            </a:pPr>
+            <a:r>
+              <a:rPr lang="fi-FI" dirty="0"/>
+              <a:t>MAOL Ohjelmointia matematiikkaan</a:t>
+            </a:r>
+            <a:endParaRPr lang="ru-RU" dirty="0"/>
+          </a:p>
+        </p:txBody>
+      </p:sp>
+      <p:sp>
+        <p:nvSpPr>
+          <p:cNvPr id="35" name="Suorakulmio 34"/>
+          <p:cNvSpPr/>
+          <p:nvPr/>
+        </p:nvSpPr>
+        <p:spPr>
+          <a:xfrm>
+            <a:off x="428520" y="760315"/>
+            <a:ext cx="8662726" cy="430887"/>
+          </a:xfrm>
+          <a:prstGeom prst="rect">
+            <a:avLst/>
+          </a:prstGeom>
+        </p:spPr>
+        <p:txBody>
+          <a:bodyPr wrap="square">
+            <a:spAutoFit/>
+          </a:bodyPr>
+          <a:lstStyle/>
+          <a:p>
+            <a:r>
+              <a:rPr lang="fi-FI" sz="2200" dirty="0">
+                <a:solidFill>
+                  <a:schemeClr val="tx1"/>
+                </a:solidFill>
+                <a:latin typeface="Arial" charset="0"/>
+              </a:rPr>
+              <a:t>Muokkaa tehtävän koodia     </a:t>
+            </a:r>
+            <a:r>
+              <a:rPr lang="fi-FI" sz="1600" i="1" dirty="0">
+                <a:solidFill>
+                  <a:schemeClr val="tx1"/>
+                </a:solidFill>
+                <a:latin typeface="Arial" charset="0"/>
+              </a:rPr>
+              <a:t>(vinkki: go-to, mirror-x-on, mirror-y-on, change-color)</a:t>
+            </a:r>
+            <a:endParaRPr lang="fi-FI" sz="1600" i="1" dirty="0">
+              <a:solidFill>
+                <a:schemeClr val="tx1"/>
+              </a:solidFill>
+            </a:endParaRPr>
+          </a:p>
+        </p:txBody>
+      </p:sp>
+      <p:sp>
+        <p:nvSpPr>
+          <p:cNvPr id="38" name="Suorakulmio 46"/>
+          <p:cNvSpPr/>
+          <p:nvPr/>
+        </p:nvSpPr>
+        <p:spPr>
+          <a:xfrm>
+            <a:off x="1253426" y="1738146"/>
+            <a:ext cx="7062990" cy="769441"/>
+          </a:xfrm>
+          <a:prstGeom prst="rect">
+            <a:avLst/>
+          </a:prstGeom>
+          <a:noFill/>
+        </p:spPr>
+        <p:txBody>
+          <a:bodyPr wrap="square">
+            <a:spAutoFit/>
+          </a:bodyPr>
+          <a:lstStyle/>
+          <a:p>
+            <a:r>
+              <a:rPr lang="fi-FI" sz="2200" dirty="0">
+                <a:solidFill>
+                  <a:schemeClr val="tx1"/>
+                </a:solidFill>
+                <a:latin typeface="Arial" charset="0"/>
+              </a:rPr>
+              <a:t>Piirrä peilauksen avulla oheiset kuviot</a:t>
+            </a:r>
+          </a:p>
+          <a:p>
+            <a:r>
+              <a:rPr kumimoji="0" lang="fi-FI" sz="2200" b="0" i="0" u="none" strike="noStrike" cap="none" normalizeH="0" dirty="0">
+                <a:ln>
+                  <a:noFill/>
+                </a:ln>
+                <a:solidFill>
+                  <a:schemeClr val="tx1"/>
+                </a:solidFill>
+                <a:effectLst/>
+                <a:latin typeface="Arial" charset="0"/>
+              </a:rPr>
+              <a:t>a)                                  b)                         </a:t>
+            </a:r>
+          </a:p>
+        </p:txBody>
+      </p:sp>
+      <p:pic>
+        <p:nvPicPr>
+          <p:cNvPr id="61" name="Picture 2" descr="WeScheme Logo"/>
+          <p:cNvPicPr>
+            <a:picLocks noChangeAspect="1" noChangeArrowheads="1"/>
+          </p:cNvPicPr>
+          <p:nvPr/>
+        </p:nvPicPr>
+        <p:blipFill>
+          <a:blip r:embed="rId4" cstate="print">
+            <a:extLst>
+              <a:ext uri="{28A0092B-C50C-407E-A947-70E740481C1C}">
+                <a14:useLocalDpi xmlns:a14="http://schemas.microsoft.com/office/drawing/2010/main" val="0"/>
+              </a:ext>
+            </a:extLst>
+          </a:blip>
+          <a:srcRect/>
+          <a:stretch>
+            <a:fillRect/>
+          </a:stretch>
+        </p:blipFill>
+        <p:spPr bwMode="auto">
+          <a:xfrm>
+            <a:off x="7386526" y="5125415"/>
+            <a:ext cx="1495802" cy="1383832"/>
+          </a:xfrm>
+          <a:prstGeom prst="rect">
+            <a:avLst/>
+          </a:prstGeom>
+          <a:noFill/>
+          <a:ln>
+            <a:noFill/>
+          </a:ln>
+          <a:effectLst>
+            <a:outerShdw blurRad="50800" dist="38100" dir="5400000" algn="t" rotWithShape="0">
+              <a:prstClr val="black">
+                <a:alpha val="40000"/>
+              </a:prstClr>
+            </a:outerShdw>
+          </a:effectLst>
+          <a:extLst>
+            <a:ext uri="{909E8E84-426E-40DD-AFC4-6F175D3DCCD1}">
+              <a14:hiddenFill xmlns:a14="http://schemas.microsoft.com/office/drawing/2010/main">
+                <a:solidFill>
+                  <a:srgbClr val="FFFFFF"/>
+                </a:solidFill>
+              </a14:hiddenFill>
+            </a:ext>
+            <a:ext uri="{91240B29-F687-4F45-9708-019B960494DF}">
+              <a14:hiddenLine xmlns:a14="http://schemas.microsoft.com/office/drawing/2010/main" w="9525">
+                <a:solidFill>
+                  <a:srgbClr val="000000"/>
+                </a:solidFill>
+                <a:miter lim="800000"/>
+                <a:headEnd/>
+                <a:tailEnd/>
+              </a14:hiddenLine>
+            </a:ext>
+          </a:extLst>
+        </p:spPr>
+      </p:pic>
+      <p:sp>
+        <p:nvSpPr>
+          <p:cNvPr id="16" name="Suorakulmio 42"/>
+          <p:cNvSpPr/>
+          <p:nvPr/>
+        </p:nvSpPr>
+        <p:spPr>
+          <a:xfrm>
+            <a:off x="0" y="4137814"/>
+            <a:ext cx="1074012" cy="338554"/>
+          </a:xfrm>
+          <a:prstGeom prst="rect">
+            <a:avLst/>
+          </a:prstGeom>
+          <a:solidFill>
+            <a:schemeClr val="accent2">
+              <a:lumMod val="75000"/>
+            </a:schemeClr>
+          </a:solidFill>
+        </p:spPr>
+        <p:txBody>
+          <a:bodyPr wrap="none">
+            <a:spAutoFit/>
+          </a:bodyPr>
+          <a:lstStyle/>
+          <a:p>
+            <a:r>
+              <a:rPr kumimoji="0" lang="fi-FI" sz="1600" b="0" i="0" u="none" strike="noStrike" cap="none" normalizeH="0" dirty="0">
+                <a:ln>
+                  <a:noFill/>
+                </a:ln>
+                <a:effectLst/>
+                <a:latin typeface="Arial" charset="0"/>
+              </a:rPr>
+              <a:t>Tehtävä </a:t>
+            </a:r>
+            <a:r>
+              <a:rPr lang="fi-FI" sz="1600" dirty="0">
+                <a:latin typeface="Arial" charset="0"/>
+              </a:rPr>
+              <a:t>4</a:t>
+            </a:r>
+            <a:endParaRPr lang="fi-FI" sz="1600" dirty="0"/>
+          </a:p>
+        </p:txBody>
+      </p:sp>
+      <p:sp>
+        <p:nvSpPr>
+          <p:cNvPr id="17" name="Suorakulmio 46"/>
+          <p:cNvSpPr/>
+          <p:nvPr/>
+        </p:nvSpPr>
+        <p:spPr>
+          <a:xfrm>
+            <a:off x="1253425" y="4104078"/>
+            <a:ext cx="7628903" cy="769441"/>
+          </a:xfrm>
+          <a:prstGeom prst="rect">
+            <a:avLst/>
+          </a:prstGeom>
+          <a:noFill/>
+        </p:spPr>
+        <p:txBody>
+          <a:bodyPr wrap="square">
+            <a:spAutoFit/>
+          </a:bodyPr>
+          <a:lstStyle/>
+          <a:p>
+            <a:r>
+              <a:rPr lang="fi-FI" sz="2200" dirty="0">
+                <a:solidFill>
+                  <a:schemeClr val="tx1"/>
+                </a:solidFill>
+                <a:latin typeface="Arial" charset="0"/>
+              </a:rPr>
+              <a:t>Peilaa Turtlen avulla omat nimikirjaimesi sekä x- että y-akselin suunnassa. Piirrä nimikirjaimet ensin ruutupaperille.</a:t>
+            </a:r>
+          </a:p>
+        </p:txBody>
+      </p:sp>
+      <p:pic>
+        <p:nvPicPr>
+          <p:cNvPr id="2" name="Picture 1"/>
+          <p:cNvPicPr>
+            <a:picLocks noChangeAspect="1"/>
+          </p:cNvPicPr>
+          <p:nvPr/>
+        </p:nvPicPr>
+        <p:blipFill>
+          <a:blip r:embed="rId5"/>
+          <a:stretch>
+            <a:fillRect/>
+          </a:stretch>
+        </p:blipFill>
+        <p:spPr>
+          <a:xfrm>
+            <a:off x="1634052" y="2119363"/>
+            <a:ext cx="1990725" cy="1962150"/>
+          </a:xfrm>
+          <a:prstGeom prst="rect">
+            <a:avLst/>
+          </a:prstGeom>
+        </p:spPr>
+      </p:pic>
+      <p:pic>
+        <p:nvPicPr>
+          <p:cNvPr id="4" name="Picture 3"/>
+          <p:cNvPicPr>
+            <a:picLocks noChangeAspect="1"/>
+          </p:cNvPicPr>
+          <p:nvPr/>
+        </p:nvPicPr>
+        <p:blipFill>
+          <a:blip r:embed="rId6"/>
+          <a:stretch>
+            <a:fillRect/>
+          </a:stretch>
+        </p:blipFill>
+        <p:spPr>
+          <a:xfrm>
+            <a:off x="4583013" y="2199339"/>
+            <a:ext cx="1791841" cy="1802198"/>
+          </a:xfrm>
+          <a:prstGeom prst="rect">
+            <a:avLst/>
+          </a:prstGeom>
+        </p:spPr>
+      </p:pic>
+      <p:pic>
+        <p:nvPicPr>
+          <p:cNvPr id="6" name="Picture 5"/>
+          <p:cNvPicPr>
+            <a:picLocks noChangeAspect="1"/>
+          </p:cNvPicPr>
+          <p:nvPr/>
+        </p:nvPicPr>
+        <p:blipFill>
+          <a:blip r:embed="rId7"/>
+          <a:stretch>
+            <a:fillRect/>
+          </a:stretch>
+        </p:blipFill>
+        <p:spPr>
+          <a:xfrm>
+            <a:off x="3624777" y="4926333"/>
+            <a:ext cx="1764603" cy="1066179"/>
+          </a:xfrm>
+          <a:prstGeom prst="rect">
+            <a:avLst/>
+          </a:prstGeom>
+        </p:spPr>
+      </p:pic>
+    </p:spTree>
+    <p:extLst>
+      <p:ext uri="{BB962C8B-B14F-4D97-AF65-F5344CB8AC3E}">
+        <p14:creationId xmlns:p14="http://schemas.microsoft.com/office/powerpoint/2010/main" val="431621110"/>
+      </p:ext>
+    </p:extLst>
+  </p:cSld>
+  <p:clrMapOvr>
+    <a:masterClrMapping/>
+  </p:clrMapOvr>
+</p:sld>
+</file>
+
+<file path=ppt/slides/slide11.xml><?xml version="1.0" encoding="utf-8"?>
+<p:sld xmlns:a="http://schemas.openxmlformats.org/drawingml/2006/main" xmlns:r="http://schemas.openxmlformats.org/officeDocument/2006/relationships" xmlns:p="http://schemas.openxmlformats.org/presentationml/2006/main">
+  <p:cSld>
+    <p:spTree>
+      <p:nvGrpSpPr>
+        <p:cNvPr id="1" name=""/>
+        <p:cNvGrpSpPr/>
+        <p:nvPr/>
+      </p:nvGrpSpPr>
+      <p:grpSpPr>
+        <a:xfrm>
+          <a:off x="0" y="0"/>
+          <a:ext cx="0" cy="0"/>
+          <a:chOff x="0" y="0"/>
+          <a:chExt cx="0" cy="0"/>
+        </a:xfrm>
+      </p:grpSpPr>
+      <p:pic>
+        <p:nvPicPr>
+          <p:cNvPr id="2" name="Picture 1"/>
+          <p:cNvPicPr>
+            <a:picLocks noChangeAspect="1"/>
+          </p:cNvPicPr>
+          <p:nvPr/>
+        </p:nvPicPr>
+        <p:blipFill>
+          <a:blip r:embed="rId2"/>
+          <a:stretch>
+            <a:fillRect/>
+          </a:stretch>
+        </p:blipFill>
+        <p:spPr>
+          <a:xfrm>
+            <a:off x="3358106" y="1140385"/>
+            <a:ext cx="2579437" cy="4788320"/>
+          </a:xfrm>
+          <a:prstGeom prst="rect">
+            <a:avLst/>
+          </a:prstGeom>
+        </p:spPr>
+      </p:pic>
+      <p:pic>
+        <p:nvPicPr>
+          <p:cNvPr id="3" name="Picture 8" descr="https://avatars0.githubusercontent.com/u/232371?v=3&amp;s=400"/>
+          <p:cNvPicPr>
+            <a:picLocks noChangeAspect="1" noChangeArrowheads="1"/>
+          </p:cNvPicPr>
+          <p:nvPr/>
+        </p:nvPicPr>
+        <p:blipFill>
+          <a:blip r:embed="rId3" cstate="print">
+            <a:extLst>
+              <a:ext uri="{28A0092B-C50C-407E-A947-70E740481C1C}">
+                <a14:useLocalDpi xmlns:a14="http://schemas.microsoft.com/office/drawing/2010/main" val="0"/>
+              </a:ext>
+            </a:extLst>
+          </a:blip>
+          <a:srcRect/>
+          <a:stretch>
+            <a:fillRect/>
+          </a:stretch>
+        </p:blipFill>
+        <p:spPr bwMode="auto">
+          <a:xfrm>
+            <a:off x="304089" y="5275663"/>
+            <a:ext cx="1254667" cy="1254668"/>
+          </a:xfrm>
+          <a:prstGeom prst="rect">
+            <a:avLst/>
+          </a:prstGeom>
+          <a:noFill/>
+          <a:ln>
+            <a:noFill/>
+          </a:ln>
+          <a:extLst>
+            <a:ext uri="{909E8E84-426E-40DD-AFC4-6F175D3DCCD1}">
+              <a14:hiddenFill xmlns:a14="http://schemas.microsoft.com/office/drawing/2010/main">
+                <a:solidFill>
+                  <a:srgbClr val="FFFFFF"/>
+                </a:solidFill>
+              </a14:hiddenFill>
+            </a:ext>
+            <a:ext uri="{91240B29-F687-4F45-9708-019B960494DF}">
+              <a14:hiddenLine xmlns:a14="http://schemas.microsoft.com/office/drawing/2010/main" w="9525">
+                <a:solidFill>
+                  <a:srgbClr val="000000"/>
+                </a:solidFill>
+                <a:miter lim="800000"/>
+                <a:headEnd/>
+                <a:tailEnd/>
+              </a14:hiddenLine>
+            </a:ext>
+          </a:extLst>
+        </p:spPr>
+      </p:pic>
+      <p:sp>
+        <p:nvSpPr>
+          <p:cNvPr id="10" name="Otsikko 1"/>
+          <p:cNvSpPr txBox="1">
+            <a:spLocks/>
+          </p:cNvSpPr>
+          <p:nvPr/>
+        </p:nvSpPr>
+        <p:spPr bwMode="auto">
+          <a:xfrm>
+            <a:off x="395536" y="976258"/>
+            <a:ext cx="5947000" cy="599694"/>
+          </a:xfrm>
+          <a:prstGeom prst="rect">
+            <a:avLst/>
+          </a:prstGeom>
+          <a:noFill/>
+          <a:ln>
+            <a:noFill/>
+          </a:ln>
+          <a:extLst>
+            <a:ext uri="{909E8E84-426E-40DD-AFC4-6F175D3DCCD1}">
+              <a14:hiddenFill xmlns:a14="http://schemas.microsoft.com/office/drawing/2010/main">
+                <a:solidFill>
+                  <a:srgbClr val="FFFFFF"/>
+                </a:solidFill>
+              </a14:hiddenFill>
+            </a:ext>
+            <a:ext uri="{91240B29-F687-4F45-9708-019B960494DF}">
+              <a14:hiddenLine xmlns:a14="http://schemas.microsoft.com/office/drawing/2010/main" w="9525">
+                <a:solidFill>
+                  <a:srgbClr val="000000"/>
+                </a:solidFill>
+                <a:round/>
+                <a:headEnd/>
+                <a:tailEnd/>
+              </a14:hiddenLine>
+            </a:ext>
+          </a:extLst>
+        </p:spPr>
+        <p:txBody>
+          <a:bodyPr vert="horz" wrap="square" lIns="90000" tIns="46800" rIns="90000" bIns="46800" numCol="1" anchor="ctr" anchorCtr="0" compatLnSpc="1">
+            <a:prstTxWarp prst="textNoShape">
+              <a:avLst/>
+            </a:prstTxWarp>
+          </a:bodyPr>
+          <a:lstStyle>
+            <a:lvl1pPr algn="ctr" defTabSz="449263" rtl="0" eaLnBrk="0" fontAlgn="base" hangingPunct="0">
+              <a:spcBef>
+                <a:spcPct val="0"/>
+              </a:spcBef>
+              <a:spcAft>
+                <a:spcPct val="0"/>
+              </a:spcAft>
+              <a:buClr>
+                <a:srgbClr val="000000"/>
+              </a:buClr>
+              <a:buSzPct val="100000"/>
+              <a:buFont typeface="Times New Roman" panose="02020603050405020304" pitchFamily="18" charset="0"/>
+              <a:defRPr sz="4400">
+                <a:solidFill>
+                  <a:srgbClr val="000000"/>
+                </a:solidFill>
+                <a:latin typeface="+mj-lt"/>
+                <a:ea typeface="+mj-ea"/>
+                <a:cs typeface="+mj-cs"/>
+              </a:defRPr>
+            </a:lvl1pPr>
+            <a:lvl2pPr algn="ctr" defTabSz="449263" rtl="0" eaLnBrk="0" fontAlgn="base" hangingPunct="0">
+              <a:spcBef>
+                <a:spcPct val="0"/>
+              </a:spcBef>
+              <a:spcAft>
+                <a:spcPct val="0"/>
+              </a:spcAft>
+              <a:buClr>
+                <a:srgbClr val="000000"/>
+              </a:buClr>
+              <a:buSzPct val="100000"/>
+              <a:buFont typeface="Times New Roman" panose="02020603050405020304" pitchFamily="18" charset="0"/>
+              <a:defRPr sz="4400">
+                <a:solidFill>
+                  <a:srgbClr val="000000"/>
+                </a:solidFill>
+                <a:latin typeface="Arial" charset="0"/>
+                <a:ea typeface="AR PL Mingti2L Big5" charset="0"/>
+                <a:cs typeface="AR PL Mingti2L Big5" charset="0"/>
+              </a:defRPr>
+            </a:lvl2pPr>
+            <a:lvl3pPr algn="ctr" defTabSz="449263" rtl="0" eaLnBrk="0" fontAlgn="base" hangingPunct="0">
+              <a:spcBef>
+                <a:spcPct val="0"/>
+              </a:spcBef>
+              <a:spcAft>
+                <a:spcPct val="0"/>
+              </a:spcAft>
+              <a:buClr>
+                <a:srgbClr val="000000"/>
+              </a:buClr>
+              <a:buSzPct val="100000"/>
+              <a:buFont typeface="Times New Roman" panose="02020603050405020304" pitchFamily="18" charset="0"/>
+              <a:defRPr sz="4400">
+                <a:solidFill>
+                  <a:srgbClr val="000000"/>
+                </a:solidFill>
+                <a:latin typeface="Arial" charset="0"/>
+                <a:ea typeface="AR PL Mingti2L Big5" charset="0"/>
+                <a:cs typeface="AR PL Mingti2L Big5" charset="0"/>
+              </a:defRPr>
+            </a:lvl3pPr>
+            <a:lvl4pPr algn="ctr" defTabSz="449263" rtl="0" eaLnBrk="0" fontAlgn="base" hangingPunct="0">
+              <a:spcBef>
+                <a:spcPct val="0"/>
+              </a:spcBef>
+              <a:spcAft>
+                <a:spcPct val="0"/>
+              </a:spcAft>
+              <a:buClr>
+                <a:srgbClr val="000000"/>
+              </a:buClr>
+              <a:buSzPct val="100000"/>
+              <a:buFont typeface="Times New Roman" panose="02020603050405020304" pitchFamily="18" charset="0"/>
+              <a:defRPr sz="4400">
+                <a:solidFill>
+                  <a:srgbClr val="000000"/>
+                </a:solidFill>
+                <a:latin typeface="Arial" charset="0"/>
+                <a:ea typeface="AR PL Mingti2L Big5" charset="0"/>
+                <a:cs typeface="AR PL Mingti2L Big5" charset="0"/>
+              </a:defRPr>
+            </a:lvl4pPr>
+            <a:lvl5pPr algn="ctr" defTabSz="449263" rtl="0" eaLnBrk="0" fontAlgn="base" hangingPunct="0">
+              <a:spcBef>
+                <a:spcPct val="0"/>
+              </a:spcBef>
+              <a:spcAft>
+                <a:spcPct val="0"/>
+              </a:spcAft>
+              <a:buClr>
+                <a:srgbClr val="000000"/>
+              </a:buClr>
+              <a:buSzPct val="100000"/>
+              <a:buFont typeface="Times New Roman" panose="02020603050405020304" pitchFamily="18" charset="0"/>
+              <a:defRPr sz="4400">
+                <a:solidFill>
+                  <a:srgbClr val="000000"/>
+                </a:solidFill>
+                <a:latin typeface="Arial" charset="0"/>
+                <a:ea typeface="AR PL Mingti2L Big5" charset="0"/>
+                <a:cs typeface="AR PL Mingti2L Big5" charset="0"/>
+              </a:defRPr>
+            </a:lvl5pPr>
+            <a:lvl6pPr marL="2514600" indent="-228600" algn="ctr" defTabSz="449263" rtl="0" fontAlgn="base">
+              <a:spcBef>
+                <a:spcPct val="0"/>
+              </a:spcBef>
+              <a:spcAft>
+                <a:spcPct val="0"/>
+              </a:spcAft>
+              <a:buClr>
+                <a:srgbClr val="000000"/>
+              </a:buClr>
+              <a:buSzPct val="100000"/>
+              <a:buFont typeface="Times New Roman" pitchFamily="16" charset="0"/>
+              <a:defRPr sz="4400">
+                <a:solidFill>
+                  <a:srgbClr val="000000"/>
+                </a:solidFill>
+                <a:latin typeface="Arial" charset="0"/>
+                <a:ea typeface="AR PL Mingti2L Big5" charset="0"/>
+                <a:cs typeface="AR PL Mingti2L Big5" charset="0"/>
+              </a:defRPr>
+            </a:lvl6pPr>
+            <a:lvl7pPr marL="2971800" indent="-228600" algn="ctr" defTabSz="449263" rtl="0" fontAlgn="base">
+              <a:spcBef>
+                <a:spcPct val="0"/>
+              </a:spcBef>
+              <a:spcAft>
+                <a:spcPct val="0"/>
+              </a:spcAft>
+              <a:buClr>
+                <a:srgbClr val="000000"/>
+              </a:buClr>
+              <a:buSzPct val="100000"/>
+              <a:buFont typeface="Times New Roman" pitchFamily="16" charset="0"/>
+              <a:defRPr sz="4400">
+                <a:solidFill>
+                  <a:srgbClr val="000000"/>
+                </a:solidFill>
+                <a:latin typeface="Arial" charset="0"/>
+                <a:ea typeface="AR PL Mingti2L Big5" charset="0"/>
+                <a:cs typeface="AR PL Mingti2L Big5" charset="0"/>
+              </a:defRPr>
+            </a:lvl7pPr>
+            <a:lvl8pPr marL="3429000" indent="-228600" algn="ctr" defTabSz="449263" rtl="0" fontAlgn="base">
+              <a:spcBef>
+                <a:spcPct val="0"/>
+              </a:spcBef>
+              <a:spcAft>
+                <a:spcPct val="0"/>
+              </a:spcAft>
+              <a:buClr>
+                <a:srgbClr val="000000"/>
+              </a:buClr>
+              <a:buSzPct val="100000"/>
+              <a:buFont typeface="Times New Roman" pitchFamily="16" charset="0"/>
+              <a:defRPr sz="4400">
+                <a:solidFill>
+                  <a:srgbClr val="000000"/>
+                </a:solidFill>
+                <a:latin typeface="Arial" charset="0"/>
+                <a:ea typeface="AR PL Mingti2L Big5" charset="0"/>
+                <a:cs typeface="AR PL Mingti2L Big5" charset="0"/>
+              </a:defRPr>
+            </a:lvl8pPr>
+            <a:lvl9pPr marL="3886200" indent="-228600" algn="ctr" defTabSz="449263" rtl="0" fontAlgn="base">
+              <a:spcBef>
+                <a:spcPct val="0"/>
+              </a:spcBef>
+              <a:spcAft>
+                <a:spcPct val="0"/>
+              </a:spcAft>
+              <a:buClr>
+                <a:srgbClr val="000000"/>
+              </a:buClr>
+              <a:buSzPct val="100000"/>
+              <a:buFont typeface="Times New Roman" pitchFamily="16" charset="0"/>
+              <a:defRPr sz="4400">
+                <a:solidFill>
+                  <a:srgbClr val="000000"/>
+                </a:solidFill>
+                <a:latin typeface="Arial" charset="0"/>
+                <a:ea typeface="AR PL Mingti2L Big5" charset="0"/>
+                <a:cs typeface="AR PL Mingti2L Big5" charset="0"/>
+              </a:defRPr>
+            </a:lvl9pPr>
+          </a:lstStyle>
+          <a:p>
+            <a:pPr algn="l"/>
+            <a:r>
+              <a:rPr lang="fi-FI" altLang="fi-FI" sz="4000" b="1" kern="0" dirty="0">
+                <a:solidFill>
+                  <a:schemeClr val="accent6">
+                    <a:lumMod val="75000"/>
+                  </a:schemeClr>
+                </a:solidFill>
+              </a:rPr>
+              <a:t>Turtle </a:t>
+            </a:r>
+          </a:p>
+          <a:p>
+            <a:pPr algn="l"/>
+            <a:r>
+              <a:rPr lang="fi-FI" altLang="fi-FI" sz="4000" b="1" kern="0" dirty="0">
+                <a:solidFill>
+                  <a:schemeClr val="accent6">
+                    <a:lumMod val="75000"/>
+                  </a:schemeClr>
+                </a:solidFill>
+              </a:rPr>
+              <a:t>kartalla</a:t>
+            </a:r>
+          </a:p>
+        </p:txBody>
+      </p:sp>
+      <p:sp>
+        <p:nvSpPr>
+          <p:cNvPr id="17" name="Alatunnisteen paikkamerkki 16"/>
+          <p:cNvSpPr>
+            <a:spLocks noGrp="1"/>
+          </p:cNvSpPr>
+          <p:nvPr>
+            <p:ph type="ftr" sz="quarter" idx="11"/>
+          </p:nvPr>
+        </p:nvSpPr>
+        <p:spPr/>
+        <p:txBody>
+          <a:bodyPr/>
+          <a:lstStyle/>
+          <a:p>
+            <a:pPr algn="r">
+              <a:defRPr/>
+            </a:pPr>
+            <a:r>
+              <a:rPr lang="fi-FI" dirty="0"/>
+              <a:t>MAOL Ohjelmointia matematiikkaan</a:t>
+            </a:r>
+            <a:endParaRPr lang="ru-RU" dirty="0"/>
+          </a:p>
+        </p:txBody>
+      </p:sp>
+      <p:pic>
+        <p:nvPicPr>
+          <p:cNvPr id="33" name="Picture 2" descr="WeScheme Logo"/>
+          <p:cNvPicPr>
+            <a:picLocks noChangeAspect="1" noChangeArrowheads="1"/>
+          </p:cNvPicPr>
+          <p:nvPr/>
+        </p:nvPicPr>
+        <p:blipFill>
+          <a:blip r:embed="rId4" cstate="print">
+            <a:extLst>
+              <a:ext uri="{28A0092B-C50C-407E-A947-70E740481C1C}">
+                <a14:useLocalDpi xmlns:a14="http://schemas.microsoft.com/office/drawing/2010/main" val="0"/>
+              </a:ext>
+            </a:extLst>
+          </a:blip>
+          <a:srcRect/>
+          <a:stretch>
+            <a:fillRect/>
+          </a:stretch>
+        </p:blipFill>
+        <p:spPr bwMode="auto">
+          <a:xfrm>
+            <a:off x="7430064" y="5255870"/>
+            <a:ext cx="1495802" cy="1383832"/>
+          </a:xfrm>
+          <a:prstGeom prst="rect">
+            <a:avLst/>
+          </a:prstGeom>
+          <a:noFill/>
+          <a:ln>
+            <a:noFill/>
+          </a:ln>
+          <a:effectLst>
+            <a:outerShdw blurRad="50800" dist="38100" dir="5400000" algn="t" rotWithShape="0">
+              <a:prstClr val="black">
+                <a:alpha val="40000"/>
+              </a:prstClr>
+            </a:outerShdw>
+          </a:effectLst>
+          <a:extLst>
+            <a:ext uri="{909E8E84-426E-40DD-AFC4-6F175D3DCCD1}">
+              <a14:hiddenFill xmlns:a14="http://schemas.microsoft.com/office/drawing/2010/main">
+                <a:solidFill>
+                  <a:srgbClr val="FFFFFF"/>
+                </a:solidFill>
+              </a14:hiddenFill>
+            </a:ext>
+            <a:ext uri="{91240B29-F687-4F45-9708-019B960494DF}">
+              <a14:hiddenLine xmlns:a14="http://schemas.microsoft.com/office/drawing/2010/main" w="9525">
+                <a:solidFill>
+                  <a:srgbClr val="000000"/>
+                </a:solidFill>
+                <a:miter lim="800000"/>
+                <a:headEnd/>
+                <a:tailEnd/>
+              </a14:hiddenLine>
+            </a:ext>
+          </a:extLst>
+        </p:spPr>
+      </p:pic>
+      <p:cxnSp>
+        <p:nvCxnSpPr>
+          <p:cNvPr id="13" name="Straight Arrow Connector 12"/>
+          <p:cNvCxnSpPr/>
+          <p:nvPr/>
+        </p:nvCxnSpPr>
+        <p:spPr>
+          <a:xfrm flipH="1">
+            <a:off x="3370220" y="692696"/>
+            <a:ext cx="19106" cy="5217241"/>
+          </a:xfrm>
+          <a:prstGeom prst="straightConnector1">
+            <a:avLst/>
+          </a:prstGeom>
+          <a:ln w="38100">
+            <a:solidFill>
+              <a:schemeClr val="tx1"/>
+            </a:solidFill>
+            <a:headEnd type="triangle" w="med" len="med"/>
+            <a:tailEnd type="none" w="med" len="med"/>
+          </a:ln>
+        </p:spPr>
+        <p:style>
+          <a:lnRef idx="1">
+            <a:schemeClr val="accent1"/>
+          </a:lnRef>
+          <a:fillRef idx="0">
+            <a:schemeClr val="accent1"/>
+          </a:fillRef>
+          <a:effectRef idx="0">
+            <a:schemeClr val="accent1"/>
+          </a:effectRef>
+          <a:fontRef idx="minor">
+            <a:schemeClr val="tx1"/>
+          </a:fontRef>
+        </p:style>
+      </p:cxnSp>
+      <p:sp>
+        <p:nvSpPr>
+          <p:cNvPr id="18" name="TextBox 17"/>
+          <p:cNvSpPr txBox="1"/>
+          <p:nvPr/>
+        </p:nvSpPr>
+        <p:spPr>
+          <a:xfrm>
+            <a:off x="3016106" y="748014"/>
+            <a:ext cx="300082" cy="369332"/>
+          </a:xfrm>
+          <a:prstGeom prst="rect">
+            <a:avLst/>
+          </a:prstGeom>
+          <a:noFill/>
+        </p:spPr>
+        <p:txBody>
+          <a:bodyPr wrap="none" rtlCol="0">
+            <a:spAutoFit/>
+          </a:bodyPr>
+          <a:lstStyle/>
+          <a:p>
+            <a:r>
+              <a:rPr lang="fi-FI" dirty="0">
+                <a:solidFill>
+                  <a:schemeClr val="tx1"/>
+                </a:solidFill>
+              </a:rPr>
+              <a:t>y</a:t>
+            </a:r>
+          </a:p>
+        </p:txBody>
+      </p:sp>
+      <p:sp>
+        <p:nvSpPr>
+          <p:cNvPr id="35" name="TextBox 34"/>
+          <p:cNvSpPr txBox="1"/>
+          <p:nvPr/>
+        </p:nvSpPr>
+        <p:spPr>
+          <a:xfrm>
+            <a:off x="5600275" y="5884503"/>
+            <a:ext cx="300082" cy="369332"/>
+          </a:xfrm>
+          <a:prstGeom prst="rect">
+            <a:avLst/>
+          </a:prstGeom>
+          <a:noFill/>
+        </p:spPr>
+        <p:txBody>
+          <a:bodyPr wrap="none" rtlCol="0">
+            <a:spAutoFit/>
+          </a:bodyPr>
+          <a:lstStyle/>
+          <a:p>
+            <a:r>
+              <a:rPr lang="fi-FI" dirty="0">
+                <a:solidFill>
+                  <a:schemeClr val="tx1"/>
+                </a:solidFill>
+              </a:rPr>
+              <a:t>x</a:t>
+            </a:r>
+          </a:p>
+        </p:txBody>
+      </p:sp>
+      <p:cxnSp>
+        <p:nvCxnSpPr>
+          <p:cNvPr id="23" name="Straight Arrow Connector 22"/>
+          <p:cNvCxnSpPr/>
+          <p:nvPr/>
+        </p:nvCxnSpPr>
+        <p:spPr>
+          <a:xfrm flipH="1">
+            <a:off x="3389326" y="5902997"/>
+            <a:ext cx="2836075" cy="6940"/>
+          </a:xfrm>
+          <a:prstGeom prst="straightConnector1">
+            <a:avLst/>
+          </a:prstGeom>
+          <a:ln w="38100">
+            <a:solidFill>
+              <a:schemeClr val="tx1"/>
+            </a:solidFill>
+            <a:headEnd type="triangle" w="med" len="med"/>
+            <a:tailEnd type="none" w="med" len="med"/>
+          </a:ln>
+        </p:spPr>
+        <p:style>
+          <a:lnRef idx="1">
+            <a:schemeClr val="accent1"/>
+          </a:lnRef>
+          <a:fillRef idx="0">
+            <a:schemeClr val="accent1"/>
+          </a:fillRef>
+          <a:effectRef idx="0">
+            <a:schemeClr val="accent1"/>
+          </a:effectRef>
+          <a:fontRef idx="minor">
+            <a:schemeClr val="tx1"/>
+          </a:fontRef>
+        </p:style>
+      </p:cxnSp>
+      <p:cxnSp>
+        <p:nvCxnSpPr>
+          <p:cNvPr id="24" name="Straight Arrow Connector 23"/>
+          <p:cNvCxnSpPr/>
+          <p:nvPr/>
+        </p:nvCxnSpPr>
+        <p:spPr>
+          <a:xfrm flipH="1">
+            <a:off x="4594397" y="4327804"/>
+            <a:ext cx="1508221" cy="1212801"/>
+          </a:xfrm>
+          <a:prstGeom prst="straightConnector1">
+            <a:avLst/>
+          </a:prstGeom>
+          <a:ln w="28575">
+            <a:solidFill>
+              <a:srgbClr val="FF0000"/>
+            </a:solidFill>
+            <a:tailEnd type="triangle"/>
+          </a:ln>
+        </p:spPr>
+        <p:style>
+          <a:lnRef idx="1">
+            <a:schemeClr val="accent1"/>
+          </a:lnRef>
+          <a:fillRef idx="0">
+            <a:schemeClr val="accent1"/>
+          </a:fillRef>
+          <a:effectRef idx="0">
+            <a:schemeClr val="accent1"/>
+          </a:effectRef>
+          <a:fontRef idx="minor">
+            <a:schemeClr val="tx1"/>
+          </a:fontRef>
+        </p:style>
+      </p:cxnSp>
+      <p:sp>
+        <p:nvSpPr>
+          <p:cNvPr id="5" name="TextBox 4"/>
+          <p:cNvSpPr txBox="1"/>
+          <p:nvPr/>
+        </p:nvSpPr>
+        <p:spPr>
+          <a:xfrm>
+            <a:off x="6079027" y="4028617"/>
+            <a:ext cx="1107996" cy="369332"/>
+          </a:xfrm>
+          <a:prstGeom prst="rect">
+            <a:avLst/>
+          </a:prstGeom>
+          <a:noFill/>
+          <a:ln>
+            <a:noFill/>
+          </a:ln>
+        </p:spPr>
+        <p:txBody>
+          <a:bodyPr wrap="none" rtlCol="0">
+            <a:spAutoFit/>
+          </a:bodyPr>
+          <a:lstStyle/>
+          <a:p>
+            <a:r>
+              <a:rPr lang="fi-FI" dirty="0">
+                <a:solidFill>
+                  <a:schemeClr val="tx1"/>
+                </a:solidFill>
+              </a:rPr>
+              <a:t>(165, 40)</a:t>
+            </a:r>
+          </a:p>
+        </p:txBody>
+      </p:sp>
+      <p:sp>
+        <p:nvSpPr>
+          <p:cNvPr id="26" name="TextBox 25"/>
+          <p:cNvSpPr txBox="1"/>
+          <p:nvPr/>
+        </p:nvSpPr>
+        <p:spPr>
+          <a:xfrm>
+            <a:off x="6152214" y="2724857"/>
+            <a:ext cx="1107996" cy="369332"/>
+          </a:xfrm>
+          <a:prstGeom prst="rect">
+            <a:avLst/>
+          </a:prstGeom>
+          <a:noFill/>
+          <a:ln>
+            <a:noFill/>
+          </a:ln>
+        </p:spPr>
+        <p:txBody>
+          <a:bodyPr wrap="none" rtlCol="0">
+            <a:spAutoFit/>
+          </a:bodyPr>
+          <a:lstStyle/>
+          <a:p>
+            <a:r>
+              <a:rPr lang="fi-FI" dirty="0">
+                <a:solidFill>
+                  <a:schemeClr val="tx1"/>
+                </a:solidFill>
+              </a:rPr>
+              <a:t>(76, 122)</a:t>
+            </a:r>
+          </a:p>
+        </p:txBody>
+      </p:sp>
+      <p:cxnSp>
+        <p:nvCxnSpPr>
+          <p:cNvPr id="29" name="Straight Arrow Connector 28"/>
+          <p:cNvCxnSpPr/>
+          <p:nvPr/>
+        </p:nvCxnSpPr>
+        <p:spPr>
+          <a:xfrm flipH="1">
+            <a:off x="3933636" y="3024857"/>
+            <a:ext cx="2291765" cy="1943712"/>
+          </a:xfrm>
+          <a:prstGeom prst="straightConnector1">
+            <a:avLst/>
+          </a:prstGeom>
+          <a:ln w="28575">
+            <a:solidFill>
+              <a:srgbClr val="FF0000"/>
+            </a:solidFill>
+            <a:tailEnd type="triangle"/>
+          </a:ln>
+        </p:spPr>
+        <p:style>
+          <a:lnRef idx="1">
+            <a:schemeClr val="accent1"/>
+          </a:lnRef>
+          <a:fillRef idx="0">
+            <a:schemeClr val="accent1"/>
+          </a:fillRef>
+          <a:effectRef idx="0">
+            <a:schemeClr val="accent1"/>
+          </a:effectRef>
+          <a:fontRef idx="minor">
+            <a:schemeClr val="tx1"/>
+          </a:fontRef>
+        </p:style>
+      </p:cxnSp>
+      <p:sp>
+        <p:nvSpPr>
+          <p:cNvPr id="8" name="TextBox 7"/>
+          <p:cNvSpPr txBox="1"/>
+          <p:nvPr/>
+        </p:nvSpPr>
+        <p:spPr>
+          <a:xfrm>
+            <a:off x="4363130" y="597679"/>
+            <a:ext cx="569387" cy="369332"/>
+          </a:xfrm>
+          <a:prstGeom prst="rect">
+            <a:avLst/>
+          </a:prstGeom>
+          <a:noFill/>
+        </p:spPr>
+        <p:txBody>
+          <a:bodyPr wrap="none" rtlCol="0">
+            <a:spAutoFit/>
+          </a:bodyPr>
+          <a:lstStyle/>
+          <a:p>
+            <a:r>
+              <a:rPr lang="fi-FI" dirty="0">
+                <a:solidFill>
+                  <a:schemeClr val="tx1"/>
+                </a:solidFill>
+              </a:rPr>
+              <a:t>348</a:t>
+            </a:r>
+          </a:p>
+        </p:txBody>
+      </p:sp>
+      <p:sp>
+        <p:nvSpPr>
+          <p:cNvPr id="34" name="Right Brace 33"/>
+          <p:cNvSpPr/>
+          <p:nvPr/>
+        </p:nvSpPr>
+        <p:spPr>
+          <a:xfrm rot="10800000">
+            <a:off x="2886201" y="1340767"/>
+            <a:ext cx="429987" cy="4543735"/>
+          </a:xfrm>
+          <a:prstGeom prst="rightBrace">
+            <a:avLst/>
+          </a:prstGeom>
+        </p:spPr>
+        <p:style>
+          <a:lnRef idx="1">
+            <a:schemeClr val="accent1"/>
+          </a:lnRef>
+          <a:fillRef idx="0">
+            <a:schemeClr val="accent1"/>
+          </a:fillRef>
+          <a:effectRef idx="0">
+            <a:schemeClr val="accent1"/>
+          </a:effectRef>
+          <a:fontRef idx="minor">
+            <a:schemeClr val="tx1"/>
+          </a:fontRef>
+        </p:style>
+        <p:txBody>
+          <a:bodyPr rtlCol="0" anchor="ctr"/>
+          <a:lstStyle/>
+          <a:p>
+            <a:pPr algn="ctr"/>
+            <a:endParaRPr lang="fi-FI"/>
+          </a:p>
+        </p:txBody>
+      </p:sp>
+      <p:sp>
+        <p:nvSpPr>
+          <p:cNvPr id="39" name="TextBox 38"/>
+          <p:cNvSpPr txBox="1"/>
+          <p:nvPr/>
+        </p:nvSpPr>
+        <p:spPr>
+          <a:xfrm>
+            <a:off x="2262781" y="3427968"/>
+            <a:ext cx="569387" cy="369332"/>
+          </a:xfrm>
+          <a:prstGeom prst="rect">
+            <a:avLst/>
+          </a:prstGeom>
+          <a:noFill/>
+        </p:spPr>
+        <p:txBody>
+          <a:bodyPr wrap="none" rtlCol="0">
+            <a:spAutoFit/>
+          </a:bodyPr>
+          <a:lstStyle/>
+          <a:p>
+            <a:r>
+              <a:rPr lang="fi-FI" dirty="0">
+                <a:solidFill>
+                  <a:schemeClr val="tx1"/>
+                </a:solidFill>
+              </a:rPr>
+              <a:t>638</a:t>
+            </a:r>
+          </a:p>
+        </p:txBody>
+      </p:sp>
+      <p:sp>
+        <p:nvSpPr>
+          <p:cNvPr id="9" name="Right Brace 8"/>
+          <p:cNvSpPr/>
+          <p:nvPr/>
+        </p:nvSpPr>
+        <p:spPr>
+          <a:xfrm rot="16200000">
+            <a:off x="4501384" y="-132778"/>
+            <a:ext cx="313765" cy="2484185"/>
+          </a:xfrm>
+          <a:prstGeom prst="rightBrace">
+            <a:avLst/>
+          </a:prstGeom>
+        </p:spPr>
+        <p:style>
+          <a:lnRef idx="1">
+            <a:schemeClr val="accent1"/>
+          </a:lnRef>
+          <a:fillRef idx="0">
+            <a:schemeClr val="accent1"/>
+          </a:fillRef>
+          <a:effectRef idx="0">
+            <a:schemeClr val="accent1"/>
+          </a:effectRef>
+          <a:fontRef idx="minor">
+            <a:schemeClr val="tx1"/>
+          </a:fontRef>
+        </p:style>
+        <p:txBody>
+          <a:bodyPr rtlCol="0" anchor="ctr"/>
+          <a:lstStyle/>
+          <a:p>
+            <a:pPr algn="ctr"/>
+            <a:endParaRPr lang="fi-FI"/>
+          </a:p>
+        </p:txBody>
+      </p:sp>
+    </p:spTree>
+    <p:extLst>
+      <p:ext uri="{BB962C8B-B14F-4D97-AF65-F5344CB8AC3E}">
+        <p14:creationId xmlns:p14="http://schemas.microsoft.com/office/powerpoint/2010/main" val="3922543657"/>
+      </p:ext>
+    </p:extLst>
+  </p:cSld>
+  <p:clrMapOvr>
+    <a:masterClrMapping/>
+  </p:clrMapOvr>
+</p:sld>
+</file>
+
+<file path=ppt/slides/slide12.xml><?xml version="1.0" encoding="utf-8"?>
+<p:sld xmlns:a="http://schemas.openxmlformats.org/drawingml/2006/main" xmlns:r="http://schemas.openxmlformats.org/officeDocument/2006/relationships" xmlns:p="http://schemas.openxmlformats.org/presentationml/2006/main">
+  <p:cSld>
+    <p:spTree>
+      <p:nvGrpSpPr>
+        <p:cNvPr id="1" name=""/>
+        <p:cNvGrpSpPr/>
+        <p:nvPr/>
+      </p:nvGrpSpPr>
+      <p:grpSpPr>
+        <a:xfrm>
+          <a:off x="0" y="0"/>
+          <a:ext cx="0" cy="0"/>
+          <a:chOff x="0" y="0"/>
+          <a:chExt cx="0" cy="0"/>
+        </a:xfrm>
+      </p:grpSpPr>
+      <p:pic>
+        <p:nvPicPr>
           <p:cNvPr id="6" name="Picture 5"/>
           <p:cNvPicPr>
             <a:picLocks noChangeAspect="1"/>
@@ -9239,7 +10762,7 @@
 </p:sld>
 </file>
 
-<file path=ppt/slides/slide11.xml><?xml version="1.0" encoding="utf-8"?>
+<file path=ppt/slides/slide13.xml><?xml version="1.0" encoding="utf-8"?>
 <p:sld xmlns:a="http://schemas.openxmlformats.org/drawingml/2006/main" xmlns:r="http://schemas.openxmlformats.org/officeDocument/2006/relationships" xmlns:p="http://schemas.openxmlformats.org/presentationml/2006/main">
   <p:cSld>
     <p:spTree>
@@ -10005,7 +11528,7 @@
 </p:sld>
 </file>
 
-<file path=ppt/slides/slide12.xml><?xml version="1.0" encoding="utf-8"?>
+<file path=ppt/slides/slide14.xml><?xml version="1.0" encoding="utf-8"?>
 <p:sld xmlns:a="http://schemas.openxmlformats.org/drawingml/2006/main" xmlns:r="http://schemas.openxmlformats.org/officeDocument/2006/relationships" xmlns:p="http://schemas.openxmlformats.org/presentationml/2006/main">
   <p:cSld>
     <p:spTree>
@@ -10548,7 +12071,7 @@
 </p:sld>
 </file>
 
-<file path=ppt/slides/slide13.xml><?xml version="1.0" encoding="utf-8"?>
+<file path=ppt/slides/slide15.xml><?xml version="1.0" encoding="utf-8"?>
 <p:sld xmlns:a="http://schemas.openxmlformats.org/drawingml/2006/main" xmlns:r="http://schemas.openxmlformats.org/officeDocument/2006/relationships" xmlns:p="http://schemas.openxmlformats.org/presentationml/2006/main">
   <p:cSld>
     <p:spTree>
@@ -10645,7 +12168,7 @@
 </p:sld>
 </file>
 
-<file path=ppt/slides/slide14.xml><?xml version="1.0" encoding="utf-8"?>
+<file path=ppt/slides/slide16.xml><?xml version="1.0" encoding="utf-8"?>
 <p:sld xmlns:a="http://schemas.openxmlformats.org/drawingml/2006/main" xmlns:r="http://schemas.openxmlformats.org/officeDocument/2006/relationships" xmlns:p="http://schemas.openxmlformats.org/presentationml/2006/main">
   <p:cSld>
     <p:spTree>
@@ -13748,6 +15271,54 @@
       </p:grpSpPr>
       <p:pic>
         <p:nvPicPr>
+          <p:cNvPr id="2" name="Picture 1"/>
+          <p:cNvPicPr>
+            <a:picLocks noChangeAspect="1"/>
+          </p:cNvPicPr>
+          <p:nvPr/>
+        </p:nvPicPr>
+        <p:blipFill>
+          <a:blip r:embed="rId2"/>
+          <a:stretch>
+            <a:fillRect/>
+          </a:stretch>
+        </p:blipFill>
+        <p:spPr>
+          <a:xfrm>
+            <a:off x="96819" y="2709016"/>
+            <a:ext cx="4925846" cy="1759231"/>
+          </a:xfrm>
+          <a:prstGeom prst="rect">
+            <a:avLst/>
+          </a:prstGeom>
+        </p:spPr>
+      </p:pic>
+      <p:pic>
+        <p:nvPicPr>
+          <p:cNvPr id="6" name="Picture 5"/>
+          <p:cNvPicPr>
+            <a:picLocks noChangeAspect="1"/>
+          </p:cNvPicPr>
+          <p:nvPr/>
+        </p:nvPicPr>
+        <p:blipFill>
+          <a:blip r:embed="rId3"/>
+          <a:stretch>
+            <a:fillRect/>
+          </a:stretch>
+        </p:blipFill>
+        <p:spPr>
+          <a:xfrm>
+            <a:off x="5164822" y="1465518"/>
+            <a:ext cx="3516521" cy="3686322"/>
+          </a:xfrm>
+          <a:prstGeom prst="rect">
+            <a:avLst/>
+          </a:prstGeom>
+        </p:spPr>
+      </p:pic>
+      <p:pic>
+        <p:nvPicPr>
           <p:cNvPr id="3" name="Picture 8" descr="https://avatars0.githubusercontent.com/u/232371?v=3&amp;s=400"/>
           <p:cNvPicPr>
             <a:picLocks noChangeAspect="1" noChangeArrowheads="1"/>
@@ -13755,7 +15326,7 @@
           <p:nvPr/>
         </p:nvPicPr>
         <p:blipFill>
-          <a:blip r:embed="rId2" cstate="print">
+          <a:blip r:embed="rId4" cstate="print">
             <a:extLst>
               <a:ext uri="{28A0092B-C50C-407E-A947-70E740481C1C}">
                 <a14:useLocalDpi xmlns:a14="http://schemas.microsoft.com/office/drawing/2010/main" val="0"/>
@@ -13769,7 +15340,7 @@
         </p:blipFill>
         <p:spPr bwMode="auto">
           <a:xfrm>
-            <a:off x="405542" y="5262205"/>
+            <a:off x="405542" y="5199964"/>
             <a:ext cx="1254667" cy="1254668"/>
           </a:xfrm>
           <a:prstGeom prst="rect">
@@ -13802,43 +15373,6 @@
       </p:pic>
       <p:sp>
         <p:nvSpPr>
-          <p:cNvPr id="5" name="Suorakulmio 4"/>
-          <p:cNvSpPr/>
-          <p:nvPr/>
-        </p:nvSpPr>
-        <p:spPr>
-          <a:xfrm>
-            <a:off x="442925" y="1457490"/>
-            <a:ext cx="1685077" cy="584775"/>
-          </a:xfrm>
-          <a:prstGeom prst="rect">
-            <a:avLst/>
-          </a:prstGeom>
-        </p:spPr>
-        <p:txBody>
-          <a:bodyPr wrap="none">
-            <a:spAutoFit/>
-          </a:bodyPr>
-          <a:lstStyle/>
-          <a:p>
-            <a:r>
-              <a:rPr lang="fi-FI" sz="3200" b="1" dirty="0">
-                <a:solidFill>
-                  <a:schemeClr val="tx2">
-                    <a:lumMod val="75000"/>
-                    <a:lumOff val="25000"/>
-                  </a:schemeClr>
-                </a:solidFill>
-                <a:latin typeface="Arial" charset="0"/>
-              </a:rPr>
-              <a:t>1) go-to</a:t>
-            </a:r>
-            <a:endParaRPr lang="fi-FI" sz="3200" dirty="0"/>
-          </a:p>
-        </p:txBody>
-      </p:sp>
-      <p:sp>
-        <p:nvSpPr>
           <p:cNvPr id="10" name="Otsikko 1"/>
           <p:cNvSpPr txBox="1">
             <a:spLocks/>
@@ -13847,7 +15381,7 @@
         </p:nvSpPr>
         <p:spPr bwMode="auto">
           <a:xfrm>
-            <a:off x="353192" y="752966"/>
+            <a:off x="405542" y="928688"/>
             <a:ext cx="5947000" cy="599694"/>
           </a:xfrm>
           <a:prstGeom prst="rect">
@@ -14077,198 +15611,62 @@
           <a:p>
             <a:pPr algn="l"/>
             <a:r>
-              <a:rPr lang="fi-FI" altLang="fi-FI" sz="4000" b="1" kern="0" dirty="0">
+              <a:rPr lang="fi-FI" altLang="fi-FI" sz="4000" b="1" kern="0" dirty="0" err="1">
                 <a:solidFill>
                   <a:schemeClr val="accent6">
                     <a:lumMod val="75000"/>
                   </a:schemeClr>
                 </a:solidFill>
               </a:rPr>
-              <a:t>Tutustutaan funktioihin</a:t>
-            </a:r>
-          </a:p>
-        </p:txBody>
-      </p:sp>
-      <p:sp>
-        <p:nvSpPr>
-          <p:cNvPr id="13" name="Suorakulmio 12"/>
-          <p:cNvSpPr/>
-          <p:nvPr/>
-        </p:nvSpPr>
-        <p:spPr>
-          <a:xfrm>
-            <a:off x="470745" y="2059059"/>
-            <a:ext cx="8216631" cy="2831544"/>
-          </a:xfrm>
-          <a:prstGeom prst="rect">
-            <a:avLst/>
-          </a:prstGeom>
-        </p:spPr>
-        <p:txBody>
-          <a:bodyPr wrap="square">
-            <a:spAutoFit/>
-          </a:bodyPr>
-          <a:lstStyle/>
-          <a:p>
-            <a:r>
-              <a:rPr lang="fi-FI" sz="2800" b="1" i="1" dirty="0">
-                <a:solidFill>
-                  <a:schemeClr val="tx2">
+              <a:t>Turtle</a:t>
+            </a:r>
+            <a:r>
+              <a:rPr lang="fi-FI" altLang="fi-FI" sz="4000" b="1" kern="0" dirty="0">
+                <a:solidFill>
+                  <a:schemeClr val="accent6">
                     <a:lumMod val="75000"/>
-                    <a:lumOff val="25000"/>
                   </a:schemeClr>
                 </a:solidFill>
-                <a:latin typeface="Arial" charset="0"/>
               </a:rPr>
-              <a:t>a)</a:t>
-            </a:r>
-            <a:r>
-              <a:rPr lang="fi-FI" sz="2800" dirty="0">
-                <a:solidFill>
-                  <a:schemeClr val="tx2">
+              <a:t> in </a:t>
+            </a:r>
+            <a:r>
+              <a:rPr lang="fi-FI" altLang="fi-FI" sz="4000" b="1" kern="0" dirty="0" err="1">
+                <a:solidFill>
+                  <a:schemeClr val="accent6">
                     <a:lumMod val="75000"/>
-                    <a:lumOff val="25000"/>
                   </a:schemeClr>
                 </a:solidFill>
-                <a:latin typeface="Arial" charset="0"/>
               </a:rPr>
-              <a:t> Turtle liikkuu annettuun koordinaattipisteeseen </a:t>
-            </a:r>
-            <a:r>
-              <a:rPr lang="fi-FI" sz="2800" dirty="0">
-                <a:solidFill>
-                  <a:schemeClr val="tx2">
+              <a:t>coordinate</a:t>
+            </a:r>
+            <a:r>
+              <a:rPr lang="fi-FI" altLang="fi-FI" sz="4000" b="1" kern="0" dirty="0">
+                <a:solidFill>
+                  <a:schemeClr val="accent6">
                     <a:lumMod val="75000"/>
-                    <a:lumOff val="25000"/>
                   </a:schemeClr>
                 </a:solidFill>
-                <a:latin typeface="Courier New" panose="02070309020205020404" pitchFamily="49" charset="0"/>
-                <a:cs typeface="Courier New" panose="02070309020205020404" pitchFamily="49" charset="0"/>
-              </a:rPr>
-              <a:t>go-to</a:t>
-            </a:r>
-            <a:r>
-              <a:rPr lang="fi-FI" sz="2800" dirty="0">
-                <a:solidFill>
-                  <a:schemeClr val="tx2">
-                    <a:lumMod val="75000"/>
-                    <a:lumOff val="25000"/>
-                  </a:schemeClr>
-                </a:solidFill>
-                <a:latin typeface="Arial" charset="0"/>
-              </a:rPr>
-              <a:t> - funktion avulla. Jatka koodia ja ohjaa Turtle tekemään kolmio käyttäen </a:t>
-            </a:r>
-            <a:r>
-              <a:rPr lang="fi-FI" sz="2800" dirty="0">
-                <a:solidFill>
-                  <a:schemeClr val="tx2">
-                    <a:lumMod val="75000"/>
-                    <a:lumOff val="25000"/>
-                  </a:schemeClr>
-                </a:solidFill>
-                <a:latin typeface="Courier New" panose="02070309020205020404" pitchFamily="49" charset="0"/>
-                <a:cs typeface="Courier New" panose="02070309020205020404" pitchFamily="49" charset="0"/>
-              </a:rPr>
-              <a:t>go-to</a:t>
-            </a:r>
-            <a:r>
-              <a:rPr lang="fi-FI" sz="2800" dirty="0">
-                <a:solidFill>
-                  <a:schemeClr val="tx2">
-                    <a:lumMod val="75000"/>
-                    <a:lumOff val="25000"/>
-                  </a:schemeClr>
-                </a:solidFill>
-                <a:latin typeface="Arial" charset="0"/>
-              </a:rPr>
-              <a:t> käskyjä.</a:t>
-            </a:r>
-          </a:p>
-          <a:p>
-            <a:r>
-              <a:rPr lang="fi-FI" sz="2800" b="1" i="1" dirty="0">
-                <a:solidFill>
-                  <a:schemeClr val="tx2">
-                    <a:lumMod val="75000"/>
-                    <a:lumOff val="25000"/>
-                  </a:schemeClr>
-                </a:solidFill>
-                <a:latin typeface="Arial" charset="0"/>
-              </a:rPr>
-              <a:t>b) </a:t>
-            </a:r>
-            <a:r>
-              <a:rPr lang="fi-FI" sz="2800" dirty="0">
-                <a:solidFill>
-                  <a:schemeClr val="tx2">
-                    <a:lumMod val="75000"/>
-                    <a:lumOff val="25000"/>
-                  </a:schemeClr>
-                </a:solidFill>
-                <a:latin typeface="Arial" charset="0"/>
-              </a:rPr>
-              <a:t>Ohjaa Turtle menemään pisteisiin: (120, 120), </a:t>
-            </a:r>
-          </a:p>
-          <a:p>
-            <a:r>
-              <a:rPr lang="fi-FI" sz="2800" dirty="0">
-                <a:solidFill>
-                  <a:schemeClr val="tx2">
-                    <a:lumMod val="75000"/>
-                    <a:lumOff val="25000"/>
-                  </a:schemeClr>
-                </a:solidFill>
-                <a:latin typeface="Arial" charset="0"/>
-              </a:rPr>
-              <a:t>(-120, 120), (120, -120), (-120, -120) ja (0, 0). Montako kertaa Turtle kävi pisteessä (0, 0)? </a:t>
-            </a:r>
-          </a:p>
-          <a:p>
-            <a:r>
-              <a:rPr lang="fi-FI" sz="1000" dirty="0">
-                <a:solidFill>
-                  <a:schemeClr val="tx2">
-                    <a:lumMod val="75000"/>
-                    <a:lumOff val="25000"/>
-                  </a:schemeClr>
-                </a:solidFill>
-                <a:latin typeface="Arial" charset="0"/>
               </a:rPr>
               <a:t> </a:t>
             </a:r>
-          </a:p>
-        </p:txBody>
-      </p:sp>
-      <p:sp>
-        <p:nvSpPr>
-          <p:cNvPr id="17" name="Alatunnisteen paikkamerkki 16"/>
-          <p:cNvSpPr>
-            <a:spLocks noGrp="1"/>
-          </p:cNvSpPr>
-          <p:nvPr>
-            <p:ph type="ftr" sz="quarter" idx="11"/>
-          </p:nvPr>
-        </p:nvSpPr>
-        <p:spPr>
-          <a:xfrm>
-            <a:off x="827584" y="6021367"/>
-            <a:ext cx="4870585" cy="365125"/>
-          </a:xfrm>
-        </p:spPr>
-        <p:txBody>
-          <a:bodyPr/>
-          <a:lstStyle/>
-          <a:p>
-            <a:pPr algn="r">
-              <a:defRPr/>
-            </a:pPr>
-            <a:r>
-              <a:rPr lang="fi-FI" dirty="0"/>
-              <a:t>MAOL Ohjelmointia matematiikkaan</a:t>
-            </a:r>
-            <a:endParaRPr lang="ru-RU" dirty="0"/>
+            <a:r>
+              <a:rPr lang="fi-FI" altLang="fi-FI" sz="4000" b="1" kern="0" dirty="0" err="1">
+                <a:solidFill>
+                  <a:schemeClr val="accent6">
+                    <a:lumMod val="75000"/>
+                  </a:schemeClr>
+                </a:solidFill>
+              </a:rPr>
+              <a:t>system</a:t>
+            </a:r>
+            <a:endParaRPr lang="fi-FI" altLang="fi-FI" sz="4000" b="1" kern="0" dirty="0">
+              <a:solidFill>
+                <a:schemeClr val="accent6">
+                  <a:lumMod val="75000"/>
+                </a:schemeClr>
+              </a:solidFill>
+            </a:endParaRPr>
           </a:p>
         </p:txBody>
       </p:sp>
@@ -14281,7 +15679,7 @@
           <p:nvPr/>
         </p:nvPicPr>
         <p:blipFill>
-          <a:blip r:embed="rId3" cstate="print">
+          <a:blip r:embed="rId5" cstate="print">
             <a:extLst>
               <a:ext uri="{28A0092B-C50C-407E-A947-70E740481C1C}">
                 <a14:useLocalDpi xmlns:a14="http://schemas.microsoft.com/office/drawing/2010/main" val="0"/>
@@ -14295,7 +15693,7 @@
         </p:blipFill>
         <p:spPr bwMode="auto">
           <a:xfrm>
-            <a:off x="7320823" y="5197623"/>
+            <a:off x="7292324" y="5151840"/>
             <a:ext cx="1495802" cy="1383832"/>
           </a:xfrm>
           <a:prstGeom prst="rect">
@@ -14335,292 +15733,537 @@
       </p:pic>
       <p:sp>
         <p:nvSpPr>
-          <p:cNvPr id="35" name="Suorakulmio 10"/>
+          <p:cNvPr id="41" name="Suorakulmio 42"/>
           <p:cNvSpPr/>
           <p:nvPr/>
         </p:nvSpPr>
-        <p:spPr bwMode="auto">
-          <a:xfrm>
-            <a:off x="5311958" y="240174"/>
-            <a:ext cx="3570371" cy="531170"/>
+        <p:spPr>
+          <a:xfrm>
+            <a:off x="2861295" y="4275426"/>
+            <a:ext cx="1758687" cy="584775"/>
           </a:xfrm>
           <a:prstGeom prst="rect">
             <a:avLst/>
           </a:prstGeom>
-          <a:ln>
-            <a:headEnd type="none" w="med" len="med"/>
-            <a:tailEnd type="none" w="med" len="med"/>
+          <a:solidFill>
+            <a:schemeClr val="accent2">
+              <a:lumMod val="75000"/>
+            </a:schemeClr>
+          </a:solidFill>
+        </p:spPr>
+        <p:txBody>
+          <a:bodyPr wrap="none">
+            <a:spAutoFit/>
+          </a:bodyPr>
+          <a:lstStyle/>
+          <a:p>
+            <a:r>
+              <a:rPr lang="fi-FI" sz="1600" dirty="0"/>
+              <a:t>(x, y) </a:t>
+            </a:r>
+            <a:r>
+              <a:rPr lang="fi-FI" sz="1600" dirty="0" err="1"/>
+              <a:t>The</a:t>
+            </a:r>
+            <a:r>
+              <a:rPr lang="fi-FI" sz="1600" dirty="0"/>
+              <a:t> </a:t>
+            </a:r>
+            <a:r>
+              <a:rPr lang="fi-FI" sz="1600" dirty="0" err="1"/>
+              <a:t>next</a:t>
+            </a:r>
+            <a:r>
+              <a:rPr lang="fi-FI" sz="1600" dirty="0"/>
+              <a:t> </a:t>
+            </a:r>
+          </a:p>
+          <a:p>
+            <a:r>
+              <a:rPr lang="fi-FI" sz="1600" dirty="0" err="1"/>
+              <a:t>location</a:t>
+            </a:r>
+            <a:r>
+              <a:rPr lang="fi-FI" sz="1600" dirty="0"/>
+              <a:t> for </a:t>
+            </a:r>
+            <a:r>
+              <a:rPr lang="fi-FI" sz="1600" dirty="0" err="1"/>
+              <a:t>Turtle</a:t>
+            </a:r>
+            <a:endParaRPr lang="fi-FI" sz="1600" dirty="0"/>
+          </a:p>
+        </p:txBody>
+      </p:sp>
+      <p:cxnSp>
+        <p:nvCxnSpPr>
+          <p:cNvPr id="43" name="Straight Arrow Connector 42"/>
+          <p:cNvCxnSpPr/>
+          <p:nvPr/>
+        </p:nvCxnSpPr>
+        <p:spPr>
+          <a:xfrm flipH="1" flipV="1">
+            <a:off x="3006764" y="4038496"/>
+            <a:ext cx="83937" cy="230744"/>
+          </a:xfrm>
+          <a:prstGeom prst="straightConnector1">
+            <a:avLst/>
+          </a:prstGeom>
+          <a:ln w="28575">
+            <a:solidFill>
+              <a:srgbClr val="FF0000"/>
+            </a:solidFill>
+            <a:tailEnd type="triangle"/>
           </a:ln>
-          <a:scene3d>
-            <a:camera prst="orthographicFront"/>
-            <a:lightRig rig="threePt" dir="t"/>
-          </a:scene3d>
-          <a:sp3d>
-            <a:bevelT w="114300" prst="artDeco"/>
-          </a:sp3d>
         </p:spPr>
         <p:style>
-          <a:lnRef idx="2">
-            <a:schemeClr val="accent4"/>
+          <a:lnRef idx="1">
+            <a:schemeClr val="accent1"/>
           </a:lnRef>
-          <a:fillRef idx="1">
-            <a:schemeClr val="lt1"/>
+          <a:fillRef idx="0">
+            <a:schemeClr val="accent1"/>
           </a:fillRef>
           <a:effectRef idx="0">
-            <a:schemeClr val="accent4"/>
+            <a:schemeClr val="accent1"/>
           </a:effectRef>
           <a:fontRef idx="minor">
-            <a:schemeClr val="dk1"/>
+            <a:schemeClr val="tx1"/>
           </a:fontRef>
         </p:style>
-        <p:txBody>
-          <a:bodyPr vert="horz" wrap="square" lIns="91440" tIns="45720" rIns="91440" bIns="45720" numCol="1" rtlCol="0" anchor="t" anchorCtr="0" compatLnSpc="1">
-            <a:prstTxWarp prst="textNoShape">
-              <a:avLst/>
-            </a:prstTxWarp>
+      </p:cxnSp>
+      <p:cxnSp>
+        <p:nvCxnSpPr>
+          <p:cNvPr id="44" name="Straight Arrow Connector 43"/>
+          <p:cNvCxnSpPr/>
+          <p:nvPr/>
+        </p:nvCxnSpPr>
+        <p:spPr>
+          <a:xfrm flipV="1">
+            <a:off x="3305272" y="4038496"/>
+            <a:ext cx="60079" cy="230744"/>
+          </a:xfrm>
+          <a:prstGeom prst="straightConnector1">
+            <a:avLst/>
+          </a:prstGeom>
+          <a:ln w="28575">
+            <a:solidFill>
+              <a:srgbClr val="FF0000"/>
+            </a:solidFill>
+            <a:tailEnd type="triangle"/>
+          </a:ln>
+        </p:spPr>
+        <p:style>
+          <a:lnRef idx="1">
+            <a:schemeClr val="accent1"/>
+          </a:lnRef>
+          <a:fillRef idx="0">
+            <a:schemeClr val="accent1"/>
+          </a:fillRef>
+          <a:effectRef idx="0">
+            <a:schemeClr val="accent1"/>
+          </a:effectRef>
+          <a:fontRef idx="minor">
+            <a:schemeClr val="tx1"/>
+          </a:fontRef>
+        </p:style>
+      </p:cxnSp>
+      <p:sp>
+        <p:nvSpPr>
+          <p:cNvPr id="38" name="Suorakulmio 42"/>
+          <p:cNvSpPr/>
+          <p:nvPr/>
+        </p:nvSpPr>
+        <p:spPr>
+          <a:xfrm>
+            <a:off x="4666055" y="1901899"/>
+            <a:ext cx="2148345" cy="830997"/>
+          </a:xfrm>
+          <a:prstGeom prst="rect">
+            <a:avLst/>
+          </a:prstGeom>
+          <a:solidFill>
+            <a:schemeClr val="accent2">
+              <a:lumMod val="75000"/>
+            </a:schemeClr>
+          </a:solidFill>
+        </p:spPr>
+        <p:txBody>
+          <a:bodyPr wrap="none">
+            <a:spAutoFit/>
           </a:bodyPr>
           <a:lstStyle/>
           <a:p>
-            <a:pPr marL="0" marR="0" indent="0" algn="ctr" defTabSz="449263" rtl="0" eaLnBrk="1" fontAlgn="base" latinLnBrk="0" hangingPunct="1">
-              <a:lnSpc>
-                <a:spcPct val="100000"/>
-              </a:lnSpc>
-              <a:spcBef>
-                <a:spcPct val="0"/>
-              </a:spcBef>
-              <a:spcAft>
-                <a:spcPct val="0"/>
-              </a:spcAft>
-              <a:buClr>
-                <a:srgbClr val="000000"/>
-              </a:buClr>
-              <a:buSzPct val="100000"/>
-              <a:buFont typeface="Times New Roman" pitchFamily="16" charset="0"/>
-              <a:buNone/>
-              <a:tabLst/>
-            </a:pPr>
-            <a:r>
-              <a:rPr kumimoji="0" lang="fi-FI" sz="2400" b="0" i="0" u="none" strike="noStrike" cap="none" normalizeH="0" dirty="0">
-                <a:ln>
-                  <a:noFill/>
-                </a:ln>
-                <a:solidFill>
-                  <a:schemeClr val="tx2">
-                    <a:lumMod val="75000"/>
-                    <a:lumOff val="25000"/>
-                  </a:schemeClr>
-                </a:solidFill>
-                <a:effectLst/>
-                <a:latin typeface="Arial" charset="0"/>
+            <a:r>
+              <a:rPr lang="fi-FI" sz="1600" dirty="0" err="1"/>
+              <a:t>Origin</a:t>
+            </a:r>
+            <a:r>
+              <a:rPr lang="fi-FI" sz="1600" dirty="0"/>
+              <a:t> (0, 0) is set to </a:t>
+            </a:r>
+          </a:p>
+          <a:p>
+            <a:r>
+              <a:rPr lang="fi-FI" sz="1600" dirty="0" err="1"/>
+              <a:t>locate</a:t>
+            </a:r>
+            <a:r>
+              <a:rPr lang="fi-FI" sz="1600" dirty="0"/>
+              <a:t> in </a:t>
+            </a:r>
+            <a:r>
+              <a:rPr lang="fi-FI" sz="1600" dirty="0" err="1"/>
+              <a:t>the</a:t>
+            </a:r>
+            <a:r>
+              <a:rPr lang="fi-FI" sz="1600" dirty="0"/>
+              <a:t> </a:t>
+            </a:r>
+            <a:r>
+              <a:rPr lang="fi-FI" sz="1600" dirty="0" err="1"/>
+              <a:t>starting</a:t>
+            </a:r>
+            <a:r>
+              <a:rPr lang="fi-FI" sz="1600" dirty="0"/>
+              <a:t> </a:t>
+            </a:r>
+          </a:p>
+          <a:p>
+            <a:r>
+              <a:rPr lang="fi-FI" sz="1600" dirty="0" err="1"/>
+              <a:t>point</a:t>
+            </a:r>
+            <a:r>
+              <a:rPr lang="fi-FI" sz="1600" dirty="0"/>
+              <a:t> of </a:t>
+            </a:r>
+            <a:r>
+              <a:rPr lang="fi-FI" sz="1600" dirty="0" err="1"/>
+              <a:t>Turtle</a:t>
+            </a:r>
+            <a:r>
+              <a:rPr lang="fi-FI" sz="1600" dirty="0"/>
+              <a:t> </a:t>
+            </a:r>
+          </a:p>
+        </p:txBody>
+      </p:sp>
+      <p:cxnSp>
+        <p:nvCxnSpPr>
+          <p:cNvPr id="29" name="Straight Arrow Connector 28"/>
+          <p:cNvCxnSpPr/>
+          <p:nvPr/>
+        </p:nvCxnSpPr>
+        <p:spPr>
+          <a:xfrm flipH="1">
+            <a:off x="3177964" y="2732896"/>
+            <a:ext cx="1488091" cy="344802"/>
+          </a:xfrm>
+          <a:prstGeom prst="straightConnector1">
+            <a:avLst/>
+          </a:prstGeom>
+          <a:ln w="28575">
+            <a:solidFill>
+              <a:srgbClr val="FF0000"/>
+            </a:solidFill>
+            <a:tailEnd type="triangle"/>
+          </a:ln>
+        </p:spPr>
+        <p:style>
+          <a:lnRef idx="1">
+            <a:schemeClr val="accent1"/>
+          </a:lnRef>
+          <a:fillRef idx="0">
+            <a:schemeClr val="accent1"/>
+          </a:fillRef>
+          <a:effectRef idx="0">
+            <a:schemeClr val="accent1"/>
+          </a:effectRef>
+          <a:fontRef idx="minor">
+            <a:schemeClr val="tx1"/>
+          </a:fontRef>
+        </p:style>
+      </p:cxnSp>
+      <p:cxnSp>
+        <p:nvCxnSpPr>
+          <p:cNvPr id="34" name="Straight Arrow Connector 33"/>
+          <p:cNvCxnSpPr>
+            <a:stCxn id="38" idx="2"/>
+          </p:cNvCxnSpPr>
+          <p:nvPr/>
+        </p:nvCxnSpPr>
+        <p:spPr>
+          <a:xfrm>
+            <a:off x="5740228" y="2732896"/>
+            <a:ext cx="1167146" cy="689605"/>
+          </a:xfrm>
+          <a:prstGeom prst="straightConnector1">
+            <a:avLst/>
+          </a:prstGeom>
+          <a:ln w="28575">
+            <a:solidFill>
+              <a:srgbClr val="FF0000"/>
+            </a:solidFill>
+            <a:tailEnd type="triangle"/>
+          </a:ln>
+        </p:spPr>
+        <p:style>
+          <a:lnRef idx="1">
+            <a:schemeClr val="accent1"/>
+          </a:lnRef>
+          <a:fillRef idx="0">
+            <a:schemeClr val="accent1"/>
+          </a:fillRef>
+          <a:effectRef idx="0">
+            <a:schemeClr val="accent1"/>
+          </a:effectRef>
+          <a:fontRef idx="minor">
+            <a:schemeClr val="tx1"/>
+          </a:fontRef>
+        </p:style>
+      </p:cxnSp>
+      <p:sp>
+        <p:nvSpPr>
+          <p:cNvPr id="39" name="Suorakulmio 42"/>
+          <p:cNvSpPr/>
+          <p:nvPr/>
+        </p:nvSpPr>
+        <p:spPr>
+          <a:xfrm>
+            <a:off x="5198514" y="3339264"/>
+            <a:ext cx="1154028" cy="830997"/>
+          </a:xfrm>
+          <a:prstGeom prst="rect">
+            <a:avLst/>
+          </a:prstGeom>
+          <a:solidFill>
+            <a:schemeClr val="accent2">
+              <a:lumMod val="75000"/>
+            </a:schemeClr>
+          </a:solidFill>
+        </p:spPr>
+        <p:txBody>
+          <a:bodyPr wrap="square">
+            <a:spAutoFit/>
+          </a:bodyPr>
+          <a:lstStyle/>
+          <a:p>
+            <a:r>
+              <a:rPr lang="fi-FI" sz="1600" dirty="0" err="1"/>
+              <a:t>The</a:t>
+            </a:r>
+            <a:r>
+              <a:rPr lang="fi-FI" sz="1600" dirty="0"/>
+              <a:t> </a:t>
+            </a:r>
+            <a:r>
+              <a:rPr lang="fi-FI" sz="1600" dirty="0" err="1"/>
+              <a:t>size</a:t>
+            </a:r>
+            <a:r>
+              <a:rPr lang="fi-FI" sz="1600" dirty="0"/>
+              <a:t> </a:t>
+            </a:r>
+          </a:p>
+          <a:p>
+            <a:r>
+              <a:rPr lang="fi-FI" sz="1600" dirty="0"/>
+              <a:t>of </a:t>
+            </a:r>
+            <a:r>
+              <a:rPr lang="fi-FI" sz="1600" dirty="0" err="1"/>
+              <a:t>the</a:t>
+            </a:r>
+            <a:r>
+              <a:rPr lang="fi-FI" sz="1600" dirty="0"/>
+              <a:t> </a:t>
+            </a:r>
+            <a:r>
+              <a:rPr lang="fi-FI" sz="1600" dirty="0" err="1"/>
+              <a:t>grid</a:t>
+            </a:r>
+            <a:endParaRPr lang="fi-FI" sz="1600" dirty="0"/>
+          </a:p>
+          <a:p>
+            <a:r>
+              <a:rPr lang="fi-FI" sz="1600" dirty="0"/>
+              <a:t>30x30</a:t>
+            </a:r>
+          </a:p>
+        </p:txBody>
+      </p:sp>
+      <p:cxnSp>
+        <p:nvCxnSpPr>
+          <p:cNvPr id="46" name="Straight Arrow Connector 45"/>
+          <p:cNvCxnSpPr>
+            <a:cxnSpLocks/>
+            <a:stCxn id="39" idx="1"/>
+          </p:cNvCxnSpPr>
+          <p:nvPr/>
+        </p:nvCxnSpPr>
+        <p:spPr>
+          <a:xfrm flipH="1" flipV="1">
+            <a:off x="3779912" y="3422505"/>
+            <a:ext cx="1418602" cy="332258"/>
+          </a:xfrm>
+          <a:prstGeom prst="straightConnector1">
+            <a:avLst/>
+          </a:prstGeom>
+          <a:ln w="28575">
+            <a:solidFill>
+              <a:srgbClr val="FF0000"/>
+            </a:solidFill>
+            <a:tailEnd type="triangle"/>
+          </a:ln>
+        </p:spPr>
+        <p:style>
+          <a:lnRef idx="1">
+            <a:schemeClr val="accent1"/>
+          </a:lnRef>
+          <a:fillRef idx="0">
+            <a:schemeClr val="accent1"/>
+          </a:fillRef>
+          <a:effectRef idx="0">
+            <a:schemeClr val="accent1"/>
+          </a:effectRef>
+          <a:fontRef idx="minor">
+            <a:schemeClr val="tx1"/>
+          </a:fontRef>
+        </p:style>
+      </p:cxnSp>
+      <p:sp>
+        <p:nvSpPr>
+          <p:cNvPr id="49" name="TextBox 48"/>
+          <p:cNvSpPr txBox="1"/>
+          <p:nvPr/>
+        </p:nvSpPr>
+        <p:spPr>
+          <a:xfrm>
+            <a:off x="7288619" y="2366219"/>
+            <a:ext cx="979755" cy="369332"/>
+          </a:xfrm>
+          <a:prstGeom prst="rect">
+            <a:avLst/>
+          </a:prstGeom>
+          <a:noFill/>
+        </p:spPr>
+        <p:txBody>
+          <a:bodyPr wrap="none" rtlCol="0">
+            <a:spAutoFit/>
+          </a:bodyPr>
+          <a:lstStyle/>
+          <a:p>
+            <a:r>
+              <a:rPr lang="fi-FI" dirty="0">
+                <a:solidFill>
+                  <a:schemeClr val="tx1"/>
+                </a:solidFill>
               </a:rPr>
-              <a:t>MÄÄRITTELYIKKUNA</a:t>
-            </a:r>
-            <a:endParaRPr kumimoji="0" lang="fi-FI" sz="1800" b="0" i="0" u="none" strike="noStrike" cap="none" normalizeH="0" dirty="0">
-              <a:ln>
-                <a:noFill/>
-              </a:ln>
-              <a:solidFill>
-                <a:schemeClr val="tx2">
-                  <a:lumMod val="75000"/>
-                  <a:lumOff val="25000"/>
-                </a:schemeClr>
-              </a:solidFill>
-              <a:effectLst/>
-              <a:latin typeface="Arial" charset="0"/>
-            </a:endParaRPr>
-          </a:p>
-          <a:p>
-            <a:pPr marL="0" marR="0" indent="0" algn="l" defTabSz="449263" rtl="0" eaLnBrk="1" fontAlgn="base" latinLnBrk="0" hangingPunct="1">
-              <a:lnSpc>
-                <a:spcPct val="100000"/>
-              </a:lnSpc>
-              <a:spcBef>
-                <a:spcPct val="0"/>
-              </a:spcBef>
-              <a:spcAft>
-                <a:spcPct val="0"/>
-              </a:spcAft>
-              <a:buClr>
-                <a:srgbClr val="000000"/>
-              </a:buClr>
-              <a:buSzPct val="100000"/>
-              <a:buFont typeface="Times New Roman" pitchFamily="16" charset="0"/>
-              <a:buNone/>
-              <a:tabLst/>
-            </a:pPr>
-            <a:endParaRPr kumimoji="0" lang="fi-FI" sz="1800" b="0" i="0" u="none" strike="noStrike" cap="none" normalizeH="0" dirty="0">
-              <a:ln>
-                <a:noFill/>
-              </a:ln>
-              <a:solidFill>
-                <a:schemeClr val="tx2">
-                  <a:lumMod val="75000"/>
-                  <a:lumOff val="25000"/>
-                </a:schemeClr>
-              </a:solidFill>
-              <a:effectLst/>
-              <a:latin typeface="Arial" charset="0"/>
-            </a:endParaRPr>
-          </a:p>
-        </p:txBody>
-      </p:sp>
+              <a:t>(90, 30)</a:t>
+            </a:r>
+          </a:p>
+        </p:txBody>
+      </p:sp>
+      <p:cxnSp>
+        <p:nvCxnSpPr>
+          <p:cNvPr id="50" name="Straight Arrow Connector 49"/>
+          <p:cNvCxnSpPr/>
+          <p:nvPr/>
+        </p:nvCxnSpPr>
+        <p:spPr>
+          <a:xfrm flipH="1">
+            <a:off x="7499788" y="2696991"/>
+            <a:ext cx="272566" cy="296631"/>
+          </a:xfrm>
+          <a:prstGeom prst="straightConnector1">
+            <a:avLst/>
+          </a:prstGeom>
+          <a:ln w="28575">
+            <a:solidFill>
+              <a:srgbClr val="FF0000"/>
+            </a:solidFill>
+            <a:tailEnd type="triangle"/>
+          </a:ln>
+        </p:spPr>
+        <p:style>
+          <a:lnRef idx="1">
+            <a:schemeClr val="accent1"/>
+          </a:lnRef>
+          <a:fillRef idx="0">
+            <a:schemeClr val="accent1"/>
+          </a:fillRef>
+          <a:effectRef idx="0">
+            <a:schemeClr val="accent1"/>
+          </a:effectRef>
+          <a:fontRef idx="minor">
+            <a:schemeClr val="tx1"/>
+          </a:fontRef>
+        </p:style>
+      </p:cxnSp>
       <p:pic>
         <p:nvPicPr>
-          <p:cNvPr id="14" name="Kuva 41"/>
+          <p:cNvPr id="12" name="Kuva 11">
+            <a:extLst>
+              <a:ext uri="{FF2B5EF4-FFF2-40B4-BE49-F238E27FC236}">
+                <a16:creationId xmlns:a16="http://schemas.microsoft.com/office/drawing/2014/main" id="{022D3F8F-8332-42C2-A0DA-B2FC0740CC09}"/>
+              </a:ext>
+            </a:extLst>
+          </p:cNvPr>
           <p:cNvPicPr>
             <a:picLocks noChangeAspect="1"/>
           </p:cNvPicPr>
           <p:nvPr/>
         </p:nvPicPr>
         <p:blipFill>
-          <a:blip r:embed="rId4">
-            <a:extLst>
-              <a:ext uri="{28A0092B-C50C-407E-A947-70E740481C1C}">
-                <a14:useLocalDpi xmlns:a14="http://schemas.microsoft.com/office/drawing/2010/main" val="0"/>
-              </a:ext>
-            </a:extLst>
-          </a:blip>
+          <a:blip r:embed="rId6"/>
           <a:stretch>
             <a:fillRect/>
           </a:stretch>
         </p:blipFill>
         <p:spPr>
           <a:xfrm>
-            <a:off x="8068724" y="1157135"/>
-            <a:ext cx="1075276" cy="516133"/>
+            <a:off x="899592" y="3058844"/>
+            <a:ext cx="601166" cy="249835"/>
           </a:xfrm>
           <a:prstGeom prst="rect">
             <a:avLst/>
           </a:prstGeom>
         </p:spPr>
       </p:pic>
-      <p:sp>
-        <p:nvSpPr>
-          <p:cNvPr id="2" name="TextBox 1"/>
-          <p:cNvSpPr txBox="1"/>
+      <p:pic>
+        <p:nvPicPr>
+          <p:cNvPr id="25" name="Kuva 24">
+            <a:extLst>
+              <a:ext uri="{FF2B5EF4-FFF2-40B4-BE49-F238E27FC236}">
+                <a16:creationId xmlns:a16="http://schemas.microsoft.com/office/drawing/2014/main" id="{4C5D0A7E-74B9-4AF3-9EFC-9C4714F9A8EF}"/>
+              </a:ext>
+            </a:extLst>
+          </p:cNvPr>
+          <p:cNvPicPr>
+            <a:picLocks noChangeAspect="1"/>
+          </p:cNvPicPr>
           <p:nvPr/>
-        </p:nvSpPr>
+        </p:nvPicPr>
+        <p:blipFill>
+          <a:blip r:embed="rId6"/>
+          <a:stretch>
+            <a:fillRect/>
+          </a:stretch>
+        </p:blipFill>
         <p:spPr>
           <a:xfrm>
-            <a:off x="2108194" y="4994320"/>
-            <a:ext cx="5045035" cy="923330"/>
+            <a:off x="677963" y="4170261"/>
+            <a:ext cx="601166" cy="249835"/>
           </a:xfrm>
           <a:prstGeom prst="rect">
             <a:avLst/>
           </a:prstGeom>
-          <a:noFill/>
-        </p:spPr>
-        <p:txBody>
-          <a:bodyPr wrap="none" rtlCol="0">
-            <a:spAutoFit/>
-          </a:bodyPr>
-          <a:lstStyle/>
-          <a:p>
-            <a:r>
-              <a:rPr lang="fi-FI" dirty="0">
-                <a:solidFill>
-                  <a:schemeClr val="tx2">
-                    <a:lumMod val="75000"/>
-                    <a:lumOff val="25000"/>
-                  </a:schemeClr>
-                </a:solidFill>
-                <a:latin typeface="Arial" charset="0"/>
-              </a:rPr>
-              <a:t>Vinkki: Katso Turtlen liikkuminen hidastetusti: </a:t>
-            </a:r>
-          </a:p>
-          <a:p>
-            <a:r>
-              <a:rPr lang="fi-FI" dirty="0">
-                <a:solidFill>
-                  <a:schemeClr val="tx2">
-                    <a:lumMod val="75000"/>
-                    <a:lumOff val="25000"/>
-                  </a:schemeClr>
-                </a:solidFill>
-                <a:latin typeface="Arial" charset="0"/>
-              </a:rPr>
-              <a:t>muuta </a:t>
-            </a:r>
-            <a:r>
-              <a:rPr lang="fi-FI" dirty="0">
-                <a:solidFill>
-                  <a:schemeClr val="tx2">
-                    <a:lumMod val="75000"/>
-                    <a:lumOff val="25000"/>
-                  </a:schemeClr>
-                </a:solidFill>
-                <a:latin typeface="Courier New" panose="02070309020205020404" pitchFamily="49" charset="0"/>
-                <a:cs typeface="Courier New" panose="02070309020205020404" pitchFamily="49" charset="0"/>
-              </a:rPr>
-              <a:t>draw</a:t>
-            </a:r>
-            <a:r>
-              <a:rPr lang="fi-FI" dirty="0">
-                <a:solidFill>
-                  <a:schemeClr val="tx2">
-                    <a:lumMod val="75000"/>
-                    <a:lumOff val="25000"/>
-                  </a:schemeClr>
-                </a:solidFill>
-                <a:latin typeface="Arial" charset="0"/>
-              </a:rPr>
-              <a:t>:n tilalle </a:t>
-            </a:r>
-            <a:r>
-              <a:rPr lang="fi-FI" dirty="0">
-                <a:solidFill>
-                  <a:schemeClr val="tx2">
-                    <a:lumMod val="75000"/>
-                    <a:lumOff val="25000"/>
-                  </a:schemeClr>
-                </a:solidFill>
-                <a:latin typeface="Courier New" panose="02070309020205020404" pitchFamily="49" charset="0"/>
-                <a:cs typeface="Courier New" panose="02070309020205020404" pitchFamily="49" charset="0"/>
-              </a:rPr>
-              <a:t>draw-step-by-step</a:t>
-            </a:r>
-            <a:endParaRPr lang="fi-FI" dirty="0">
-              <a:solidFill>
-                <a:schemeClr val="tx2">
-                  <a:lumMod val="75000"/>
-                  <a:lumOff val="25000"/>
-                </a:schemeClr>
-              </a:solidFill>
-              <a:latin typeface="Arial" charset="0"/>
-              <a:cs typeface="Courier New" panose="02070309020205020404" pitchFamily="49" charset="0"/>
-            </a:endParaRPr>
-          </a:p>
-          <a:p>
-            <a:r>
-              <a:rPr lang="fi-FI" dirty="0">
-                <a:solidFill>
-                  <a:schemeClr val="tx2">
-                    <a:lumMod val="75000"/>
-                    <a:lumOff val="25000"/>
-                  </a:schemeClr>
-                </a:solidFill>
-                <a:latin typeface="Arial" charset="0"/>
-                <a:cs typeface="Courier New" panose="02070309020205020404" pitchFamily="49" charset="0"/>
-              </a:rPr>
-              <a:t>ja paina välilyöntiä niin saat Turtlen etenemään.</a:t>
-            </a:r>
-            <a:endParaRPr lang="fi-FI" dirty="0">
-              <a:solidFill>
-                <a:schemeClr val="tx2">
-                  <a:lumMod val="75000"/>
-                  <a:lumOff val="25000"/>
-                </a:schemeClr>
-              </a:solidFill>
-              <a:latin typeface="Arial" charset="0"/>
-            </a:endParaRPr>
-          </a:p>
-        </p:txBody>
-      </p:sp>
+        </p:spPr>
+      </p:pic>
     </p:spTree>
     <p:extLst>
       <p:ext uri="{BB962C8B-B14F-4D97-AF65-F5344CB8AC3E}">
-        <p14:creationId xmlns:p14="http://schemas.microsoft.com/office/powerpoint/2010/main" val="2124229727"/>
+        <p14:creationId xmlns:p14="http://schemas.microsoft.com/office/powerpoint/2010/main" val="2184406978"/>
       </p:ext>
     </p:extLst>
   </p:cSld>
@@ -14670,7 +16313,7 @@
         </p:blipFill>
         <p:spPr bwMode="auto">
           <a:xfrm>
-            <a:off x="442925" y="5366163"/>
+            <a:off x="405542" y="5262205"/>
             <a:ext cx="1254667" cy="1254668"/>
           </a:xfrm>
           <a:prstGeom prst="rect">
@@ -14710,7 +16353,7 @@
         <p:spPr>
           <a:xfrm>
             <a:off x="442925" y="1457490"/>
-            <a:ext cx="5333511" cy="584775"/>
+            <a:ext cx="1685077" cy="584775"/>
           </a:xfrm>
           <a:prstGeom prst="rect">
             <a:avLst/>
@@ -14732,7 +16375,7 @@
                 </a:solidFill>
                 <a:latin typeface="Arial" charset="0"/>
               </a:rPr>
-              <a:t>2) mirror-x-on, mirror-x-off</a:t>
+              <a:t>1) go-to</a:t>
             </a:r>
             <a:endParaRPr lang="fi-FI" sz="3200" dirty="0"/>
           </a:p>
@@ -14999,7 +16642,7 @@
         <p:spPr>
           <a:xfrm>
             <a:off x="470745" y="2059059"/>
-            <a:ext cx="8216631" cy="3477875"/>
+            <a:ext cx="8216631" cy="2831544"/>
           </a:xfrm>
           <a:prstGeom prst="rect">
             <a:avLst/>
@@ -15012,7 +16655,7 @@
           <a:lstStyle/>
           <a:p>
             <a:r>
-              <a:rPr lang="fi-FI" sz="2400" b="1" i="1" dirty="0">
+              <a:rPr lang="fi-FI" sz="2800" b="1" i="1" dirty="0">
                 <a:solidFill>
                   <a:schemeClr val="tx2">
                     <a:lumMod val="75000"/>
@@ -15021,10 +16664,10 @@
                 </a:solidFill>
                 <a:latin typeface="Arial" charset="0"/>
               </a:rPr>
-              <a:t>a) </a:t>
-            </a:r>
-            <a:r>
-              <a:rPr lang="fi-FI" sz="2400" dirty="0">
+              <a:t>a)</a:t>
+            </a:r>
+            <a:r>
+              <a:rPr lang="fi-FI" sz="2800" dirty="0">
                 <a:solidFill>
                   <a:schemeClr val="tx2">
                     <a:lumMod val="75000"/>
@@ -15033,10 +16676,10 @@
                 </a:solidFill>
                 <a:latin typeface="Arial" charset="0"/>
               </a:rPr>
-              <a:t>Turtlelle voidaan aktivoida peilaus x-akselin suunnassa </a:t>
-            </a:r>
-            <a:r>
-              <a:rPr lang="fi-FI" sz="2400" dirty="0">
+              <a:t> Turtle liikkuu annettuun koordinaattipisteeseen </a:t>
+            </a:r>
+            <a:r>
+              <a:rPr lang="fi-FI" sz="2800" dirty="0">
                 <a:solidFill>
                   <a:schemeClr val="tx2">
                     <a:lumMod val="75000"/>
@@ -15046,10 +16689,10 @@
                 <a:latin typeface="Courier New" panose="02070309020205020404" pitchFamily="49" charset="0"/>
                 <a:cs typeface="Courier New" panose="02070309020205020404" pitchFamily="49" charset="0"/>
               </a:rPr>
-              <a:t>mirror-x-on</a:t>
-            </a:r>
-            <a:r>
-              <a:rPr lang="fi-FI" sz="2400" dirty="0">
+              <a:t>go-to</a:t>
+            </a:r>
+            <a:r>
+              <a:rPr lang="fi-FI" sz="2800" dirty="0">
                 <a:solidFill>
                   <a:schemeClr val="tx2">
                     <a:lumMod val="75000"/>
@@ -15058,10 +16701,10 @@
                 </a:solidFill>
                 <a:latin typeface="Arial" charset="0"/>
               </a:rPr>
-              <a:t>. Peilaustoiminnon saa pois päältä kutsumalla </a:t>
-            </a:r>
-            <a:r>
-              <a:rPr lang="fi-FI" sz="2400" dirty="0">
+              <a:t> - funktion avulla. Jatka koodia ja ohjaa Turtle tekemään kolmio käyttäen </a:t>
+            </a:r>
+            <a:r>
+              <a:rPr lang="fi-FI" sz="2800" dirty="0">
                 <a:solidFill>
                   <a:schemeClr val="tx2">
                     <a:lumMod val="75000"/>
@@ -15071,10 +16714,10 @@
                 <a:latin typeface="Courier New" panose="02070309020205020404" pitchFamily="49" charset="0"/>
                 <a:cs typeface="Courier New" panose="02070309020205020404" pitchFamily="49" charset="0"/>
               </a:rPr>
-              <a:t>mirror-x-off. </a:t>
-            </a:r>
-            <a:r>
-              <a:rPr lang="fi-FI" sz="2400" dirty="0">
+              <a:t>go-to</a:t>
+            </a:r>
+            <a:r>
+              <a:rPr lang="fi-FI" sz="2800" dirty="0">
                 <a:solidFill>
                   <a:schemeClr val="tx2">
                     <a:lumMod val="75000"/>
@@ -15083,158 +16726,61 @@
                 </a:solidFill>
                 <a:latin typeface="Arial" charset="0"/>
               </a:rPr>
-              <a:t>Kokeile seuraavaa koodia:</a:t>
-            </a:r>
-          </a:p>
-          <a:p>
-            <a:r>
-              <a:rPr lang="fi-FI" sz="2000" dirty="0">
+              <a:t> käskyjä.</a:t>
+            </a:r>
+          </a:p>
+          <a:p>
+            <a:r>
+              <a:rPr lang="fi-FI" sz="2800" b="1" i="1" dirty="0">
                 <a:solidFill>
                   <a:schemeClr val="tx2">
                     <a:lumMod val="75000"/>
                     <a:lumOff val="25000"/>
                   </a:schemeClr>
                 </a:solidFill>
-                <a:latin typeface="Courier New" panose="02070309020205020404" pitchFamily="49" charset="0"/>
-                <a:cs typeface="Courier New" panose="02070309020205020404" pitchFamily="49" charset="0"/>
+                <a:latin typeface="Arial" charset="0"/>
               </a:rPr>
-              <a:t>     (mirror-x-on)</a:t>
-            </a:r>
-          </a:p>
-          <a:p>
-            <a:r>
-              <a:rPr lang="fi-FI" sz="2000" dirty="0">
+              <a:t>b) </a:t>
+            </a:r>
+            <a:r>
+              <a:rPr lang="fi-FI" sz="2800" dirty="0">
                 <a:solidFill>
                   <a:schemeClr val="tx2">
                     <a:lumMod val="75000"/>
                     <a:lumOff val="25000"/>
                   </a:schemeClr>
                 </a:solidFill>
-                <a:latin typeface="Courier New" panose="02070309020205020404" pitchFamily="49" charset="0"/>
-                <a:cs typeface="Courier New" panose="02070309020205020404" pitchFamily="49" charset="0"/>
+                <a:latin typeface="Arial" charset="0"/>
               </a:rPr>
-              <a:t>     (go-to 120 120)</a:t>
-            </a:r>
-          </a:p>
-          <a:p>
-            <a:r>
-              <a:rPr lang="fi-FI" sz="2000" dirty="0">
+              <a:t>Ohjaa Turtle menemään pisteisiin: (120, 120), </a:t>
+            </a:r>
+          </a:p>
+          <a:p>
+            <a:r>
+              <a:rPr lang="fi-FI" sz="2800" dirty="0">
                 <a:solidFill>
                   <a:schemeClr val="tx2">
                     <a:lumMod val="75000"/>
                     <a:lumOff val="25000"/>
                   </a:schemeClr>
                 </a:solidFill>
-                <a:latin typeface="Courier New" panose="02070309020205020404" pitchFamily="49" charset="0"/>
-                <a:cs typeface="Courier New" panose="02070309020205020404" pitchFamily="49" charset="0"/>
+                <a:latin typeface="Arial" charset="0"/>
               </a:rPr>
-              <a:t>     (go-to -120 120)</a:t>
-            </a:r>
-          </a:p>
-          <a:p>
-            <a:r>
-              <a:rPr lang="fi-FI" sz="2000" dirty="0">
+              <a:t>(-120, 120), (120, -120), (-120, -120) ja (0, 0). Montako kertaa Turtle kävi pisteessä (0, 0)? </a:t>
+            </a:r>
+          </a:p>
+          <a:p>
+            <a:r>
+              <a:rPr lang="fi-FI" sz="1000" dirty="0">
                 <a:solidFill>
                   <a:schemeClr val="tx2">
                     <a:lumMod val="75000"/>
                     <a:lumOff val="25000"/>
                   </a:schemeClr>
                 </a:solidFill>
-                <a:latin typeface="Courier New" panose="02070309020205020404" pitchFamily="49" charset="0"/>
-                <a:cs typeface="Courier New" panose="02070309020205020404" pitchFamily="49" charset="0"/>
+                <a:latin typeface="Arial" charset="0"/>
               </a:rPr>
-              <a:t>     (go-to 0 0)</a:t>
-            </a:r>
-          </a:p>
-          <a:p>
-            <a:r>
-              <a:rPr lang="fi-FI" sz="2000" dirty="0">
-                <a:solidFill>
-                  <a:schemeClr val="tx2">
-                    <a:lumMod val="75000"/>
-                    <a:lumOff val="25000"/>
-                  </a:schemeClr>
-                </a:solidFill>
-                <a:latin typeface="Courier New" panose="02070309020205020404" pitchFamily="49" charset="0"/>
-                <a:cs typeface="Courier New" panose="02070309020205020404" pitchFamily="49" charset="0"/>
-              </a:rPr>
-              <a:t>     (mirror-x-off)</a:t>
-            </a:r>
-          </a:p>
-          <a:p>
-            <a:r>
-              <a:rPr lang="fi-FI" sz="2400" b="1" i="1" dirty="0">
-                <a:solidFill>
-                  <a:schemeClr val="tx2">
-                    <a:lumMod val="75000"/>
-                    <a:lumOff val="25000"/>
-                  </a:schemeClr>
-                </a:solidFill>
-                <a:latin typeface="Arial" charset="0"/>
-              </a:rPr>
-              <a:t>b) </a:t>
-            </a:r>
-            <a:r>
-              <a:rPr lang="fi-FI" sz="2400" dirty="0">
-                <a:solidFill>
-                  <a:schemeClr val="tx2">
-                    <a:lumMod val="75000"/>
-                    <a:lumOff val="25000"/>
-                  </a:schemeClr>
-                </a:solidFill>
-                <a:latin typeface="Arial" charset="0"/>
-              </a:rPr>
-              <a:t>Vaihda </a:t>
-            </a:r>
-            <a:r>
-              <a:rPr lang="fi-FI" sz="2400" dirty="0">
-                <a:solidFill>
-                  <a:schemeClr val="tx2">
-                    <a:lumMod val="75000"/>
-                    <a:lumOff val="25000"/>
-                  </a:schemeClr>
-                </a:solidFill>
-                <a:latin typeface="Courier New" panose="02070309020205020404" pitchFamily="49" charset="0"/>
-                <a:cs typeface="Courier New" panose="02070309020205020404" pitchFamily="49" charset="0"/>
-              </a:rPr>
-              <a:t>mirror-x-on</a:t>
-            </a:r>
-            <a:r>
-              <a:rPr lang="fi-FI" sz="2400" dirty="0">
-                <a:solidFill>
-                  <a:schemeClr val="tx2">
-                    <a:lumMod val="75000"/>
-                    <a:lumOff val="25000"/>
-                  </a:schemeClr>
-                </a:solidFill>
-                <a:latin typeface="Arial" charset="0"/>
-              </a:rPr>
-              <a:t>:n tilalle </a:t>
-            </a:r>
-            <a:r>
-              <a:rPr lang="fi-FI" sz="2400" dirty="0">
-                <a:solidFill>
-                  <a:schemeClr val="tx2">
-                    <a:lumMod val="75000"/>
-                    <a:lumOff val="25000"/>
-                  </a:schemeClr>
-                </a:solidFill>
-                <a:latin typeface="Courier New" panose="02070309020205020404" pitchFamily="49" charset="0"/>
-                <a:cs typeface="Courier New" panose="02070309020205020404" pitchFamily="49" charset="0"/>
-              </a:rPr>
-              <a:t>mirror-y-on</a:t>
-            </a:r>
-            <a:r>
-              <a:rPr lang="fi-FI" sz="2400" dirty="0">
-                <a:solidFill>
-                  <a:schemeClr val="tx2">
-                    <a:lumMod val="75000"/>
-                    <a:lumOff val="25000"/>
-                  </a:schemeClr>
-                </a:solidFill>
-                <a:latin typeface="Arial" charset="0"/>
-              </a:rPr>
-              <a:t>. Mitä tapahtuu? Miksi?</a:t>
+              <a:t> </a:t>
             </a:r>
           </a:p>
         </p:txBody>
@@ -15251,7 +16797,7 @@
         </p:nvSpPr>
         <p:spPr>
           <a:xfrm>
-            <a:off x="971600" y="5990385"/>
+            <a:off x="827584" y="6021367"/>
             <a:ext cx="4870585" cy="365125"/>
           </a:xfrm>
         </p:spPr>
@@ -15293,7 +16839,7 @@
         </p:blipFill>
         <p:spPr bwMode="auto">
           <a:xfrm>
-            <a:off x="7386527" y="5301581"/>
+            <a:off x="7320823" y="5197623"/>
             <a:ext cx="1495802" cy="1383832"/>
           </a:xfrm>
           <a:prstGeom prst="rect">
@@ -15492,10 +17038,133 @@
           </a:prstGeom>
         </p:spPr>
       </p:pic>
+      <p:sp>
+        <p:nvSpPr>
+          <p:cNvPr id="2" name="TextBox 1"/>
+          <p:cNvSpPr txBox="1"/>
+          <p:nvPr/>
+        </p:nvSpPr>
+        <p:spPr>
+          <a:xfrm>
+            <a:off x="2108194" y="4994320"/>
+            <a:ext cx="5045035" cy="923330"/>
+          </a:xfrm>
+          <a:prstGeom prst="rect">
+            <a:avLst/>
+          </a:prstGeom>
+          <a:noFill/>
+        </p:spPr>
+        <p:txBody>
+          <a:bodyPr wrap="none" rtlCol="0">
+            <a:spAutoFit/>
+          </a:bodyPr>
+          <a:lstStyle/>
+          <a:p>
+            <a:r>
+              <a:rPr lang="fi-FI" dirty="0">
+                <a:solidFill>
+                  <a:schemeClr val="tx2">
+                    <a:lumMod val="75000"/>
+                    <a:lumOff val="25000"/>
+                  </a:schemeClr>
+                </a:solidFill>
+                <a:latin typeface="Arial" charset="0"/>
+              </a:rPr>
+              <a:t>Vinkki: Katso Turtlen liikkuminen hidastetusti: </a:t>
+            </a:r>
+          </a:p>
+          <a:p>
+            <a:r>
+              <a:rPr lang="fi-FI" dirty="0">
+                <a:solidFill>
+                  <a:schemeClr val="tx2">
+                    <a:lumMod val="75000"/>
+                    <a:lumOff val="25000"/>
+                  </a:schemeClr>
+                </a:solidFill>
+                <a:latin typeface="Arial" charset="0"/>
+              </a:rPr>
+              <a:t>muuta </a:t>
+            </a:r>
+            <a:r>
+              <a:rPr lang="fi-FI" dirty="0">
+                <a:solidFill>
+                  <a:schemeClr val="tx2">
+                    <a:lumMod val="75000"/>
+                    <a:lumOff val="25000"/>
+                  </a:schemeClr>
+                </a:solidFill>
+                <a:latin typeface="Courier New" panose="02070309020205020404" pitchFamily="49" charset="0"/>
+                <a:cs typeface="Courier New" panose="02070309020205020404" pitchFamily="49" charset="0"/>
+              </a:rPr>
+              <a:t>draw</a:t>
+            </a:r>
+            <a:r>
+              <a:rPr lang="fi-FI" dirty="0">
+                <a:solidFill>
+                  <a:schemeClr val="tx2">
+                    <a:lumMod val="75000"/>
+                    <a:lumOff val="25000"/>
+                  </a:schemeClr>
+                </a:solidFill>
+                <a:latin typeface="Arial" charset="0"/>
+              </a:rPr>
+              <a:t>:n tilalle </a:t>
+            </a:r>
+            <a:r>
+              <a:rPr lang="fi-FI" dirty="0">
+                <a:solidFill>
+                  <a:schemeClr val="tx2">
+                    <a:lumMod val="75000"/>
+                    <a:lumOff val="25000"/>
+                  </a:schemeClr>
+                </a:solidFill>
+                <a:latin typeface="Courier New" panose="02070309020205020404" pitchFamily="49" charset="0"/>
+                <a:cs typeface="Courier New" panose="02070309020205020404" pitchFamily="49" charset="0"/>
+              </a:rPr>
+              <a:t>draw-step-by-step</a:t>
+            </a:r>
+            <a:endParaRPr lang="fi-FI" dirty="0">
+              <a:solidFill>
+                <a:schemeClr val="tx2">
+                  <a:lumMod val="75000"/>
+                  <a:lumOff val="25000"/>
+                </a:schemeClr>
+              </a:solidFill>
+              <a:latin typeface="Arial" charset="0"/>
+              <a:cs typeface="Courier New" panose="02070309020205020404" pitchFamily="49" charset="0"/>
+            </a:endParaRPr>
+          </a:p>
+          <a:p>
+            <a:r>
+              <a:rPr lang="fi-FI" dirty="0">
+                <a:solidFill>
+                  <a:schemeClr val="tx2">
+                    <a:lumMod val="75000"/>
+                    <a:lumOff val="25000"/>
+                  </a:schemeClr>
+                </a:solidFill>
+                <a:latin typeface="Arial" charset="0"/>
+                <a:cs typeface="Courier New" panose="02070309020205020404" pitchFamily="49" charset="0"/>
+              </a:rPr>
+              <a:t>ja paina välilyöntiä niin saat Turtlen etenemään.</a:t>
+            </a:r>
+            <a:endParaRPr lang="fi-FI" dirty="0">
+              <a:solidFill>
+                <a:schemeClr val="tx2">
+                  <a:lumMod val="75000"/>
+                  <a:lumOff val="25000"/>
+                </a:schemeClr>
+              </a:solidFill>
+              <a:latin typeface="Arial" charset="0"/>
+            </a:endParaRPr>
+          </a:p>
+        </p:txBody>
+      </p:sp>
     </p:spTree>
     <p:extLst>
       <p:ext uri="{BB962C8B-B14F-4D97-AF65-F5344CB8AC3E}">
-        <p14:creationId xmlns:p14="http://schemas.microsoft.com/office/powerpoint/2010/main" val="719199385"/>
+        <p14:creationId xmlns:p14="http://schemas.microsoft.com/office/powerpoint/2010/main" val="2124229727"/>
       </p:ext>
     </p:extLst>
   </p:cSld>
@@ -15524,7 +17193,7 @@
       </p:grpSpPr>
       <p:pic>
         <p:nvPicPr>
-          <p:cNvPr id="10" name="Picture 8" descr="https://avatars0.githubusercontent.com/u/232371?v=3&amp;s=400"/>
+          <p:cNvPr id="3" name="Picture 8" descr="https://avatars0.githubusercontent.com/u/232371?v=3&amp;s=400"/>
           <p:cNvPicPr>
             <a:picLocks noChangeAspect="1" noChangeArrowheads="1"/>
           </p:cNvPicPr>
@@ -15545,7 +17214,7 @@
         </p:blipFill>
         <p:spPr bwMode="auto">
           <a:xfrm>
-            <a:off x="179512" y="5278538"/>
+            <a:off x="442925" y="5366163"/>
             <a:ext cx="1254667" cy="1254668"/>
           </a:xfrm>
           <a:prstGeom prst="rect">
@@ -15578,7 +17247,637 @@
       </p:pic>
       <p:sp>
         <p:nvSpPr>
+          <p:cNvPr id="5" name="Suorakulmio 4"/>
+          <p:cNvSpPr/>
+          <p:nvPr/>
+        </p:nvSpPr>
+        <p:spPr>
+          <a:xfrm>
+            <a:off x="442925" y="1457490"/>
+            <a:ext cx="5333511" cy="584775"/>
+          </a:xfrm>
+          <a:prstGeom prst="rect">
+            <a:avLst/>
+          </a:prstGeom>
+        </p:spPr>
+        <p:txBody>
+          <a:bodyPr wrap="none">
+            <a:spAutoFit/>
+          </a:bodyPr>
+          <a:lstStyle/>
+          <a:p>
+            <a:r>
+              <a:rPr lang="fi-FI" sz="3200" b="1" dirty="0">
+                <a:solidFill>
+                  <a:schemeClr val="tx2">
+                    <a:lumMod val="75000"/>
+                    <a:lumOff val="25000"/>
+                  </a:schemeClr>
+                </a:solidFill>
+                <a:latin typeface="Arial" charset="0"/>
+              </a:rPr>
+              <a:t>2) mirror-x-on, mirror-x-off</a:t>
+            </a:r>
+            <a:endParaRPr lang="fi-FI" sz="3200" dirty="0"/>
+          </a:p>
+        </p:txBody>
+      </p:sp>
+      <p:sp>
+        <p:nvSpPr>
+          <p:cNvPr id="10" name="Otsikko 1"/>
+          <p:cNvSpPr txBox="1">
+            <a:spLocks/>
+          </p:cNvSpPr>
+          <p:nvPr/>
+        </p:nvSpPr>
+        <p:spPr bwMode="auto">
+          <a:xfrm>
+            <a:off x="353192" y="752966"/>
+            <a:ext cx="5947000" cy="599694"/>
+          </a:xfrm>
+          <a:prstGeom prst="rect">
+            <a:avLst/>
+          </a:prstGeom>
+          <a:noFill/>
+          <a:ln>
+            <a:noFill/>
+          </a:ln>
+          <a:extLst>
+            <a:ext uri="{909E8E84-426E-40DD-AFC4-6F175D3DCCD1}">
+              <a14:hiddenFill xmlns:a14="http://schemas.microsoft.com/office/drawing/2010/main">
+                <a:solidFill>
+                  <a:srgbClr val="FFFFFF"/>
+                </a:solidFill>
+              </a14:hiddenFill>
+            </a:ext>
+            <a:ext uri="{91240B29-F687-4F45-9708-019B960494DF}">
+              <a14:hiddenLine xmlns:a14="http://schemas.microsoft.com/office/drawing/2010/main" w="9525">
+                <a:solidFill>
+                  <a:srgbClr val="000000"/>
+                </a:solidFill>
+                <a:round/>
+                <a:headEnd/>
+                <a:tailEnd/>
+              </a14:hiddenLine>
+            </a:ext>
+          </a:extLst>
+        </p:spPr>
+        <p:txBody>
+          <a:bodyPr vert="horz" wrap="square" lIns="90000" tIns="46800" rIns="90000" bIns="46800" numCol="1" anchor="ctr" anchorCtr="0" compatLnSpc="1">
+            <a:prstTxWarp prst="textNoShape">
+              <a:avLst/>
+            </a:prstTxWarp>
+          </a:bodyPr>
+          <a:lstStyle>
+            <a:lvl1pPr algn="ctr" defTabSz="449263" rtl="0" eaLnBrk="0" fontAlgn="base" hangingPunct="0">
+              <a:spcBef>
+                <a:spcPct val="0"/>
+              </a:spcBef>
+              <a:spcAft>
+                <a:spcPct val="0"/>
+              </a:spcAft>
+              <a:buClr>
+                <a:srgbClr val="000000"/>
+              </a:buClr>
+              <a:buSzPct val="100000"/>
+              <a:buFont typeface="Times New Roman" panose="02020603050405020304" pitchFamily="18" charset="0"/>
+              <a:defRPr sz="4400">
+                <a:solidFill>
+                  <a:srgbClr val="000000"/>
+                </a:solidFill>
+                <a:latin typeface="+mj-lt"/>
+                <a:ea typeface="+mj-ea"/>
+                <a:cs typeface="+mj-cs"/>
+              </a:defRPr>
+            </a:lvl1pPr>
+            <a:lvl2pPr algn="ctr" defTabSz="449263" rtl="0" eaLnBrk="0" fontAlgn="base" hangingPunct="0">
+              <a:spcBef>
+                <a:spcPct val="0"/>
+              </a:spcBef>
+              <a:spcAft>
+                <a:spcPct val="0"/>
+              </a:spcAft>
+              <a:buClr>
+                <a:srgbClr val="000000"/>
+              </a:buClr>
+              <a:buSzPct val="100000"/>
+              <a:buFont typeface="Times New Roman" panose="02020603050405020304" pitchFamily="18" charset="0"/>
+              <a:defRPr sz="4400">
+                <a:solidFill>
+                  <a:srgbClr val="000000"/>
+                </a:solidFill>
+                <a:latin typeface="Arial" charset="0"/>
+                <a:ea typeface="AR PL Mingti2L Big5" charset="0"/>
+                <a:cs typeface="AR PL Mingti2L Big5" charset="0"/>
+              </a:defRPr>
+            </a:lvl2pPr>
+            <a:lvl3pPr algn="ctr" defTabSz="449263" rtl="0" eaLnBrk="0" fontAlgn="base" hangingPunct="0">
+              <a:spcBef>
+                <a:spcPct val="0"/>
+              </a:spcBef>
+              <a:spcAft>
+                <a:spcPct val="0"/>
+              </a:spcAft>
+              <a:buClr>
+                <a:srgbClr val="000000"/>
+              </a:buClr>
+              <a:buSzPct val="100000"/>
+              <a:buFont typeface="Times New Roman" panose="02020603050405020304" pitchFamily="18" charset="0"/>
+              <a:defRPr sz="4400">
+                <a:solidFill>
+                  <a:srgbClr val="000000"/>
+                </a:solidFill>
+                <a:latin typeface="Arial" charset="0"/>
+                <a:ea typeface="AR PL Mingti2L Big5" charset="0"/>
+                <a:cs typeface="AR PL Mingti2L Big5" charset="0"/>
+              </a:defRPr>
+            </a:lvl3pPr>
+            <a:lvl4pPr algn="ctr" defTabSz="449263" rtl="0" eaLnBrk="0" fontAlgn="base" hangingPunct="0">
+              <a:spcBef>
+                <a:spcPct val="0"/>
+              </a:spcBef>
+              <a:spcAft>
+                <a:spcPct val="0"/>
+              </a:spcAft>
+              <a:buClr>
+                <a:srgbClr val="000000"/>
+              </a:buClr>
+              <a:buSzPct val="100000"/>
+              <a:buFont typeface="Times New Roman" panose="02020603050405020304" pitchFamily="18" charset="0"/>
+              <a:defRPr sz="4400">
+                <a:solidFill>
+                  <a:srgbClr val="000000"/>
+                </a:solidFill>
+                <a:latin typeface="Arial" charset="0"/>
+                <a:ea typeface="AR PL Mingti2L Big5" charset="0"/>
+                <a:cs typeface="AR PL Mingti2L Big5" charset="0"/>
+              </a:defRPr>
+            </a:lvl4pPr>
+            <a:lvl5pPr algn="ctr" defTabSz="449263" rtl="0" eaLnBrk="0" fontAlgn="base" hangingPunct="0">
+              <a:spcBef>
+                <a:spcPct val="0"/>
+              </a:spcBef>
+              <a:spcAft>
+                <a:spcPct val="0"/>
+              </a:spcAft>
+              <a:buClr>
+                <a:srgbClr val="000000"/>
+              </a:buClr>
+              <a:buSzPct val="100000"/>
+              <a:buFont typeface="Times New Roman" panose="02020603050405020304" pitchFamily="18" charset="0"/>
+              <a:defRPr sz="4400">
+                <a:solidFill>
+                  <a:srgbClr val="000000"/>
+                </a:solidFill>
+                <a:latin typeface="Arial" charset="0"/>
+                <a:ea typeface="AR PL Mingti2L Big5" charset="0"/>
+                <a:cs typeface="AR PL Mingti2L Big5" charset="0"/>
+              </a:defRPr>
+            </a:lvl5pPr>
+            <a:lvl6pPr marL="2514600" indent="-228600" algn="ctr" defTabSz="449263" rtl="0" fontAlgn="base">
+              <a:spcBef>
+                <a:spcPct val="0"/>
+              </a:spcBef>
+              <a:spcAft>
+                <a:spcPct val="0"/>
+              </a:spcAft>
+              <a:buClr>
+                <a:srgbClr val="000000"/>
+              </a:buClr>
+              <a:buSzPct val="100000"/>
+              <a:buFont typeface="Times New Roman" pitchFamily="16" charset="0"/>
+              <a:defRPr sz="4400">
+                <a:solidFill>
+                  <a:srgbClr val="000000"/>
+                </a:solidFill>
+                <a:latin typeface="Arial" charset="0"/>
+                <a:ea typeface="AR PL Mingti2L Big5" charset="0"/>
+                <a:cs typeface="AR PL Mingti2L Big5" charset="0"/>
+              </a:defRPr>
+            </a:lvl6pPr>
+            <a:lvl7pPr marL="2971800" indent="-228600" algn="ctr" defTabSz="449263" rtl="0" fontAlgn="base">
+              <a:spcBef>
+                <a:spcPct val="0"/>
+              </a:spcBef>
+              <a:spcAft>
+                <a:spcPct val="0"/>
+              </a:spcAft>
+              <a:buClr>
+                <a:srgbClr val="000000"/>
+              </a:buClr>
+              <a:buSzPct val="100000"/>
+              <a:buFont typeface="Times New Roman" pitchFamily="16" charset="0"/>
+              <a:defRPr sz="4400">
+                <a:solidFill>
+                  <a:srgbClr val="000000"/>
+                </a:solidFill>
+                <a:latin typeface="Arial" charset="0"/>
+                <a:ea typeface="AR PL Mingti2L Big5" charset="0"/>
+                <a:cs typeface="AR PL Mingti2L Big5" charset="0"/>
+              </a:defRPr>
+            </a:lvl7pPr>
+            <a:lvl8pPr marL="3429000" indent="-228600" algn="ctr" defTabSz="449263" rtl="0" fontAlgn="base">
+              <a:spcBef>
+                <a:spcPct val="0"/>
+              </a:spcBef>
+              <a:spcAft>
+                <a:spcPct val="0"/>
+              </a:spcAft>
+              <a:buClr>
+                <a:srgbClr val="000000"/>
+              </a:buClr>
+              <a:buSzPct val="100000"/>
+              <a:buFont typeface="Times New Roman" pitchFamily="16" charset="0"/>
+              <a:defRPr sz="4400">
+                <a:solidFill>
+                  <a:srgbClr val="000000"/>
+                </a:solidFill>
+                <a:latin typeface="Arial" charset="0"/>
+                <a:ea typeface="AR PL Mingti2L Big5" charset="0"/>
+                <a:cs typeface="AR PL Mingti2L Big5" charset="0"/>
+              </a:defRPr>
+            </a:lvl8pPr>
+            <a:lvl9pPr marL="3886200" indent="-228600" algn="ctr" defTabSz="449263" rtl="0" fontAlgn="base">
+              <a:spcBef>
+                <a:spcPct val="0"/>
+              </a:spcBef>
+              <a:spcAft>
+                <a:spcPct val="0"/>
+              </a:spcAft>
+              <a:buClr>
+                <a:srgbClr val="000000"/>
+              </a:buClr>
+              <a:buSzPct val="100000"/>
+              <a:buFont typeface="Times New Roman" pitchFamily="16" charset="0"/>
+              <a:defRPr sz="4400">
+                <a:solidFill>
+                  <a:srgbClr val="000000"/>
+                </a:solidFill>
+                <a:latin typeface="Arial" charset="0"/>
+                <a:ea typeface="AR PL Mingti2L Big5" charset="0"/>
+                <a:cs typeface="AR PL Mingti2L Big5" charset="0"/>
+              </a:defRPr>
+            </a:lvl9pPr>
+          </a:lstStyle>
+          <a:p>
+            <a:pPr algn="l"/>
+            <a:r>
+              <a:rPr lang="fi-FI" altLang="fi-FI" sz="4000" b="1" kern="0" dirty="0">
+                <a:solidFill>
+                  <a:schemeClr val="accent6">
+                    <a:lumMod val="75000"/>
+                  </a:schemeClr>
+                </a:solidFill>
+              </a:rPr>
+              <a:t>Tutustutaan funktioihin</a:t>
+            </a:r>
+          </a:p>
+        </p:txBody>
+      </p:sp>
+      <p:sp>
+        <p:nvSpPr>
           <p:cNvPr id="13" name="Suorakulmio 12"/>
+          <p:cNvSpPr/>
+          <p:nvPr/>
+        </p:nvSpPr>
+        <p:spPr>
+          <a:xfrm>
+            <a:off x="470745" y="2059059"/>
+            <a:ext cx="8216631" cy="3477875"/>
+          </a:xfrm>
+          <a:prstGeom prst="rect">
+            <a:avLst/>
+          </a:prstGeom>
+        </p:spPr>
+        <p:txBody>
+          <a:bodyPr wrap="square">
+            <a:spAutoFit/>
+          </a:bodyPr>
+          <a:lstStyle/>
+          <a:p>
+            <a:r>
+              <a:rPr lang="fi-FI" sz="2400" b="1" i="1" dirty="0">
+                <a:solidFill>
+                  <a:schemeClr val="tx2">
+                    <a:lumMod val="75000"/>
+                    <a:lumOff val="25000"/>
+                  </a:schemeClr>
+                </a:solidFill>
+                <a:latin typeface="Arial" charset="0"/>
+              </a:rPr>
+              <a:t>a) </a:t>
+            </a:r>
+            <a:r>
+              <a:rPr lang="fi-FI" sz="2400" dirty="0">
+                <a:solidFill>
+                  <a:schemeClr val="tx2">
+                    <a:lumMod val="75000"/>
+                    <a:lumOff val="25000"/>
+                  </a:schemeClr>
+                </a:solidFill>
+                <a:latin typeface="Arial" charset="0"/>
+              </a:rPr>
+              <a:t>Turtlelle voidaan aktivoida peilaus x-akselin suunnassa </a:t>
+            </a:r>
+            <a:r>
+              <a:rPr lang="fi-FI" sz="2400" dirty="0">
+                <a:solidFill>
+                  <a:schemeClr val="tx2">
+                    <a:lumMod val="75000"/>
+                    <a:lumOff val="25000"/>
+                  </a:schemeClr>
+                </a:solidFill>
+                <a:latin typeface="Courier New" panose="02070309020205020404" pitchFamily="49" charset="0"/>
+                <a:cs typeface="Courier New" panose="02070309020205020404" pitchFamily="49" charset="0"/>
+              </a:rPr>
+              <a:t>mirror-x-on</a:t>
+            </a:r>
+            <a:r>
+              <a:rPr lang="fi-FI" sz="2400" dirty="0">
+                <a:solidFill>
+                  <a:schemeClr val="tx2">
+                    <a:lumMod val="75000"/>
+                    <a:lumOff val="25000"/>
+                  </a:schemeClr>
+                </a:solidFill>
+                <a:latin typeface="Arial" charset="0"/>
+              </a:rPr>
+              <a:t>. Peilaustoiminnon saa pois päältä kutsumalla </a:t>
+            </a:r>
+            <a:r>
+              <a:rPr lang="fi-FI" sz="2400" dirty="0">
+                <a:solidFill>
+                  <a:schemeClr val="tx2">
+                    <a:lumMod val="75000"/>
+                    <a:lumOff val="25000"/>
+                  </a:schemeClr>
+                </a:solidFill>
+                <a:latin typeface="Courier New" panose="02070309020205020404" pitchFamily="49" charset="0"/>
+                <a:cs typeface="Courier New" panose="02070309020205020404" pitchFamily="49" charset="0"/>
+              </a:rPr>
+              <a:t>mirror-x-off. </a:t>
+            </a:r>
+            <a:r>
+              <a:rPr lang="fi-FI" sz="2400" dirty="0">
+                <a:solidFill>
+                  <a:schemeClr val="tx2">
+                    <a:lumMod val="75000"/>
+                    <a:lumOff val="25000"/>
+                  </a:schemeClr>
+                </a:solidFill>
+                <a:latin typeface="Arial" charset="0"/>
+              </a:rPr>
+              <a:t>Kokeile seuraavaa koodia:</a:t>
+            </a:r>
+          </a:p>
+          <a:p>
+            <a:r>
+              <a:rPr lang="fi-FI" sz="2000" dirty="0">
+                <a:solidFill>
+                  <a:schemeClr val="tx2">
+                    <a:lumMod val="75000"/>
+                    <a:lumOff val="25000"/>
+                  </a:schemeClr>
+                </a:solidFill>
+                <a:latin typeface="Courier New" panose="02070309020205020404" pitchFamily="49" charset="0"/>
+                <a:cs typeface="Courier New" panose="02070309020205020404" pitchFamily="49" charset="0"/>
+              </a:rPr>
+              <a:t>     (mirror-x-on)</a:t>
+            </a:r>
+          </a:p>
+          <a:p>
+            <a:r>
+              <a:rPr lang="fi-FI" sz="2000" dirty="0">
+                <a:solidFill>
+                  <a:schemeClr val="tx2">
+                    <a:lumMod val="75000"/>
+                    <a:lumOff val="25000"/>
+                  </a:schemeClr>
+                </a:solidFill>
+                <a:latin typeface="Courier New" panose="02070309020205020404" pitchFamily="49" charset="0"/>
+                <a:cs typeface="Courier New" panose="02070309020205020404" pitchFamily="49" charset="0"/>
+              </a:rPr>
+              <a:t>     (go-to 120 120)</a:t>
+            </a:r>
+          </a:p>
+          <a:p>
+            <a:r>
+              <a:rPr lang="fi-FI" sz="2000" dirty="0">
+                <a:solidFill>
+                  <a:schemeClr val="tx2">
+                    <a:lumMod val="75000"/>
+                    <a:lumOff val="25000"/>
+                  </a:schemeClr>
+                </a:solidFill>
+                <a:latin typeface="Courier New" panose="02070309020205020404" pitchFamily="49" charset="0"/>
+                <a:cs typeface="Courier New" panose="02070309020205020404" pitchFamily="49" charset="0"/>
+              </a:rPr>
+              <a:t>     (go-to -120 120)</a:t>
+            </a:r>
+          </a:p>
+          <a:p>
+            <a:r>
+              <a:rPr lang="fi-FI" sz="2000" dirty="0">
+                <a:solidFill>
+                  <a:schemeClr val="tx2">
+                    <a:lumMod val="75000"/>
+                    <a:lumOff val="25000"/>
+                  </a:schemeClr>
+                </a:solidFill>
+                <a:latin typeface="Courier New" panose="02070309020205020404" pitchFamily="49" charset="0"/>
+                <a:cs typeface="Courier New" panose="02070309020205020404" pitchFamily="49" charset="0"/>
+              </a:rPr>
+              <a:t>     (go-to 0 0)</a:t>
+            </a:r>
+          </a:p>
+          <a:p>
+            <a:r>
+              <a:rPr lang="fi-FI" sz="2000" dirty="0">
+                <a:solidFill>
+                  <a:schemeClr val="tx2">
+                    <a:lumMod val="75000"/>
+                    <a:lumOff val="25000"/>
+                  </a:schemeClr>
+                </a:solidFill>
+                <a:latin typeface="Courier New" panose="02070309020205020404" pitchFamily="49" charset="0"/>
+                <a:cs typeface="Courier New" panose="02070309020205020404" pitchFamily="49" charset="0"/>
+              </a:rPr>
+              <a:t>     (mirror-x-off)</a:t>
+            </a:r>
+          </a:p>
+          <a:p>
+            <a:r>
+              <a:rPr lang="fi-FI" sz="2400" b="1" i="1" dirty="0">
+                <a:solidFill>
+                  <a:schemeClr val="tx2">
+                    <a:lumMod val="75000"/>
+                    <a:lumOff val="25000"/>
+                  </a:schemeClr>
+                </a:solidFill>
+                <a:latin typeface="Arial" charset="0"/>
+              </a:rPr>
+              <a:t>b) </a:t>
+            </a:r>
+            <a:r>
+              <a:rPr lang="fi-FI" sz="2400" dirty="0">
+                <a:solidFill>
+                  <a:schemeClr val="tx2">
+                    <a:lumMod val="75000"/>
+                    <a:lumOff val="25000"/>
+                  </a:schemeClr>
+                </a:solidFill>
+                <a:latin typeface="Arial" charset="0"/>
+              </a:rPr>
+              <a:t>Vaihda </a:t>
+            </a:r>
+            <a:r>
+              <a:rPr lang="fi-FI" sz="2400" dirty="0">
+                <a:solidFill>
+                  <a:schemeClr val="tx2">
+                    <a:lumMod val="75000"/>
+                    <a:lumOff val="25000"/>
+                  </a:schemeClr>
+                </a:solidFill>
+                <a:latin typeface="Courier New" panose="02070309020205020404" pitchFamily="49" charset="0"/>
+                <a:cs typeface="Courier New" panose="02070309020205020404" pitchFamily="49" charset="0"/>
+              </a:rPr>
+              <a:t>mirror-x-on</a:t>
+            </a:r>
+            <a:r>
+              <a:rPr lang="fi-FI" sz="2400" dirty="0">
+                <a:solidFill>
+                  <a:schemeClr val="tx2">
+                    <a:lumMod val="75000"/>
+                    <a:lumOff val="25000"/>
+                  </a:schemeClr>
+                </a:solidFill>
+                <a:latin typeface="Arial" charset="0"/>
+              </a:rPr>
+              <a:t>:n tilalle </a:t>
+            </a:r>
+            <a:r>
+              <a:rPr lang="fi-FI" sz="2400" dirty="0">
+                <a:solidFill>
+                  <a:schemeClr val="tx2">
+                    <a:lumMod val="75000"/>
+                    <a:lumOff val="25000"/>
+                  </a:schemeClr>
+                </a:solidFill>
+                <a:latin typeface="Courier New" panose="02070309020205020404" pitchFamily="49" charset="0"/>
+                <a:cs typeface="Courier New" panose="02070309020205020404" pitchFamily="49" charset="0"/>
+              </a:rPr>
+              <a:t>mirror-y-on</a:t>
+            </a:r>
+            <a:r>
+              <a:rPr lang="fi-FI" sz="2400" dirty="0">
+                <a:solidFill>
+                  <a:schemeClr val="tx2">
+                    <a:lumMod val="75000"/>
+                    <a:lumOff val="25000"/>
+                  </a:schemeClr>
+                </a:solidFill>
+                <a:latin typeface="Arial" charset="0"/>
+              </a:rPr>
+              <a:t>. Mitä tapahtuu? Miksi?</a:t>
+            </a:r>
+          </a:p>
+        </p:txBody>
+      </p:sp>
+      <p:sp>
+        <p:nvSpPr>
+          <p:cNvPr id="17" name="Alatunnisteen paikkamerkki 16"/>
+          <p:cNvSpPr>
+            <a:spLocks noGrp="1"/>
+          </p:cNvSpPr>
+          <p:nvPr>
+            <p:ph type="ftr" sz="quarter" idx="11"/>
+          </p:nvPr>
+        </p:nvSpPr>
+        <p:spPr>
+          <a:xfrm>
+            <a:off x="971600" y="5990385"/>
+            <a:ext cx="4870585" cy="365125"/>
+          </a:xfrm>
+        </p:spPr>
+        <p:txBody>
+          <a:bodyPr/>
+          <a:lstStyle/>
+          <a:p>
+            <a:pPr algn="r">
+              <a:defRPr/>
+            </a:pPr>
+            <a:r>
+              <a:rPr lang="fi-FI" dirty="0"/>
+              <a:t>MAOL Ohjelmointia matematiikkaan</a:t>
+            </a:r>
+            <a:endParaRPr lang="ru-RU" dirty="0"/>
+          </a:p>
+        </p:txBody>
+      </p:sp>
+      <p:pic>
+        <p:nvPicPr>
+          <p:cNvPr id="33" name="Picture 2" descr="WeScheme Logo"/>
+          <p:cNvPicPr>
+            <a:picLocks noChangeAspect="1" noChangeArrowheads="1"/>
+          </p:cNvPicPr>
+          <p:nvPr/>
+        </p:nvPicPr>
+        <p:blipFill>
+          <a:blip r:embed="rId3" cstate="print">
+            <a:extLst>
+              <a:ext uri="{28A0092B-C50C-407E-A947-70E740481C1C}">
+                <a14:useLocalDpi xmlns:a14="http://schemas.microsoft.com/office/drawing/2010/main" val="0"/>
+              </a:ext>
+            </a:extLst>
+          </a:blip>
+          <a:srcRect/>
+          <a:stretch>
+            <a:fillRect/>
+          </a:stretch>
+        </p:blipFill>
+        <p:spPr bwMode="auto">
+          <a:xfrm>
+            <a:off x="7386527" y="5301581"/>
+            <a:ext cx="1495802" cy="1383832"/>
+          </a:xfrm>
+          <a:prstGeom prst="rect">
+            <a:avLst/>
+          </a:prstGeom>
+          <a:noFill/>
+          <a:ln>
+            <a:noFill/>
+          </a:ln>
+          <a:effectLst>
+            <a:outerShdw blurRad="50800" dist="38100" dir="5400000" algn="t" rotWithShape="0">
+              <a:prstClr val="black">
+                <a:alpha val="40000"/>
+              </a:prstClr>
+            </a:outerShdw>
+          </a:effectLst>
+          <a:extLst>
+            <a:ext uri="{909E8E84-426E-40DD-AFC4-6F175D3DCCD1}">
+              <a14:hiddenFill xmlns:a14="http://schemas.microsoft.com/office/drawing/2010/main">
+                <a:solidFill>
+                  <a:srgbClr val="FFFFFF"/>
+                </a:solidFill>
+              </a14:hiddenFill>
+            </a:ext>
+            <a:ext uri="{91240B29-F687-4F45-9708-019B960494DF}">
+              <a14:hiddenLine xmlns:a14="http://schemas.microsoft.com/office/drawing/2010/main" w="9525">
+                <a:solidFill>
+                  <a:srgbClr val="000000"/>
+                </a:solidFill>
+                <a:miter lim="800000"/>
+                <a:headEnd/>
+                <a:tailEnd/>
+              </a14:hiddenLine>
+            </a:ext>
+          </a:extLst>
+        </p:spPr>
+      </p:pic>
+      <p:sp>
+        <p:nvSpPr>
+          <p:cNvPr id="35" name="Suorakulmio 10"/>
           <p:cNvSpPr/>
           <p:nvPr/>
         </p:nvSpPr>
@@ -15707,108 +18006,16 @@
           </a:p>
         </p:txBody>
       </p:sp>
-      <p:sp>
-        <p:nvSpPr>
-          <p:cNvPr id="43" name="Suorakulmio 42"/>
-          <p:cNvSpPr/>
-          <p:nvPr/>
-        </p:nvSpPr>
-        <p:spPr>
-          <a:xfrm>
-            <a:off x="0" y="4576890"/>
-            <a:ext cx="1074012" cy="338554"/>
-          </a:xfrm>
-          <a:prstGeom prst="rect">
-            <a:avLst/>
-          </a:prstGeom>
-          <a:solidFill>
-            <a:schemeClr val="accent2">
-              <a:lumMod val="75000"/>
-            </a:schemeClr>
-          </a:solidFill>
-        </p:spPr>
-        <p:txBody>
-          <a:bodyPr wrap="none">
-            <a:spAutoFit/>
-          </a:bodyPr>
-          <a:lstStyle/>
-          <a:p>
-            <a:r>
-              <a:rPr kumimoji="0" lang="fi-FI" sz="1600" b="0" i="0" u="none" strike="noStrike" cap="none" normalizeH="0" dirty="0">
-                <a:ln>
-                  <a:noFill/>
-                </a:ln>
-                <a:effectLst/>
-                <a:latin typeface="Arial" charset="0"/>
-              </a:rPr>
-              <a:t>Tehtävä </a:t>
-            </a:r>
-            <a:r>
-              <a:rPr lang="fi-FI" sz="1600" dirty="0">
-                <a:latin typeface="Arial" charset="0"/>
-              </a:rPr>
-              <a:t>2</a:t>
-            </a:r>
-            <a:endParaRPr lang="fi-FI" sz="1600" dirty="0"/>
-          </a:p>
-        </p:txBody>
-      </p:sp>
-      <p:sp>
-        <p:nvSpPr>
-          <p:cNvPr id="44" name="Suorakulmio 43"/>
-          <p:cNvSpPr/>
-          <p:nvPr/>
-        </p:nvSpPr>
-        <p:spPr>
-          <a:xfrm>
-            <a:off x="-21763" y="1839026"/>
-            <a:ext cx="1074012" cy="338554"/>
-          </a:xfrm>
-          <a:prstGeom prst="rect">
-            <a:avLst/>
-          </a:prstGeom>
-          <a:solidFill>
-            <a:schemeClr val="accent2">
-              <a:lumMod val="75000"/>
-            </a:schemeClr>
-          </a:solidFill>
-        </p:spPr>
-        <p:txBody>
-          <a:bodyPr wrap="none">
-            <a:spAutoFit/>
-          </a:bodyPr>
-          <a:lstStyle/>
-          <a:p>
-            <a:r>
-              <a:rPr kumimoji="0" lang="fi-FI" sz="1600" b="0" i="0" u="none" strike="noStrike" cap="none" normalizeH="0" dirty="0">
-                <a:ln>
-                  <a:noFill/>
-                </a:ln>
-                <a:effectLst/>
-                <a:latin typeface="Arial" charset="0"/>
-              </a:rPr>
-              <a:t>Tehtävä </a:t>
-            </a:r>
-            <a:r>
-              <a:rPr lang="fi-FI" sz="1600" dirty="0">
-                <a:latin typeface="Arial" charset="0"/>
-              </a:rPr>
-              <a:t>1</a:t>
-            </a:r>
-            <a:endParaRPr lang="fi-FI" sz="1600" dirty="0"/>
-          </a:p>
-        </p:txBody>
-      </p:sp>
       <p:pic>
         <p:nvPicPr>
-          <p:cNvPr id="42" name="Kuva 41"/>
+          <p:cNvPr id="14" name="Kuva 41"/>
           <p:cNvPicPr>
             <a:picLocks noChangeAspect="1"/>
           </p:cNvPicPr>
           <p:nvPr/>
         </p:nvPicPr>
         <p:blipFill>
-          <a:blip r:embed="rId3">
+          <a:blip r:embed="rId4">
             <a:extLst>
               <a:ext uri="{28A0092B-C50C-407E-A947-70E740481C1C}">
                 <a14:useLocalDpi xmlns:a14="http://schemas.microsoft.com/office/drawing/2010/main" val="0"/>
@@ -15821,302 +18028,8 @@
         </p:blipFill>
         <p:spPr>
           <a:xfrm>
-            <a:off x="8068724" y="1183232"/>
+            <a:off x="8068724" y="1157135"/>
             <a:ext cx="1075276" cy="516133"/>
-          </a:xfrm>
-          <a:prstGeom prst="rect">
-            <a:avLst/>
-          </a:prstGeom>
-        </p:spPr>
-      </p:pic>
-      <p:sp>
-        <p:nvSpPr>
-          <p:cNvPr id="3" name="Alatunnisteen paikkamerkki 2"/>
-          <p:cNvSpPr>
-            <a:spLocks noGrp="1"/>
-          </p:cNvSpPr>
-          <p:nvPr>
-            <p:ph type="ftr" sz="quarter" idx="11"/>
-          </p:nvPr>
-        </p:nvSpPr>
-        <p:spPr>
-          <a:xfrm>
-            <a:off x="806845" y="5905872"/>
-            <a:ext cx="4870585" cy="365125"/>
-          </a:xfrm>
-        </p:spPr>
-        <p:txBody>
-          <a:bodyPr/>
-          <a:lstStyle/>
-          <a:p>
-            <a:pPr algn="r">
-              <a:defRPr/>
-            </a:pPr>
-            <a:r>
-              <a:rPr lang="fi-FI" dirty="0"/>
-              <a:t>MAOL Ohjelmointia matematiikkaan</a:t>
-            </a:r>
-            <a:endParaRPr lang="ru-RU" dirty="0"/>
-          </a:p>
-        </p:txBody>
-      </p:sp>
-      <p:sp>
-        <p:nvSpPr>
-          <p:cNvPr id="35" name="Suorakulmio 34"/>
-          <p:cNvSpPr/>
-          <p:nvPr/>
-        </p:nvSpPr>
-        <p:spPr>
-          <a:xfrm>
-            <a:off x="428520" y="760315"/>
-            <a:ext cx="8662726" cy="430887"/>
-          </a:xfrm>
-          <a:prstGeom prst="rect">
-            <a:avLst/>
-          </a:prstGeom>
-        </p:spPr>
-        <p:txBody>
-          <a:bodyPr wrap="square">
-            <a:spAutoFit/>
-          </a:bodyPr>
-          <a:lstStyle/>
-          <a:p>
-            <a:r>
-              <a:rPr lang="fi-FI" sz="2200" dirty="0">
-                <a:solidFill>
-                  <a:schemeClr val="tx1"/>
-                </a:solidFill>
-                <a:latin typeface="Arial" charset="0"/>
-              </a:rPr>
-              <a:t>Muokkaa tehtävän koodia     </a:t>
-            </a:r>
-            <a:r>
-              <a:rPr lang="fi-FI" sz="1600" i="1" dirty="0">
-                <a:solidFill>
-                  <a:schemeClr val="tx1"/>
-                </a:solidFill>
-                <a:latin typeface="Arial" charset="0"/>
-              </a:rPr>
-              <a:t>(vinkki: go-to, mirror-x-on, mirror-y-on)</a:t>
-            </a:r>
-            <a:endParaRPr lang="fi-FI" sz="1600" i="1" dirty="0">
-              <a:solidFill>
-                <a:schemeClr val="tx1"/>
-              </a:solidFill>
-            </a:endParaRPr>
-          </a:p>
-        </p:txBody>
-      </p:sp>
-      <p:sp>
-        <p:nvSpPr>
-          <p:cNvPr id="38" name="Suorakulmio 46"/>
-          <p:cNvSpPr/>
-          <p:nvPr/>
-        </p:nvSpPr>
-        <p:spPr>
-          <a:xfrm>
-            <a:off x="1253426" y="1738146"/>
-            <a:ext cx="7062990" cy="769441"/>
-          </a:xfrm>
-          <a:prstGeom prst="rect">
-            <a:avLst/>
-          </a:prstGeom>
-          <a:noFill/>
-        </p:spPr>
-        <p:txBody>
-          <a:bodyPr wrap="square">
-            <a:spAutoFit/>
-          </a:bodyPr>
-          <a:lstStyle/>
-          <a:p>
-            <a:r>
-              <a:rPr lang="fi-FI" sz="2200" dirty="0">
-                <a:solidFill>
-                  <a:schemeClr val="tx1"/>
-                </a:solidFill>
-                <a:latin typeface="Arial" charset="0"/>
-              </a:rPr>
-              <a:t>Piirrä peilauksen avulla oheiset kuviot</a:t>
-            </a:r>
-          </a:p>
-          <a:p>
-            <a:r>
-              <a:rPr kumimoji="0" lang="fi-FI" sz="2200" b="0" i="0" u="none" strike="noStrike" cap="none" normalizeH="0" dirty="0">
-                <a:ln>
-                  <a:noFill/>
-                </a:ln>
-                <a:solidFill>
-                  <a:schemeClr val="tx1"/>
-                </a:solidFill>
-                <a:effectLst/>
-                <a:latin typeface="Arial" charset="0"/>
-              </a:rPr>
-              <a:t>a)                        b)                         c)</a:t>
-            </a:r>
-          </a:p>
-        </p:txBody>
-      </p:sp>
-      <p:pic>
-        <p:nvPicPr>
-          <p:cNvPr id="61" name="Picture 2" descr="WeScheme Logo"/>
-          <p:cNvPicPr>
-            <a:picLocks noChangeAspect="1" noChangeArrowheads="1"/>
-          </p:cNvPicPr>
-          <p:nvPr/>
-        </p:nvPicPr>
-        <p:blipFill>
-          <a:blip r:embed="rId4" cstate="print">
-            <a:extLst>
-              <a:ext uri="{28A0092B-C50C-407E-A947-70E740481C1C}">
-                <a14:useLocalDpi xmlns:a14="http://schemas.microsoft.com/office/drawing/2010/main" val="0"/>
-              </a:ext>
-            </a:extLst>
-          </a:blip>
-          <a:srcRect/>
-          <a:stretch>
-            <a:fillRect/>
-          </a:stretch>
-        </p:blipFill>
-        <p:spPr bwMode="auto">
-          <a:xfrm>
-            <a:off x="7386527" y="5213956"/>
-            <a:ext cx="1495802" cy="1383832"/>
-          </a:xfrm>
-          <a:prstGeom prst="rect">
-            <a:avLst/>
-          </a:prstGeom>
-          <a:noFill/>
-          <a:ln>
-            <a:noFill/>
-          </a:ln>
-          <a:effectLst>
-            <a:outerShdw blurRad="50800" dist="38100" dir="5400000" algn="t" rotWithShape="0">
-              <a:prstClr val="black">
-                <a:alpha val="40000"/>
-              </a:prstClr>
-            </a:outerShdw>
-          </a:effectLst>
-          <a:extLst>
-            <a:ext uri="{909E8E84-426E-40DD-AFC4-6F175D3DCCD1}">
-              <a14:hiddenFill xmlns:a14="http://schemas.microsoft.com/office/drawing/2010/main">
-                <a:solidFill>
-                  <a:srgbClr val="FFFFFF"/>
-                </a:solidFill>
-              </a14:hiddenFill>
-            </a:ext>
-            <a:ext uri="{91240B29-F687-4F45-9708-019B960494DF}">
-              <a14:hiddenLine xmlns:a14="http://schemas.microsoft.com/office/drawing/2010/main" w="9525">
-                <a:solidFill>
-                  <a:srgbClr val="000000"/>
-                </a:solidFill>
-                <a:miter lim="800000"/>
-                <a:headEnd/>
-                <a:tailEnd/>
-              </a14:hiddenLine>
-            </a:ext>
-          </a:extLst>
-        </p:spPr>
-      </p:pic>
-      <p:sp>
-        <p:nvSpPr>
-          <p:cNvPr id="15" name="Suorakulmio 46"/>
-          <p:cNvSpPr/>
-          <p:nvPr/>
-        </p:nvSpPr>
-        <p:spPr>
-          <a:xfrm>
-            <a:off x="1253426" y="4543154"/>
-            <a:ext cx="7406130" cy="769441"/>
-          </a:xfrm>
-          <a:prstGeom prst="rect">
-            <a:avLst/>
-          </a:prstGeom>
-          <a:noFill/>
-        </p:spPr>
-        <p:txBody>
-          <a:bodyPr wrap="square">
-            <a:spAutoFit/>
-          </a:bodyPr>
-          <a:lstStyle/>
-          <a:p>
-            <a:r>
-              <a:rPr lang="fi-FI" sz="2200" dirty="0">
-                <a:solidFill>
-                  <a:schemeClr val="tx1"/>
-                </a:solidFill>
-                <a:latin typeface="Arial" charset="0"/>
-              </a:rPr>
-              <a:t>Suunnittele oma kuvio, jonka piirrät Turtlen peilaustoiminnon avulla. Piirrä kuvio ensin ruutupaperille.</a:t>
-            </a:r>
-          </a:p>
-        </p:txBody>
-      </p:sp>
-      <p:pic>
-        <p:nvPicPr>
-          <p:cNvPr id="5" name="Picture 4"/>
-          <p:cNvPicPr>
-            <a:picLocks noChangeAspect="1"/>
-          </p:cNvPicPr>
-          <p:nvPr/>
-        </p:nvPicPr>
-        <p:blipFill>
-          <a:blip r:embed="rId5"/>
-          <a:stretch>
-            <a:fillRect/>
-          </a:stretch>
-        </p:blipFill>
-        <p:spPr>
-          <a:xfrm>
-            <a:off x="3923928" y="2234712"/>
-            <a:ext cx="1333047" cy="2057361"/>
-          </a:xfrm>
-          <a:prstGeom prst="rect">
-            <a:avLst/>
-          </a:prstGeom>
-        </p:spPr>
-      </p:pic>
-      <p:pic>
-        <p:nvPicPr>
-          <p:cNvPr id="7" name="Picture 6"/>
-          <p:cNvPicPr>
-            <a:picLocks noChangeAspect="1"/>
-          </p:cNvPicPr>
-          <p:nvPr/>
-        </p:nvPicPr>
-        <p:blipFill>
-          <a:blip r:embed="rId6"/>
-          <a:stretch>
-            <a:fillRect/>
-          </a:stretch>
-        </p:blipFill>
-        <p:spPr>
-          <a:xfrm>
-            <a:off x="1717778" y="2204973"/>
-            <a:ext cx="1558078" cy="2087100"/>
-          </a:xfrm>
-          <a:prstGeom prst="rect">
-            <a:avLst/>
-          </a:prstGeom>
-        </p:spPr>
-      </p:pic>
-      <p:pic>
-        <p:nvPicPr>
-          <p:cNvPr id="8" name="Picture 7"/>
-          <p:cNvPicPr>
-            <a:picLocks noChangeAspect="1"/>
-          </p:cNvPicPr>
-          <p:nvPr/>
-        </p:nvPicPr>
-        <p:blipFill>
-          <a:blip r:embed="rId7"/>
-          <a:stretch>
-            <a:fillRect/>
-          </a:stretch>
-        </p:blipFill>
-        <p:spPr>
-          <a:xfrm>
-            <a:off x="6058614" y="2135889"/>
-            <a:ext cx="2088917" cy="2112063"/>
           </a:xfrm>
           <a:prstGeom prst="rect">
             <a:avLst/>
@@ -16126,7 +18039,7 @@
     </p:spTree>
     <p:extLst>
       <p:ext uri="{BB962C8B-B14F-4D97-AF65-F5344CB8AC3E}">
-        <p14:creationId xmlns:p14="http://schemas.microsoft.com/office/powerpoint/2010/main" val="1919440829"/>
+        <p14:creationId xmlns:p14="http://schemas.microsoft.com/office/powerpoint/2010/main" val="719199385"/>
       </p:ext>
     </p:extLst>
   </p:cSld>
@@ -16176,7 +18089,7 @@
         </p:blipFill>
         <p:spPr bwMode="auto">
           <a:xfrm>
-            <a:off x="285237" y="5229200"/>
+            <a:off x="179512" y="5278538"/>
             <a:ext cx="1254667" cy="1254668"/>
           </a:xfrm>
           <a:prstGeom prst="rect">
@@ -16340,13 +18253,13 @@
       </p:sp>
       <p:sp>
         <p:nvSpPr>
-          <p:cNvPr id="44" name="Suorakulmio 43"/>
+          <p:cNvPr id="43" name="Suorakulmio 42"/>
           <p:cNvSpPr/>
           <p:nvPr/>
         </p:nvSpPr>
         <p:spPr>
           <a:xfrm>
-            <a:off x="-21763" y="1839026"/>
+            <a:off x="0" y="4576890"/>
             <a:ext cx="1074012" cy="338554"/>
           </a:xfrm>
           <a:prstGeom prst="rect">
@@ -16378,7 +18291,53 @@
               <a:rPr lang="fi-FI" sz="1600" dirty="0">
                 <a:latin typeface="Arial" charset="0"/>
               </a:rPr>
-              <a:t>3</a:t>
+              <a:t>2</a:t>
+            </a:r>
+            <a:endParaRPr lang="fi-FI" sz="1600" dirty="0"/>
+          </a:p>
+        </p:txBody>
+      </p:sp>
+      <p:sp>
+        <p:nvSpPr>
+          <p:cNvPr id="44" name="Suorakulmio 43"/>
+          <p:cNvSpPr/>
+          <p:nvPr/>
+        </p:nvSpPr>
+        <p:spPr>
+          <a:xfrm>
+            <a:off x="-21763" y="1839026"/>
+            <a:ext cx="1074012" cy="338554"/>
+          </a:xfrm>
+          <a:prstGeom prst="rect">
+            <a:avLst/>
+          </a:prstGeom>
+          <a:solidFill>
+            <a:schemeClr val="accent2">
+              <a:lumMod val="75000"/>
+            </a:schemeClr>
+          </a:solidFill>
+        </p:spPr>
+        <p:txBody>
+          <a:bodyPr wrap="none">
+            <a:spAutoFit/>
+          </a:bodyPr>
+          <a:lstStyle/>
+          <a:p>
+            <a:r>
+              <a:rPr kumimoji="0" lang="fi-FI" sz="1600" b="0" i="0" u="none" strike="noStrike" cap="none" normalizeH="0" dirty="0">
+                <a:ln>
+                  <a:noFill/>
+                </a:ln>
+                <a:effectLst/>
+                <a:latin typeface="Arial" charset="0"/>
+              </a:rPr>
+              <a:t>Tehtävä </a:t>
+            </a:r>
+            <a:r>
+              <a:rPr lang="fi-FI" sz="1600" dirty="0">
+                <a:latin typeface="Arial" charset="0"/>
+              </a:rPr>
+              <a:t>1</a:t>
             </a:r>
             <a:endParaRPr lang="fi-FI" sz="1600" dirty="0"/>
           </a:p>
@@ -16426,7 +18385,7 @@
         </p:nvSpPr>
         <p:spPr>
           <a:xfrm>
-            <a:off x="912571" y="5992512"/>
+            <a:off x="806845" y="5905872"/>
             <a:ext cx="4870585" cy="365125"/>
           </a:xfrm>
         </p:spPr>
@@ -16482,7 +18441,7 @@
                 </a:solidFill>
                 <a:latin typeface="Arial" charset="0"/>
               </a:rPr>
-              <a:t>(vinkki: go-to, mirror-x-on, mirror-y-on, change-color)</a:t>
+              <a:t>(vinkki: go-to, mirror-x-on, mirror-y-on)</a:t>
             </a:r>
             <a:endParaRPr lang="fi-FI" sz="1600" i="1" dirty="0">
               <a:solidFill>
@@ -16536,7 +18495,7 @@
                 <a:effectLst/>
                 <a:latin typeface="Arial" charset="0"/>
               </a:rPr>
-              <a:t>a)                                  b)                         </a:t>
+              <a:t>a)                        b)                         c)</a:t>
             </a:r>
           </a:p>
         </p:txBody>
@@ -16564,7 +18523,7 @@
         </p:blipFill>
         <p:spPr bwMode="auto">
           <a:xfrm>
-            <a:off x="7386526" y="5125415"/>
+            <a:off x="7386527" y="5213956"/>
             <a:ext cx="1495802" cy="1383832"/>
           </a:xfrm>
           <a:prstGeom prst="rect">
@@ -16604,60 +18563,14 @@
       </p:pic>
       <p:sp>
         <p:nvSpPr>
-          <p:cNvPr id="16" name="Suorakulmio 42"/>
+          <p:cNvPr id="15" name="Suorakulmio 46"/>
           <p:cNvSpPr/>
           <p:nvPr/>
         </p:nvSpPr>
         <p:spPr>
           <a:xfrm>
-            <a:off x="0" y="4137814"/>
-            <a:ext cx="1074012" cy="338554"/>
-          </a:xfrm>
-          <a:prstGeom prst="rect">
-            <a:avLst/>
-          </a:prstGeom>
-          <a:solidFill>
-            <a:schemeClr val="accent2">
-              <a:lumMod val="75000"/>
-            </a:schemeClr>
-          </a:solidFill>
-        </p:spPr>
-        <p:txBody>
-          <a:bodyPr wrap="none">
-            <a:spAutoFit/>
-          </a:bodyPr>
-          <a:lstStyle/>
-          <a:p>
-            <a:r>
-              <a:rPr kumimoji="0" lang="fi-FI" sz="1600" b="0" i="0" u="none" strike="noStrike" cap="none" normalizeH="0" dirty="0">
-                <a:ln>
-                  <a:noFill/>
-                </a:ln>
-                <a:effectLst/>
-                <a:latin typeface="Arial" charset="0"/>
-              </a:rPr>
-              <a:t>Tehtävä </a:t>
-            </a:r>
-            <a:r>
-              <a:rPr lang="fi-FI" sz="1600" dirty="0">
-                <a:latin typeface="Arial" charset="0"/>
-              </a:rPr>
-              <a:t>4</a:t>
-            </a:r>
-            <a:endParaRPr lang="fi-FI" sz="1600" dirty="0"/>
-          </a:p>
-        </p:txBody>
-      </p:sp>
-      <p:sp>
-        <p:nvSpPr>
-          <p:cNvPr id="17" name="Suorakulmio 46"/>
-          <p:cNvSpPr/>
-          <p:nvPr/>
-        </p:nvSpPr>
-        <p:spPr>
-          <a:xfrm>
-            <a:off x="1253425" y="4104078"/>
-            <a:ext cx="7628903" cy="769441"/>
+            <a:off x="1253426" y="4543154"/>
+            <a:ext cx="7406130" cy="769441"/>
           </a:xfrm>
           <a:prstGeom prst="rect">
             <a:avLst/>
@@ -16677,14 +18590,14 @@
                 </a:solidFill>
                 <a:latin typeface="Arial" charset="0"/>
               </a:rPr>
-              <a:t>Peilaa Turtlen avulla omat nimikirjaimesi sekä x- että y-akselin suunnassa. Piirrä nimikirjaimet ensin ruutupaperille.</a:t>
+              <a:t>Suunnittele oma kuvio, jonka piirrät Turtlen peilaustoiminnon avulla. Piirrä kuvio ensin ruutupaperille.</a:t>
             </a:r>
           </a:p>
         </p:txBody>
       </p:sp>
       <p:pic>
         <p:nvPicPr>
-          <p:cNvPr id="2" name="Picture 1"/>
+          <p:cNvPr id="5" name="Picture 4"/>
           <p:cNvPicPr>
             <a:picLocks noChangeAspect="1"/>
           </p:cNvPicPr>
@@ -16698,8 +18611,8 @@
         </p:blipFill>
         <p:spPr>
           <a:xfrm>
-            <a:off x="1634052" y="2119363"/>
-            <a:ext cx="1990725" cy="1962150"/>
+            <a:off x="3923928" y="2234712"/>
+            <a:ext cx="1333047" cy="2057361"/>
           </a:xfrm>
           <a:prstGeom prst="rect">
             <a:avLst/>
@@ -16708,7 +18621,7 @@
       </p:pic>
       <p:pic>
         <p:nvPicPr>
-          <p:cNvPr id="4" name="Picture 3"/>
+          <p:cNvPr id="7" name="Picture 6"/>
           <p:cNvPicPr>
             <a:picLocks noChangeAspect="1"/>
           </p:cNvPicPr>
@@ -16722,8 +18635,8 @@
         </p:blipFill>
         <p:spPr>
           <a:xfrm>
-            <a:off x="4583013" y="2199339"/>
-            <a:ext cx="1791841" cy="1802198"/>
+            <a:off x="1717778" y="2204973"/>
+            <a:ext cx="1558078" cy="2087100"/>
           </a:xfrm>
           <a:prstGeom prst="rect">
             <a:avLst/>
@@ -16732,7 +18645,7 @@
       </p:pic>
       <p:pic>
         <p:nvPicPr>
-          <p:cNvPr id="6" name="Picture 5"/>
+          <p:cNvPr id="8" name="Picture 7"/>
           <p:cNvPicPr>
             <a:picLocks noChangeAspect="1"/>
           </p:cNvPicPr>
@@ -16746,8 +18659,8 @@
         </p:blipFill>
         <p:spPr>
           <a:xfrm>
-            <a:off x="3624777" y="4926333"/>
-            <a:ext cx="1764603" cy="1066179"/>
+            <a:off x="6058614" y="2135889"/>
+            <a:ext cx="2088917" cy="2112063"/>
           </a:xfrm>
           <a:prstGeom prst="rect">
             <a:avLst/>
@@ -16757,7 +18670,7 @@
     </p:spTree>
     <p:extLst>
       <p:ext uri="{BB962C8B-B14F-4D97-AF65-F5344CB8AC3E}">
-        <p14:creationId xmlns:p14="http://schemas.microsoft.com/office/powerpoint/2010/main" val="431621110"/>
+        <p14:creationId xmlns:p14="http://schemas.microsoft.com/office/powerpoint/2010/main" val="1919440829"/>
       </p:ext>
     </p:extLst>
   </p:cSld>
@@ -16786,38 +18699,14 @@
       </p:grpSpPr>
       <p:pic>
         <p:nvPicPr>
-          <p:cNvPr id="2" name="Picture 1"/>
-          <p:cNvPicPr>
-            <a:picLocks noChangeAspect="1"/>
-          </p:cNvPicPr>
-          <p:nvPr/>
-        </p:nvPicPr>
-        <p:blipFill>
-          <a:blip r:embed="rId2"/>
-          <a:stretch>
-            <a:fillRect/>
-          </a:stretch>
-        </p:blipFill>
-        <p:spPr>
-          <a:xfrm>
-            <a:off x="3358106" y="1140385"/>
-            <a:ext cx="2579437" cy="4788320"/>
-          </a:xfrm>
-          <a:prstGeom prst="rect">
-            <a:avLst/>
-          </a:prstGeom>
-        </p:spPr>
-      </p:pic>
-      <p:pic>
-        <p:nvPicPr>
-          <p:cNvPr id="3" name="Picture 8" descr="https://avatars0.githubusercontent.com/u/232371?v=3&amp;s=400"/>
+          <p:cNvPr id="10" name="Picture 8" descr="https://avatars0.githubusercontent.com/u/232371?v=3&amp;s=400"/>
           <p:cNvPicPr>
             <a:picLocks noChangeAspect="1" noChangeArrowheads="1"/>
           </p:cNvPicPr>
           <p:nvPr/>
         </p:nvPicPr>
         <p:blipFill>
-          <a:blip r:embed="rId3" cstate="print">
+          <a:blip r:embed="rId2" cstate="print">
             <a:extLst>
               <a:ext uri="{28A0092B-C50C-407E-A947-70E740481C1C}">
                 <a14:useLocalDpi xmlns:a14="http://schemas.microsoft.com/office/drawing/2010/main" val="0"/>
@@ -16831,7 +18720,7 @@
         </p:blipFill>
         <p:spPr bwMode="auto">
           <a:xfrm>
-            <a:off x="304089" y="5275663"/>
+            <a:off x="179512" y="5278538"/>
             <a:ext cx="1254667" cy="1254668"/>
           </a:xfrm>
           <a:prstGeom prst="rect">
@@ -16864,157 +18753,56 @@
       </p:pic>
       <p:sp>
         <p:nvSpPr>
-          <p:cNvPr id="10" name="Otsikko 1"/>
-          <p:cNvSpPr txBox="1">
-            <a:spLocks/>
-          </p:cNvSpPr>
+          <p:cNvPr id="13" name="Suorakulmio 12"/>
+          <p:cNvSpPr/>
           <p:nvPr/>
         </p:nvSpPr>
         <p:spPr bwMode="auto">
           <a:xfrm>
-            <a:off x="395536" y="976258"/>
-            <a:ext cx="5947000" cy="599694"/>
+            <a:off x="5311958" y="240174"/>
+            <a:ext cx="3570371" cy="531170"/>
           </a:xfrm>
           <a:prstGeom prst="rect">
             <a:avLst/>
           </a:prstGeom>
-          <a:noFill/>
           <a:ln>
-            <a:noFill/>
+            <a:headEnd type="none" w="med" len="med"/>
+            <a:tailEnd type="none" w="med" len="med"/>
           </a:ln>
-          <a:extLst>
-            <a:ext uri="{909E8E84-426E-40DD-AFC4-6F175D3DCCD1}">
-              <a14:hiddenFill xmlns:a14="http://schemas.microsoft.com/office/drawing/2010/main">
-                <a:solidFill>
-                  <a:srgbClr val="FFFFFF"/>
-                </a:solidFill>
-              </a14:hiddenFill>
-            </a:ext>
-            <a:ext uri="{91240B29-F687-4F45-9708-019B960494DF}">
-              <a14:hiddenLine xmlns:a14="http://schemas.microsoft.com/office/drawing/2010/main" w="9525">
-                <a:solidFill>
-                  <a:srgbClr val="000000"/>
-                </a:solidFill>
-                <a:round/>
-                <a:headEnd/>
-                <a:tailEnd/>
-              </a14:hiddenLine>
-            </a:ext>
-          </a:extLst>
-        </p:spPr>
-        <p:txBody>
-          <a:bodyPr vert="horz" wrap="square" lIns="90000" tIns="46800" rIns="90000" bIns="46800" numCol="1" anchor="ctr" anchorCtr="0" compatLnSpc="1">
+          <a:scene3d>
+            <a:camera prst="orthographicFront"/>
+            <a:lightRig rig="threePt" dir="t"/>
+          </a:scene3d>
+          <a:sp3d>
+            <a:bevelT w="114300" prst="artDeco"/>
+          </a:sp3d>
+        </p:spPr>
+        <p:style>
+          <a:lnRef idx="2">
+            <a:schemeClr val="accent4"/>
+          </a:lnRef>
+          <a:fillRef idx="1">
+            <a:schemeClr val="lt1"/>
+          </a:fillRef>
+          <a:effectRef idx="0">
+            <a:schemeClr val="accent4"/>
+          </a:effectRef>
+          <a:fontRef idx="minor">
+            <a:schemeClr val="dk1"/>
+          </a:fontRef>
+        </p:style>
+        <p:txBody>
+          <a:bodyPr vert="horz" wrap="square" lIns="91440" tIns="45720" rIns="91440" bIns="45720" numCol="1" rtlCol="0" anchor="t" anchorCtr="0" compatLnSpc="1">
             <a:prstTxWarp prst="textNoShape">
               <a:avLst/>
             </a:prstTxWarp>
           </a:bodyPr>
-          <a:lstStyle>
-            <a:lvl1pPr algn="ctr" defTabSz="449263" rtl="0" eaLnBrk="0" fontAlgn="base" hangingPunct="0">
-              <a:spcBef>
-                <a:spcPct val="0"/>
-              </a:spcBef>
-              <a:spcAft>
-                <a:spcPct val="0"/>
-              </a:spcAft>
-              <a:buClr>
-                <a:srgbClr val="000000"/>
-              </a:buClr>
-              <a:buSzPct val="100000"/>
-              <a:buFont typeface="Times New Roman" panose="02020603050405020304" pitchFamily="18" charset="0"/>
-              <a:defRPr sz="4400">
-                <a:solidFill>
-                  <a:srgbClr val="000000"/>
-                </a:solidFill>
-                <a:latin typeface="+mj-lt"/>
-                <a:ea typeface="+mj-ea"/>
-                <a:cs typeface="+mj-cs"/>
-              </a:defRPr>
-            </a:lvl1pPr>
-            <a:lvl2pPr algn="ctr" defTabSz="449263" rtl="0" eaLnBrk="0" fontAlgn="base" hangingPunct="0">
-              <a:spcBef>
-                <a:spcPct val="0"/>
-              </a:spcBef>
-              <a:spcAft>
-                <a:spcPct val="0"/>
-              </a:spcAft>
-              <a:buClr>
-                <a:srgbClr val="000000"/>
-              </a:buClr>
-              <a:buSzPct val="100000"/>
-              <a:buFont typeface="Times New Roman" panose="02020603050405020304" pitchFamily="18" charset="0"/>
-              <a:defRPr sz="4400">
-                <a:solidFill>
-                  <a:srgbClr val="000000"/>
-                </a:solidFill>
-                <a:latin typeface="Arial" charset="0"/>
-                <a:ea typeface="AR PL Mingti2L Big5" charset="0"/>
-                <a:cs typeface="AR PL Mingti2L Big5" charset="0"/>
-              </a:defRPr>
-            </a:lvl2pPr>
-            <a:lvl3pPr algn="ctr" defTabSz="449263" rtl="0" eaLnBrk="0" fontAlgn="base" hangingPunct="0">
-              <a:spcBef>
-                <a:spcPct val="0"/>
-              </a:spcBef>
-              <a:spcAft>
-                <a:spcPct val="0"/>
-              </a:spcAft>
-              <a:buClr>
-                <a:srgbClr val="000000"/>
-              </a:buClr>
-              <a:buSzPct val="100000"/>
-              <a:buFont typeface="Times New Roman" panose="02020603050405020304" pitchFamily="18" charset="0"/>
-              <a:defRPr sz="4400">
-                <a:solidFill>
-                  <a:srgbClr val="000000"/>
-                </a:solidFill>
-                <a:latin typeface="Arial" charset="0"/>
-                <a:ea typeface="AR PL Mingti2L Big5" charset="0"/>
-                <a:cs typeface="AR PL Mingti2L Big5" charset="0"/>
-              </a:defRPr>
-            </a:lvl3pPr>
-            <a:lvl4pPr algn="ctr" defTabSz="449263" rtl="0" eaLnBrk="0" fontAlgn="base" hangingPunct="0">
-              <a:spcBef>
-                <a:spcPct val="0"/>
-              </a:spcBef>
-              <a:spcAft>
-                <a:spcPct val="0"/>
-              </a:spcAft>
-              <a:buClr>
-                <a:srgbClr val="000000"/>
-              </a:buClr>
-              <a:buSzPct val="100000"/>
-              <a:buFont typeface="Times New Roman" panose="02020603050405020304" pitchFamily="18" charset="0"/>
-              <a:defRPr sz="4400">
-                <a:solidFill>
-                  <a:srgbClr val="000000"/>
-                </a:solidFill>
-                <a:latin typeface="Arial" charset="0"/>
-                <a:ea typeface="AR PL Mingti2L Big5" charset="0"/>
-                <a:cs typeface="AR PL Mingti2L Big5" charset="0"/>
-              </a:defRPr>
-            </a:lvl4pPr>
-            <a:lvl5pPr algn="ctr" defTabSz="449263" rtl="0" eaLnBrk="0" fontAlgn="base" hangingPunct="0">
-              <a:spcBef>
-                <a:spcPct val="0"/>
-              </a:spcBef>
-              <a:spcAft>
-                <a:spcPct val="0"/>
-              </a:spcAft>
-              <a:buClr>
-                <a:srgbClr val="000000"/>
-              </a:buClr>
-              <a:buSzPct val="100000"/>
-              <a:buFont typeface="Times New Roman" panose="02020603050405020304" pitchFamily="18" charset="0"/>
-              <a:defRPr sz="4400">
-                <a:solidFill>
-                  <a:srgbClr val="000000"/>
-                </a:solidFill>
-                <a:latin typeface="Arial" charset="0"/>
-                <a:ea typeface="AR PL Mingti2L Big5" charset="0"/>
-                <a:cs typeface="AR PL Mingti2L Big5" charset="0"/>
-              </a:defRPr>
-            </a:lvl5pPr>
-            <a:lvl6pPr marL="2514600" indent="-228600" algn="ctr" defTabSz="449263" rtl="0" fontAlgn="base">
+          <a:lstStyle/>
+          <a:p>
+            <a:pPr marL="0" marR="0" indent="0" algn="ctr" defTabSz="449263" rtl="0" eaLnBrk="1" fontAlgn="base" latinLnBrk="0" hangingPunct="1">
+              <a:lnSpc>
+                <a:spcPct val="100000"/>
+              </a:lnSpc>
               <a:spcBef>
                 <a:spcPct val="0"/>
               </a:spcBef>
@@ -17026,16 +18814,44 @@
               </a:buClr>
               <a:buSzPct val="100000"/>
               <a:buFont typeface="Times New Roman" pitchFamily="16" charset="0"/>
-              <a:defRPr sz="4400">
-                <a:solidFill>
-                  <a:srgbClr val="000000"/>
-                </a:solidFill>
-                <a:latin typeface="Arial" charset="0"/>
-                <a:ea typeface="AR PL Mingti2L Big5" charset="0"/>
-                <a:cs typeface="AR PL Mingti2L Big5" charset="0"/>
-              </a:defRPr>
-            </a:lvl6pPr>
-            <a:lvl7pPr marL="2971800" indent="-228600" algn="ctr" defTabSz="449263" rtl="0" fontAlgn="base">
+              <a:buNone/>
+              <a:tabLst/>
+            </a:pPr>
+            <a:r>
+              <a:rPr kumimoji="0" lang="fi-FI" sz="2400" b="0" i="0" u="none" strike="noStrike" cap="none" normalizeH="0" dirty="0">
+                <a:ln>
+                  <a:noFill/>
+                </a:ln>
+                <a:solidFill>
+                  <a:schemeClr val="tx2">
+                    <a:lumMod val="75000"/>
+                    <a:lumOff val="25000"/>
+                  </a:schemeClr>
+                </a:solidFill>
+                <a:effectLst/>
+                <a:latin typeface="Arial" charset="0"/>
+              </a:rPr>
+              <a:t>DEFINITIONS WINDOW</a:t>
+            </a:r>
+            <a:endParaRPr kumimoji="0" lang="fi-FI" sz="1800" b="0" i="0" u="none" strike="noStrike" cap="none" normalizeH="0" dirty="0">
+              <a:ln>
+                <a:noFill/>
+              </a:ln>
+              <a:solidFill>
+                <a:schemeClr val="tx2">
+                  <a:lumMod val="75000"/>
+                  <a:lumOff val="25000"/>
+                </a:schemeClr>
+              </a:solidFill>
+              <a:effectLst/>
+              <a:latin typeface="Arial" charset="0"/>
+            </a:endParaRPr>
+          </a:p>
+          <a:p>
+            <a:pPr marL="0" marR="0" indent="0" algn="l" defTabSz="449263" rtl="0" eaLnBrk="1" fontAlgn="base" latinLnBrk="0" hangingPunct="1">
+              <a:lnSpc>
+                <a:spcPct val="100000"/>
+              </a:lnSpc>
               <a:spcBef>
                 <a:spcPct val="0"/>
               </a:spcBef>
@@ -17047,115 +18863,428 @@
               </a:buClr>
               <a:buSzPct val="100000"/>
               <a:buFont typeface="Times New Roman" pitchFamily="16" charset="0"/>
-              <a:defRPr sz="4400">
-                <a:solidFill>
-                  <a:srgbClr val="000000"/>
-                </a:solidFill>
-                <a:latin typeface="Arial" charset="0"/>
-                <a:ea typeface="AR PL Mingti2L Big5" charset="0"/>
-                <a:cs typeface="AR PL Mingti2L Big5" charset="0"/>
-              </a:defRPr>
-            </a:lvl7pPr>
-            <a:lvl8pPr marL="3429000" indent="-228600" algn="ctr" defTabSz="449263" rtl="0" fontAlgn="base">
-              <a:spcBef>
-                <a:spcPct val="0"/>
-              </a:spcBef>
-              <a:spcAft>
-                <a:spcPct val="0"/>
-              </a:spcAft>
-              <a:buClr>
-                <a:srgbClr val="000000"/>
-              </a:buClr>
-              <a:buSzPct val="100000"/>
-              <a:buFont typeface="Times New Roman" pitchFamily="16" charset="0"/>
-              <a:defRPr sz="4400">
-                <a:solidFill>
-                  <a:srgbClr val="000000"/>
-                </a:solidFill>
-                <a:latin typeface="Arial" charset="0"/>
-                <a:ea typeface="AR PL Mingti2L Big5" charset="0"/>
-                <a:cs typeface="AR PL Mingti2L Big5" charset="0"/>
-              </a:defRPr>
-            </a:lvl8pPr>
-            <a:lvl9pPr marL="3886200" indent="-228600" algn="ctr" defTabSz="449263" rtl="0" fontAlgn="base">
-              <a:spcBef>
-                <a:spcPct val="0"/>
-              </a:spcBef>
-              <a:spcAft>
-                <a:spcPct val="0"/>
-              </a:spcAft>
-              <a:buClr>
-                <a:srgbClr val="000000"/>
-              </a:buClr>
-              <a:buSzPct val="100000"/>
-              <a:buFont typeface="Times New Roman" pitchFamily="16" charset="0"/>
-              <a:defRPr sz="4400">
-                <a:solidFill>
-                  <a:srgbClr val="000000"/>
-                </a:solidFill>
-                <a:latin typeface="Arial" charset="0"/>
-                <a:ea typeface="AR PL Mingti2L Big5" charset="0"/>
-                <a:cs typeface="AR PL Mingti2L Big5" charset="0"/>
-              </a:defRPr>
-            </a:lvl9pPr>
-          </a:lstStyle>
-          <a:p>
-            <a:pPr algn="l"/>
-            <a:r>
-              <a:rPr lang="fi-FI" altLang="fi-FI" sz="4000" b="1" kern="0" dirty="0">
-                <a:solidFill>
-                  <a:schemeClr val="accent6">
-                    <a:lumMod val="75000"/>
-                  </a:schemeClr>
-                </a:solidFill>
+              <a:buNone/>
+              <a:tabLst/>
+            </a:pPr>
+            <a:endParaRPr kumimoji="0" lang="fi-FI" sz="1800" b="0" i="0" u="none" strike="noStrike" cap="none" normalizeH="0" dirty="0">
+              <a:ln>
+                <a:noFill/>
+              </a:ln>
+              <a:solidFill>
+                <a:schemeClr val="tx2">
+                  <a:lumMod val="75000"/>
+                  <a:lumOff val="25000"/>
+                </a:schemeClr>
+              </a:solidFill>
+              <a:effectLst/>
+              <a:latin typeface="Arial" charset="0"/>
+            </a:endParaRPr>
+          </a:p>
+        </p:txBody>
+      </p:sp>
+      <p:sp>
+        <p:nvSpPr>
+          <p:cNvPr id="43" name="Suorakulmio 42"/>
+          <p:cNvSpPr/>
+          <p:nvPr/>
+        </p:nvSpPr>
+        <p:spPr>
+          <a:xfrm>
+            <a:off x="0" y="4576890"/>
+            <a:ext cx="1141659" cy="338554"/>
+          </a:xfrm>
+          <a:prstGeom prst="rect">
+            <a:avLst/>
+          </a:prstGeom>
+          <a:solidFill>
+            <a:schemeClr val="accent2">
+              <a:lumMod val="75000"/>
+            </a:schemeClr>
+          </a:solidFill>
+        </p:spPr>
+        <p:txBody>
+          <a:bodyPr wrap="none">
+            <a:spAutoFit/>
+          </a:bodyPr>
+          <a:lstStyle/>
+          <a:p>
+            <a:r>
+              <a:rPr kumimoji="0" lang="fi-FI" sz="1600" b="0" i="0" u="none" strike="noStrike" cap="none" normalizeH="0" dirty="0" err="1">
+                <a:ln>
+                  <a:noFill/>
+                </a:ln>
+                <a:effectLst/>
+                <a:latin typeface="Arial" charset="0"/>
               </a:rPr>
-              <a:t>Turtle </a:t>
-            </a:r>
-          </a:p>
-          <a:p>
-            <a:pPr algn="l"/>
-            <a:r>
-              <a:rPr lang="fi-FI" altLang="fi-FI" sz="4000" b="1" kern="0" dirty="0">
-                <a:solidFill>
-                  <a:schemeClr val="accent6">
-                    <a:lumMod val="75000"/>
-                  </a:schemeClr>
-                </a:solidFill>
+              <a:t>Exercise</a:t>
+            </a:r>
+            <a:r>
+              <a:rPr kumimoji="0" lang="fi-FI" sz="1600" b="0" i="0" u="none" strike="noStrike" cap="none" normalizeH="0" dirty="0">
+                <a:ln>
+                  <a:noFill/>
+                </a:ln>
+                <a:effectLst/>
+                <a:latin typeface="Arial" charset="0"/>
               </a:rPr>
-              <a:t>kartalla</a:t>
-            </a:r>
-          </a:p>
-        </p:txBody>
-      </p:sp>
-      <p:sp>
-        <p:nvSpPr>
-          <p:cNvPr id="17" name="Alatunnisteen paikkamerkki 16"/>
-          <p:cNvSpPr>
-            <a:spLocks noGrp="1"/>
-          </p:cNvSpPr>
-          <p:nvPr>
-            <p:ph type="ftr" sz="quarter" idx="11"/>
-          </p:nvPr>
-        </p:nvSpPr>
-        <p:spPr/>
-        <p:txBody>
-          <a:bodyPr/>
+              <a:t> </a:t>
+            </a:r>
+            <a:r>
+              <a:rPr lang="fi-FI" sz="1600" dirty="0">
+                <a:latin typeface="Arial" charset="0"/>
+              </a:rPr>
+              <a:t>2</a:t>
+            </a:r>
+            <a:endParaRPr lang="fi-FI" sz="1600" dirty="0"/>
+          </a:p>
+        </p:txBody>
+      </p:sp>
+      <p:sp>
+        <p:nvSpPr>
+          <p:cNvPr id="44" name="Suorakulmio 43"/>
+          <p:cNvSpPr/>
+          <p:nvPr/>
+        </p:nvSpPr>
+        <p:spPr>
+          <a:xfrm>
+            <a:off x="-21763" y="1839026"/>
+            <a:ext cx="1141659" cy="338554"/>
+          </a:xfrm>
+          <a:prstGeom prst="rect">
+            <a:avLst/>
+          </a:prstGeom>
+          <a:solidFill>
+            <a:schemeClr val="accent2">
+              <a:lumMod val="75000"/>
+            </a:schemeClr>
+          </a:solidFill>
+        </p:spPr>
+        <p:txBody>
+          <a:bodyPr wrap="none">
+            <a:spAutoFit/>
+          </a:bodyPr>
           <a:lstStyle/>
           <a:p>
-            <a:pPr algn="r">
-              <a:defRPr/>
-            </a:pPr>
-            <a:r>
-              <a:rPr lang="fi-FI" dirty="0"/>
-              <a:t>MAOL Ohjelmointia matematiikkaan</a:t>
-            </a:r>
-            <a:endParaRPr lang="ru-RU" dirty="0"/>
+            <a:r>
+              <a:rPr kumimoji="0" lang="fi-FI" sz="1600" b="0" i="0" u="none" strike="noStrike" cap="none" normalizeH="0" dirty="0" err="1">
+                <a:ln>
+                  <a:noFill/>
+                </a:ln>
+                <a:effectLst/>
+                <a:latin typeface="Arial" charset="0"/>
+              </a:rPr>
+              <a:t>Exercise</a:t>
+            </a:r>
+            <a:r>
+              <a:rPr kumimoji="0" lang="fi-FI" sz="1600" b="0" i="0" u="none" strike="noStrike" cap="none" normalizeH="0" dirty="0">
+                <a:ln>
+                  <a:noFill/>
+                </a:ln>
+                <a:effectLst/>
+                <a:latin typeface="Arial" charset="0"/>
+              </a:rPr>
+              <a:t> </a:t>
+            </a:r>
+            <a:r>
+              <a:rPr lang="fi-FI" sz="1600" dirty="0">
+                <a:latin typeface="Arial" charset="0"/>
+              </a:rPr>
+              <a:t>1</a:t>
+            </a:r>
+            <a:endParaRPr lang="fi-FI" sz="1600" dirty="0"/>
           </a:p>
         </p:txBody>
       </p:sp>
       <p:pic>
         <p:nvPicPr>
-          <p:cNvPr id="33" name="Picture 2" descr="WeScheme Logo"/>
+          <p:cNvPr id="42" name="Kuva 41"/>
+          <p:cNvPicPr>
+            <a:picLocks noChangeAspect="1"/>
+          </p:cNvPicPr>
+          <p:nvPr/>
+        </p:nvPicPr>
+        <p:blipFill>
+          <a:blip r:embed="rId3">
+            <a:extLst>
+              <a:ext uri="{28A0092B-C50C-407E-A947-70E740481C1C}">
+                <a14:useLocalDpi xmlns:a14="http://schemas.microsoft.com/office/drawing/2010/main" val="0"/>
+              </a:ext>
+            </a:extLst>
+          </a:blip>
+          <a:stretch>
+            <a:fillRect/>
+          </a:stretch>
+        </p:blipFill>
+        <p:spPr>
+          <a:xfrm>
+            <a:off x="8068724" y="1183232"/>
+            <a:ext cx="1075276" cy="516133"/>
+          </a:xfrm>
+          <a:prstGeom prst="rect">
+            <a:avLst/>
+          </a:prstGeom>
+        </p:spPr>
+      </p:pic>
+      <p:sp>
+        <p:nvSpPr>
+          <p:cNvPr id="35" name="Suorakulmio 34"/>
+          <p:cNvSpPr/>
+          <p:nvPr/>
+        </p:nvSpPr>
+        <p:spPr>
+          <a:xfrm>
+            <a:off x="428520" y="760315"/>
+            <a:ext cx="8662726" cy="430887"/>
+          </a:xfrm>
+          <a:prstGeom prst="rect">
+            <a:avLst/>
+          </a:prstGeom>
+        </p:spPr>
+        <p:txBody>
+          <a:bodyPr wrap="square">
+            <a:spAutoFit/>
+          </a:bodyPr>
+          <a:lstStyle/>
+          <a:p>
+            <a:r>
+              <a:rPr lang="fi-FI" sz="2200" dirty="0" err="1">
+                <a:solidFill>
+                  <a:schemeClr val="tx1"/>
+                </a:solidFill>
+                <a:latin typeface="Arial" charset="0"/>
+              </a:rPr>
+              <a:t>Modify</a:t>
+            </a:r>
+            <a:r>
+              <a:rPr lang="fi-FI" sz="2200" dirty="0">
+                <a:solidFill>
+                  <a:schemeClr val="tx1"/>
+                </a:solidFill>
+                <a:latin typeface="Arial" charset="0"/>
+              </a:rPr>
+              <a:t> </a:t>
+            </a:r>
+            <a:r>
+              <a:rPr lang="fi-FI" sz="2200" dirty="0" err="1">
+                <a:solidFill>
+                  <a:schemeClr val="tx1"/>
+                </a:solidFill>
+                <a:latin typeface="Arial" charset="0"/>
+              </a:rPr>
+              <a:t>the</a:t>
+            </a:r>
+            <a:r>
+              <a:rPr lang="fi-FI" sz="2200" dirty="0">
+                <a:solidFill>
+                  <a:schemeClr val="tx1"/>
+                </a:solidFill>
+                <a:latin typeface="Arial" charset="0"/>
+              </a:rPr>
+              <a:t> </a:t>
+            </a:r>
+            <a:r>
+              <a:rPr lang="fi-FI" sz="2200" dirty="0" err="1">
+                <a:solidFill>
+                  <a:schemeClr val="tx1"/>
+                </a:solidFill>
+                <a:latin typeface="Arial" charset="0"/>
+              </a:rPr>
+              <a:t>code</a:t>
+            </a:r>
+            <a:r>
+              <a:rPr lang="fi-FI" sz="2200" dirty="0">
+                <a:solidFill>
+                  <a:schemeClr val="tx1"/>
+                </a:solidFill>
+                <a:latin typeface="Arial" charset="0"/>
+              </a:rPr>
+              <a:t>     </a:t>
+            </a:r>
+            <a:r>
+              <a:rPr lang="fi-FI" sz="1600" i="1" dirty="0">
+                <a:solidFill>
+                  <a:schemeClr val="tx1"/>
+                </a:solidFill>
+                <a:latin typeface="Arial" charset="0"/>
+              </a:rPr>
+              <a:t>(</a:t>
+            </a:r>
+            <a:r>
+              <a:rPr lang="fi-FI" sz="1600" i="1" dirty="0" err="1">
+                <a:solidFill>
+                  <a:schemeClr val="tx1"/>
+                </a:solidFill>
+                <a:latin typeface="Arial" charset="0"/>
+              </a:rPr>
+              <a:t>hint</a:t>
+            </a:r>
+            <a:r>
+              <a:rPr lang="fi-FI" sz="1600" i="1" dirty="0">
+                <a:solidFill>
+                  <a:schemeClr val="tx1"/>
+                </a:solidFill>
+                <a:latin typeface="Arial" charset="0"/>
+              </a:rPr>
+              <a:t>: go-to, mirror-x-on, mirror-y-on)</a:t>
+            </a:r>
+            <a:endParaRPr lang="fi-FI" sz="1600" i="1" dirty="0">
+              <a:solidFill>
+                <a:schemeClr val="tx1"/>
+              </a:solidFill>
+            </a:endParaRPr>
+          </a:p>
+        </p:txBody>
+      </p:sp>
+      <p:sp>
+        <p:nvSpPr>
+          <p:cNvPr id="38" name="Suorakulmio 46"/>
+          <p:cNvSpPr/>
+          <p:nvPr/>
+        </p:nvSpPr>
+        <p:spPr>
+          <a:xfrm>
+            <a:off x="1253426" y="1738146"/>
+            <a:ext cx="7062990" cy="769441"/>
+          </a:xfrm>
+          <a:prstGeom prst="rect">
+            <a:avLst/>
+          </a:prstGeom>
+          <a:noFill/>
+        </p:spPr>
+        <p:txBody>
+          <a:bodyPr wrap="square">
+            <a:spAutoFit/>
+          </a:bodyPr>
+          <a:lstStyle/>
+          <a:p>
+            <a:r>
+              <a:rPr lang="fi-FI" sz="2200" dirty="0" err="1">
+                <a:solidFill>
+                  <a:schemeClr val="tx1"/>
+                </a:solidFill>
+                <a:latin typeface="Arial" charset="0"/>
+              </a:rPr>
+              <a:t>Draw</a:t>
+            </a:r>
+            <a:r>
+              <a:rPr lang="fi-FI" sz="2200" dirty="0">
+                <a:solidFill>
+                  <a:schemeClr val="tx1"/>
+                </a:solidFill>
+                <a:latin typeface="Arial" charset="0"/>
+              </a:rPr>
+              <a:t> </a:t>
+            </a:r>
+            <a:r>
+              <a:rPr lang="fi-FI" sz="2200" dirty="0" err="1">
+                <a:solidFill>
+                  <a:schemeClr val="tx1"/>
+                </a:solidFill>
+                <a:latin typeface="Arial" charset="0"/>
+              </a:rPr>
+              <a:t>the</a:t>
+            </a:r>
+            <a:r>
+              <a:rPr lang="fi-FI" sz="2200" dirty="0">
+                <a:solidFill>
+                  <a:schemeClr val="tx1"/>
+                </a:solidFill>
+                <a:latin typeface="Arial" charset="0"/>
+              </a:rPr>
+              <a:t> </a:t>
+            </a:r>
+            <a:r>
+              <a:rPr lang="fi-FI" sz="2200" dirty="0" err="1">
+                <a:solidFill>
+                  <a:schemeClr val="tx1"/>
+                </a:solidFill>
+                <a:latin typeface="Arial" charset="0"/>
+              </a:rPr>
+              <a:t>following</a:t>
+            </a:r>
+            <a:r>
+              <a:rPr lang="fi-FI" sz="2200" dirty="0">
+                <a:solidFill>
+                  <a:schemeClr val="tx1"/>
+                </a:solidFill>
+                <a:latin typeface="Arial" charset="0"/>
+              </a:rPr>
+              <a:t> </a:t>
+            </a:r>
+            <a:r>
+              <a:rPr lang="fi-FI" sz="2200" dirty="0" err="1">
+                <a:solidFill>
+                  <a:schemeClr val="tx1"/>
+                </a:solidFill>
+                <a:latin typeface="Arial" charset="0"/>
+              </a:rPr>
+              <a:t>images</a:t>
+            </a:r>
+            <a:r>
+              <a:rPr lang="fi-FI" sz="2200" dirty="0">
+                <a:solidFill>
+                  <a:schemeClr val="tx1"/>
+                </a:solidFill>
+                <a:latin typeface="Arial" charset="0"/>
+              </a:rPr>
+              <a:t> </a:t>
+            </a:r>
+            <a:r>
+              <a:rPr lang="fi-FI" sz="2200" dirty="0" err="1">
+                <a:solidFill>
+                  <a:schemeClr val="tx1"/>
+                </a:solidFill>
+                <a:latin typeface="Arial" charset="0"/>
+              </a:rPr>
+              <a:t>using</a:t>
+            </a:r>
+            <a:r>
+              <a:rPr lang="fi-FI" sz="2200" dirty="0">
+                <a:solidFill>
+                  <a:schemeClr val="tx1"/>
+                </a:solidFill>
+                <a:latin typeface="Arial" charset="0"/>
+              </a:rPr>
+              <a:t> </a:t>
+            </a:r>
+            <a:r>
+              <a:rPr lang="fi-FI" sz="2200" dirty="0" err="1">
+                <a:solidFill>
+                  <a:schemeClr val="tx1"/>
+                </a:solidFill>
+                <a:latin typeface="Arial" charset="0"/>
+              </a:rPr>
+              <a:t>mirroring</a:t>
+            </a:r>
+            <a:r>
+              <a:rPr lang="fi-FI" sz="2200" dirty="0">
+                <a:solidFill>
+                  <a:schemeClr val="tx1"/>
+                </a:solidFill>
+                <a:latin typeface="Arial" charset="0"/>
+              </a:rPr>
+              <a:t>:</a:t>
+            </a:r>
+          </a:p>
+          <a:p>
+            <a:r>
+              <a:rPr kumimoji="0" lang="fi-FI" sz="2200" b="0" i="0" u="none" strike="noStrike" cap="none" normalizeH="0" dirty="0">
+                <a:ln>
+                  <a:noFill/>
+                </a:ln>
+                <a:solidFill>
+                  <a:schemeClr val="tx1"/>
+                </a:solidFill>
+                <a:effectLst/>
+                <a:latin typeface="Arial" charset="0"/>
+              </a:rPr>
+              <a:t>a)                        b)                         c)</a:t>
+            </a:r>
+          </a:p>
+        </p:txBody>
+      </p:sp>
+      <p:pic>
+        <p:nvPicPr>
+          <p:cNvPr id="61" name="Picture 2" descr="WeScheme Logo"/>
           <p:cNvPicPr>
             <a:picLocks noChangeAspect="1" noChangeArrowheads="1"/>
           </p:cNvPicPr>
@@ -17176,7 +19305,7 @@
         </p:blipFill>
         <p:spPr bwMode="auto">
           <a:xfrm>
-            <a:off x="7430064" y="5255870"/>
+            <a:off x="7386527" y="5213956"/>
             <a:ext cx="1495802" cy="1383832"/>
           </a:xfrm>
           <a:prstGeom prst="rect">
@@ -17214,53 +19343,16 @@
           </a:extLst>
         </p:spPr>
       </p:pic>
-      <p:cxnSp>
-        <p:nvCxnSpPr>
-          <p:cNvPr id="13" name="Straight Arrow Connector 12"/>
-          <p:cNvCxnSpPr/>
+      <p:sp>
+        <p:nvSpPr>
+          <p:cNvPr id="15" name="Suorakulmio 46"/>
+          <p:cNvSpPr/>
           <p:nvPr/>
-        </p:nvCxnSpPr>
+        </p:nvSpPr>
         <p:spPr>
-          <a:xfrm flipH="1">
-            <a:off x="3370220" y="692696"/>
-            <a:ext cx="19106" cy="5217241"/>
-          </a:xfrm>
-          <a:prstGeom prst="straightConnector1">
-            <a:avLst/>
-          </a:prstGeom>
-          <a:ln w="38100">
-            <a:solidFill>
-              <a:schemeClr val="tx1"/>
-            </a:solidFill>
-            <a:headEnd type="triangle" w="med" len="med"/>
-            <a:tailEnd type="none" w="med" len="med"/>
-          </a:ln>
-        </p:spPr>
-        <p:style>
-          <a:lnRef idx="1">
-            <a:schemeClr val="accent1"/>
-          </a:lnRef>
-          <a:fillRef idx="0">
-            <a:schemeClr val="accent1"/>
-          </a:fillRef>
-          <a:effectRef idx="0">
-            <a:schemeClr val="accent1"/>
-          </a:effectRef>
-          <a:fontRef idx="minor">
-            <a:schemeClr val="tx1"/>
-          </a:fontRef>
-        </p:style>
-      </p:cxnSp>
-      <p:sp>
-        <p:nvSpPr>
-          <p:cNvPr id="18" name="TextBox 17"/>
-          <p:cNvSpPr txBox="1"/>
-          <p:nvPr/>
-        </p:nvSpPr>
-        <p:spPr>
-          <a:xfrm>
-            <a:off x="3016106" y="748014"/>
-            <a:ext cx="300082" cy="369332"/>
+          <a:xfrm>
+            <a:off x="1253426" y="4543154"/>
+            <a:ext cx="7406130" cy="769441"/>
           </a:xfrm>
           <a:prstGeom prst="rect">
             <a:avLst/>
@@ -17268,382 +19360,333 @@
           <a:noFill/>
         </p:spPr>
         <p:txBody>
-          <a:bodyPr wrap="none" rtlCol="0">
+          <a:bodyPr wrap="square">
             <a:spAutoFit/>
           </a:bodyPr>
           <a:lstStyle/>
           <a:p>
             <a:r>
-              <a:rPr lang="fi-FI" dirty="0">
+              <a:rPr lang="fi-FI" sz="2200" dirty="0">
                 <a:solidFill>
                   <a:schemeClr val="tx1"/>
                 </a:solidFill>
+                <a:latin typeface="Arial" charset="0"/>
               </a:rPr>
-              <a:t>y</a:t>
-            </a:r>
-          </a:p>
-        </p:txBody>
-      </p:sp>
-      <p:sp>
-        <p:nvSpPr>
-          <p:cNvPr id="35" name="TextBox 34"/>
-          <p:cNvSpPr txBox="1"/>
+              <a:t>Design </a:t>
+            </a:r>
+            <a:r>
+              <a:rPr lang="fi-FI" sz="2200" dirty="0" err="1">
+                <a:solidFill>
+                  <a:schemeClr val="tx1"/>
+                </a:solidFill>
+                <a:latin typeface="Arial" charset="0"/>
+              </a:rPr>
+              <a:t>your</a:t>
+            </a:r>
+            <a:r>
+              <a:rPr lang="fi-FI" sz="2200" dirty="0">
+                <a:solidFill>
+                  <a:schemeClr val="tx1"/>
+                </a:solidFill>
+                <a:latin typeface="Arial" charset="0"/>
+              </a:rPr>
+              <a:t> </a:t>
+            </a:r>
+            <a:r>
+              <a:rPr lang="fi-FI" sz="2200" dirty="0" err="1">
+                <a:solidFill>
+                  <a:schemeClr val="tx1"/>
+                </a:solidFill>
+                <a:latin typeface="Arial" charset="0"/>
+              </a:rPr>
+              <a:t>own</a:t>
+            </a:r>
+            <a:r>
+              <a:rPr lang="fi-FI" sz="2200" dirty="0">
+                <a:solidFill>
+                  <a:schemeClr val="tx1"/>
+                </a:solidFill>
+                <a:latin typeface="Arial" charset="0"/>
+              </a:rPr>
+              <a:t> image </a:t>
+            </a:r>
+            <a:r>
+              <a:rPr lang="fi-FI" sz="2200" dirty="0" err="1">
+                <a:solidFill>
+                  <a:schemeClr val="tx1"/>
+                </a:solidFill>
+                <a:latin typeface="Arial" charset="0"/>
+              </a:rPr>
+              <a:t>using</a:t>
+            </a:r>
+            <a:r>
+              <a:rPr lang="fi-FI" sz="2200" dirty="0">
+                <a:solidFill>
+                  <a:schemeClr val="tx1"/>
+                </a:solidFill>
+                <a:latin typeface="Arial" charset="0"/>
+              </a:rPr>
+              <a:t> </a:t>
+            </a:r>
+            <a:r>
+              <a:rPr lang="fi-FI" sz="2200" dirty="0" err="1">
+                <a:solidFill>
+                  <a:schemeClr val="tx1"/>
+                </a:solidFill>
+                <a:latin typeface="Arial" charset="0"/>
+              </a:rPr>
+              <a:t>the</a:t>
+            </a:r>
+            <a:r>
+              <a:rPr lang="fi-FI" sz="2200" dirty="0">
+                <a:solidFill>
+                  <a:schemeClr val="tx1"/>
+                </a:solidFill>
+                <a:latin typeface="Arial" charset="0"/>
+              </a:rPr>
+              <a:t> </a:t>
+            </a:r>
+            <a:r>
+              <a:rPr lang="fi-FI" sz="2200" dirty="0" err="1">
+                <a:solidFill>
+                  <a:schemeClr val="tx1"/>
+                </a:solidFill>
+                <a:latin typeface="Arial" charset="0"/>
+              </a:rPr>
+              <a:t>mirroring</a:t>
+            </a:r>
+            <a:r>
+              <a:rPr lang="fi-FI" sz="2200" dirty="0">
+                <a:solidFill>
+                  <a:schemeClr val="tx1"/>
+                </a:solidFill>
+                <a:latin typeface="Arial" charset="0"/>
+              </a:rPr>
+              <a:t> </a:t>
+            </a:r>
+            <a:r>
+              <a:rPr lang="fi-FI" sz="2200" dirty="0" err="1">
+                <a:solidFill>
+                  <a:schemeClr val="tx1"/>
+                </a:solidFill>
+                <a:latin typeface="Arial" charset="0"/>
+              </a:rPr>
+              <a:t>function</a:t>
+            </a:r>
+            <a:r>
+              <a:rPr lang="fi-FI" sz="2200" dirty="0">
+                <a:solidFill>
+                  <a:schemeClr val="tx1"/>
+                </a:solidFill>
+                <a:latin typeface="Arial" charset="0"/>
+              </a:rPr>
+              <a:t> of </a:t>
+            </a:r>
+            <a:r>
+              <a:rPr lang="fi-FI" sz="2200" dirty="0" err="1">
+                <a:solidFill>
+                  <a:schemeClr val="tx1"/>
+                </a:solidFill>
+                <a:latin typeface="Arial" charset="0"/>
+              </a:rPr>
+              <a:t>Turtle</a:t>
+            </a:r>
+            <a:r>
+              <a:rPr lang="fi-FI" sz="2200" dirty="0">
+                <a:solidFill>
+                  <a:schemeClr val="tx1"/>
+                </a:solidFill>
+                <a:latin typeface="Arial" charset="0"/>
+              </a:rPr>
+              <a:t>. </a:t>
+            </a:r>
+            <a:r>
+              <a:rPr lang="fi-FI" sz="2200" dirty="0" err="1">
+                <a:solidFill>
+                  <a:schemeClr val="tx1"/>
+                </a:solidFill>
+                <a:latin typeface="Arial" charset="0"/>
+              </a:rPr>
+              <a:t>Draw</a:t>
+            </a:r>
+            <a:r>
+              <a:rPr lang="fi-FI" sz="2200" dirty="0">
+                <a:solidFill>
+                  <a:schemeClr val="tx1"/>
+                </a:solidFill>
+                <a:latin typeface="Arial" charset="0"/>
+              </a:rPr>
+              <a:t> </a:t>
+            </a:r>
+            <a:r>
+              <a:rPr lang="fi-FI" sz="2200" dirty="0" err="1">
+                <a:solidFill>
+                  <a:schemeClr val="tx1"/>
+                </a:solidFill>
+                <a:latin typeface="Arial" charset="0"/>
+              </a:rPr>
+              <a:t>your</a:t>
+            </a:r>
+            <a:r>
+              <a:rPr lang="fi-FI" sz="2200" dirty="0">
+                <a:solidFill>
+                  <a:schemeClr val="tx1"/>
+                </a:solidFill>
+                <a:latin typeface="Arial" charset="0"/>
+              </a:rPr>
+              <a:t> image </a:t>
+            </a:r>
+            <a:r>
+              <a:rPr lang="fi-FI" sz="2200" dirty="0" err="1">
+                <a:solidFill>
+                  <a:schemeClr val="tx1"/>
+                </a:solidFill>
+                <a:latin typeface="Arial" charset="0"/>
+              </a:rPr>
+              <a:t>first</a:t>
+            </a:r>
+            <a:r>
+              <a:rPr lang="fi-FI" sz="2200" dirty="0">
+                <a:solidFill>
+                  <a:schemeClr val="tx1"/>
+                </a:solidFill>
+                <a:latin typeface="Arial" charset="0"/>
+              </a:rPr>
+              <a:t> on a </a:t>
+            </a:r>
+            <a:r>
+              <a:rPr lang="fi-FI" sz="2200" dirty="0" err="1">
+                <a:solidFill>
+                  <a:schemeClr val="tx1"/>
+                </a:solidFill>
+                <a:latin typeface="Arial" charset="0"/>
+              </a:rPr>
+              <a:t>piece</a:t>
+            </a:r>
+            <a:r>
+              <a:rPr lang="fi-FI" sz="2200" dirty="0">
+                <a:solidFill>
+                  <a:schemeClr val="tx1"/>
+                </a:solidFill>
+                <a:latin typeface="Arial" charset="0"/>
+              </a:rPr>
+              <a:t> of </a:t>
+            </a:r>
+            <a:r>
+              <a:rPr lang="fi-FI" sz="2200" dirty="0" err="1">
+                <a:solidFill>
+                  <a:schemeClr val="tx1"/>
+                </a:solidFill>
+                <a:latin typeface="Arial" charset="0"/>
+              </a:rPr>
+              <a:t>grid</a:t>
+            </a:r>
+            <a:r>
+              <a:rPr lang="fi-FI" sz="2200" dirty="0">
+                <a:solidFill>
+                  <a:schemeClr val="tx1"/>
+                </a:solidFill>
+                <a:latin typeface="Arial" charset="0"/>
+              </a:rPr>
+              <a:t> </a:t>
+            </a:r>
+            <a:r>
+              <a:rPr lang="fi-FI" sz="2200" dirty="0" err="1">
+                <a:solidFill>
+                  <a:schemeClr val="tx1"/>
+                </a:solidFill>
+                <a:latin typeface="Arial" charset="0"/>
+              </a:rPr>
+              <a:t>paper</a:t>
+            </a:r>
+            <a:r>
+              <a:rPr lang="fi-FI" sz="2200" dirty="0">
+                <a:solidFill>
+                  <a:schemeClr val="tx1"/>
+                </a:solidFill>
+                <a:latin typeface="Arial" charset="0"/>
+              </a:rPr>
+              <a:t>.</a:t>
+            </a:r>
+          </a:p>
+        </p:txBody>
+      </p:sp>
+      <p:pic>
+        <p:nvPicPr>
+          <p:cNvPr id="5" name="Picture 4"/>
+          <p:cNvPicPr>
+            <a:picLocks noChangeAspect="1"/>
+          </p:cNvPicPr>
           <p:nvPr/>
-        </p:nvSpPr>
+        </p:nvPicPr>
+        <p:blipFill>
+          <a:blip r:embed="rId5"/>
+          <a:stretch>
+            <a:fillRect/>
+          </a:stretch>
+        </p:blipFill>
         <p:spPr>
           <a:xfrm>
-            <a:off x="5600275" y="5884503"/>
-            <a:ext cx="300082" cy="369332"/>
+            <a:off x="3923928" y="2234712"/>
+            <a:ext cx="1333047" cy="2057361"/>
           </a:xfrm>
           <a:prstGeom prst="rect">
             <a:avLst/>
           </a:prstGeom>
-          <a:noFill/>
-        </p:spPr>
-        <p:txBody>
-          <a:bodyPr wrap="none" rtlCol="0">
-            <a:spAutoFit/>
-          </a:bodyPr>
-          <a:lstStyle/>
-          <a:p>
-            <a:r>
-              <a:rPr lang="fi-FI" dirty="0">
-                <a:solidFill>
-                  <a:schemeClr val="tx1"/>
-                </a:solidFill>
-              </a:rPr>
-              <a:t>x</a:t>
-            </a:r>
-          </a:p>
-        </p:txBody>
-      </p:sp>
-      <p:cxnSp>
-        <p:nvCxnSpPr>
-          <p:cNvPr id="23" name="Straight Arrow Connector 22"/>
-          <p:cNvCxnSpPr/>
+        </p:spPr>
+      </p:pic>
+      <p:pic>
+        <p:nvPicPr>
+          <p:cNvPr id="7" name="Picture 6"/>
+          <p:cNvPicPr>
+            <a:picLocks noChangeAspect="1"/>
+          </p:cNvPicPr>
           <p:nvPr/>
-        </p:nvCxnSpPr>
+        </p:nvPicPr>
+        <p:blipFill>
+          <a:blip r:embed="rId6"/>
+          <a:stretch>
+            <a:fillRect/>
+          </a:stretch>
+        </p:blipFill>
         <p:spPr>
-          <a:xfrm flipH="1">
-            <a:off x="3389326" y="5902997"/>
-            <a:ext cx="2836075" cy="6940"/>
-          </a:xfrm>
-          <a:prstGeom prst="straightConnector1">
-            <a:avLst/>
-          </a:prstGeom>
-          <a:ln w="38100">
-            <a:solidFill>
-              <a:schemeClr val="tx1"/>
-            </a:solidFill>
-            <a:headEnd type="triangle" w="med" len="med"/>
-            <a:tailEnd type="none" w="med" len="med"/>
-          </a:ln>
-        </p:spPr>
-        <p:style>
-          <a:lnRef idx="1">
-            <a:schemeClr val="accent1"/>
-          </a:lnRef>
-          <a:fillRef idx="0">
-            <a:schemeClr val="accent1"/>
-          </a:fillRef>
-          <a:effectRef idx="0">
-            <a:schemeClr val="accent1"/>
-          </a:effectRef>
-          <a:fontRef idx="minor">
-            <a:schemeClr val="tx1"/>
-          </a:fontRef>
-        </p:style>
-      </p:cxnSp>
-      <p:cxnSp>
-        <p:nvCxnSpPr>
-          <p:cNvPr id="24" name="Straight Arrow Connector 23"/>
-          <p:cNvCxnSpPr/>
-          <p:nvPr/>
-        </p:nvCxnSpPr>
-        <p:spPr>
-          <a:xfrm flipH="1">
-            <a:off x="4594397" y="4327804"/>
-            <a:ext cx="1508221" cy="1212801"/>
-          </a:xfrm>
-          <a:prstGeom prst="straightConnector1">
-            <a:avLst/>
-          </a:prstGeom>
-          <a:ln w="28575">
-            <a:solidFill>
-              <a:srgbClr val="FF0000"/>
-            </a:solidFill>
-            <a:tailEnd type="triangle"/>
-          </a:ln>
-        </p:spPr>
-        <p:style>
-          <a:lnRef idx="1">
-            <a:schemeClr val="accent1"/>
-          </a:lnRef>
-          <a:fillRef idx="0">
-            <a:schemeClr val="accent1"/>
-          </a:fillRef>
-          <a:effectRef idx="0">
-            <a:schemeClr val="accent1"/>
-          </a:effectRef>
-          <a:fontRef idx="minor">
-            <a:schemeClr val="tx1"/>
-          </a:fontRef>
-        </p:style>
-      </p:cxnSp>
-      <p:sp>
-        <p:nvSpPr>
-          <p:cNvPr id="5" name="TextBox 4"/>
-          <p:cNvSpPr txBox="1"/>
-          <p:nvPr/>
-        </p:nvSpPr>
-        <p:spPr>
-          <a:xfrm>
-            <a:off x="6079027" y="4028617"/>
-            <a:ext cx="1107996" cy="369332"/>
+          <a:xfrm>
+            <a:off x="1717778" y="2204973"/>
+            <a:ext cx="1558078" cy="2087100"/>
           </a:xfrm>
           <a:prstGeom prst="rect">
             <a:avLst/>
           </a:prstGeom>
-          <a:noFill/>
-          <a:ln>
-            <a:noFill/>
-          </a:ln>
-        </p:spPr>
-        <p:txBody>
-          <a:bodyPr wrap="none" rtlCol="0">
-            <a:spAutoFit/>
-          </a:bodyPr>
-          <a:lstStyle/>
-          <a:p>
-            <a:r>
-              <a:rPr lang="fi-FI" dirty="0">
-                <a:solidFill>
-                  <a:schemeClr val="tx1"/>
-                </a:solidFill>
-              </a:rPr>
-              <a:t>(165, 40)</a:t>
-            </a:r>
-          </a:p>
-        </p:txBody>
-      </p:sp>
-      <p:sp>
-        <p:nvSpPr>
-          <p:cNvPr id="26" name="TextBox 25"/>
-          <p:cNvSpPr txBox="1"/>
+        </p:spPr>
+      </p:pic>
+      <p:pic>
+        <p:nvPicPr>
+          <p:cNvPr id="8" name="Picture 7"/>
+          <p:cNvPicPr>
+            <a:picLocks noChangeAspect="1"/>
+          </p:cNvPicPr>
           <p:nvPr/>
-        </p:nvSpPr>
+        </p:nvPicPr>
+        <p:blipFill>
+          <a:blip r:embed="rId7"/>
+          <a:stretch>
+            <a:fillRect/>
+          </a:stretch>
+        </p:blipFill>
         <p:spPr>
           <a:xfrm>
-            <a:off x="6152214" y="2724857"/>
-            <a:ext cx="1107996" cy="369332"/>
+            <a:off x="6058614" y="2135889"/>
+            <a:ext cx="2088917" cy="2112063"/>
           </a:xfrm>
           <a:prstGeom prst="rect">
             <a:avLst/>
           </a:prstGeom>
-          <a:noFill/>
-          <a:ln>
-            <a:noFill/>
-          </a:ln>
-        </p:spPr>
-        <p:txBody>
-          <a:bodyPr wrap="none" rtlCol="0">
-            <a:spAutoFit/>
-          </a:bodyPr>
-          <a:lstStyle/>
-          <a:p>
-            <a:r>
-              <a:rPr lang="fi-FI" dirty="0">
-                <a:solidFill>
-                  <a:schemeClr val="tx1"/>
-                </a:solidFill>
-              </a:rPr>
-              <a:t>(76, 122)</a:t>
-            </a:r>
-          </a:p>
-        </p:txBody>
-      </p:sp>
-      <p:cxnSp>
-        <p:nvCxnSpPr>
-          <p:cNvPr id="29" name="Straight Arrow Connector 28"/>
-          <p:cNvCxnSpPr/>
-          <p:nvPr/>
-        </p:nvCxnSpPr>
-        <p:spPr>
-          <a:xfrm flipH="1">
-            <a:off x="3933636" y="3024857"/>
-            <a:ext cx="2291765" cy="1943712"/>
-          </a:xfrm>
-          <a:prstGeom prst="straightConnector1">
-            <a:avLst/>
-          </a:prstGeom>
-          <a:ln w="28575">
-            <a:solidFill>
-              <a:srgbClr val="FF0000"/>
-            </a:solidFill>
-            <a:tailEnd type="triangle"/>
-          </a:ln>
-        </p:spPr>
-        <p:style>
-          <a:lnRef idx="1">
-            <a:schemeClr val="accent1"/>
-          </a:lnRef>
-          <a:fillRef idx="0">
-            <a:schemeClr val="accent1"/>
-          </a:fillRef>
-          <a:effectRef idx="0">
-            <a:schemeClr val="accent1"/>
-          </a:effectRef>
-          <a:fontRef idx="minor">
-            <a:schemeClr val="tx1"/>
-          </a:fontRef>
-        </p:style>
-      </p:cxnSp>
-      <p:sp>
-        <p:nvSpPr>
-          <p:cNvPr id="8" name="TextBox 7"/>
-          <p:cNvSpPr txBox="1"/>
-          <p:nvPr/>
-        </p:nvSpPr>
-        <p:spPr>
-          <a:xfrm>
-            <a:off x="4363130" y="597679"/>
-            <a:ext cx="569387" cy="369332"/>
-          </a:xfrm>
-          <a:prstGeom prst="rect">
-            <a:avLst/>
-          </a:prstGeom>
-          <a:noFill/>
-        </p:spPr>
-        <p:txBody>
-          <a:bodyPr wrap="none" rtlCol="0">
-            <a:spAutoFit/>
-          </a:bodyPr>
-          <a:lstStyle/>
-          <a:p>
-            <a:r>
-              <a:rPr lang="fi-FI" dirty="0">
-                <a:solidFill>
-                  <a:schemeClr val="tx1"/>
-                </a:solidFill>
-              </a:rPr>
-              <a:t>348</a:t>
-            </a:r>
-          </a:p>
-        </p:txBody>
-      </p:sp>
-      <p:sp>
-        <p:nvSpPr>
-          <p:cNvPr id="34" name="Right Brace 33"/>
-          <p:cNvSpPr/>
-          <p:nvPr/>
-        </p:nvSpPr>
-        <p:spPr>
-          <a:xfrm rot="10800000">
-            <a:off x="2886201" y="1340767"/>
-            <a:ext cx="429987" cy="4543735"/>
-          </a:xfrm>
-          <a:prstGeom prst="rightBrace">
-            <a:avLst/>
-          </a:prstGeom>
-        </p:spPr>
-        <p:style>
-          <a:lnRef idx="1">
-            <a:schemeClr val="accent1"/>
-          </a:lnRef>
-          <a:fillRef idx="0">
-            <a:schemeClr val="accent1"/>
-          </a:fillRef>
-          <a:effectRef idx="0">
-            <a:schemeClr val="accent1"/>
-          </a:effectRef>
-          <a:fontRef idx="minor">
-            <a:schemeClr val="tx1"/>
-          </a:fontRef>
-        </p:style>
-        <p:txBody>
-          <a:bodyPr rtlCol="0" anchor="ctr"/>
-          <a:lstStyle/>
-          <a:p>
-            <a:pPr algn="ctr"/>
-            <a:endParaRPr lang="fi-FI"/>
-          </a:p>
-        </p:txBody>
-      </p:sp>
-      <p:sp>
-        <p:nvSpPr>
-          <p:cNvPr id="39" name="TextBox 38"/>
-          <p:cNvSpPr txBox="1"/>
-          <p:nvPr/>
-        </p:nvSpPr>
-        <p:spPr>
-          <a:xfrm>
-            <a:off x="2262781" y="3427968"/>
-            <a:ext cx="569387" cy="369332"/>
-          </a:xfrm>
-          <a:prstGeom prst="rect">
-            <a:avLst/>
-          </a:prstGeom>
-          <a:noFill/>
-        </p:spPr>
-        <p:txBody>
-          <a:bodyPr wrap="none" rtlCol="0">
-            <a:spAutoFit/>
-          </a:bodyPr>
-          <a:lstStyle/>
-          <a:p>
-            <a:r>
-              <a:rPr lang="fi-FI" dirty="0">
-                <a:solidFill>
-                  <a:schemeClr val="tx1"/>
-                </a:solidFill>
-              </a:rPr>
-              <a:t>638</a:t>
-            </a:r>
-          </a:p>
-        </p:txBody>
-      </p:sp>
-      <p:sp>
-        <p:nvSpPr>
-          <p:cNvPr id="9" name="Right Brace 8"/>
-          <p:cNvSpPr/>
-          <p:nvPr/>
-        </p:nvSpPr>
-        <p:spPr>
-          <a:xfrm rot="16200000">
-            <a:off x="4501384" y="-132778"/>
-            <a:ext cx="313765" cy="2484185"/>
-          </a:xfrm>
-          <a:prstGeom prst="rightBrace">
-            <a:avLst/>
-          </a:prstGeom>
-        </p:spPr>
-        <p:style>
-          <a:lnRef idx="1">
-            <a:schemeClr val="accent1"/>
-          </a:lnRef>
-          <a:fillRef idx="0">
-            <a:schemeClr val="accent1"/>
-          </a:fillRef>
-          <a:effectRef idx="0">
-            <a:schemeClr val="accent1"/>
-          </a:effectRef>
-          <a:fontRef idx="minor">
-            <a:schemeClr val="tx1"/>
-          </a:fontRef>
-        </p:style>
-        <p:txBody>
-          <a:bodyPr rtlCol="0" anchor="ctr"/>
-          <a:lstStyle/>
-          <a:p>
-            <a:pPr algn="ctr"/>
-            <a:endParaRPr lang="fi-FI"/>
-          </a:p>
-        </p:txBody>
-      </p:sp>
+        </p:spPr>
+      </p:pic>
     </p:spTree>
     <p:extLst>
       <p:ext uri="{BB962C8B-B14F-4D97-AF65-F5344CB8AC3E}">
-        <p14:creationId xmlns:p14="http://schemas.microsoft.com/office/powerpoint/2010/main" val="3922543657"/>
+        <p14:creationId xmlns:p14="http://schemas.microsoft.com/office/powerpoint/2010/main" val="1755891079"/>
       </p:ext>
     </p:extLst>
   </p:cSld>
